--- a/toki/tokistorage-partnership-deck.pptx
+++ b/toki/tokistorage-partnership-deck.pptx
@@ -3111,7 +3111,7 @@
             <a:avLst/>
           </a:prstGeom>
           <a:solidFill>
-            <a:srgbClr val="0A1628"/>
+            <a:srgbClr val="1E293B"/>
           </a:solidFill>
           <a:ln>
             <a:noFill/>
@@ -3170,7 +3170,7 @@
             <a:r>
               <a:rPr sz="700" b="0">
                 <a:solidFill>
-                  <a:srgbClr val="9999AA"/>
+                  <a:srgbClr val="94A3B8"/>
                 </a:solidFill>
                 <a:latin typeface="IPAPGothic"/>
               </a:rPr>
@@ -3270,13 +3270,13 @@
         <p:spPr>
           <a:xfrm>
             <a:off x="0" y="4594860"/>
-            <a:ext cx="9144000" cy="36576"/>
+            <a:ext cx="9144000" cy="27432"/>
           </a:xfrm>
           <a:prstGeom prst="rect">
             <a:avLst/>
           </a:prstGeom>
           <a:solidFill>
-            <a:srgbClr val="1E6FD9"/>
+            <a:srgbClr val="2563EB"/>
           </a:solidFill>
           <a:ln>
             <a:noFill/>
@@ -3335,7 +3335,7 @@
             <a:r>
               <a:rPr sz="650" b="0">
                 <a:solidFill>
-                  <a:srgbClr val="9999AA"/>
+                  <a:srgbClr val="94A3B8"/>
                 </a:solidFill>
                 <a:latin typeface="IPAPGothic"/>
               </a:rPr>
@@ -3375,7 +3375,7 @@
             <a:r>
               <a:rPr sz="650" b="0">
                 <a:solidFill>
-                  <a:srgbClr val="9999AA"/>
+                  <a:srgbClr val="94A3B8"/>
                 </a:solidFill>
                 <a:latin typeface="IPAPGothic"/>
               </a:rPr>
@@ -3415,7 +3415,7 @@
             <a:r>
               <a:rPr sz="650" b="0">
                 <a:solidFill>
-                  <a:srgbClr val="9999AA"/>
+                  <a:srgbClr val="94A3B8"/>
                 </a:solidFill>
                 <a:latin typeface="IPAPGothic"/>
               </a:rPr>
@@ -3457,7 +3457,7 @@
             <a:avLst/>
           </a:prstGeom>
           <a:solidFill>
-            <a:srgbClr val="0A1628"/>
+            <a:srgbClr val="1E293B"/>
           </a:solidFill>
           <a:ln>
             <a:noFill/>
@@ -3556,7 +3556,7 @@
             <a:r>
               <a:rPr sz="700" b="1">
                 <a:solidFill>
-                  <a:srgbClr val="1E6FD9"/>
+                  <a:srgbClr val="2563EB"/>
                 </a:solidFill>
                 <a:latin typeface="IPAPGothic"/>
               </a:rPr>
@@ -3580,11 +3580,11 @@
             <a:avLst/>
           </a:prstGeom>
           <a:solidFill>
-            <a:srgbClr val="F8F9FB"/>
+            <a:srgbClr val="FFFFFF"/>
           </a:solidFill>
           <a:ln w="9525">
             <a:solidFill>
-              <a:srgbClr val="E2E5EB"/>
+              <a:srgbClr val="E2E8F0"/>
             </a:solidFill>
           </a:ln>
         </p:spPr>
@@ -3641,7 +3641,7 @@
             <a:r>
               <a:rPr sz="1100" b="1">
                 <a:solidFill>
-                  <a:srgbClr val="1E6FD9"/>
+                  <a:srgbClr val="2563EB"/>
                 </a:solidFill>
                 <a:latin typeface="IPAPGothic"/>
               </a:rPr>
@@ -3681,7 +3681,7 @@
             <a:r>
               <a:rPr sz="800" b="1">
                 <a:solidFill>
-                  <a:srgbClr val="1A1A2E"/>
+                  <a:srgbClr val="1E293B"/>
                 </a:solidFill>
                 <a:latin typeface="IPAPGothic"/>
               </a:rPr>
@@ -3721,7 +3721,7 @@
             <a:r>
               <a:rPr sz="700" b="0">
                 <a:solidFill>
-                  <a:srgbClr val="555570"/>
+                  <a:srgbClr val="475569"/>
                 </a:solidFill>
                 <a:latin typeface="IPAPGothic"/>
               </a:rPr>
@@ -3745,11 +3745,11 @@
             <a:avLst/>
           </a:prstGeom>
           <a:solidFill>
-            <a:srgbClr val="F8F9FB"/>
+            <a:srgbClr val="FFFFFF"/>
           </a:solidFill>
           <a:ln w="9525">
             <a:solidFill>
-              <a:srgbClr val="E2E5EB"/>
+              <a:srgbClr val="E2E8F0"/>
             </a:solidFill>
           </a:ln>
         </p:spPr>
@@ -3806,7 +3806,7 @@
             <a:r>
               <a:rPr sz="1100" b="1">
                 <a:solidFill>
-                  <a:srgbClr val="1E6FD9"/>
+                  <a:srgbClr val="2563EB"/>
                 </a:solidFill>
                 <a:latin typeface="IPAPGothic"/>
               </a:rPr>
@@ -3846,7 +3846,7 @@
             <a:r>
               <a:rPr sz="800" b="1">
                 <a:solidFill>
-                  <a:srgbClr val="1A1A2E"/>
+                  <a:srgbClr val="1E293B"/>
                 </a:solidFill>
                 <a:latin typeface="IPAPGothic"/>
               </a:rPr>
@@ -3886,7 +3886,7 @@
             <a:r>
               <a:rPr sz="700" b="0">
                 <a:solidFill>
-                  <a:srgbClr val="555570"/>
+                  <a:srgbClr val="475569"/>
                 </a:solidFill>
                 <a:latin typeface="IPAPGothic"/>
               </a:rPr>
@@ -3910,11 +3910,11 @@
             <a:avLst/>
           </a:prstGeom>
           <a:solidFill>
-            <a:srgbClr val="F8F9FB"/>
+            <a:srgbClr val="FFFFFF"/>
           </a:solidFill>
           <a:ln w="9525">
             <a:solidFill>
-              <a:srgbClr val="E2E5EB"/>
+              <a:srgbClr val="E2E8F0"/>
             </a:solidFill>
           </a:ln>
         </p:spPr>
@@ -3971,7 +3971,7 @@
             <a:r>
               <a:rPr sz="1100" b="1">
                 <a:solidFill>
-                  <a:srgbClr val="1E6FD9"/>
+                  <a:srgbClr val="2563EB"/>
                 </a:solidFill>
                 <a:latin typeface="IPAPGothic"/>
               </a:rPr>
@@ -4011,7 +4011,7 @@
             <a:r>
               <a:rPr sz="800" b="1">
                 <a:solidFill>
-                  <a:srgbClr val="1A1A2E"/>
+                  <a:srgbClr val="1E293B"/>
                 </a:solidFill>
                 <a:latin typeface="IPAPGothic"/>
               </a:rPr>
@@ -4051,7 +4051,7 @@
             <a:r>
               <a:rPr sz="700" b="0">
                 <a:solidFill>
-                  <a:srgbClr val="555570"/>
+                  <a:srgbClr val="475569"/>
                 </a:solidFill>
                 <a:latin typeface="IPAPGothic"/>
               </a:rPr>
@@ -4075,7 +4075,7 @@
             <a:avLst/>
           </a:prstGeom>
           <a:solidFill>
-            <a:srgbClr val="E2E5EB"/>
+            <a:srgbClr val="E2E8F0"/>
           </a:solidFill>
           <a:ln>
             <a:noFill/>
@@ -4134,7 +4134,7 @@
             <a:r>
               <a:rPr sz="650" b="0">
                 <a:solidFill>
-                  <a:srgbClr val="9999AA"/>
+                  <a:srgbClr val="94A3B8"/>
                 </a:solidFill>
                 <a:latin typeface="IPAPGothic"/>
               </a:rPr>
@@ -4174,7 +4174,7 @@
             <a:r>
               <a:rPr sz="650" b="0">
                 <a:solidFill>
-                  <a:srgbClr val="9999AA"/>
+                  <a:srgbClr val="94A3B8"/>
                 </a:solidFill>
                 <a:latin typeface="IPAPGothic"/>
               </a:rPr>
@@ -4214,7 +4214,7 @@
             <a:r>
               <a:rPr sz="650" b="1">
                 <a:solidFill>
-                  <a:srgbClr val="9999AA"/>
+                  <a:srgbClr val="94A3B8"/>
                 </a:solidFill>
                 <a:latin typeface="IPAPGothic"/>
               </a:rPr>
@@ -4256,7 +4256,7 @@
             <a:avLst/>
           </a:prstGeom>
           <a:solidFill>
-            <a:srgbClr val="0A1628"/>
+            <a:srgbClr val="1E293B"/>
           </a:solidFill>
           <a:ln>
             <a:noFill/>
@@ -4355,7 +4355,7 @@
             <a:r>
               <a:rPr sz="700" b="1">
                 <a:solidFill>
-                  <a:srgbClr val="1E6FD9"/>
+                  <a:srgbClr val="2563EB"/>
                 </a:solidFill>
                 <a:latin typeface="IPAPGothic"/>
               </a:rPr>
@@ -4379,11 +4379,11 @@
             <a:avLst/>
           </a:prstGeom>
           <a:solidFill>
-            <a:srgbClr val="F8F9FB"/>
+            <a:srgbClr val="FFFFFF"/>
           </a:solidFill>
           <a:ln w="9525">
             <a:solidFill>
-              <a:srgbClr val="E2E5EB"/>
+              <a:srgbClr val="E2E8F0"/>
             </a:solidFill>
           </a:ln>
         </p:spPr>
@@ -4411,145 +4411,23 @@
       </p:sp>
       <p:sp>
         <p:nvSpPr>
-          <p:cNvPr id="6" name="TextBox 5"/>
-          <p:cNvSpPr txBox="1"/>
-          <p:nvPr/>
-        </p:nvSpPr>
-        <p:spPr>
-          <a:xfrm>
-            <a:off x="548640" y="987552"/>
-            <a:ext cx="320040" cy="320040"/>
-          </a:xfrm>
-          <a:prstGeom prst="rect">
-            <a:avLst/>
-          </a:prstGeom>
-          <a:noFill/>
-        </p:spPr>
-        <p:txBody>
-          <a:bodyPr wrap="square"/>
-          <a:lstStyle/>
-          <a:p>
-            <a:pPr algn="l">
-              <a:spcBef>
-                <a:spcPts val="0"/>
-              </a:spcBef>
-              <a:spcAft>
-                <a:spcPts val="0"/>
-              </a:spcAft>
-            </a:pPr>
-            <a:r>
-              <a:rPr sz="1400" b="0">
-                <a:solidFill>
-                  <a:srgbClr val="1A1A2E"/>
-                </a:solidFill>
-                <a:latin typeface="IPAPGothic"/>
-              </a:rPr>
-              <a:t>💎</a:t>
-            </a:r>
-          </a:p>
-        </p:txBody>
-      </p:sp>
-      <p:sp>
-        <p:nvSpPr>
-          <p:cNvPr id="7" name="TextBox 6"/>
-          <p:cNvSpPr txBox="1"/>
-          <p:nvPr/>
-        </p:nvSpPr>
-        <p:spPr>
-          <a:xfrm>
-            <a:off x="868680" y="987552"/>
-            <a:ext cx="3383280" cy="182880"/>
-          </a:xfrm>
-          <a:prstGeom prst="rect">
-            <a:avLst/>
-          </a:prstGeom>
-          <a:noFill/>
-        </p:spPr>
-        <p:txBody>
-          <a:bodyPr wrap="square"/>
-          <a:lstStyle/>
-          <a:p>
-            <a:pPr algn="l">
-              <a:spcBef>
-                <a:spcPts val="0"/>
-              </a:spcBef>
-              <a:spcAft>
-                <a:spcPts val="0"/>
-              </a:spcAft>
-            </a:pPr>
-            <a:r>
-              <a:rPr sz="800" b="1">
-                <a:solidFill>
-                  <a:srgbClr val="1A1A2E"/>
-                </a:solidFill>
-                <a:latin typeface="IPAPGothic"/>
-              </a:rPr>
-              <a:t>石英ガラス記録技術</a:t>
-            </a:r>
-          </a:p>
-        </p:txBody>
-      </p:sp>
-      <p:sp>
-        <p:nvSpPr>
-          <p:cNvPr id="8" name="TextBox 7"/>
-          <p:cNvSpPr txBox="1"/>
-          <p:nvPr/>
-        </p:nvSpPr>
-        <p:spPr>
-          <a:xfrm>
-            <a:off x="868680" y="1188720"/>
-            <a:ext cx="3383280" cy="1207008"/>
-          </a:xfrm>
-          <a:prstGeom prst="rect">
-            <a:avLst/>
-          </a:prstGeom>
-          <a:noFill/>
-        </p:spPr>
-        <p:txBody>
-          <a:bodyPr wrap="square"/>
-          <a:lstStyle/>
-          <a:p>
-            <a:pPr algn="l">
-              <a:spcBef>
-                <a:spcPts val="0"/>
-              </a:spcBef>
-              <a:spcAft>
-                <a:spcPts val="0"/>
-              </a:spcAft>
-            </a:pPr>
-            <a:r>
-              <a:rPr sz="650" b="0">
-                <a:solidFill>
-                  <a:srgbClr val="555570"/>
-                </a:solidFill>
-                <a:latin typeface="IPAPGothic"/>
-              </a:rPr>
-              <a:t>金属蒸着によるQRコード刻印。サーバー・電源ゼロ。SLA 100%、1000年保証。スマホカメラで読取可能。</a:t>
-            </a:r>
-          </a:p>
-        </p:txBody>
-      </p:sp>
-      <p:sp>
-        <p:nvSpPr>
-          <p:cNvPr id="9" name="Rectangle 8"/>
+          <p:cNvPr id="6" name="Oval 5"/>
           <p:cNvSpPr/>
           <p:nvPr/>
         </p:nvSpPr>
         <p:spPr>
           <a:xfrm>
-            <a:off x="4617720" y="914400"/>
-            <a:ext cx="3931920" cy="1554480"/>
-          </a:xfrm>
-          <a:prstGeom prst="rect">
+            <a:off x="566928" y="1024128"/>
+            <a:ext cx="292608" cy="292608"/>
+          </a:xfrm>
+          <a:prstGeom prst="ellipse">
             <a:avLst/>
           </a:prstGeom>
           <a:solidFill>
-            <a:srgbClr val="F8F9FB"/>
+            <a:srgbClr val="EFF6FF"/>
           </a:solidFill>
-          <a:ln w="9525">
-            <a:solidFill>
-              <a:srgbClr val="E2E5EB"/>
-            </a:solidFill>
+          <a:ln>
+            <a:noFill/>
           </a:ln>
         </p:spPr>
         <p:style>
@@ -4576,14 +4454,54 @@
       </p:sp>
       <p:sp>
         <p:nvSpPr>
-          <p:cNvPr id="10" name="TextBox 9"/>
-          <p:cNvSpPr txBox="1"/>
-          <p:nvPr/>
-        </p:nvSpPr>
-        <p:spPr>
-          <a:xfrm>
-            <a:off x="4709160" y="987552"/>
-            <a:ext cx="320040" cy="320040"/>
+          <p:cNvPr id="7" name="TextBox 6"/>
+          <p:cNvSpPr txBox="1"/>
+          <p:nvPr/>
+        </p:nvSpPr>
+        <p:spPr>
+          <a:xfrm>
+            <a:off x="566928" y="1024128"/>
+            <a:ext cx="292608" cy="292608"/>
+          </a:xfrm>
+          <a:prstGeom prst="rect">
+            <a:avLst/>
+          </a:prstGeom>
+          <a:noFill/>
+        </p:spPr>
+        <p:txBody>
+          <a:bodyPr wrap="square" anchor="ctr"/>
+          <a:lstStyle/>
+          <a:p>
+            <a:pPr algn="ctr">
+              <a:spcBef>
+                <a:spcPts val="0"/>
+              </a:spcBef>
+              <a:spcAft>
+                <a:spcPts val="0"/>
+              </a:spcAft>
+            </a:pPr>
+            <a:r>
+              <a:rPr sz="900" b="1">
+                <a:solidFill>
+                  <a:srgbClr val="2563EB"/>
+                </a:solidFill>
+                <a:latin typeface="IPAPGothic"/>
+              </a:rPr>
+              <a:t>Q</a:t>
+            </a:r>
+          </a:p>
+        </p:txBody>
+      </p:sp>
+      <p:sp>
+        <p:nvSpPr>
+          <p:cNvPr id="8" name="TextBox 7"/>
+          <p:cNvSpPr txBox="1"/>
+          <p:nvPr/>
+        </p:nvSpPr>
+        <p:spPr>
+          <a:xfrm>
+            <a:off x="932688" y="1024128"/>
+            <a:ext cx="3337560" cy="182880"/>
           </a:xfrm>
           <a:prstGeom prst="rect">
             <a:avLst/>
@@ -4603,27 +4521,27 @@
               </a:spcAft>
             </a:pPr>
             <a:r>
-              <a:rPr sz="1400" b="0">
-                <a:solidFill>
-                  <a:srgbClr val="1A1A2E"/>
-                </a:solidFill>
-                <a:latin typeface="IPAPGothic"/>
-              </a:rPr>
-              <a:t>📊</a:t>
-            </a:r>
-          </a:p>
-        </p:txBody>
-      </p:sp>
-      <p:sp>
-        <p:nvSpPr>
-          <p:cNvPr id="11" name="TextBox 10"/>
-          <p:cNvSpPr txBox="1"/>
-          <p:nvPr/>
-        </p:nvSpPr>
-        <p:spPr>
-          <a:xfrm>
-            <a:off x="5029200" y="987552"/>
-            <a:ext cx="3383280" cy="182880"/>
+              <a:rPr sz="800" b="1">
+                <a:solidFill>
+                  <a:srgbClr val="1E293B"/>
+                </a:solidFill>
+                <a:latin typeface="IPAPGothic"/>
+              </a:rPr>
+              <a:t>石英ガラス記録技術</a:t>
+            </a:r>
+          </a:p>
+        </p:txBody>
+      </p:sp>
+      <p:sp>
+        <p:nvSpPr>
+          <p:cNvPr id="9" name="TextBox 8"/>
+          <p:cNvSpPr txBox="1"/>
+          <p:nvPr/>
+        </p:nvSpPr>
+        <p:spPr>
+          <a:xfrm>
+            <a:off x="932688" y="1225296"/>
+            <a:ext cx="3337560" cy="1170432"/>
           </a:xfrm>
           <a:prstGeom prst="rect">
             <a:avLst/>
@@ -4643,77 +4561,37 @@
               </a:spcAft>
             </a:pPr>
             <a:r>
-              <a:rPr sz="800" b="1">
-                <a:solidFill>
-                  <a:srgbClr val="1A1A2E"/>
-                </a:solidFill>
-                <a:latin typeface="IPAPGothic"/>
-              </a:rPr>
-              <a:t>200+ ユースケース（業界別整理済み）</a:t>
-            </a:r>
-          </a:p>
-        </p:txBody>
-      </p:sp>
-      <p:sp>
-        <p:nvSpPr>
-          <p:cNvPr id="12" name="TextBox 11"/>
-          <p:cNvSpPr txBox="1"/>
-          <p:nvPr/>
-        </p:nvSpPr>
-        <p:spPr>
-          <a:xfrm>
-            <a:off x="5029200" y="1188720"/>
-            <a:ext cx="3383280" cy="1207008"/>
-          </a:xfrm>
-          <a:prstGeom prst="rect">
-            <a:avLst/>
-          </a:prstGeom>
-          <a:noFill/>
-        </p:spPr>
-        <p:txBody>
-          <a:bodyPr wrap="square"/>
-          <a:lstStyle/>
-          <a:p>
-            <a:pPr algn="l">
-              <a:spcBef>
-                <a:spcPts val="0"/>
-              </a:spcBef>
-              <a:spcAft>
-                <a:spcPts val="0"/>
-              </a:spcAft>
-            </a:pPr>
-            <a:r>
               <a:rPr sz="650" b="0">
                 <a:solidFill>
-                  <a:srgbClr val="555570"/>
-                </a:solidFill>
-                <a:latin typeface="IPAPGothic"/>
-              </a:rPr>
-              <a:t>終活・婚礼・寺社・学校・企業・自治体・NGO・ホテル・航空。提案書にそのまま転用可能な粒度。</a:t>
-            </a:r>
-          </a:p>
-        </p:txBody>
-      </p:sp>
-      <p:sp>
-        <p:nvSpPr>
-          <p:cNvPr id="13" name="Rectangle 12"/>
+                  <a:srgbClr val="475569"/>
+                </a:solidFill>
+                <a:latin typeface="IPAPGothic"/>
+              </a:rPr>
+              <a:t>金属蒸着によるQRコード刻印。サーバー・電源ゼロ。SLA 100%、1000年保証。スマホカメラで読取可能。</a:t>
+            </a:r>
+          </a:p>
+        </p:txBody>
+      </p:sp>
+      <p:sp>
+        <p:nvSpPr>
+          <p:cNvPr id="10" name="Rectangle 9"/>
           <p:cNvSpPr/>
           <p:nvPr/>
         </p:nvSpPr>
         <p:spPr>
           <a:xfrm>
-            <a:off x="457200" y="2651760"/>
+            <a:off x="4617720" y="914400"/>
             <a:ext cx="3931920" cy="1554480"/>
           </a:xfrm>
           <a:prstGeom prst="rect">
             <a:avLst/>
           </a:prstGeom>
           <a:solidFill>
-            <a:srgbClr val="F8F9FB"/>
+            <a:srgbClr val="FFFFFF"/>
           </a:solidFill>
           <a:ln w="9525">
             <a:solidFill>
-              <a:srgbClr val="E2E5EB"/>
+              <a:srgbClr val="E2E8F0"/>
             </a:solidFill>
           </a:ln>
         </p:spPr>
@@ -4741,145 +4619,23 @@
       </p:sp>
       <p:sp>
         <p:nvSpPr>
-          <p:cNvPr id="14" name="TextBox 13"/>
-          <p:cNvSpPr txBox="1"/>
-          <p:nvPr/>
-        </p:nvSpPr>
-        <p:spPr>
-          <a:xfrm>
-            <a:off x="548640" y="2724912"/>
-            <a:ext cx="320040" cy="320040"/>
-          </a:xfrm>
-          <a:prstGeom prst="rect">
-            <a:avLst/>
-          </a:prstGeom>
-          <a:noFill/>
-        </p:spPr>
-        <p:txBody>
-          <a:bodyPr wrap="square"/>
-          <a:lstStyle/>
-          <a:p>
-            <a:pPr algn="l">
-              <a:spcBef>
-                <a:spcPts val="0"/>
-              </a:spcBef>
-              <a:spcAft>
-                <a:spcPts val="0"/>
-              </a:spcAft>
-            </a:pPr>
-            <a:r>
-              <a:rPr sz="1400" b="0">
-                <a:solidFill>
-                  <a:srgbClr val="1A1A2E"/>
-                </a:solidFill>
-                <a:latin typeface="IPAPGothic"/>
-              </a:rPr>
-              <a:t>📝</a:t>
-            </a:r>
-          </a:p>
-        </p:txBody>
-      </p:sp>
-      <p:sp>
-        <p:nvSpPr>
-          <p:cNvPr id="15" name="TextBox 14"/>
-          <p:cNvSpPr txBox="1"/>
-          <p:nvPr/>
-        </p:nvSpPr>
-        <p:spPr>
-          <a:xfrm>
-            <a:off x="868680" y="2724912"/>
-            <a:ext cx="3383280" cy="182880"/>
-          </a:xfrm>
-          <a:prstGeom prst="rect">
-            <a:avLst/>
-          </a:prstGeom>
-          <a:noFill/>
-        </p:spPr>
-        <p:txBody>
-          <a:bodyPr wrap="square"/>
-          <a:lstStyle/>
-          <a:p>
-            <a:pPr algn="l">
-              <a:spcBef>
-                <a:spcPts val="0"/>
-              </a:spcBef>
-              <a:spcAft>
-                <a:spcPts val="0"/>
-              </a:spcAft>
-            </a:pPr>
-            <a:r>
-              <a:rPr sz="800" b="1">
-                <a:solidFill>
-                  <a:srgbClr val="1A1A2E"/>
-                </a:solidFill>
-                <a:latin typeface="IPAPGothic"/>
-              </a:rPr>
-              <a:t>70+ 思想エッセイ（9領域）</a:t>
-            </a:r>
-          </a:p>
-        </p:txBody>
-      </p:sp>
-      <p:sp>
-        <p:nvSpPr>
-          <p:cNvPr id="16" name="TextBox 15"/>
-          <p:cNvSpPr txBox="1"/>
-          <p:nvPr/>
-        </p:nvSpPr>
-        <p:spPr>
-          <a:xfrm>
-            <a:off x="868680" y="2926080"/>
-            <a:ext cx="3383280" cy="1207008"/>
-          </a:xfrm>
-          <a:prstGeom prst="rect">
-            <a:avLst/>
-          </a:prstGeom>
-          <a:noFill/>
-        </p:spPr>
-        <p:txBody>
-          <a:bodyPr wrap="square"/>
-          <a:lstStyle/>
-          <a:p>
-            <a:pPr algn="l">
-              <a:spcBef>
-                <a:spcPts val="0"/>
-              </a:spcBef>
-              <a:spcAft>
-                <a:spcPts val="0"/>
-              </a:spcAft>
-            </a:pPr>
-            <a:r>
-              <a:rPr sz="650" b="0">
-                <a:solidFill>
-                  <a:srgbClr val="555570"/>
-                </a:solidFill>
-                <a:latin typeface="IPAPGothic"/>
-              </a:rPr>
-              <a:t>存在証明を心理学・宗教・経済・AI・宇宙まで展開。知的コンテンツとしてクライアント提案に活用可能。</a:t>
-            </a:r>
-          </a:p>
-        </p:txBody>
-      </p:sp>
-      <p:sp>
-        <p:nvSpPr>
-          <p:cNvPr id="17" name="Rectangle 16"/>
+          <p:cNvPr id="11" name="Oval 10"/>
           <p:cNvSpPr/>
           <p:nvPr/>
         </p:nvSpPr>
         <p:spPr>
           <a:xfrm>
-            <a:off x="4617720" y="2651760"/>
-            <a:ext cx="3931920" cy="1554480"/>
-          </a:xfrm>
-          <a:prstGeom prst="rect">
+            <a:off x="4727448" y="1024128"/>
+            <a:ext cx="292608" cy="292608"/>
+          </a:xfrm>
+          <a:prstGeom prst="ellipse">
             <a:avLst/>
           </a:prstGeom>
           <a:solidFill>
-            <a:srgbClr val="F8F9FB"/>
+            <a:srgbClr val="EFF6FF"/>
           </a:solidFill>
-          <a:ln w="9525">
-            <a:solidFill>
-              <a:srgbClr val="E2E5EB"/>
-            </a:solidFill>
+          <a:ln>
+            <a:noFill/>
           </a:ln>
         </p:spPr>
         <p:style>
@@ -4906,14 +4662,54 @@
       </p:sp>
       <p:sp>
         <p:nvSpPr>
-          <p:cNvPr id="18" name="TextBox 17"/>
-          <p:cNvSpPr txBox="1"/>
-          <p:nvPr/>
-        </p:nvSpPr>
-        <p:spPr>
-          <a:xfrm>
-            <a:off x="4709160" y="2724912"/>
-            <a:ext cx="320040" cy="320040"/>
+          <p:cNvPr id="12" name="TextBox 11"/>
+          <p:cNvSpPr txBox="1"/>
+          <p:nvPr/>
+        </p:nvSpPr>
+        <p:spPr>
+          <a:xfrm>
+            <a:off x="4727448" y="1024128"/>
+            <a:ext cx="292608" cy="292608"/>
+          </a:xfrm>
+          <a:prstGeom prst="rect">
+            <a:avLst/>
+          </a:prstGeom>
+          <a:noFill/>
+        </p:spPr>
+        <p:txBody>
+          <a:bodyPr wrap="square" anchor="ctr"/>
+          <a:lstStyle/>
+          <a:p>
+            <a:pPr algn="ctr">
+              <a:spcBef>
+                <a:spcPts val="0"/>
+              </a:spcBef>
+              <a:spcAft>
+                <a:spcPts val="0"/>
+              </a:spcAft>
+            </a:pPr>
+            <a:r>
+              <a:rPr sz="900" b="1">
+                <a:solidFill>
+                  <a:srgbClr val="2563EB"/>
+                </a:solidFill>
+                <a:latin typeface="IPAPGothic"/>
+              </a:rPr>
+              <a:t>U</a:t>
+            </a:r>
+          </a:p>
+        </p:txBody>
+      </p:sp>
+      <p:sp>
+        <p:nvSpPr>
+          <p:cNvPr id="13" name="TextBox 12"/>
+          <p:cNvSpPr txBox="1"/>
+          <p:nvPr/>
+        </p:nvSpPr>
+        <p:spPr>
+          <a:xfrm>
+            <a:off x="5093208" y="1024128"/>
+            <a:ext cx="3337560" cy="182880"/>
           </a:xfrm>
           <a:prstGeom prst="rect">
             <a:avLst/>
@@ -4933,27 +4729,27 @@
               </a:spcAft>
             </a:pPr>
             <a:r>
-              <a:rPr sz="1400" b="0">
-                <a:solidFill>
-                  <a:srgbClr val="1A1A2E"/>
-                </a:solidFill>
-                <a:latin typeface="IPAPGothic"/>
-              </a:rPr>
-              <a:t>🐾</a:t>
-            </a:r>
-          </a:p>
-        </p:txBody>
-      </p:sp>
-      <p:sp>
-        <p:nvSpPr>
-          <p:cNvPr id="19" name="TextBox 18"/>
-          <p:cNvSpPr txBox="1"/>
-          <p:nvPr/>
-        </p:nvSpPr>
-        <p:spPr>
-          <a:xfrm>
-            <a:off x="5029200" y="2724912"/>
-            <a:ext cx="3383280" cy="182880"/>
+              <a:rPr sz="800" b="1">
+                <a:solidFill>
+                  <a:srgbClr val="1E293B"/>
+                </a:solidFill>
+                <a:latin typeface="IPAPGothic"/>
+              </a:rPr>
+              <a:t>200+ ユースケース（業界別整理済み）</a:t>
+            </a:r>
+          </a:p>
+        </p:txBody>
+      </p:sp>
+      <p:sp>
+        <p:nvSpPr>
+          <p:cNvPr id="14" name="TextBox 13"/>
+          <p:cNvSpPr txBox="1"/>
+          <p:nvPr/>
+        </p:nvSpPr>
+        <p:spPr>
+          <a:xfrm>
+            <a:off x="5093208" y="1225296"/>
+            <a:ext cx="3337560" cy="1170432"/>
           </a:xfrm>
           <a:prstGeom prst="rect">
             <a:avLst/>
@@ -4973,76 +4769,38 @@
               </a:spcAft>
             </a:pPr>
             <a:r>
-              <a:rPr sz="800" b="1">
-                <a:solidFill>
-                  <a:srgbClr val="1A1A2E"/>
-                </a:solidFill>
-                <a:latin typeface="IPAPGothic"/>
-              </a:rPr>
-              <a:t>Pearl Soap + アンバサダー網</a:t>
-            </a:r>
-          </a:p>
-        </p:txBody>
-      </p:sp>
-      <p:sp>
-        <p:nvSpPr>
-          <p:cNvPr id="20" name="TextBox 19"/>
-          <p:cNvSpPr txBox="1"/>
-          <p:nvPr/>
-        </p:nvSpPr>
-        <p:spPr>
-          <a:xfrm>
-            <a:off x="5029200" y="2926080"/>
-            <a:ext cx="3383280" cy="1207008"/>
-          </a:xfrm>
-          <a:prstGeom prst="rect">
-            <a:avLst/>
-          </a:prstGeom>
-          <a:noFill/>
-        </p:spPr>
-        <p:txBody>
-          <a:bodyPr wrap="square"/>
-          <a:lstStyle/>
-          <a:p>
-            <a:pPr algn="l">
-              <a:spcBef>
-                <a:spcPts val="0"/>
-              </a:spcBef>
-              <a:spcAft>
-                <a:spcPts val="0"/>
-              </a:spcAft>
-            </a:pPr>
-            <a:r>
               <a:rPr sz="650" b="0">
                 <a:solidFill>
-                  <a:srgbClr val="555570"/>
-                </a:solidFill>
-                <a:latin typeface="IPAPGothic"/>
-              </a:rPr>
-              <a:t>贈与経済の実践。全国にワークショップ展開可能な分散型運動体。エンドユーザーとの接点を提供。</a:t>
-            </a:r>
-          </a:p>
-        </p:txBody>
-      </p:sp>
-      <p:sp>
-        <p:nvSpPr>
-          <p:cNvPr id="21" name="Rectangle 20"/>
+                  <a:srgbClr val="475569"/>
+                </a:solidFill>
+                <a:latin typeface="IPAPGothic"/>
+              </a:rPr>
+              <a:t>終活・婚礼・寺社・学校・企業・自治体・NGO・ホテル・航空。提案書にそのまま転用可能な粒度。</a:t>
+            </a:r>
+          </a:p>
+        </p:txBody>
+      </p:sp>
+      <p:sp>
+        <p:nvSpPr>
+          <p:cNvPr id="15" name="Rectangle 14"/>
           <p:cNvSpPr/>
           <p:nvPr/>
         </p:nvSpPr>
         <p:spPr>
           <a:xfrm>
-            <a:off x="0" y="4823460"/>
-            <a:ext cx="9144000" cy="6350"/>
+            <a:off x="457200" y="2651760"/>
+            <a:ext cx="3931920" cy="1554480"/>
           </a:xfrm>
           <a:prstGeom prst="rect">
             <a:avLst/>
           </a:prstGeom>
           <a:solidFill>
-            <a:srgbClr val="E2E5EB"/>
+            <a:srgbClr val="FFFFFF"/>
           </a:solidFill>
-          <a:ln>
-            <a:noFill/>
+          <a:ln w="9525">
+            <a:solidFill>
+              <a:srgbClr val="E2E8F0"/>
+            </a:solidFill>
           </a:ln>
         </p:spPr>
         <p:style>
@@ -5069,7 +4827,421 @@
       </p:sp>
       <p:sp>
         <p:nvSpPr>
+          <p:cNvPr id="16" name="Oval 15"/>
+          <p:cNvSpPr/>
+          <p:nvPr/>
+        </p:nvSpPr>
+        <p:spPr>
+          <a:xfrm>
+            <a:off x="566928" y="2761488"/>
+            <a:ext cx="292608" cy="292608"/>
+          </a:xfrm>
+          <a:prstGeom prst="ellipse">
+            <a:avLst/>
+          </a:prstGeom>
+          <a:solidFill>
+            <a:srgbClr val="EFF6FF"/>
+          </a:solidFill>
+          <a:ln>
+            <a:noFill/>
+          </a:ln>
+        </p:spPr>
+        <p:style>
+          <a:lnRef idx="1">
+            <a:schemeClr val="accent1"/>
+          </a:lnRef>
+          <a:fillRef idx="3">
+            <a:schemeClr val="accent1"/>
+          </a:fillRef>
+          <a:effectRef idx="2">
+            <a:schemeClr val="accent1"/>
+          </a:effectRef>
+          <a:fontRef idx="minor">
+            <a:schemeClr val="lt1"/>
+          </a:fontRef>
+        </p:style>
+        <p:txBody>
+          <a:bodyPr rtlCol="0" anchor="ctr"/>
+          <a:lstStyle/>
+          <a:p>
+            <a:pPr algn="ctr"/>
+          </a:p>
+        </p:txBody>
+      </p:sp>
+      <p:sp>
+        <p:nvSpPr>
+          <p:cNvPr id="17" name="TextBox 16"/>
+          <p:cNvSpPr txBox="1"/>
+          <p:nvPr/>
+        </p:nvSpPr>
+        <p:spPr>
+          <a:xfrm>
+            <a:off x="566928" y="2761488"/>
+            <a:ext cx="292608" cy="292608"/>
+          </a:xfrm>
+          <a:prstGeom prst="rect">
+            <a:avLst/>
+          </a:prstGeom>
+          <a:noFill/>
+        </p:spPr>
+        <p:txBody>
+          <a:bodyPr wrap="square" anchor="ctr"/>
+          <a:lstStyle/>
+          <a:p>
+            <a:pPr algn="ctr">
+              <a:spcBef>
+                <a:spcPts val="0"/>
+              </a:spcBef>
+              <a:spcAft>
+                <a:spcPts val="0"/>
+              </a:spcAft>
+            </a:pPr>
+            <a:r>
+              <a:rPr sz="900" b="1">
+                <a:solidFill>
+                  <a:srgbClr val="2563EB"/>
+                </a:solidFill>
+                <a:latin typeface="IPAPGothic"/>
+              </a:rPr>
+              <a:t>E</a:t>
+            </a:r>
+          </a:p>
+        </p:txBody>
+      </p:sp>
+      <p:sp>
+        <p:nvSpPr>
+          <p:cNvPr id="18" name="TextBox 17"/>
+          <p:cNvSpPr txBox="1"/>
+          <p:nvPr/>
+        </p:nvSpPr>
+        <p:spPr>
+          <a:xfrm>
+            <a:off x="932688" y="2761488"/>
+            <a:ext cx="3337560" cy="182880"/>
+          </a:xfrm>
+          <a:prstGeom prst="rect">
+            <a:avLst/>
+          </a:prstGeom>
+          <a:noFill/>
+        </p:spPr>
+        <p:txBody>
+          <a:bodyPr wrap="square"/>
+          <a:lstStyle/>
+          <a:p>
+            <a:pPr algn="l">
+              <a:spcBef>
+                <a:spcPts val="0"/>
+              </a:spcBef>
+              <a:spcAft>
+                <a:spcPts val="0"/>
+              </a:spcAft>
+            </a:pPr>
+            <a:r>
+              <a:rPr sz="800" b="1">
+                <a:solidFill>
+                  <a:srgbClr val="1E293B"/>
+                </a:solidFill>
+                <a:latin typeface="IPAPGothic"/>
+              </a:rPr>
+              <a:t>70+ 思想エッセイ（9領域）</a:t>
+            </a:r>
+          </a:p>
+        </p:txBody>
+      </p:sp>
+      <p:sp>
+        <p:nvSpPr>
+          <p:cNvPr id="19" name="TextBox 18"/>
+          <p:cNvSpPr txBox="1"/>
+          <p:nvPr/>
+        </p:nvSpPr>
+        <p:spPr>
+          <a:xfrm>
+            <a:off x="932688" y="2962656"/>
+            <a:ext cx="3337560" cy="1170432"/>
+          </a:xfrm>
+          <a:prstGeom prst="rect">
+            <a:avLst/>
+          </a:prstGeom>
+          <a:noFill/>
+        </p:spPr>
+        <p:txBody>
+          <a:bodyPr wrap="square"/>
+          <a:lstStyle/>
+          <a:p>
+            <a:pPr algn="l">
+              <a:spcBef>
+                <a:spcPts val="0"/>
+              </a:spcBef>
+              <a:spcAft>
+                <a:spcPts val="0"/>
+              </a:spcAft>
+            </a:pPr>
+            <a:r>
+              <a:rPr sz="650" b="0">
+                <a:solidFill>
+                  <a:srgbClr val="475569"/>
+                </a:solidFill>
+                <a:latin typeface="IPAPGothic"/>
+              </a:rPr>
+              <a:t>存在証明を心理学・宗教・経済・AI・宇宙まで展開。知的コンテンツとしてクライアント提案に活用可能。</a:t>
+            </a:r>
+          </a:p>
+        </p:txBody>
+      </p:sp>
+      <p:sp>
+        <p:nvSpPr>
+          <p:cNvPr id="20" name="Rectangle 19"/>
+          <p:cNvSpPr/>
+          <p:nvPr/>
+        </p:nvSpPr>
+        <p:spPr>
+          <a:xfrm>
+            <a:off x="4617720" y="2651760"/>
+            <a:ext cx="3931920" cy="1554480"/>
+          </a:xfrm>
+          <a:prstGeom prst="rect">
+            <a:avLst/>
+          </a:prstGeom>
+          <a:solidFill>
+            <a:srgbClr val="FFFFFF"/>
+          </a:solidFill>
+          <a:ln w="9525">
+            <a:solidFill>
+              <a:srgbClr val="E2E8F0"/>
+            </a:solidFill>
+          </a:ln>
+        </p:spPr>
+        <p:style>
+          <a:lnRef idx="1">
+            <a:schemeClr val="accent1"/>
+          </a:lnRef>
+          <a:fillRef idx="3">
+            <a:schemeClr val="accent1"/>
+          </a:fillRef>
+          <a:effectRef idx="2">
+            <a:schemeClr val="accent1"/>
+          </a:effectRef>
+          <a:fontRef idx="minor">
+            <a:schemeClr val="lt1"/>
+          </a:fontRef>
+        </p:style>
+        <p:txBody>
+          <a:bodyPr rtlCol="0" anchor="ctr"/>
+          <a:lstStyle/>
+          <a:p>
+            <a:pPr algn="ctr"/>
+          </a:p>
+        </p:txBody>
+      </p:sp>
+      <p:sp>
+        <p:nvSpPr>
+          <p:cNvPr id="21" name="Oval 20"/>
+          <p:cNvSpPr/>
+          <p:nvPr/>
+        </p:nvSpPr>
+        <p:spPr>
+          <a:xfrm>
+            <a:off x="4727448" y="2761488"/>
+            <a:ext cx="292608" cy="292608"/>
+          </a:xfrm>
+          <a:prstGeom prst="ellipse">
+            <a:avLst/>
+          </a:prstGeom>
+          <a:solidFill>
+            <a:srgbClr val="EFF6FF"/>
+          </a:solidFill>
+          <a:ln>
+            <a:noFill/>
+          </a:ln>
+        </p:spPr>
+        <p:style>
+          <a:lnRef idx="1">
+            <a:schemeClr val="accent1"/>
+          </a:lnRef>
+          <a:fillRef idx="3">
+            <a:schemeClr val="accent1"/>
+          </a:fillRef>
+          <a:effectRef idx="2">
+            <a:schemeClr val="accent1"/>
+          </a:effectRef>
+          <a:fontRef idx="minor">
+            <a:schemeClr val="lt1"/>
+          </a:fontRef>
+        </p:style>
+        <p:txBody>
+          <a:bodyPr rtlCol="0" anchor="ctr"/>
+          <a:lstStyle/>
+          <a:p>
+            <a:pPr algn="ctr"/>
+          </a:p>
+        </p:txBody>
+      </p:sp>
+      <p:sp>
+        <p:nvSpPr>
           <p:cNvPr id="22" name="TextBox 21"/>
+          <p:cNvSpPr txBox="1"/>
+          <p:nvPr/>
+        </p:nvSpPr>
+        <p:spPr>
+          <a:xfrm>
+            <a:off x="4727448" y="2761488"/>
+            <a:ext cx="292608" cy="292608"/>
+          </a:xfrm>
+          <a:prstGeom prst="rect">
+            <a:avLst/>
+          </a:prstGeom>
+          <a:noFill/>
+        </p:spPr>
+        <p:txBody>
+          <a:bodyPr wrap="square" anchor="ctr"/>
+          <a:lstStyle/>
+          <a:p>
+            <a:pPr algn="ctr">
+              <a:spcBef>
+                <a:spcPts val="0"/>
+              </a:spcBef>
+              <a:spcAft>
+                <a:spcPts val="0"/>
+              </a:spcAft>
+            </a:pPr>
+            <a:r>
+              <a:rPr sz="900" b="1">
+                <a:solidFill>
+                  <a:srgbClr val="2563EB"/>
+                </a:solidFill>
+                <a:latin typeface="IPAPGothic"/>
+              </a:rPr>
+              <a:t>A</a:t>
+            </a:r>
+          </a:p>
+        </p:txBody>
+      </p:sp>
+      <p:sp>
+        <p:nvSpPr>
+          <p:cNvPr id="23" name="TextBox 22"/>
+          <p:cNvSpPr txBox="1"/>
+          <p:nvPr/>
+        </p:nvSpPr>
+        <p:spPr>
+          <a:xfrm>
+            <a:off x="5093208" y="2761488"/>
+            <a:ext cx="3337560" cy="182880"/>
+          </a:xfrm>
+          <a:prstGeom prst="rect">
+            <a:avLst/>
+          </a:prstGeom>
+          <a:noFill/>
+        </p:spPr>
+        <p:txBody>
+          <a:bodyPr wrap="square"/>
+          <a:lstStyle/>
+          <a:p>
+            <a:pPr algn="l">
+              <a:spcBef>
+                <a:spcPts val="0"/>
+              </a:spcBef>
+              <a:spcAft>
+                <a:spcPts val="0"/>
+              </a:spcAft>
+            </a:pPr>
+            <a:r>
+              <a:rPr sz="800" b="1">
+                <a:solidFill>
+                  <a:srgbClr val="1E293B"/>
+                </a:solidFill>
+                <a:latin typeface="IPAPGothic"/>
+              </a:rPr>
+              <a:t>Pearl Soap + アンバサダー網</a:t>
+            </a:r>
+          </a:p>
+        </p:txBody>
+      </p:sp>
+      <p:sp>
+        <p:nvSpPr>
+          <p:cNvPr id="24" name="TextBox 23"/>
+          <p:cNvSpPr txBox="1"/>
+          <p:nvPr/>
+        </p:nvSpPr>
+        <p:spPr>
+          <a:xfrm>
+            <a:off x="5093208" y="2962656"/>
+            <a:ext cx="3337560" cy="1170432"/>
+          </a:xfrm>
+          <a:prstGeom prst="rect">
+            <a:avLst/>
+          </a:prstGeom>
+          <a:noFill/>
+        </p:spPr>
+        <p:txBody>
+          <a:bodyPr wrap="square"/>
+          <a:lstStyle/>
+          <a:p>
+            <a:pPr algn="l">
+              <a:spcBef>
+                <a:spcPts val="0"/>
+              </a:spcBef>
+              <a:spcAft>
+                <a:spcPts val="0"/>
+              </a:spcAft>
+            </a:pPr>
+            <a:r>
+              <a:rPr sz="650" b="0">
+                <a:solidFill>
+                  <a:srgbClr val="475569"/>
+                </a:solidFill>
+                <a:latin typeface="IPAPGothic"/>
+              </a:rPr>
+              <a:t>贈与経済の実践。全国にワークショップ展開可能な分散型運動体。エンドユーザーとの接点を提供。</a:t>
+            </a:r>
+          </a:p>
+        </p:txBody>
+      </p:sp>
+      <p:sp>
+        <p:nvSpPr>
+          <p:cNvPr id="25" name="Rectangle 24"/>
+          <p:cNvSpPr/>
+          <p:nvPr/>
+        </p:nvSpPr>
+        <p:spPr>
+          <a:xfrm>
+            <a:off x="0" y="4823460"/>
+            <a:ext cx="9144000" cy="6350"/>
+          </a:xfrm>
+          <a:prstGeom prst="rect">
+            <a:avLst/>
+          </a:prstGeom>
+          <a:solidFill>
+            <a:srgbClr val="E2E8F0"/>
+          </a:solidFill>
+          <a:ln>
+            <a:noFill/>
+          </a:ln>
+        </p:spPr>
+        <p:style>
+          <a:lnRef idx="1">
+            <a:schemeClr val="accent1"/>
+          </a:lnRef>
+          <a:fillRef idx="3">
+            <a:schemeClr val="accent1"/>
+          </a:fillRef>
+          <a:effectRef idx="2">
+            <a:schemeClr val="accent1"/>
+          </a:effectRef>
+          <a:fontRef idx="minor">
+            <a:schemeClr val="lt1"/>
+          </a:fontRef>
+        </p:style>
+        <p:txBody>
+          <a:bodyPr rtlCol="0" anchor="ctr"/>
+          <a:lstStyle/>
+          <a:p>
+            <a:pPr algn="ctr"/>
+          </a:p>
+        </p:txBody>
+      </p:sp>
+      <p:sp>
+        <p:nvSpPr>
+          <p:cNvPr id="26" name="TextBox 25"/>
           <p:cNvSpPr txBox="1"/>
           <p:nvPr/>
         </p:nvSpPr>
@@ -5098,7 +5270,7 @@
             <a:r>
               <a:rPr sz="650" b="0">
                 <a:solidFill>
-                  <a:srgbClr val="9999AA"/>
+                  <a:srgbClr val="94A3B8"/>
                 </a:solidFill>
                 <a:latin typeface="IPAPGothic"/>
               </a:rPr>
@@ -5109,7 +5281,7 @@
       </p:sp>
       <p:sp>
         <p:nvSpPr>
-          <p:cNvPr id="23" name="TextBox 22"/>
+          <p:cNvPr id="27" name="TextBox 26"/>
           <p:cNvSpPr txBox="1"/>
           <p:nvPr/>
         </p:nvSpPr>
@@ -5138,7 +5310,7 @@
             <a:r>
               <a:rPr sz="650" b="0">
                 <a:solidFill>
-                  <a:srgbClr val="9999AA"/>
+                  <a:srgbClr val="94A3B8"/>
                 </a:solidFill>
                 <a:latin typeface="IPAPGothic"/>
               </a:rPr>
@@ -5149,7 +5321,7 @@
       </p:sp>
       <p:sp>
         <p:nvSpPr>
-          <p:cNvPr id="24" name="TextBox 23"/>
+          <p:cNvPr id="28" name="TextBox 27"/>
           <p:cNvSpPr txBox="1"/>
           <p:nvPr/>
         </p:nvSpPr>
@@ -5178,7 +5350,7 @@
             <a:r>
               <a:rPr sz="650" b="1">
                 <a:solidFill>
-                  <a:srgbClr val="9999AA"/>
+                  <a:srgbClr val="94A3B8"/>
                 </a:solidFill>
                 <a:latin typeface="IPAPGothic"/>
               </a:rPr>
@@ -5220,7 +5392,7 @@
             <a:avLst/>
           </a:prstGeom>
           <a:solidFill>
-            <a:srgbClr val="0A1628"/>
+            <a:srgbClr val="1E293B"/>
           </a:solidFill>
           <a:ln>
             <a:noFill/>
@@ -5319,7 +5491,7 @@
             <a:r>
               <a:rPr sz="700" b="1">
                 <a:solidFill>
-                  <a:srgbClr val="1E6FD9"/>
+                  <a:srgbClr val="2563EB"/>
                 </a:solidFill>
                 <a:latin typeface="IPAPGothic"/>
               </a:rPr>
@@ -5343,11 +5515,11 @@
             <a:avLst/>
           </a:prstGeom>
           <a:solidFill>
-            <a:srgbClr val="0A1628"/>
+            <a:srgbClr val="1E293B"/>
           </a:solidFill>
           <a:ln w="6350">
             <a:solidFill>
-              <a:srgbClr val="E2E5EB"/>
+              <a:srgbClr val="E2E8F0"/>
             </a:solidFill>
           </a:ln>
         </p:spPr>
@@ -5428,11 +5600,11 @@
             <a:avLst/>
           </a:prstGeom>
           <a:solidFill>
-            <a:srgbClr val="0A1628"/>
+            <a:srgbClr val="1E293B"/>
           </a:solidFill>
           <a:ln w="6350">
             <a:solidFill>
-              <a:srgbClr val="E2E5EB"/>
+              <a:srgbClr val="E2E8F0"/>
             </a:solidFill>
           </a:ln>
         </p:spPr>
@@ -5513,11 +5685,11 @@
             <a:avLst/>
           </a:prstGeom>
           <a:solidFill>
-            <a:srgbClr val="0A1628"/>
+            <a:srgbClr val="1E293B"/>
           </a:solidFill>
           <a:ln w="6350">
             <a:solidFill>
-              <a:srgbClr val="E2E5EB"/>
+              <a:srgbClr val="E2E8F0"/>
             </a:solidFill>
           </a:ln>
         </p:spPr>
@@ -5598,11 +5770,11 @@
             <a:avLst/>
           </a:prstGeom>
           <a:solidFill>
-            <a:srgbClr val="F8F9FB"/>
+            <a:srgbClr val="F1F5F9"/>
           </a:solidFill>
           <a:ln w="6350">
             <a:solidFill>
-              <a:srgbClr val="E2E5EB"/>
+              <a:srgbClr val="E2E8F0"/>
             </a:solidFill>
           </a:ln>
         </p:spPr>
@@ -5659,7 +5831,7 @@
             <a:r>
               <a:rPr sz="700" b="1">
                 <a:solidFill>
-                  <a:srgbClr val="1A1A2E"/>
+                  <a:srgbClr val="1E293B"/>
                 </a:solidFill>
                 <a:latin typeface="IPAPGothic"/>
               </a:rPr>
@@ -5682,10 +5854,12 @@
           <a:prstGeom prst="rect">
             <a:avLst/>
           </a:prstGeom>
-          <a:noFill/>
+          <a:solidFill>
+            <a:srgbClr val="FFFFFF"/>
+          </a:solidFill>
           <a:ln w="6350">
             <a:solidFill>
-              <a:srgbClr val="E2E5EB"/>
+              <a:srgbClr val="E2E8F0"/>
             </a:solidFill>
           </a:ln>
         </p:spPr>
@@ -5742,7 +5916,7 @@
             <a:r>
               <a:rPr sz="700" b="0">
                 <a:solidFill>
-                  <a:srgbClr val="555570"/>
+                  <a:srgbClr val="475569"/>
                 </a:solidFill>
                 <a:latin typeface="IPAPGothic"/>
               </a:rPr>
@@ -5766,11 +5940,11 @@
             <a:avLst/>
           </a:prstGeom>
           <a:solidFill>
-            <a:srgbClr val="F0F7FF"/>
+            <a:srgbClr val="EFF6FF"/>
           </a:solidFill>
           <a:ln w="6350">
             <a:solidFill>
-              <a:srgbClr val="E2E5EB"/>
+              <a:srgbClr val="E2E8F0"/>
             </a:solidFill>
           </a:ln>
         </p:spPr>
@@ -5827,7 +6001,7 @@
             <a:r>
               <a:rPr sz="700" b="0">
                 <a:solidFill>
-                  <a:srgbClr val="1E6FD9"/>
+                  <a:srgbClr val="1D4ED8"/>
                 </a:solidFill>
                 <a:latin typeface="IPAPGothic"/>
               </a:rPr>
@@ -5851,11 +6025,11 @@
             <a:avLst/>
           </a:prstGeom>
           <a:solidFill>
-            <a:srgbClr val="F8F9FB"/>
+            <a:srgbClr val="F1F5F9"/>
           </a:solidFill>
           <a:ln w="6350">
             <a:solidFill>
-              <a:srgbClr val="E2E5EB"/>
+              <a:srgbClr val="E2E8F0"/>
             </a:solidFill>
           </a:ln>
         </p:spPr>
@@ -5912,7 +6086,7 @@
             <a:r>
               <a:rPr sz="700" b="1">
                 <a:solidFill>
-                  <a:srgbClr val="1A1A2E"/>
+                  <a:srgbClr val="1E293B"/>
                 </a:solidFill>
                 <a:latin typeface="IPAPGothic"/>
               </a:rPr>
@@ -5935,10 +6109,12 @@
           <a:prstGeom prst="rect">
             <a:avLst/>
           </a:prstGeom>
-          <a:noFill/>
+          <a:solidFill>
+            <a:srgbClr val="FFFFFF"/>
+          </a:solidFill>
           <a:ln w="6350">
             <a:solidFill>
-              <a:srgbClr val="E2E5EB"/>
+              <a:srgbClr val="E2E8F0"/>
             </a:solidFill>
           </a:ln>
         </p:spPr>
@@ -5995,7 +6171,7 @@
             <a:r>
               <a:rPr sz="700" b="0">
                 <a:solidFill>
-                  <a:srgbClr val="555570"/>
+                  <a:srgbClr val="475569"/>
                 </a:solidFill>
                 <a:latin typeface="IPAPGothic"/>
               </a:rPr>
@@ -6019,11 +6195,11 @@
             <a:avLst/>
           </a:prstGeom>
           <a:solidFill>
-            <a:srgbClr val="F0F7FF"/>
+            <a:srgbClr val="EFF6FF"/>
           </a:solidFill>
           <a:ln w="6350">
             <a:solidFill>
-              <a:srgbClr val="E2E5EB"/>
+              <a:srgbClr val="E2E8F0"/>
             </a:solidFill>
           </a:ln>
         </p:spPr>
@@ -6080,7 +6256,7 @@
             <a:r>
               <a:rPr sz="700" b="0">
                 <a:solidFill>
-                  <a:srgbClr val="1E6FD9"/>
+                  <a:srgbClr val="1D4ED8"/>
                 </a:solidFill>
                 <a:latin typeface="IPAPGothic"/>
               </a:rPr>
@@ -6104,11 +6280,11 @@
             <a:avLst/>
           </a:prstGeom>
           <a:solidFill>
-            <a:srgbClr val="F8F9FB"/>
+            <a:srgbClr val="F1F5F9"/>
           </a:solidFill>
           <a:ln w="6350">
             <a:solidFill>
-              <a:srgbClr val="E2E5EB"/>
+              <a:srgbClr val="E2E8F0"/>
             </a:solidFill>
           </a:ln>
         </p:spPr>
@@ -6165,7 +6341,7 @@
             <a:r>
               <a:rPr sz="700" b="1">
                 <a:solidFill>
-                  <a:srgbClr val="1A1A2E"/>
+                  <a:srgbClr val="1E293B"/>
                 </a:solidFill>
                 <a:latin typeface="IPAPGothic"/>
               </a:rPr>
@@ -6188,10 +6364,12 @@
           <a:prstGeom prst="rect">
             <a:avLst/>
           </a:prstGeom>
-          <a:noFill/>
+          <a:solidFill>
+            <a:srgbClr val="FFFFFF"/>
+          </a:solidFill>
           <a:ln w="6350">
             <a:solidFill>
-              <a:srgbClr val="E2E5EB"/>
+              <a:srgbClr val="E2E8F0"/>
             </a:solidFill>
           </a:ln>
         </p:spPr>
@@ -6248,7 +6426,7 @@
             <a:r>
               <a:rPr sz="700" b="0">
                 <a:solidFill>
-                  <a:srgbClr val="555570"/>
+                  <a:srgbClr val="475569"/>
                 </a:solidFill>
                 <a:latin typeface="IPAPGothic"/>
               </a:rPr>
@@ -6272,11 +6450,11 @@
             <a:avLst/>
           </a:prstGeom>
           <a:solidFill>
-            <a:srgbClr val="F0F7FF"/>
+            <a:srgbClr val="EFF6FF"/>
           </a:solidFill>
           <a:ln w="6350">
             <a:solidFill>
-              <a:srgbClr val="E2E5EB"/>
+              <a:srgbClr val="E2E8F0"/>
             </a:solidFill>
           </a:ln>
         </p:spPr>
@@ -6333,7 +6511,7 @@
             <a:r>
               <a:rPr sz="700" b="0">
                 <a:solidFill>
-                  <a:srgbClr val="1E6FD9"/>
+                  <a:srgbClr val="1D4ED8"/>
                 </a:solidFill>
                 <a:latin typeface="IPAPGothic"/>
               </a:rPr>
@@ -6357,11 +6535,11 @@
             <a:avLst/>
           </a:prstGeom>
           <a:solidFill>
-            <a:srgbClr val="F8F9FB"/>
+            <a:srgbClr val="F1F5F9"/>
           </a:solidFill>
           <a:ln w="6350">
             <a:solidFill>
-              <a:srgbClr val="E2E5EB"/>
+              <a:srgbClr val="E2E8F0"/>
             </a:solidFill>
           </a:ln>
         </p:spPr>
@@ -6418,7 +6596,7 @@
             <a:r>
               <a:rPr sz="700" b="1">
                 <a:solidFill>
-                  <a:srgbClr val="1A1A2E"/>
+                  <a:srgbClr val="1E293B"/>
                 </a:solidFill>
                 <a:latin typeface="IPAPGothic"/>
               </a:rPr>
@@ -6441,10 +6619,12 @@
           <a:prstGeom prst="rect">
             <a:avLst/>
           </a:prstGeom>
-          <a:noFill/>
+          <a:solidFill>
+            <a:srgbClr val="FFFFFF"/>
+          </a:solidFill>
           <a:ln w="6350">
             <a:solidFill>
-              <a:srgbClr val="E2E5EB"/>
+              <a:srgbClr val="E2E8F0"/>
             </a:solidFill>
           </a:ln>
         </p:spPr>
@@ -6501,7 +6681,7 @@
             <a:r>
               <a:rPr sz="700" b="0">
                 <a:solidFill>
-                  <a:srgbClr val="555570"/>
+                  <a:srgbClr val="475569"/>
                 </a:solidFill>
                 <a:latin typeface="IPAPGothic"/>
               </a:rPr>
@@ -6525,11 +6705,11 @@
             <a:avLst/>
           </a:prstGeom>
           <a:solidFill>
-            <a:srgbClr val="F0F7FF"/>
+            <a:srgbClr val="EFF6FF"/>
           </a:solidFill>
           <a:ln w="6350">
             <a:solidFill>
-              <a:srgbClr val="E2E5EB"/>
+              <a:srgbClr val="E2E8F0"/>
             </a:solidFill>
           </a:ln>
         </p:spPr>
@@ -6586,7 +6766,7 @@
             <a:r>
               <a:rPr sz="700" b="0">
                 <a:solidFill>
-                  <a:srgbClr val="1E6FD9"/>
+                  <a:srgbClr val="1D4ED8"/>
                 </a:solidFill>
                 <a:latin typeface="IPAPGothic"/>
               </a:rPr>
@@ -6610,11 +6790,11 @@
             <a:avLst/>
           </a:prstGeom>
           <a:solidFill>
-            <a:srgbClr val="F8F9FB"/>
+            <a:srgbClr val="F1F5F9"/>
           </a:solidFill>
           <a:ln w="6350">
             <a:solidFill>
-              <a:srgbClr val="E2E5EB"/>
+              <a:srgbClr val="E2E8F0"/>
             </a:solidFill>
           </a:ln>
         </p:spPr>
@@ -6671,7 +6851,7 @@
             <a:r>
               <a:rPr sz="700" b="1">
                 <a:solidFill>
-                  <a:srgbClr val="1A1A2E"/>
+                  <a:srgbClr val="1E293B"/>
                 </a:solidFill>
                 <a:latin typeface="IPAPGothic"/>
               </a:rPr>
@@ -6694,10 +6874,12 @@
           <a:prstGeom prst="rect">
             <a:avLst/>
           </a:prstGeom>
-          <a:noFill/>
+          <a:solidFill>
+            <a:srgbClr val="FFFFFF"/>
+          </a:solidFill>
           <a:ln w="6350">
             <a:solidFill>
-              <a:srgbClr val="E2E5EB"/>
+              <a:srgbClr val="E2E8F0"/>
             </a:solidFill>
           </a:ln>
         </p:spPr>
@@ -6754,7 +6936,7 @@
             <a:r>
               <a:rPr sz="700" b="0">
                 <a:solidFill>
-                  <a:srgbClr val="555570"/>
+                  <a:srgbClr val="475569"/>
                 </a:solidFill>
                 <a:latin typeface="IPAPGothic"/>
               </a:rPr>
@@ -6778,11 +6960,11 @@
             <a:avLst/>
           </a:prstGeom>
           <a:solidFill>
-            <a:srgbClr val="F0F7FF"/>
+            <a:srgbClr val="EFF6FF"/>
           </a:solidFill>
           <a:ln w="6350">
             <a:solidFill>
-              <a:srgbClr val="E2E5EB"/>
+              <a:srgbClr val="E2E8F0"/>
             </a:solidFill>
           </a:ln>
         </p:spPr>
@@ -6839,7 +7021,7 @@
             <a:r>
               <a:rPr sz="700" b="0">
                 <a:solidFill>
-                  <a:srgbClr val="1E6FD9"/>
+                  <a:srgbClr val="1D4ED8"/>
                 </a:solidFill>
                 <a:latin typeface="IPAPGothic"/>
               </a:rPr>
@@ -6863,11 +7045,11 @@
             <a:avLst/>
           </a:prstGeom>
           <a:solidFill>
-            <a:srgbClr val="F8F9FB"/>
+            <a:srgbClr val="F1F5F9"/>
           </a:solidFill>
           <a:ln w="6350">
             <a:solidFill>
-              <a:srgbClr val="E2E5EB"/>
+              <a:srgbClr val="E2E8F0"/>
             </a:solidFill>
           </a:ln>
         </p:spPr>
@@ -6924,7 +7106,7 @@
             <a:r>
               <a:rPr sz="700" b="1">
                 <a:solidFill>
-                  <a:srgbClr val="1A1A2E"/>
+                  <a:srgbClr val="1E293B"/>
                 </a:solidFill>
                 <a:latin typeface="IPAPGothic"/>
               </a:rPr>
@@ -6947,10 +7129,12 @@
           <a:prstGeom prst="rect">
             <a:avLst/>
           </a:prstGeom>
-          <a:noFill/>
+          <a:solidFill>
+            <a:srgbClr val="FFFFFF"/>
+          </a:solidFill>
           <a:ln w="6350">
             <a:solidFill>
-              <a:srgbClr val="E2E5EB"/>
+              <a:srgbClr val="E2E8F0"/>
             </a:solidFill>
           </a:ln>
         </p:spPr>
@@ -7007,7 +7191,7 @@
             <a:r>
               <a:rPr sz="700" b="0">
                 <a:solidFill>
-                  <a:srgbClr val="555570"/>
+                  <a:srgbClr val="475569"/>
                 </a:solidFill>
                 <a:latin typeface="IPAPGothic"/>
               </a:rPr>
@@ -7031,11 +7215,11 @@
             <a:avLst/>
           </a:prstGeom>
           <a:solidFill>
-            <a:srgbClr val="F0F7FF"/>
+            <a:srgbClr val="EFF6FF"/>
           </a:solidFill>
           <a:ln w="6350">
             <a:solidFill>
-              <a:srgbClr val="E2E5EB"/>
+              <a:srgbClr val="E2E8F0"/>
             </a:solidFill>
           </a:ln>
         </p:spPr>
@@ -7092,7 +7276,7 @@
             <a:r>
               <a:rPr sz="700" b="0">
                 <a:solidFill>
-                  <a:srgbClr val="1E6FD9"/>
+                  <a:srgbClr val="1D4ED8"/>
                 </a:solidFill>
                 <a:latin typeface="IPAPGothic"/>
               </a:rPr>
@@ -7116,7 +7300,7 @@
             <a:avLst/>
           </a:prstGeom>
           <a:solidFill>
-            <a:srgbClr val="E2E5EB"/>
+            <a:srgbClr val="E2E8F0"/>
           </a:solidFill>
           <a:ln>
             <a:noFill/>
@@ -7175,7 +7359,7 @@
             <a:r>
               <a:rPr sz="650" b="0">
                 <a:solidFill>
-                  <a:srgbClr val="9999AA"/>
+                  <a:srgbClr val="94A3B8"/>
                 </a:solidFill>
                 <a:latin typeface="IPAPGothic"/>
               </a:rPr>
@@ -7215,7 +7399,7 @@
             <a:r>
               <a:rPr sz="650" b="0">
                 <a:solidFill>
-                  <a:srgbClr val="9999AA"/>
+                  <a:srgbClr val="94A3B8"/>
                 </a:solidFill>
                 <a:latin typeface="IPAPGothic"/>
               </a:rPr>
@@ -7255,7 +7439,7 @@
             <a:r>
               <a:rPr sz="650" b="1">
                 <a:solidFill>
-                  <a:srgbClr val="9999AA"/>
+                  <a:srgbClr val="94A3B8"/>
                 </a:solidFill>
                 <a:latin typeface="IPAPGothic"/>
               </a:rPr>
@@ -7297,7 +7481,7 @@
             <a:avLst/>
           </a:prstGeom>
           <a:solidFill>
-            <a:srgbClr val="0A1628"/>
+            <a:srgbClr val="1E293B"/>
           </a:solidFill>
           <a:ln>
             <a:noFill/>
@@ -7396,7 +7580,7 @@
             <a:r>
               <a:rPr sz="700" b="1">
                 <a:solidFill>
-                  <a:srgbClr val="1E6FD9"/>
+                  <a:srgbClr val="2563EB"/>
                 </a:solidFill>
                 <a:latin typeface="IPAPGothic"/>
               </a:rPr>
@@ -7420,11 +7604,11 @@
             <a:avLst/>
           </a:prstGeom>
           <a:solidFill>
-            <a:srgbClr val="F8F9FB"/>
+            <a:srgbClr val="FFFFFF"/>
           </a:solidFill>
           <a:ln w="9525">
             <a:solidFill>
-              <a:srgbClr val="E2E5EB"/>
+              <a:srgbClr val="E2E8F0"/>
             </a:solidFill>
           </a:ln>
         </p:spPr>
@@ -7465,7 +7649,7 @@
             <a:avLst/>
           </a:prstGeom>
           <a:solidFill>
-            <a:srgbClr val="1E6FD9"/>
+            <a:srgbClr val="2563EB"/>
           </a:solidFill>
           <a:ln>
             <a:noFill/>
@@ -7565,7 +7749,7 @@
             <a:r>
               <a:rPr sz="750" b="1">
                 <a:solidFill>
-                  <a:srgbClr val="1A1A2E"/>
+                  <a:srgbClr val="1E293B"/>
                 </a:solidFill>
                 <a:latin typeface="IPAPGothic"/>
               </a:rPr>
@@ -7605,7 +7789,7 @@
             <a:r>
               <a:rPr sz="650" b="0">
                 <a:solidFill>
-                  <a:srgbClr val="555570"/>
+                  <a:srgbClr val="475569"/>
                 </a:solidFill>
                 <a:latin typeface="IPAPGothic"/>
               </a:rPr>
@@ -7645,7 +7829,7 @@
             <a:r>
               <a:rPr sz="600" b="0">
                 <a:solidFill>
-                  <a:srgbClr val="1E6FD9"/>
+                  <a:srgbClr val="2563EB"/>
                 </a:solidFill>
                 <a:latin typeface="IPAPGothic"/>
               </a:rPr>
@@ -7669,11 +7853,11 @@
             <a:avLst/>
           </a:prstGeom>
           <a:solidFill>
-            <a:srgbClr val="F8F9FB"/>
+            <a:srgbClr val="FFFFFF"/>
           </a:solidFill>
           <a:ln w="9525">
             <a:solidFill>
-              <a:srgbClr val="E2E5EB"/>
+              <a:srgbClr val="E2E8F0"/>
             </a:solidFill>
           </a:ln>
         </p:spPr>
@@ -7714,7 +7898,7 @@
             <a:avLst/>
           </a:prstGeom>
           <a:solidFill>
-            <a:srgbClr val="B48212"/>
+            <a:srgbClr val="C9A962"/>
           </a:solidFill>
           <a:ln>
             <a:noFill/>
@@ -7814,7 +7998,7 @@
             <a:r>
               <a:rPr sz="750" b="1">
                 <a:solidFill>
-                  <a:srgbClr val="1A1A2E"/>
+                  <a:srgbClr val="1E293B"/>
                 </a:solidFill>
                 <a:latin typeface="IPAPGothic"/>
               </a:rPr>
@@ -7854,7 +8038,7 @@
             <a:r>
               <a:rPr sz="650" b="0">
                 <a:solidFill>
-                  <a:srgbClr val="555570"/>
+                  <a:srgbClr val="475569"/>
                 </a:solidFill>
                 <a:latin typeface="IPAPGothic"/>
               </a:rPr>
@@ -7894,7 +8078,7 @@
             <a:r>
               <a:rPr sz="600" b="0">
                 <a:solidFill>
-                  <a:srgbClr val="1E6FD9"/>
+                  <a:srgbClr val="2563EB"/>
                 </a:solidFill>
                 <a:latin typeface="IPAPGothic"/>
               </a:rPr>
@@ -7918,11 +8102,11 @@
             <a:avLst/>
           </a:prstGeom>
           <a:solidFill>
-            <a:srgbClr val="F8F9FB"/>
+            <a:srgbClr val="FFFFFF"/>
           </a:solidFill>
           <a:ln w="9525">
             <a:solidFill>
-              <a:srgbClr val="E2E5EB"/>
+              <a:srgbClr val="E2E8F0"/>
             </a:solidFill>
           </a:ln>
         </p:spPr>
@@ -7963,7 +8147,7 @@
             <a:avLst/>
           </a:prstGeom>
           <a:solidFill>
-            <a:srgbClr val="059669"/>
+            <a:srgbClr val="16A34A"/>
           </a:solidFill>
           <a:ln>
             <a:noFill/>
@@ -8063,7 +8247,7 @@
             <a:r>
               <a:rPr sz="750" b="1">
                 <a:solidFill>
-                  <a:srgbClr val="1A1A2E"/>
+                  <a:srgbClr val="1E293B"/>
                 </a:solidFill>
                 <a:latin typeface="IPAPGothic"/>
               </a:rPr>
@@ -8103,7 +8287,7 @@
             <a:r>
               <a:rPr sz="650" b="0">
                 <a:solidFill>
-                  <a:srgbClr val="555570"/>
+                  <a:srgbClr val="475569"/>
                 </a:solidFill>
                 <a:latin typeface="IPAPGothic"/>
               </a:rPr>
@@ -8143,7 +8327,7 @@
             <a:r>
               <a:rPr sz="600" b="0">
                 <a:solidFill>
-                  <a:srgbClr val="1E6FD9"/>
+                  <a:srgbClr val="2563EB"/>
                 </a:solidFill>
                 <a:latin typeface="IPAPGothic"/>
               </a:rPr>
@@ -8167,7 +8351,7 @@
             <a:avLst/>
           </a:prstGeom>
           <a:solidFill>
-            <a:srgbClr val="E2E5EB"/>
+            <a:srgbClr val="E2E8F0"/>
           </a:solidFill>
           <a:ln>
             <a:noFill/>
@@ -8226,7 +8410,7 @@
             <a:r>
               <a:rPr sz="650" b="0">
                 <a:solidFill>
-                  <a:srgbClr val="9999AA"/>
+                  <a:srgbClr val="94A3B8"/>
                 </a:solidFill>
                 <a:latin typeface="IPAPGothic"/>
               </a:rPr>
@@ -8266,7 +8450,7 @@
             <a:r>
               <a:rPr sz="650" b="0">
                 <a:solidFill>
-                  <a:srgbClr val="9999AA"/>
+                  <a:srgbClr val="94A3B8"/>
                 </a:solidFill>
                 <a:latin typeface="IPAPGothic"/>
               </a:rPr>
@@ -8306,7 +8490,7 @@
             <a:r>
               <a:rPr sz="650" b="1">
                 <a:solidFill>
-                  <a:srgbClr val="9999AA"/>
+                  <a:srgbClr val="94A3B8"/>
                 </a:solidFill>
                 <a:latin typeface="IPAPGothic"/>
               </a:rPr>
@@ -8348,7 +8532,7 @@
             <a:avLst/>
           </a:prstGeom>
           <a:solidFill>
-            <a:srgbClr val="0A1628"/>
+            <a:srgbClr val="1E293B"/>
           </a:solidFill>
           <a:ln>
             <a:noFill/>
@@ -8447,7 +8631,7 @@
             <a:r>
               <a:rPr sz="700" b="1">
                 <a:solidFill>
-                  <a:srgbClr val="1E6FD9"/>
+                  <a:srgbClr val="2563EB"/>
                 </a:solidFill>
                 <a:latin typeface="IPAPGothic"/>
               </a:rPr>
@@ -8471,11 +8655,11 @@
             <a:avLst/>
           </a:prstGeom>
           <a:solidFill>
-            <a:srgbClr val="ECFDF5"/>
+            <a:srgbClr val="F0FDF4"/>
           </a:solidFill>
           <a:ln w="9525">
             <a:solidFill>
-              <a:srgbClr val="E2E5EB"/>
+              <a:srgbClr val="E2E8F0"/>
             </a:solidFill>
           </a:ln>
         </p:spPr>
@@ -8532,7 +8716,7 @@
             <a:r>
               <a:rPr sz="800" b="1">
                 <a:solidFill>
-                  <a:srgbClr val="059669"/>
+                  <a:srgbClr val="16A34A"/>
                 </a:solidFill>
                 <a:latin typeface="IPAPGothic"/>
               </a:rPr>
@@ -8572,7 +8756,7 @@
             <a:r>
               <a:rPr sz="650" b="0">
                 <a:solidFill>
-                  <a:srgbClr val="555570"/>
+                  <a:srgbClr val="475569"/>
                 </a:solidFill>
                 <a:latin typeface="IPAPGothic"/>
               </a:rPr>
@@ -8613,7 +8797,7 @@
             <a:r>
               <a:rPr sz="1400" b="0">
                 <a:solidFill>
-                  <a:srgbClr val="9999AA"/>
+                  <a:srgbClr val="94A3B8"/>
                 </a:solidFill>
                 <a:latin typeface="IPAPGothic"/>
               </a:rPr>
@@ -8637,11 +8821,11 @@
             <a:avLst/>
           </a:prstGeom>
           <a:solidFill>
-            <a:srgbClr val="EEF4FD"/>
+            <a:srgbClr val="EFF6FF"/>
           </a:solidFill>
           <a:ln w="9525">
             <a:solidFill>
-              <a:srgbClr val="E2E5EB"/>
+              <a:srgbClr val="E2E8F0"/>
             </a:solidFill>
           </a:ln>
         </p:spPr>
@@ -8698,7 +8882,7 @@
             <a:r>
               <a:rPr sz="800" b="1">
                 <a:solidFill>
-                  <a:srgbClr val="1E6FD9"/>
+                  <a:srgbClr val="2563EB"/>
                 </a:solidFill>
                 <a:latin typeface="IPAPGothic"/>
               </a:rPr>
@@ -8738,7 +8922,7 @@
             <a:r>
               <a:rPr sz="650" b="0">
                 <a:solidFill>
-                  <a:srgbClr val="555570"/>
+                  <a:srgbClr val="475569"/>
                 </a:solidFill>
                 <a:latin typeface="IPAPGothic"/>
               </a:rPr>
@@ -8779,7 +8963,7 @@
             <a:r>
               <a:rPr sz="1400" b="0">
                 <a:solidFill>
-                  <a:srgbClr val="9999AA"/>
+                  <a:srgbClr val="94A3B8"/>
                 </a:solidFill>
                 <a:latin typeface="IPAPGothic"/>
               </a:rPr>
@@ -8803,11 +8987,11 @@
             <a:avLst/>
           </a:prstGeom>
           <a:solidFill>
-            <a:srgbClr val="FEF9EE"/>
+            <a:srgbClr val="FDF8E8"/>
           </a:solidFill>
           <a:ln w="9525">
             <a:solidFill>
-              <a:srgbClr val="E2E5EB"/>
+              <a:srgbClr val="E2E8F0"/>
             </a:solidFill>
           </a:ln>
         </p:spPr>
@@ -8904,7 +9088,7 @@
             <a:r>
               <a:rPr sz="650" b="0">
                 <a:solidFill>
-                  <a:srgbClr val="555570"/>
+                  <a:srgbClr val="475569"/>
                 </a:solidFill>
                 <a:latin typeface="IPAPGothic"/>
               </a:rPr>
@@ -8929,12 +9113,10 @@
             <a:avLst/>
           </a:prstGeom>
           <a:solidFill>
-            <a:srgbClr val="EEF4FD"/>
+            <a:srgbClr val="EFF6FF"/>
           </a:solidFill>
-          <a:ln w="25400">
-            <a:solidFill>
-              <a:srgbClr val="1E6FD9"/>
-            </a:solidFill>
+          <a:ln>
+            <a:noFill/>
           </a:ln>
         </p:spPr>
         <p:style>
@@ -8968,13 +9150,13 @@
         <p:spPr>
           <a:xfrm>
             <a:off x="457200" y="2194560"/>
-            <a:ext cx="54864" cy="914400"/>
+            <a:ext cx="45720" cy="914400"/>
           </a:xfrm>
           <a:prstGeom prst="rect">
             <a:avLst/>
           </a:prstGeom>
           <a:solidFill>
-            <a:srgbClr val="1E6FD9"/>
+            <a:srgbClr val="2563EB"/>
           </a:solidFill>
           <a:ln>
             <a:noFill/>
@@ -9033,7 +9215,7 @@
             <a:r>
               <a:rPr sz="750" b="1">
                 <a:solidFill>
-                  <a:srgbClr val="1A1A2E"/>
+                  <a:srgbClr val="1E293B"/>
                 </a:solidFill>
                 <a:latin typeface="IPAPGothic"/>
               </a:rPr>
@@ -9073,7 +9255,7 @@
             <a:r>
               <a:rPr sz="650" b="0">
                 <a:solidFill>
-                  <a:srgbClr val="555570"/>
+                  <a:srgbClr val="475569"/>
                 </a:solidFill>
                 <a:latin typeface="IPAPGothic"/>
               </a:rPr>
@@ -9097,7 +9279,7 @@
             <a:avLst/>
           </a:prstGeom>
           <a:solidFill>
-            <a:srgbClr val="E2E5EB"/>
+            <a:srgbClr val="E2E8F0"/>
           </a:solidFill>
           <a:ln>
             <a:noFill/>
@@ -9156,7 +9338,7 @@
             <a:r>
               <a:rPr sz="650" b="0">
                 <a:solidFill>
-                  <a:srgbClr val="9999AA"/>
+                  <a:srgbClr val="94A3B8"/>
                 </a:solidFill>
                 <a:latin typeface="IPAPGothic"/>
               </a:rPr>
@@ -9196,7 +9378,7 @@
             <a:r>
               <a:rPr sz="650" b="0">
                 <a:solidFill>
-                  <a:srgbClr val="9999AA"/>
+                  <a:srgbClr val="94A3B8"/>
                 </a:solidFill>
                 <a:latin typeface="IPAPGothic"/>
               </a:rPr>
@@ -9236,7 +9418,7 @@
             <a:r>
               <a:rPr sz="650" b="1">
                 <a:solidFill>
-                  <a:srgbClr val="9999AA"/>
+                  <a:srgbClr val="94A3B8"/>
                 </a:solidFill>
                 <a:latin typeface="IPAPGothic"/>
               </a:rPr>
@@ -9278,7 +9460,7 @@
             <a:avLst/>
           </a:prstGeom>
           <a:solidFill>
-            <a:srgbClr val="0A1628"/>
+            <a:srgbClr val="1E293B"/>
           </a:solidFill>
           <a:ln>
             <a:noFill/>
@@ -9377,7 +9559,7 @@
             <a:r>
               <a:rPr sz="700" b="1">
                 <a:solidFill>
-                  <a:srgbClr val="1E6FD9"/>
+                  <a:srgbClr val="2563EB"/>
                 </a:solidFill>
                 <a:latin typeface="IPAPGothic"/>
               </a:rPr>
@@ -9417,7 +9599,7 @@
             <a:r>
               <a:rPr sz="800" b="0">
                 <a:solidFill>
-                  <a:srgbClr val="555570"/>
+                  <a:srgbClr val="475569"/>
                 </a:solidFill>
                 <a:latin typeface="IPAPGothic"/>
               </a:rPr>
@@ -9441,11 +9623,11 @@
             <a:avLst/>
           </a:prstGeom>
           <a:solidFill>
-            <a:srgbClr val="F8F9FB"/>
+            <a:srgbClr val="FFFFFF"/>
           </a:solidFill>
           <a:ln w="9525">
             <a:solidFill>
-              <a:srgbClr val="E2E5EB"/>
+              <a:srgbClr val="E2E8F0"/>
             </a:solidFill>
           </a:ln>
         </p:spPr>
@@ -9473,145 +9655,23 @@
       </p:sp>
       <p:sp>
         <p:nvSpPr>
-          <p:cNvPr id="7" name="TextBox 6"/>
-          <p:cNvSpPr txBox="1"/>
-          <p:nvPr/>
-        </p:nvSpPr>
-        <p:spPr>
-          <a:xfrm>
-            <a:off x="457200" y="1234440"/>
-            <a:ext cx="2606040" cy="256032"/>
-          </a:xfrm>
-          <a:prstGeom prst="rect">
-            <a:avLst/>
-          </a:prstGeom>
-          <a:noFill/>
-        </p:spPr>
-        <p:txBody>
-          <a:bodyPr wrap="square"/>
-          <a:lstStyle/>
-          <a:p>
-            <a:pPr algn="ctr">
-              <a:spcBef>
-                <a:spcPts val="0"/>
-              </a:spcBef>
-              <a:spcAft>
-                <a:spcPts val="0"/>
-              </a:spcAft>
-            </a:pPr>
-            <a:r>
-              <a:rPr sz="1300" b="0">
-                <a:solidFill>
-                  <a:srgbClr val="1A1A2E"/>
-                </a:solidFill>
-                <a:latin typeface="IPAPGothic"/>
-              </a:rPr>
-              <a:t>🏥</a:t>
-            </a:r>
-          </a:p>
-        </p:txBody>
-      </p:sp>
-      <p:sp>
-        <p:nvSpPr>
-          <p:cNvPr id="8" name="TextBox 7"/>
-          <p:cNvSpPr txBox="1"/>
-          <p:nvPr/>
-        </p:nvSpPr>
-        <p:spPr>
-          <a:xfrm>
-            <a:off x="512064" y="1490472"/>
-            <a:ext cx="2496312" cy="182880"/>
-          </a:xfrm>
-          <a:prstGeom prst="rect">
-            <a:avLst/>
-          </a:prstGeom>
-          <a:noFill/>
-        </p:spPr>
-        <p:txBody>
-          <a:bodyPr wrap="square"/>
-          <a:lstStyle/>
-          <a:p>
-            <a:pPr algn="ctr">
-              <a:spcBef>
-                <a:spcPts val="0"/>
-              </a:spcBef>
-              <a:spcAft>
-                <a:spcPts val="0"/>
-              </a:spcAft>
-            </a:pPr>
-            <a:r>
-              <a:rPr sz="700" b="1">
-                <a:solidFill>
-                  <a:srgbClr val="1A1A2E"/>
-                </a:solidFill>
-                <a:latin typeface="IPAPGothic"/>
-              </a:rPr>
-              <a:t>葬祭・メモリアル</a:t>
-            </a:r>
-          </a:p>
-        </p:txBody>
-      </p:sp>
-      <p:sp>
-        <p:nvSpPr>
-          <p:cNvPr id="9" name="TextBox 8"/>
-          <p:cNvSpPr txBox="1"/>
-          <p:nvPr/>
-        </p:nvSpPr>
-        <p:spPr>
-          <a:xfrm>
-            <a:off x="512064" y="1664208"/>
-            <a:ext cx="2496312" cy="804673"/>
-          </a:xfrm>
-          <a:prstGeom prst="rect">
-            <a:avLst/>
-          </a:prstGeom>
-          <a:noFill/>
-        </p:spPr>
-        <p:txBody>
-          <a:bodyPr wrap="square"/>
-          <a:lstStyle/>
-          <a:p>
-            <a:pPr algn="ctr">
-              <a:spcBef>
-                <a:spcPts val="0"/>
-              </a:spcBef>
-              <a:spcAft>
-                <a:spcPts val="0"/>
-              </a:spcAft>
-            </a:pPr>
-            <a:r>
-              <a:rPr sz="600" b="0">
-                <a:solidFill>
-                  <a:srgbClr val="555570"/>
-                </a:solidFill>
-                <a:latin typeface="IPAPGothic"/>
-              </a:rPr>
-              <a:t>墓じまい代替、永代供養デジタル化、遺族向け新サービス</a:t>
-            </a:r>
-          </a:p>
-        </p:txBody>
-      </p:sp>
-      <p:sp>
-        <p:nvSpPr>
-          <p:cNvPr id="10" name="Rectangle 9"/>
+          <p:cNvPr id="7" name="Oval 6"/>
           <p:cNvSpPr/>
           <p:nvPr/>
         </p:nvSpPr>
         <p:spPr>
           <a:xfrm>
-            <a:off x="3273552" y="1188720"/>
-            <a:ext cx="2606040" cy="1325880"/>
-          </a:xfrm>
-          <a:prstGeom prst="rect">
+            <a:off x="1595628" y="1261872"/>
+            <a:ext cx="329184" cy="329184"/>
+          </a:xfrm>
+          <a:prstGeom prst="ellipse">
             <a:avLst/>
           </a:prstGeom>
           <a:solidFill>
-            <a:srgbClr val="F8F9FB"/>
+            <a:srgbClr val="EFF6FF"/>
           </a:solidFill>
-          <a:ln w="9525">
-            <a:solidFill>
-              <a:srgbClr val="E2E5EB"/>
-            </a:solidFill>
+          <a:ln>
+            <a:noFill/>
           </a:ln>
         </p:spPr>
         <p:style>
@@ -9638,14 +9698,54 @@
       </p:sp>
       <p:sp>
         <p:nvSpPr>
-          <p:cNvPr id="11" name="TextBox 10"/>
-          <p:cNvSpPr txBox="1"/>
-          <p:nvPr/>
-        </p:nvSpPr>
-        <p:spPr>
-          <a:xfrm>
-            <a:off x="3273552" y="1234440"/>
-            <a:ext cx="2606040" cy="256032"/>
+          <p:cNvPr id="8" name="TextBox 7"/>
+          <p:cNvSpPr txBox="1"/>
+          <p:nvPr/>
+        </p:nvSpPr>
+        <p:spPr>
+          <a:xfrm>
+            <a:off x="1595628" y="1261872"/>
+            <a:ext cx="329184" cy="329184"/>
+          </a:xfrm>
+          <a:prstGeom prst="rect">
+            <a:avLst/>
+          </a:prstGeom>
+          <a:noFill/>
+        </p:spPr>
+        <p:txBody>
+          <a:bodyPr wrap="square" anchor="ctr"/>
+          <a:lstStyle/>
+          <a:p>
+            <a:pPr algn="ctr">
+              <a:spcBef>
+                <a:spcPts val="0"/>
+              </a:spcBef>
+              <a:spcAft>
+                <a:spcPts val="0"/>
+              </a:spcAft>
+            </a:pPr>
+            <a:r>
+              <a:rPr sz="900" b="1">
+                <a:solidFill>
+                  <a:srgbClr val="2563EB"/>
+                </a:solidFill>
+                <a:latin typeface="IPAPGothic"/>
+              </a:rPr>
+              <a:t>M</a:t>
+            </a:r>
+          </a:p>
+        </p:txBody>
+      </p:sp>
+      <p:sp>
+        <p:nvSpPr>
+          <p:cNvPr id="9" name="TextBox 8"/>
+          <p:cNvSpPr txBox="1"/>
+          <p:nvPr/>
+        </p:nvSpPr>
+        <p:spPr>
+          <a:xfrm>
+            <a:off x="512064" y="1627632"/>
+            <a:ext cx="2496312" cy="182880"/>
           </a:xfrm>
           <a:prstGeom prst="rect">
             <a:avLst/>
@@ -9665,27 +9765,27 @@
               </a:spcAft>
             </a:pPr>
             <a:r>
-              <a:rPr sz="1300" b="0">
-                <a:solidFill>
-                  <a:srgbClr val="1A1A2E"/>
-                </a:solidFill>
-                <a:latin typeface="IPAPGothic"/>
-              </a:rPr>
-              <a:t>🏨</a:t>
-            </a:r>
-          </a:p>
-        </p:txBody>
-      </p:sp>
-      <p:sp>
-        <p:nvSpPr>
-          <p:cNvPr id="12" name="TextBox 11"/>
-          <p:cNvSpPr txBox="1"/>
-          <p:nvPr/>
-        </p:nvSpPr>
-        <p:spPr>
-          <a:xfrm>
-            <a:off x="3328416" y="1490472"/>
-            <a:ext cx="2496312" cy="182880"/>
+              <a:rPr sz="700" b="1">
+                <a:solidFill>
+                  <a:srgbClr val="1E293B"/>
+                </a:solidFill>
+                <a:latin typeface="IPAPGothic"/>
+              </a:rPr>
+              <a:t>葬祭・メモリアル</a:t>
+            </a:r>
+          </a:p>
+        </p:txBody>
+      </p:sp>
+      <p:sp>
+        <p:nvSpPr>
+          <p:cNvPr id="10" name="TextBox 9"/>
+          <p:cNvSpPr txBox="1"/>
+          <p:nvPr/>
+        </p:nvSpPr>
+        <p:spPr>
+          <a:xfrm>
+            <a:off x="512064" y="1810512"/>
+            <a:ext cx="2496312" cy="658368"/>
           </a:xfrm>
           <a:prstGeom prst="rect">
             <a:avLst/>
@@ -9705,77 +9805,37 @@
               </a:spcAft>
             </a:pPr>
             <a:r>
-              <a:rPr sz="700" b="1">
-                <a:solidFill>
-                  <a:srgbClr val="1A1A2E"/>
-                </a:solidFill>
-                <a:latin typeface="IPAPGothic"/>
-              </a:rPr>
-              <a:t>ホスピタリティ</a:t>
-            </a:r>
-          </a:p>
-        </p:txBody>
-      </p:sp>
-      <p:sp>
-        <p:nvSpPr>
-          <p:cNvPr id="13" name="TextBox 12"/>
-          <p:cNvSpPr txBox="1"/>
-          <p:nvPr/>
-        </p:nvSpPr>
-        <p:spPr>
-          <a:xfrm>
-            <a:off x="3328416" y="1664208"/>
-            <a:ext cx="2496312" cy="804673"/>
-          </a:xfrm>
-          <a:prstGeom prst="rect">
-            <a:avLst/>
-          </a:prstGeom>
-          <a:noFill/>
-        </p:spPr>
-        <p:txBody>
-          <a:bodyPr wrap="square"/>
-          <a:lstStyle/>
-          <a:p>
-            <a:pPr algn="ctr">
-              <a:spcBef>
-                <a:spcPts val="0"/>
-              </a:spcBef>
-              <a:spcAft>
-                <a:spcPts val="0"/>
-              </a:spcAft>
-            </a:pPr>
-            <a:r>
               <a:rPr sz="600" b="0">
                 <a:solidFill>
-                  <a:srgbClr val="555570"/>
-                </a:solidFill>
-                <a:latin typeface="IPAPGothic"/>
-              </a:rPr>
-              <a:t>ウェディング記録、ホテルCX、記念日サービス</a:t>
-            </a:r>
-          </a:p>
-        </p:txBody>
-      </p:sp>
-      <p:sp>
-        <p:nvSpPr>
-          <p:cNvPr id="14" name="Rectangle 13"/>
+                  <a:srgbClr val="475569"/>
+                </a:solidFill>
+                <a:latin typeface="IPAPGothic"/>
+              </a:rPr>
+              <a:t>墓じまい代替、永代供養デジタル化、遺族向け新サービス</a:t>
+            </a:r>
+          </a:p>
+        </p:txBody>
+      </p:sp>
+      <p:sp>
+        <p:nvSpPr>
+          <p:cNvPr id="11" name="Rectangle 10"/>
           <p:cNvSpPr/>
           <p:nvPr/>
         </p:nvSpPr>
         <p:spPr>
           <a:xfrm>
-            <a:off x="6089904" y="1188720"/>
+            <a:off x="3273552" y="1188720"/>
             <a:ext cx="2606040" cy="1325880"/>
           </a:xfrm>
           <a:prstGeom prst="rect">
             <a:avLst/>
           </a:prstGeom>
           <a:solidFill>
-            <a:srgbClr val="F8F9FB"/>
+            <a:srgbClr val="FFFFFF"/>
           </a:solidFill>
           <a:ln w="9525">
             <a:solidFill>
-              <a:srgbClr val="E2E5EB"/>
+              <a:srgbClr val="E2E8F0"/>
             </a:solidFill>
           </a:ln>
         </p:spPr>
@@ -9803,145 +9863,23 @@
       </p:sp>
       <p:sp>
         <p:nvSpPr>
-          <p:cNvPr id="15" name="TextBox 14"/>
-          <p:cNvSpPr txBox="1"/>
-          <p:nvPr/>
-        </p:nvSpPr>
-        <p:spPr>
-          <a:xfrm>
-            <a:off x="6089904" y="1234440"/>
-            <a:ext cx="2606040" cy="256032"/>
-          </a:xfrm>
-          <a:prstGeom prst="rect">
-            <a:avLst/>
-          </a:prstGeom>
-          <a:noFill/>
-        </p:spPr>
-        <p:txBody>
-          <a:bodyPr wrap="square"/>
-          <a:lstStyle/>
-          <a:p>
-            <a:pPr algn="ctr">
-              <a:spcBef>
-                <a:spcPts val="0"/>
-              </a:spcBef>
-              <a:spcAft>
-                <a:spcPts val="0"/>
-              </a:spcAft>
-            </a:pPr>
-            <a:r>
-              <a:rPr sz="1300" b="0">
-                <a:solidFill>
-                  <a:srgbClr val="1A1A2E"/>
-                </a:solidFill>
-                <a:latin typeface="IPAPGothic"/>
-              </a:rPr>
-              <a:t>🏛</a:t>
-            </a:r>
-          </a:p>
-        </p:txBody>
-      </p:sp>
-      <p:sp>
-        <p:nvSpPr>
-          <p:cNvPr id="16" name="TextBox 15"/>
-          <p:cNvSpPr txBox="1"/>
-          <p:nvPr/>
-        </p:nvSpPr>
-        <p:spPr>
-          <a:xfrm>
-            <a:off x="6144768" y="1490472"/>
-            <a:ext cx="2496312" cy="182880"/>
-          </a:xfrm>
-          <a:prstGeom prst="rect">
-            <a:avLst/>
-          </a:prstGeom>
-          <a:noFill/>
-        </p:spPr>
-        <p:txBody>
-          <a:bodyPr wrap="square"/>
-          <a:lstStyle/>
-          <a:p>
-            <a:pPr algn="ctr">
-              <a:spcBef>
-                <a:spcPts val="0"/>
-              </a:spcBef>
-              <a:spcAft>
-                <a:spcPts val="0"/>
-              </a:spcAft>
-            </a:pPr>
-            <a:r>
-              <a:rPr sz="700" b="1">
-                <a:solidFill>
-                  <a:srgbClr val="1A1A2E"/>
-                </a:solidFill>
-                <a:latin typeface="IPAPGothic"/>
-              </a:rPr>
-              <a:t>宗教法人・寺社</a:t>
-            </a:r>
-          </a:p>
-        </p:txBody>
-      </p:sp>
-      <p:sp>
-        <p:nvSpPr>
-          <p:cNvPr id="17" name="TextBox 16"/>
-          <p:cNvSpPr txBox="1"/>
-          <p:nvPr/>
-        </p:nvSpPr>
-        <p:spPr>
-          <a:xfrm>
-            <a:off x="6144768" y="1664208"/>
-            <a:ext cx="2496312" cy="804673"/>
-          </a:xfrm>
-          <a:prstGeom prst="rect">
-            <a:avLst/>
-          </a:prstGeom>
-          <a:noFill/>
-        </p:spPr>
-        <p:txBody>
-          <a:bodyPr wrap="square"/>
-          <a:lstStyle/>
-          <a:p>
-            <a:pPr algn="ctr">
-              <a:spcBef>
-                <a:spcPts val="0"/>
-              </a:spcBef>
-              <a:spcAft>
-                <a:spcPts val="0"/>
-              </a:spcAft>
-            </a:pPr>
-            <a:r>
-              <a:rPr sz="600" b="0">
-                <a:solidFill>
-                  <a:srgbClr val="555570"/>
-                </a:solidFill>
-                <a:latin typeface="IPAPGothic"/>
-              </a:rPr>
-              <a:t>檀家記録の永続化、参拝体験DX、文化財保存</a:t>
-            </a:r>
-          </a:p>
-        </p:txBody>
-      </p:sp>
-      <p:sp>
-        <p:nvSpPr>
-          <p:cNvPr id="18" name="Rectangle 17"/>
+          <p:cNvPr id="12" name="Oval 11"/>
           <p:cNvSpPr/>
           <p:nvPr/>
         </p:nvSpPr>
         <p:spPr>
           <a:xfrm>
-            <a:off x="457200" y="2679192"/>
-            <a:ext cx="2606040" cy="1325880"/>
-          </a:xfrm>
-          <a:prstGeom prst="rect">
+            <a:off x="4411980" y="1261872"/>
+            <a:ext cx="329184" cy="329184"/>
+          </a:xfrm>
+          <a:prstGeom prst="ellipse">
             <a:avLst/>
           </a:prstGeom>
           <a:solidFill>
-            <a:srgbClr val="F8F9FB"/>
+            <a:srgbClr val="EFF6FF"/>
           </a:solidFill>
-          <a:ln w="9525">
-            <a:solidFill>
-              <a:srgbClr val="E2E5EB"/>
-            </a:solidFill>
+          <a:ln>
+            <a:noFill/>
           </a:ln>
         </p:spPr>
         <p:style>
@@ -9968,14 +9906,54 @@
       </p:sp>
       <p:sp>
         <p:nvSpPr>
-          <p:cNvPr id="19" name="TextBox 18"/>
-          <p:cNvSpPr txBox="1"/>
-          <p:nvPr/>
-        </p:nvSpPr>
-        <p:spPr>
-          <a:xfrm>
-            <a:off x="457200" y="2724912"/>
-            <a:ext cx="2606040" cy="256032"/>
+          <p:cNvPr id="13" name="TextBox 12"/>
+          <p:cNvSpPr txBox="1"/>
+          <p:nvPr/>
+        </p:nvSpPr>
+        <p:spPr>
+          <a:xfrm>
+            <a:off x="4411980" y="1261872"/>
+            <a:ext cx="329184" cy="329184"/>
+          </a:xfrm>
+          <a:prstGeom prst="rect">
+            <a:avLst/>
+          </a:prstGeom>
+          <a:noFill/>
+        </p:spPr>
+        <p:txBody>
+          <a:bodyPr wrap="square" anchor="ctr"/>
+          <a:lstStyle/>
+          <a:p>
+            <a:pPr algn="ctr">
+              <a:spcBef>
+                <a:spcPts val="0"/>
+              </a:spcBef>
+              <a:spcAft>
+                <a:spcPts val="0"/>
+              </a:spcAft>
+            </a:pPr>
+            <a:r>
+              <a:rPr sz="900" b="1">
+                <a:solidFill>
+                  <a:srgbClr val="2563EB"/>
+                </a:solidFill>
+                <a:latin typeface="IPAPGothic"/>
+              </a:rPr>
+              <a:t>H</a:t>
+            </a:r>
+          </a:p>
+        </p:txBody>
+      </p:sp>
+      <p:sp>
+        <p:nvSpPr>
+          <p:cNvPr id="14" name="TextBox 13"/>
+          <p:cNvSpPr txBox="1"/>
+          <p:nvPr/>
+        </p:nvSpPr>
+        <p:spPr>
+          <a:xfrm>
+            <a:off x="3328416" y="1627632"/>
+            <a:ext cx="2496312" cy="182880"/>
           </a:xfrm>
           <a:prstGeom prst="rect">
             <a:avLst/>
@@ -9995,27 +9973,27 @@
               </a:spcAft>
             </a:pPr>
             <a:r>
-              <a:rPr sz="1300" b="0">
-                <a:solidFill>
-                  <a:srgbClr val="1A1A2E"/>
-                </a:solidFill>
-                <a:latin typeface="IPAPGothic"/>
-              </a:rPr>
-              <a:t>🏬</a:t>
-            </a:r>
-          </a:p>
-        </p:txBody>
-      </p:sp>
-      <p:sp>
-        <p:nvSpPr>
-          <p:cNvPr id="20" name="TextBox 19"/>
-          <p:cNvSpPr txBox="1"/>
-          <p:nvPr/>
-        </p:nvSpPr>
-        <p:spPr>
-          <a:xfrm>
-            <a:off x="512064" y="2980944"/>
-            <a:ext cx="2496312" cy="182880"/>
+              <a:rPr sz="700" b="1">
+                <a:solidFill>
+                  <a:srgbClr val="1E293B"/>
+                </a:solidFill>
+                <a:latin typeface="IPAPGothic"/>
+              </a:rPr>
+              <a:t>ホスピタリティ</a:t>
+            </a:r>
+          </a:p>
+        </p:txBody>
+      </p:sp>
+      <p:sp>
+        <p:nvSpPr>
+          <p:cNvPr id="15" name="TextBox 14"/>
+          <p:cNvSpPr txBox="1"/>
+          <p:nvPr/>
+        </p:nvSpPr>
+        <p:spPr>
+          <a:xfrm>
+            <a:off x="3328416" y="1810512"/>
+            <a:ext cx="2496312" cy="658368"/>
           </a:xfrm>
           <a:prstGeom prst="rect">
             <a:avLst/>
@@ -10035,77 +10013,37 @@
               </a:spcAft>
             </a:pPr>
             <a:r>
-              <a:rPr sz="700" b="1">
-                <a:solidFill>
-                  <a:srgbClr val="1A1A2E"/>
-                </a:solidFill>
-                <a:latin typeface="IPAPGothic"/>
-              </a:rPr>
-              <a:t>自治体・教育</a:t>
-            </a:r>
-          </a:p>
-        </p:txBody>
-      </p:sp>
-      <p:sp>
-        <p:nvSpPr>
-          <p:cNvPr id="21" name="TextBox 20"/>
-          <p:cNvSpPr txBox="1"/>
-          <p:nvPr/>
-        </p:nvSpPr>
-        <p:spPr>
-          <a:xfrm>
-            <a:off x="512064" y="3154680"/>
-            <a:ext cx="2496312" cy="804673"/>
-          </a:xfrm>
-          <a:prstGeom prst="rect">
-            <a:avLst/>
-          </a:prstGeom>
-          <a:noFill/>
-        </p:spPr>
-        <p:txBody>
-          <a:bodyPr wrap="square"/>
-          <a:lstStyle/>
-          <a:p>
-            <a:pPr algn="ctr">
-              <a:spcBef>
-                <a:spcPts val="0"/>
-              </a:spcBef>
-              <a:spcAft>
-                <a:spcPts val="0"/>
-              </a:spcAft>
-            </a:pPr>
-            <a:r>
               <a:rPr sz="600" b="0">
                 <a:solidFill>
-                  <a:srgbClr val="555570"/>
-                </a:solidFill>
-                <a:latin typeface="IPAPGothic"/>
-              </a:rPr>
-              <a:t>地域アーカイブ、災害記録、学校史の永続化</a:t>
-            </a:r>
-          </a:p>
-        </p:txBody>
-      </p:sp>
-      <p:sp>
-        <p:nvSpPr>
-          <p:cNvPr id="22" name="Rectangle 21"/>
+                  <a:srgbClr val="475569"/>
+                </a:solidFill>
+                <a:latin typeface="IPAPGothic"/>
+              </a:rPr>
+              <a:t>ウェディング記録、ホテルCX、記念日サービス</a:t>
+            </a:r>
+          </a:p>
+        </p:txBody>
+      </p:sp>
+      <p:sp>
+        <p:nvSpPr>
+          <p:cNvPr id="16" name="Rectangle 15"/>
           <p:cNvSpPr/>
           <p:nvPr/>
         </p:nvSpPr>
         <p:spPr>
           <a:xfrm>
-            <a:off x="3273552" y="2679192"/>
+            <a:off x="6089904" y="1188720"/>
             <a:ext cx="2606040" cy="1325880"/>
           </a:xfrm>
           <a:prstGeom prst="rect">
             <a:avLst/>
           </a:prstGeom>
           <a:solidFill>
-            <a:srgbClr val="F8F9FB"/>
+            <a:srgbClr val="FFFFFF"/>
           </a:solidFill>
           <a:ln w="9525">
             <a:solidFill>
-              <a:srgbClr val="E2E5EB"/>
+              <a:srgbClr val="E2E8F0"/>
             </a:solidFill>
           </a:ln>
         </p:spPr>
@@ -10133,145 +10071,23 @@
       </p:sp>
       <p:sp>
         <p:nvSpPr>
-          <p:cNvPr id="23" name="TextBox 22"/>
-          <p:cNvSpPr txBox="1"/>
-          <p:nvPr/>
-        </p:nvSpPr>
-        <p:spPr>
-          <a:xfrm>
-            <a:off x="3273552" y="2724912"/>
-            <a:ext cx="2606040" cy="256032"/>
-          </a:xfrm>
-          <a:prstGeom prst="rect">
-            <a:avLst/>
-          </a:prstGeom>
-          <a:noFill/>
-        </p:spPr>
-        <p:txBody>
-          <a:bodyPr wrap="square"/>
-          <a:lstStyle/>
-          <a:p>
-            <a:pPr algn="ctr">
-              <a:spcBef>
-                <a:spcPts val="0"/>
-              </a:spcBef>
-              <a:spcAft>
-                <a:spcPts val="0"/>
-              </a:spcAft>
-            </a:pPr>
-            <a:r>
-              <a:rPr sz="1300" b="0">
-                <a:solidFill>
-                  <a:srgbClr val="1A1A2E"/>
-                </a:solidFill>
-                <a:latin typeface="IPAPGothic"/>
-              </a:rPr>
-              <a:t>🌏</a:t>
-            </a:r>
-          </a:p>
-        </p:txBody>
-      </p:sp>
-      <p:sp>
-        <p:nvSpPr>
-          <p:cNvPr id="24" name="TextBox 23"/>
-          <p:cNvSpPr txBox="1"/>
-          <p:nvPr/>
-        </p:nvSpPr>
-        <p:spPr>
-          <a:xfrm>
-            <a:off x="3328416" y="2980944"/>
-            <a:ext cx="2496312" cy="182880"/>
-          </a:xfrm>
-          <a:prstGeom prst="rect">
-            <a:avLst/>
-          </a:prstGeom>
-          <a:noFill/>
-        </p:spPr>
-        <p:txBody>
-          <a:bodyPr wrap="square"/>
-          <a:lstStyle/>
-          <a:p>
-            <a:pPr algn="ctr">
-              <a:spcBef>
-                <a:spcPts val="0"/>
-              </a:spcBef>
-              <a:spcAft>
-                <a:spcPts val="0"/>
-              </a:spcAft>
-            </a:pPr>
-            <a:r>
-              <a:rPr sz="700" b="1">
-                <a:solidFill>
-                  <a:srgbClr val="1A1A2E"/>
-                </a:solidFill>
-                <a:latin typeface="IPAPGothic"/>
-              </a:rPr>
-              <a:t>ESG・サステナビリティ</a:t>
-            </a:r>
-          </a:p>
-        </p:txBody>
-      </p:sp>
-      <p:sp>
-        <p:nvSpPr>
-          <p:cNvPr id="25" name="TextBox 24"/>
-          <p:cNvSpPr txBox="1"/>
-          <p:nvPr/>
-        </p:nvSpPr>
-        <p:spPr>
-          <a:xfrm>
-            <a:off x="3328416" y="3154680"/>
-            <a:ext cx="2496312" cy="804673"/>
-          </a:xfrm>
-          <a:prstGeom prst="rect">
-            <a:avLst/>
-          </a:prstGeom>
-          <a:noFill/>
-        </p:spPr>
-        <p:txBody>
-          <a:bodyPr wrap="square"/>
-          <a:lstStyle/>
-          <a:p>
-            <a:pPr algn="ctr">
-              <a:spcBef>
-                <a:spcPts val="0"/>
-              </a:spcBef>
-              <a:spcAft>
-                <a:spcPts val="0"/>
-              </a:spcAft>
-            </a:pPr>
-            <a:r>
-              <a:rPr sz="600" b="0">
-                <a:solidFill>
-                  <a:srgbClr val="555570"/>
-                </a:solidFill>
-                <a:latin typeface="IPAPGothic"/>
-              </a:rPr>
-              <a:t>1000年設計の企業理念記録、SDGs実績の永続証明</a:t>
-            </a:r>
-          </a:p>
-        </p:txBody>
-      </p:sp>
-      <p:sp>
-        <p:nvSpPr>
-          <p:cNvPr id="26" name="Rectangle 25"/>
+          <p:cNvPr id="17" name="Oval 16"/>
           <p:cNvSpPr/>
           <p:nvPr/>
         </p:nvSpPr>
         <p:spPr>
           <a:xfrm>
-            <a:off x="6089904" y="2679192"/>
-            <a:ext cx="2606040" cy="1325880"/>
-          </a:xfrm>
-          <a:prstGeom prst="rect">
+            <a:off x="7228332" y="1261872"/>
+            <a:ext cx="329184" cy="329184"/>
+          </a:xfrm>
+          <a:prstGeom prst="ellipse">
             <a:avLst/>
           </a:prstGeom>
           <a:solidFill>
-            <a:srgbClr val="F8F9FB"/>
+            <a:srgbClr val="EFF6FF"/>
           </a:solidFill>
-          <a:ln w="9525">
-            <a:solidFill>
-              <a:srgbClr val="E2E5EB"/>
-            </a:solidFill>
+          <a:ln>
+            <a:noFill/>
           </a:ln>
         </p:spPr>
         <p:style>
@@ -10298,14 +10114,54 @@
       </p:sp>
       <p:sp>
         <p:nvSpPr>
-          <p:cNvPr id="27" name="TextBox 26"/>
-          <p:cNvSpPr txBox="1"/>
-          <p:nvPr/>
-        </p:nvSpPr>
-        <p:spPr>
-          <a:xfrm>
-            <a:off x="6089904" y="2724912"/>
-            <a:ext cx="2606040" cy="256032"/>
+          <p:cNvPr id="18" name="TextBox 17"/>
+          <p:cNvSpPr txBox="1"/>
+          <p:nvPr/>
+        </p:nvSpPr>
+        <p:spPr>
+          <a:xfrm>
+            <a:off x="7228332" y="1261872"/>
+            <a:ext cx="329184" cy="329184"/>
+          </a:xfrm>
+          <a:prstGeom prst="rect">
+            <a:avLst/>
+          </a:prstGeom>
+          <a:noFill/>
+        </p:spPr>
+        <p:txBody>
+          <a:bodyPr wrap="square" anchor="ctr"/>
+          <a:lstStyle/>
+          <a:p>
+            <a:pPr algn="ctr">
+              <a:spcBef>
+                <a:spcPts val="0"/>
+              </a:spcBef>
+              <a:spcAft>
+                <a:spcPts val="0"/>
+              </a:spcAft>
+            </a:pPr>
+            <a:r>
+              <a:rPr sz="900" b="1">
+                <a:solidFill>
+                  <a:srgbClr val="2563EB"/>
+                </a:solidFill>
+                <a:latin typeface="IPAPGothic"/>
+              </a:rPr>
+              <a:t>R</a:t>
+            </a:r>
+          </a:p>
+        </p:txBody>
+      </p:sp>
+      <p:sp>
+        <p:nvSpPr>
+          <p:cNvPr id="19" name="TextBox 18"/>
+          <p:cNvSpPr txBox="1"/>
+          <p:nvPr/>
+        </p:nvSpPr>
+        <p:spPr>
+          <a:xfrm>
+            <a:off x="6144768" y="1627632"/>
+            <a:ext cx="2496312" cy="182880"/>
           </a:xfrm>
           <a:prstGeom prst="rect">
             <a:avLst/>
@@ -10325,27 +10181,27 @@
               </a:spcAft>
             </a:pPr>
             <a:r>
-              <a:rPr sz="1300" b="0">
-                <a:solidFill>
-                  <a:srgbClr val="1A1A2E"/>
-                </a:solidFill>
-                <a:latin typeface="IPAPGothic"/>
-              </a:rPr>
-              <a:t>💼</a:t>
-            </a:r>
-          </a:p>
-        </p:txBody>
-      </p:sp>
-      <p:sp>
-        <p:nvSpPr>
-          <p:cNvPr id="28" name="TextBox 27"/>
-          <p:cNvSpPr txBox="1"/>
-          <p:nvPr/>
-        </p:nvSpPr>
-        <p:spPr>
-          <a:xfrm>
-            <a:off x="6144768" y="2980944"/>
-            <a:ext cx="2496312" cy="182880"/>
+              <a:rPr sz="700" b="1">
+                <a:solidFill>
+                  <a:srgbClr val="1E293B"/>
+                </a:solidFill>
+                <a:latin typeface="IPAPGothic"/>
+              </a:rPr>
+              <a:t>宗教法人・寺社</a:t>
+            </a:r>
+          </a:p>
+        </p:txBody>
+      </p:sp>
+      <p:sp>
+        <p:nvSpPr>
+          <p:cNvPr id="20" name="TextBox 19"/>
+          <p:cNvSpPr txBox="1"/>
+          <p:nvPr/>
+        </p:nvSpPr>
+        <p:spPr>
+          <a:xfrm>
+            <a:off x="6144768" y="1810512"/>
+            <a:ext cx="2496312" cy="658368"/>
           </a:xfrm>
           <a:prstGeom prst="rect">
             <a:avLst/>
@@ -10365,76 +10221,38 @@
               </a:spcAft>
             </a:pPr>
             <a:r>
-              <a:rPr sz="700" b="1">
-                <a:solidFill>
-                  <a:srgbClr val="1A1A2E"/>
-                </a:solidFill>
-                <a:latin typeface="IPAPGothic"/>
-              </a:rPr>
-              <a:t>金融・保険</a:t>
-            </a:r>
-          </a:p>
-        </p:txBody>
-      </p:sp>
-      <p:sp>
-        <p:nvSpPr>
-          <p:cNvPr id="29" name="TextBox 28"/>
-          <p:cNvSpPr txBox="1"/>
-          <p:nvPr/>
-        </p:nvSpPr>
-        <p:spPr>
-          <a:xfrm>
-            <a:off x="6144768" y="3154680"/>
-            <a:ext cx="2496312" cy="804673"/>
-          </a:xfrm>
-          <a:prstGeom prst="rect">
-            <a:avLst/>
-          </a:prstGeom>
-          <a:noFill/>
-        </p:spPr>
-        <p:txBody>
-          <a:bodyPr wrap="square"/>
-          <a:lstStyle/>
-          <a:p>
-            <a:pPr algn="ctr">
-              <a:spcBef>
-                <a:spcPts val="0"/>
-              </a:spcBef>
-              <a:spcAft>
-                <a:spcPts val="0"/>
-              </a:spcAft>
-            </a:pPr>
-            <a:r>
               <a:rPr sz="600" b="0">
                 <a:solidFill>
-                  <a:srgbClr val="555570"/>
-                </a:solidFill>
-                <a:latin typeface="IPAPGothic"/>
-              </a:rPr>
-              <a:t>終活関連サービス連携、デジタル遺品対策</a:t>
-            </a:r>
-          </a:p>
-        </p:txBody>
-      </p:sp>
-      <p:sp>
-        <p:nvSpPr>
-          <p:cNvPr id="30" name="Rectangle 29"/>
+                  <a:srgbClr val="475569"/>
+                </a:solidFill>
+                <a:latin typeface="IPAPGothic"/>
+              </a:rPr>
+              <a:t>檀家記録の永続化、参拝体験DX、文化財保存</a:t>
+            </a:r>
+          </a:p>
+        </p:txBody>
+      </p:sp>
+      <p:sp>
+        <p:nvSpPr>
+          <p:cNvPr id="21" name="Rectangle 20"/>
           <p:cNvSpPr/>
           <p:nvPr/>
         </p:nvSpPr>
         <p:spPr>
           <a:xfrm>
-            <a:off x="0" y="4823460"/>
-            <a:ext cx="9144000" cy="6350"/>
+            <a:off x="457200" y="2679192"/>
+            <a:ext cx="2606040" cy="1325880"/>
           </a:xfrm>
           <a:prstGeom prst="rect">
             <a:avLst/>
           </a:prstGeom>
           <a:solidFill>
-            <a:srgbClr val="E2E5EB"/>
+            <a:srgbClr val="FFFFFF"/>
           </a:solidFill>
-          <a:ln>
-            <a:noFill/>
+          <a:ln w="9525">
+            <a:solidFill>
+              <a:srgbClr val="E2E8F0"/>
+            </a:solidFill>
           </a:ln>
         </p:spPr>
         <p:style>
@@ -10461,7 +10279,629 @@
       </p:sp>
       <p:sp>
         <p:nvSpPr>
-          <p:cNvPr id="31" name="TextBox 30"/>
+          <p:cNvPr id="22" name="Oval 21"/>
+          <p:cNvSpPr/>
+          <p:nvPr/>
+        </p:nvSpPr>
+        <p:spPr>
+          <a:xfrm>
+            <a:off x="1595628" y="2752344"/>
+            <a:ext cx="329184" cy="329184"/>
+          </a:xfrm>
+          <a:prstGeom prst="ellipse">
+            <a:avLst/>
+          </a:prstGeom>
+          <a:solidFill>
+            <a:srgbClr val="EFF6FF"/>
+          </a:solidFill>
+          <a:ln>
+            <a:noFill/>
+          </a:ln>
+        </p:spPr>
+        <p:style>
+          <a:lnRef idx="1">
+            <a:schemeClr val="accent1"/>
+          </a:lnRef>
+          <a:fillRef idx="3">
+            <a:schemeClr val="accent1"/>
+          </a:fillRef>
+          <a:effectRef idx="2">
+            <a:schemeClr val="accent1"/>
+          </a:effectRef>
+          <a:fontRef idx="minor">
+            <a:schemeClr val="lt1"/>
+          </a:fontRef>
+        </p:style>
+        <p:txBody>
+          <a:bodyPr rtlCol="0" anchor="ctr"/>
+          <a:lstStyle/>
+          <a:p>
+            <a:pPr algn="ctr"/>
+          </a:p>
+        </p:txBody>
+      </p:sp>
+      <p:sp>
+        <p:nvSpPr>
+          <p:cNvPr id="23" name="TextBox 22"/>
+          <p:cNvSpPr txBox="1"/>
+          <p:nvPr/>
+        </p:nvSpPr>
+        <p:spPr>
+          <a:xfrm>
+            <a:off x="1595628" y="2752344"/>
+            <a:ext cx="329184" cy="329184"/>
+          </a:xfrm>
+          <a:prstGeom prst="rect">
+            <a:avLst/>
+          </a:prstGeom>
+          <a:noFill/>
+        </p:spPr>
+        <p:txBody>
+          <a:bodyPr wrap="square" anchor="ctr"/>
+          <a:lstStyle/>
+          <a:p>
+            <a:pPr algn="ctr">
+              <a:spcBef>
+                <a:spcPts val="0"/>
+              </a:spcBef>
+              <a:spcAft>
+                <a:spcPts val="0"/>
+              </a:spcAft>
+            </a:pPr>
+            <a:r>
+              <a:rPr sz="900" b="1">
+                <a:solidFill>
+                  <a:srgbClr val="2563EB"/>
+                </a:solidFill>
+                <a:latin typeface="IPAPGothic"/>
+              </a:rPr>
+              <a:t>G</a:t>
+            </a:r>
+          </a:p>
+        </p:txBody>
+      </p:sp>
+      <p:sp>
+        <p:nvSpPr>
+          <p:cNvPr id="24" name="TextBox 23"/>
+          <p:cNvSpPr txBox="1"/>
+          <p:nvPr/>
+        </p:nvSpPr>
+        <p:spPr>
+          <a:xfrm>
+            <a:off x="512064" y="3118104"/>
+            <a:ext cx="2496312" cy="182880"/>
+          </a:xfrm>
+          <a:prstGeom prst="rect">
+            <a:avLst/>
+          </a:prstGeom>
+          <a:noFill/>
+        </p:spPr>
+        <p:txBody>
+          <a:bodyPr wrap="square"/>
+          <a:lstStyle/>
+          <a:p>
+            <a:pPr algn="ctr">
+              <a:spcBef>
+                <a:spcPts val="0"/>
+              </a:spcBef>
+              <a:spcAft>
+                <a:spcPts val="0"/>
+              </a:spcAft>
+            </a:pPr>
+            <a:r>
+              <a:rPr sz="700" b="1">
+                <a:solidFill>
+                  <a:srgbClr val="1E293B"/>
+                </a:solidFill>
+                <a:latin typeface="IPAPGothic"/>
+              </a:rPr>
+              <a:t>自治体・教育</a:t>
+            </a:r>
+          </a:p>
+        </p:txBody>
+      </p:sp>
+      <p:sp>
+        <p:nvSpPr>
+          <p:cNvPr id="25" name="TextBox 24"/>
+          <p:cNvSpPr txBox="1"/>
+          <p:nvPr/>
+        </p:nvSpPr>
+        <p:spPr>
+          <a:xfrm>
+            <a:off x="512064" y="3300984"/>
+            <a:ext cx="2496312" cy="658368"/>
+          </a:xfrm>
+          <a:prstGeom prst="rect">
+            <a:avLst/>
+          </a:prstGeom>
+          <a:noFill/>
+        </p:spPr>
+        <p:txBody>
+          <a:bodyPr wrap="square"/>
+          <a:lstStyle/>
+          <a:p>
+            <a:pPr algn="ctr">
+              <a:spcBef>
+                <a:spcPts val="0"/>
+              </a:spcBef>
+              <a:spcAft>
+                <a:spcPts val="0"/>
+              </a:spcAft>
+            </a:pPr>
+            <a:r>
+              <a:rPr sz="600" b="0">
+                <a:solidFill>
+                  <a:srgbClr val="475569"/>
+                </a:solidFill>
+                <a:latin typeface="IPAPGothic"/>
+              </a:rPr>
+              <a:t>地域アーカイブ、災害記録、学校史の永続化</a:t>
+            </a:r>
+          </a:p>
+        </p:txBody>
+      </p:sp>
+      <p:sp>
+        <p:nvSpPr>
+          <p:cNvPr id="26" name="Rectangle 25"/>
+          <p:cNvSpPr/>
+          <p:nvPr/>
+        </p:nvSpPr>
+        <p:spPr>
+          <a:xfrm>
+            <a:off x="3273552" y="2679192"/>
+            <a:ext cx="2606040" cy="1325880"/>
+          </a:xfrm>
+          <a:prstGeom prst="rect">
+            <a:avLst/>
+          </a:prstGeom>
+          <a:solidFill>
+            <a:srgbClr val="FFFFFF"/>
+          </a:solidFill>
+          <a:ln w="9525">
+            <a:solidFill>
+              <a:srgbClr val="E2E8F0"/>
+            </a:solidFill>
+          </a:ln>
+        </p:spPr>
+        <p:style>
+          <a:lnRef idx="1">
+            <a:schemeClr val="accent1"/>
+          </a:lnRef>
+          <a:fillRef idx="3">
+            <a:schemeClr val="accent1"/>
+          </a:fillRef>
+          <a:effectRef idx="2">
+            <a:schemeClr val="accent1"/>
+          </a:effectRef>
+          <a:fontRef idx="minor">
+            <a:schemeClr val="lt1"/>
+          </a:fontRef>
+        </p:style>
+        <p:txBody>
+          <a:bodyPr rtlCol="0" anchor="ctr"/>
+          <a:lstStyle/>
+          <a:p>
+            <a:pPr algn="ctr"/>
+          </a:p>
+        </p:txBody>
+      </p:sp>
+      <p:sp>
+        <p:nvSpPr>
+          <p:cNvPr id="27" name="Oval 26"/>
+          <p:cNvSpPr/>
+          <p:nvPr/>
+        </p:nvSpPr>
+        <p:spPr>
+          <a:xfrm>
+            <a:off x="4411980" y="2752344"/>
+            <a:ext cx="329184" cy="329184"/>
+          </a:xfrm>
+          <a:prstGeom prst="ellipse">
+            <a:avLst/>
+          </a:prstGeom>
+          <a:solidFill>
+            <a:srgbClr val="EFF6FF"/>
+          </a:solidFill>
+          <a:ln>
+            <a:noFill/>
+          </a:ln>
+        </p:spPr>
+        <p:style>
+          <a:lnRef idx="1">
+            <a:schemeClr val="accent1"/>
+          </a:lnRef>
+          <a:fillRef idx="3">
+            <a:schemeClr val="accent1"/>
+          </a:fillRef>
+          <a:effectRef idx="2">
+            <a:schemeClr val="accent1"/>
+          </a:effectRef>
+          <a:fontRef idx="minor">
+            <a:schemeClr val="lt1"/>
+          </a:fontRef>
+        </p:style>
+        <p:txBody>
+          <a:bodyPr rtlCol="0" anchor="ctr"/>
+          <a:lstStyle/>
+          <a:p>
+            <a:pPr algn="ctr"/>
+          </a:p>
+        </p:txBody>
+      </p:sp>
+      <p:sp>
+        <p:nvSpPr>
+          <p:cNvPr id="28" name="TextBox 27"/>
+          <p:cNvSpPr txBox="1"/>
+          <p:nvPr/>
+        </p:nvSpPr>
+        <p:spPr>
+          <a:xfrm>
+            <a:off x="4411980" y="2752344"/>
+            <a:ext cx="329184" cy="329184"/>
+          </a:xfrm>
+          <a:prstGeom prst="rect">
+            <a:avLst/>
+          </a:prstGeom>
+          <a:noFill/>
+        </p:spPr>
+        <p:txBody>
+          <a:bodyPr wrap="square" anchor="ctr"/>
+          <a:lstStyle/>
+          <a:p>
+            <a:pPr algn="ctr">
+              <a:spcBef>
+                <a:spcPts val="0"/>
+              </a:spcBef>
+              <a:spcAft>
+                <a:spcPts val="0"/>
+              </a:spcAft>
+            </a:pPr>
+            <a:r>
+              <a:rPr sz="900" b="1">
+                <a:solidFill>
+                  <a:srgbClr val="2563EB"/>
+                </a:solidFill>
+                <a:latin typeface="IPAPGothic"/>
+              </a:rPr>
+              <a:t>E</a:t>
+            </a:r>
+          </a:p>
+        </p:txBody>
+      </p:sp>
+      <p:sp>
+        <p:nvSpPr>
+          <p:cNvPr id="29" name="TextBox 28"/>
+          <p:cNvSpPr txBox="1"/>
+          <p:nvPr/>
+        </p:nvSpPr>
+        <p:spPr>
+          <a:xfrm>
+            <a:off x="3328416" y="3118104"/>
+            <a:ext cx="2496312" cy="182880"/>
+          </a:xfrm>
+          <a:prstGeom prst="rect">
+            <a:avLst/>
+          </a:prstGeom>
+          <a:noFill/>
+        </p:spPr>
+        <p:txBody>
+          <a:bodyPr wrap="square"/>
+          <a:lstStyle/>
+          <a:p>
+            <a:pPr algn="ctr">
+              <a:spcBef>
+                <a:spcPts val="0"/>
+              </a:spcBef>
+              <a:spcAft>
+                <a:spcPts val="0"/>
+              </a:spcAft>
+            </a:pPr>
+            <a:r>
+              <a:rPr sz="700" b="1">
+                <a:solidFill>
+                  <a:srgbClr val="1E293B"/>
+                </a:solidFill>
+                <a:latin typeface="IPAPGothic"/>
+              </a:rPr>
+              <a:t>ESG・サステナビリティ</a:t>
+            </a:r>
+          </a:p>
+        </p:txBody>
+      </p:sp>
+      <p:sp>
+        <p:nvSpPr>
+          <p:cNvPr id="30" name="TextBox 29"/>
+          <p:cNvSpPr txBox="1"/>
+          <p:nvPr/>
+        </p:nvSpPr>
+        <p:spPr>
+          <a:xfrm>
+            <a:off x="3328416" y="3300984"/>
+            <a:ext cx="2496312" cy="658368"/>
+          </a:xfrm>
+          <a:prstGeom prst="rect">
+            <a:avLst/>
+          </a:prstGeom>
+          <a:noFill/>
+        </p:spPr>
+        <p:txBody>
+          <a:bodyPr wrap="square"/>
+          <a:lstStyle/>
+          <a:p>
+            <a:pPr algn="ctr">
+              <a:spcBef>
+                <a:spcPts val="0"/>
+              </a:spcBef>
+              <a:spcAft>
+                <a:spcPts val="0"/>
+              </a:spcAft>
+            </a:pPr>
+            <a:r>
+              <a:rPr sz="600" b="0">
+                <a:solidFill>
+                  <a:srgbClr val="475569"/>
+                </a:solidFill>
+                <a:latin typeface="IPAPGothic"/>
+              </a:rPr>
+              <a:t>1000年設計の企業理念記録、SDGs実績の永続証明</a:t>
+            </a:r>
+          </a:p>
+        </p:txBody>
+      </p:sp>
+      <p:sp>
+        <p:nvSpPr>
+          <p:cNvPr id="31" name="Rectangle 30"/>
+          <p:cNvSpPr/>
+          <p:nvPr/>
+        </p:nvSpPr>
+        <p:spPr>
+          <a:xfrm>
+            <a:off x="6089904" y="2679192"/>
+            <a:ext cx="2606040" cy="1325880"/>
+          </a:xfrm>
+          <a:prstGeom prst="rect">
+            <a:avLst/>
+          </a:prstGeom>
+          <a:solidFill>
+            <a:srgbClr val="FFFFFF"/>
+          </a:solidFill>
+          <a:ln w="9525">
+            <a:solidFill>
+              <a:srgbClr val="E2E8F0"/>
+            </a:solidFill>
+          </a:ln>
+        </p:spPr>
+        <p:style>
+          <a:lnRef idx="1">
+            <a:schemeClr val="accent1"/>
+          </a:lnRef>
+          <a:fillRef idx="3">
+            <a:schemeClr val="accent1"/>
+          </a:fillRef>
+          <a:effectRef idx="2">
+            <a:schemeClr val="accent1"/>
+          </a:effectRef>
+          <a:fontRef idx="minor">
+            <a:schemeClr val="lt1"/>
+          </a:fontRef>
+        </p:style>
+        <p:txBody>
+          <a:bodyPr rtlCol="0" anchor="ctr"/>
+          <a:lstStyle/>
+          <a:p>
+            <a:pPr algn="ctr"/>
+          </a:p>
+        </p:txBody>
+      </p:sp>
+      <p:sp>
+        <p:nvSpPr>
+          <p:cNvPr id="32" name="Oval 31"/>
+          <p:cNvSpPr/>
+          <p:nvPr/>
+        </p:nvSpPr>
+        <p:spPr>
+          <a:xfrm>
+            <a:off x="7228332" y="2752344"/>
+            <a:ext cx="329184" cy="329184"/>
+          </a:xfrm>
+          <a:prstGeom prst="ellipse">
+            <a:avLst/>
+          </a:prstGeom>
+          <a:solidFill>
+            <a:srgbClr val="EFF6FF"/>
+          </a:solidFill>
+          <a:ln>
+            <a:noFill/>
+          </a:ln>
+        </p:spPr>
+        <p:style>
+          <a:lnRef idx="1">
+            <a:schemeClr val="accent1"/>
+          </a:lnRef>
+          <a:fillRef idx="3">
+            <a:schemeClr val="accent1"/>
+          </a:fillRef>
+          <a:effectRef idx="2">
+            <a:schemeClr val="accent1"/>
+          </a:effectRef>
+          <a:fontRef idx="minor">
+            <a:schemeClr val="lt1"/>
+          </a:fontRef>
+        </p:style>
+        <p:txBody>
+          <a:bodyPr rtlCol="0" anchor="ctr"/>
+          <a:lstStyle/>
+          <a:p>
+            <a:pPr algn="ctr"/>
+          </a:p>
+        </p:txBody>
+      </p:sp>
+      <p:sp>
+        <p:nvSpPr>
+          <p:cNvPr id="33" name="TextBox 32"/>
+          <p:cNvSpPr txBox="1"/>
+          <p:nvPr/>
+        </p:nvSpPr>
+        <p:spPr>
+          <a:xfrm>
+            <a:off x="7228332" y="2752344"/>
+            <a:ext cx="329184" cy="329184"/>
+          </a:xfrm>
+          <a:prstGeom prst="rect">
+            <a:avLst/>
+          </a:prstGeom>
+          <a:noFill/>
+        </p:spPr>
+        <p:txBody>
+          <a:bodyPr wrap="square" anchor="ctr"/>
+          <a:lstStyle/>
+          <a:p>
+            <a:pPr algn="ctr">
+              <a:spcBef>
+                <a:spcPts val="0"/>
+              </a:spcBef>
+              <a:spcAft>
+                <a:spcPts val="0"/>
+              </a:spcAft>
+            </a:pPr>
+            <a:r>
+              <a:rPr sz="900" b="1">
+                <a:solidFill>
+                  <a:srgbClr val="2563EB"/>
+                </a:solidFill>
+                <a:latin typeface="IPAPGothic"/>
+              </a:rPr>
+              <a:t>F</a:t>
+            </a:r>
+          </a:p>
+        </p:txBody>
+      </p:sp>
+      <p:sp>
+        <p:nvSpPr>
+          <p:cNvPr id="34" name="TextBox 33"/>
+          <p:cNvSpPr txBox="1"/>
+          <p:nvPr/>
+        </p:nvSpPr>
+        <p:spPr>
+          <a:xfrm>
+            <a:off x="6144768" y="3118104"/>
+            <a:ext cx="2496312" cy="182880"/>
+          </a:xfrm>
+          <a:prstGeom prst="rect">
+            <a:avLst/>
+          </a:prstGeom>
+          <a:noFill/>
+        </p:spPr>
+        <p:txBody>
+          <a:bodyPr wrap="square"/>
+          <a:lstStyle/>
+          <a:p>
+            <a:pPr algn="ctr">
+              <a:spcBef>
+                <a:spcPts val="0"/>
+              </a:spcBef>
+              <a:spcAft>
+                <a:spcPts val="0"/>
+              </a:spcAft>
+            </a:pPr>
+            <a:r>
+              <a:rPr sz="700" b="1">
+                <a:solidFill>
+                  <a:srgbClr val="1E293B"/>
+                </a:solidFill>
+                <a:latin typeface="IPAPGothic"/>
+              </a:rPr>
+              <a:t>金融・保険</a:t>
+            </a:r>
+          </a:p>
+        </p:txBody>
+      </p:sp>
+      <p:sp>
+        <p:nvSpPr>
+          <p:cNvPr id="35" name="TextBox 34"/>
+          <p:cNvSpPr txBox="1"/>
+          <p:nvPr/>
+        </p:nvSpPr>
+        <p:spPr>
+          <a:xfrm>
+            <a:off x="6144768" y="3300984"/>
+            <a:ext cx="2496312" cy="658368"/>
+          </a:xfrm>
+          <a:prstGeom prst="rect">
+            <a:avLst/>
+          </a:prstGeom>
+          <a:noFill/>
+        </p:spPr>
+        <p:txBody>
+          <a:bodyPr wrap="square"/>
+          <a:lstStyle/>
+          <a:p>
+            <a:pPr algn="ctr">
+              <a:spcBef>
+                <a:spcPts val="0"/>
+              </a:spcBef>
+              <a:spcAft>
+                <a:spcPts val="0"/>
+              </a:spcAft>
+            </a:pPr>
+            <a:r>
+              <a:rPr sz="600" b="0">
+                <a:solidFill>
+                  <a:srgbClr val="475569"/>
+                </a:solidFill>
+                <a:latin typeface="IPAPGothic"/>
+              </a:rPr>
+              <a:t>終活関連サービス連携、デジタル遺品対策</a:t>
+            </a:r>
+          </a:p>
+        </p:txBody>
+      </p:sp>
+      <p:sp>
+        <p:nvSpPr>
+          <p:cNvPr id="36" name="Rectangle 35"/>
+          <p:cNvSpPr/>
+          <p:nvPr/>
+        </p:nvSpPr>
+        <p:spPr>
+          <a:xfrm>
+            <a:off x="0" y="4823460"/>
+            <a:ext cx="9144000" cy="6350"/>
+          </a:xfrm>
+          <a:prstGeom prst="rect">
+            <a:avLst/>
+          </a:prstGeom>
+          <a:solidFill>
+            <a:srgbClr val="E2E8F0"/>
+          </a:solidFill>
+          <a:ln>
+            <a:noFill/>
+          </a:ln>
+        </p:spPr>
+        <p:style>
+          <a:lnRef idx="1">
+            <a:schemeClr val="accent1"/>
+          </a:lnRef>
+          <a:fillRef idx="3">
+            <a:schemeClr val="accent1"/>
+          </a:fillRef>
+          <a:effectRef idx="2">
+            <a:schemeClr val="accent1"/>
+          </a:effectRef>
+          <a:fontRef idx="minor">
+            <a:schemeClr val="lt1"/>
+          </a:fontRef>
+        </p:style>
+        <p:txBody>
+          <a:bodyPr rtlCol="0" anchor="ctr"/>
+          <a:lstStyle/>
+          <a:p>
+            <a:pPr algn="ctr"/>
+          </a:p>
+        </p:txBody>
+      </p:sp>
+      <p:sp>
+        <p:nvSpPr>
+          <p:cNvPr id="37" name="TextBox 36"/>
           <p:cNvSpPr txBox="1"/>
           <p:nvPr/>
         </p:nvSpPr>
@@ -10490,7 +10930,7 @@
             <a:r>
               <a:rPr sz="650" b="0">
                 <a:solidFill>
-                  <a:srgbClr val="9999AA"/>
+                  <a:srgbClr val="94A3B8"/>
                 </a:solidFill>
                 <a:latin typeface="IPAPGothic"/>
               </a:rPr>
@@ -10501,7 +10941,7 @@
       </p:sp>
       <p:sp>
         <p:nvSpPr>
-          <p:cNvPr id="32" name="TextBox 31"/>
+          <p:cNvPr id="38" name="TextBox 37"/>
           <p:cNvSpPr txBox="1"/>
           <p:nvPr/>
         </p:nvSpPr>
@@ -10530,7 +10970,7 @@
             <a:r>
               <a:rPr sz="650" b="0">
                 <a:solidFill>
-                  <a:srgbClr val="9999AA"/>
+                  <a:srgbClr val="94A3B8"/>
                 </a:solidFill>
                 <a:latin typeface="IPAPGothic"/>
               </a:rPr>
@@ -10541,7 +10981,7 @@
       </p:sp>
       <p:sp>
         <p:nvSpPr>
-          <p:cNvPr id="33" name="TextBox 32"/>
+          <p:cNvPr id="39" name="TextBox 38"/>
           <p:cNvSpPr txBox="1"/>
           <p:nvPr/>
         </p:nvSpPr>
@@ -10570,7 +11010,7 @@
             <a:r>
               <a:rPr sz="650" b="1">
                 <a:solidFill>
-                  <a:srgbClr val="9999AA"/>
+                  <a:srgbClr val="94A3B8"/>
                 </a:solidFill>
                 <a:latin typeface="IPAPGothic"/>
               </a:rPr>
@@ -10612,7 +11052,7 @@
             <a:avLst/>
           </a:prstGeom>
           <a:solidFill>
-            <a:srgbClr val="0A1628"/>
+            <a:srgbClr val="1E293B"/>
           </a:solidFill>
           <a:ln>
             <a:noFill/>
@@ -10711,7 +11151,7 @@
             <a:r>
               <a:rPr sz="700" b="1">
                 <a:solidFill>
-                  <a:srgbClr val="1E6FD9"/>
+                  <a:srgbClr val="2563EB"/>
                 </a:solidFill>
                 <a:latin typeface="IPAPGothic"/>
               </a:rPr>
@@ -10722,7 +11162,7 @@
       </p:sp>
       <p:sp>
         <p:nvSpPr>
-          <p:cNvPr id="5" name="Rectangle 4"/>
+          <p:cNvPr id="5" name="Oval 4"/>
           <p:cNvSpPr/>
           <p:nvPr/>
         </p:nvSpPr>
@@ -10731,11 +11171,11 @@
             <a:off x="457200" y="914400"/>
             <a:ext cx="548640" cy="548640"/>
           </a:xfrm>
-          <a:prstGeom prst="rect">
+          <a:prstGeom prst="ellipse">
             <a:avLst/>
           </a:prstGeom>
           <a:solidFill>
-            <a:srgbClr val="0A1628"/>
+            <a:srgbClr val="1E293B"/>
           </a:solidFill>
           <a:ln>
             <a:noFill/>
@@ -10765,8 +11205,8 @@
       </p:sp>
       <p:sp>
         <p:nvSpPr>
-          <p:cNvPr id="6" name="Oval 5"/>
-          <p:cNvSpPr/>
+          <p:cNvPr id="6" name="TextBox 5"/>
+          <p:cNvSpPr txBox="1"/>
           <p:nvPr/>
         </p:nvSpPr>
         <p:spPr>
@@ -10774,14 +11214,136 @@
             <a:off x="457200" y="914400"/>
             <a:ext cx="548640" cy="548640"/>
           </a:xfrm>
-          <a:prstGeom prst="ellipse">
+          <a:prstGeom prst="rect">
+            <a:avLst/>
+          </a:prstGeom>
+          <a:noFill/>
+        </p:spPr>
+        <p:txBody>
+          <a:bodyPr wrap="square" anchor="ctr"/>
+          <a:lstStyle/>
+          <a:p>
+            <a:pPr algn="ctr">
+              <a:spcBef>
+                <a:spcPts val="0"/>
+              </a:spcBef>
+              <a:spcAft>
+                <a:spcPts val="0"/>
+              </a:spcAft>
+            </a:pPr>
+            <a:r>
+              <a:rPr sz="1200" b="1">
+                <a:solidFill>
+                  <a:srgbClr val="FFFFFF"/>
+                </a:solidFill>
+                <a:latin typeface="IPAPGothic"/>
+              </a:rPr>
+              <a:t>佐</a:t>
+            </a:r>
+          </a:p>
+        </p:txBody>
+      </p:sp>
+      <p:sp>
+        <p:nvSpPr>
+          <p:cNvPr id="7" name="TextBox 6"/>
+          <p:cNvSpPr txBox="1"/>
+          <p:nvPr/>
+        </p:nvSpPr>
+        <p:spPr>
+          <a:xfrm>
+            <a:off x="1143000" y="914400"/>
+            <a:ext cx="6400800" cy="228600"/>
+          </a:xfrm>
+          <a:prstGeom prst="rect">
+            <a:avLst/>
+          </a:prstGeom>
+          <a:noFill/>
+        </p:spPr>
+        <p:txBody>
+          <a:bodyPr wrap="square"/>
+          <a:lstStyle/>
+          <a:p>
+            <a:pPr algn="l">
+              <a:spcBef>
+                <a:spcPts val="0"/>
+              </a:spcBef>
+              <a:spcAft>
+                <a:spcPts val="0"/>
+              </a:spcAft>
+            </a:pPr>
+            <a:r>
+              <a:rPr sz="800" b="1">
+                <a:solidFill>
+                  <a:srgbClr val="1E293B"/>
+                </a:solidFill>
+                <a:latin typeface="IPAPGothic"/>
+              </a:rPr>
+              <a:t>佐藤卓也 — Universal Need株式会社 代表</a:t>
+            </a:r>
+          </a:p>
+        </p:txBody>
+      </p:sp>
+      <p:sp>
+        <p:nvSpPr>
+          <p:cNvPr id="8" name="TextBox 7"/>
+          <p:cNvSpPr txBox="1"/>
+          <p:nvPr/>
+        </p:nvSpPr>
+        <p:spPr>
+          <a:xfrm>
+            <a:off x="1143000" y="1170432"/>
+            <a:ext cx="6858000" cy="868680"/>
+          </a:xfrm>
+          <a:prstGeom prst="rect">
+            <a:avLst/>
+          </a:prstGeom>
+          <a:noFill/>
+        </p:spPr>
+        <p:txBody>
+          <a:bodyPr wrap="square"/>
+          <a:lstStyle/>
+          <a:p>
+            <a:pPr algn="l">
+              <a:spcBef>
+                <a:spcPts val="0"/>
+              </a:spcBef>
+              <a:spcAft>
+                <a:spcPts val="0"/>
+              </a:spcAft>
+            </a:pPr>
+            <a:r>
+              <a:rPr sz="650" b="0">
+                <a:solidFill>
+                  <a:srgbClr val="475569"/>
+                </a:solidFill>
+                <a:latin typeface="IPAPGothic"/>
+              </a:rPr>
+              <a:t>大手コンサルティングファームでの経験を経て、半導体製造装置のエンジニアリング20年超。タイムレスタウン新浦安（250世帯）の自治会長として「ゆりかごから墓場まで」のコミュニティ運営を経験。SoulCarrier活動で「記憶が消える恐怖」を目の当たりにし、TokiStorageを着想。マウイ・山中湖でのオフグリッド実証を経て、制度に依存しない千年設計の技術を完成。</a:t>
+            </a:r>
+          </a:p>
+        </p:txBody>
+      </p:sp>
+      <p:sp>
+        <p:nvSpPr>
+          <p:cNvPr id="9" name="Rectangle 8"/>
+          <p:cNvSpPr/>
+          <p:nvPr/>
+        </p:nvSpPr>
+        <p:spPr>
+          <a:xfrm>
+            <a:off x="1143000" y="2011680"/>
+            <a:ext cx="928116" cy="201168"/>
+          </a:xfrm>
+          <a:prstGeom prst="rect">
             <a:avLst/>
           </a:prstGeom>
           <a:solidFill>
-            <a:srgbClr val="0A1628"/>
+            <a:srgbClr val="F1F5F9"/>
           </a:solidFill>
-          <a:ln>
-            <a:noFill/>
+          <a:ln w="9525">
+            <a:solidFill>
+              <a:srgbClr val="E2E8F0"/>
+            </a:solidFill>
           </a:ln>
         </p:spPr>
         <p:style>
@@ -10808,14 +11370,14 @@
       </p:sp>
       <p:sp>
         <p:nvSpPr>
-          <p:cNvPr id="7" name="TextBox 6"/>
-          <p:cNvSpPr txBox="1"/>
-          <p:nvPr/>
-        </p:nvSpPr>
-        <p:spPr>
-          <a:xfrm>
-            <a:off x="457200" y="914400"/>
-            <a:ext cx="548640" cy="548640"/>
+          <p:cNvPr id="10" name="TextBox 9"/>
+          <p:cNvSpPr txBox="1"/>
+          <p:nvPr/>
+        </p:nvSpPr>
+        <p:spPr>
+          <a:xfrm>
+            <a:off x="1188720" y="2011680"/>
+            <a:ext cx="836676" cy="201168"/>
           </a:xfrm>
           <a:prstGeom prst="rect">
             <a:avLst/>
@@ -10835,117 +11397,37 @@
               </a:spcAft>
             </a:pPr>
             <a:r>
-              <a:rPr sz="1200" b="1">
-                <a:solidFill>
-                  <a:srgbClr val="FFFFFF"/>
-                </a:solidFill>
-                <a:latin typeface="IPAPGothic"/>
-              </a:rPr>
-              <a:t>佐</a:t>
-            </a:r>
-          </a:p>
-        </p:txBody>
-      </p:sp>
-      <p:sp>
-        <p:nvSpPr>
-          <p:cNvPr id="8" name="TextBox 7"/>
-          <p:cNvSpPr txBox="1"/>
-          <p:nvPr/>
-        </p:nvSpPr>
-        <p:spPr>
-          <a:xfrm>
-            <a:off x="1143000" y="914400"/>
-            <a:ext cx="6400800" cy="228600"/>
-          </a:xfrm>
-          <a:prstGeom prst="rect">
-            <a:avLst/>
-          </a:prstGeom>
-          <a:noFill/>
-        </p:spPr>
-        <p:txBody>
-          <a:bodyPr wrap="square"/>
-          <a:lstStyle/>
-          <a:p>
-            <a:pPr algn="l">
-              <a:spcBef>
-                <a:spcPts val="0"/>
-              </a:spcBef>
-              <a:spcAft>
-                <a:spcPts val="0"/>
-              </a:spcAft>
-            </a:pPr>
-            <a:r>
-              <a:rPr sz="800" b="1">
-                <a:solidFill>
-                  <a:srgbClr val="1A1A2E"/>
-                </a:solidFill>
-                <a:latin typeface="IPAPGothic"/>
-              </a:rPr>
-              <a:t>佐藤卓也 — Universal Need株式会社 代表</a:t>
-            </a:r>
-          </a:p>
-        </p:txBody>
-      </p:sp>
-      <p:sp>
-        <p:nvSpPr>
-          <p:cNvPr id="9" name="TextBox 8"/>
-          <p:cNvSpPr txBox="1"/>
-          <p:nvPr/>
-        </p:nvSpPr>
-        <p:spPr>
-          <a:xfrm>
-            <a:off x="1143000" y="1170432"/>
-            <a:ext cx="6858000" cy="868680"/>
-          </a:xfrm>
-          <a:prstGeom prst="rect">
-            <a:avLst/>
-          </a:prstGeom>
-          <a:noFill/>
-        </p:spPr>
-        <p:txBody>
-          <a:bodyPr wrap="square"/>
-          <a:lstStyle/>
-          <a:p>
-            <a:pPr algn="l">
-              <a:spcBef>
-                <a:spcPts val="0"/>
-              </a:spcBef>
-              <a:spcAft>
-                <a:spcPts val="0"/>
-              </a:spcAft>
-            </a:pPr>
-            <a:r>
-              <a:rPr sz="650" b="0">
-                <a:solidFill>
-                  <a:srgbClr val="555570"/>
-                </a:solidFill>
-                <a:latin typeface="IPAPGothic"/>
-              </a:rPr>
-              <a:t>大手コンサルティングファームでの経験を経て、半導体製造装置のエンジニアリング20年超。タイムレスタウン新浦安（250世帯）の自治会長として「ゆりかごから墓場まで」のコミュニティ運営を経験。SoulCarrier活動で「記憶が消える恐怖」を目の当たりにし、TokiStorageを着想。マウイ・山中湖でのオフグリッド実証を経て、制度に依存しない千年設計の技術を完成。</a:t>
-            </a:r>
-          </a:p>
-        </p:txBody>
-      </p:sp>
-      <p:sp>
-        <p:nvSpPr>
-          <p:cNvPr id="10" name="Rectangle 9"/>
+              <a:rPr sz="550" b="0">
+                <a:solidFill>
+                  <a:srgbClr val="475569"/>
+                </a:solidFill>
+                <a:latin typeface="IPAPGothic"/>
+              </a:rPr>
+              <a:t>元Big4ファーム</a:t>
+            </a:r>
+          </a:p>
+        </p:txBody>
+      </p:sp>
+      <p:sp>
+        <p:nvSpPr>
+          <p:cNvPr id="11" name="Rectangle 10"/>
           <p:cNvSpPr/>
           <p:nvPr/>
         </p:nvSpPr>
         <p:spPr>
           <a:xfrm>
-            <a:off x="1143000" y="2011680"/>
-            <a:ext cx="928116" cy="201168"/>
+            <a:off x="2144268" y="2011680"/>
+            <a:ext cx="1472184" cy="201168"/>
           </a:xfrm>
           <a:prstGeom prst="rect">
             <a:avLst/>
           </a:prstGeom>
           <a:solidFill>
-            <a:srgbClr val="F8F9FB"/>
+            <a:srgbClr val="F1F5F9"/>
           </a:solidFill>
           <a:ln w="9525">
             <a:solidFill>
-              <a:srgbClr val="E2E5EB"/>
+              <a:srgbClr val="E2E8F0"/>
             </a:solidFill>
           </a:ln>
         </p:spPr>
@@ -10973,14 +11455,14 @@
       </p:sp>
       <p:sp>
         <p:nvSpPr>
-          <p:cNvPr id="11" name="TextBox 10"/>
-          <p:cNvSpPr txBox="1"/>
-          <p:nvPr/>
-        </p:nvSpPr>
-        <p:spPr>
-          <a:xfrm>
-            <a:off x="1188720" y="2011680"/>
-            <a:ext cx="836676" cy="201168"/>
+          <p:cNvPr id="12" name="TextBox 11"/>
+          <p:cNvSpPr txBox="1"/>
+          <p:nvPr/>
+        </p:nvSpPr>
+        <p:spPr>
+          <a:xfrm>
+            <a:off x="2189988" y="2011680"/>
+            <a:ext cx="1380744" cy="201168"/>
           </a:xfrm>
           <a:prstGeom prst="rect">
             <a:avLst/>
@@ -11002,35 +11484,35 @@
             <a:r>
               <a:rPr sz="550" b="0">
                 <a:solidFill>
-                  <a:srgbClr val="555570"/>
-                </a:solidFill>
-                <a:latin typeface="IPAPGothic"/>
-              </a:rPr>
-              <a:t>元Big4ファーム</a:t>
-            </a:r>
-          </a:p>
-        </p:txBody>
-      </p:sp>
-      <p:sp>
-        <p:nvSpPr>
-          <p:cNvPr id="12" name="Rectangle 11"/>
+                  <a:srgbClr val="475569"/>
+                </a:solidFill>
+                <a:latin typeface="IPAPGothic"/>
+              </a:rPr>
+              <a:t>半導体エンジニアリング 20年+</a:t>
+            </a:r>
+          </a:p>
+        </p:txBody>
+      </p:sp>
+      <p:sp>
+        <p:nvSpPr>
+          <p:cNvPr id="13" name="Rectangle 12"/>
           <p:cNvSpPr/>
           <p:nvPr/>
         </p:nvSpPr>
         <p:spPr>
           <a:xfrm>
-            <a:off x="2144268" y="2011680"/>
-            <a:ext cx="1472184" cy="201168"/>
+            <a:off x="3689604" y="2011680"/>
+            <a:ext cx="1083564" cy="201168"/>
           </a:xfrm>
           <a:prstGeom prst="rect">
             <a:avLst/>
           </a:prstGeom>
           <a:solidFill>
-            <a:srgbClr val="F8F9FB"/>
+            <a:srgbClr val="F1F5F9"/>
           </a:solidFill>
           <a:ln w="9525">
             <a:solidFill>
-              <a:srgbClr val="E2E5EB"/>
+              <a:srgbClr val="E2E8F0"/>
             </a:solidFill>
           </a:ln>
         </p:spPr>
@@ -11058,14 +11540,14 @@
       </p:sp>
       <p:sp>
         <p:nvSpPr>
-          <p:cNvPr id="13" name="TextBox 12"/>
-          <p:cNvSpPr txBox="1"/>
-          <p:nvPr/>
-        </p:nvSpPr>
-        <p:spPr>
-          <a:xfrm>
-            <a:off x="2189988" y="2011680"/>
-            <a:ext cx="1380744" cy="201168"/>
+          <p:cNvPr id="14" name="TextBox 13"/>
+          <p:cNvSpPr txBox="1"/>
+          <p:nvPr/>
+        </p:nvSpPr>
+        <p:spPr>
+          <a:xfrm>
+            <a:off x="3735324" y="2011680"/>
+            <a:ext cx="992124" cy="201168"/>
           </a:xfrm>
           <a:prstGeom prst="rect">
             <a:avLst/>
@@ -11087,35 +11569,35 @@
             <a:r>
               <a:rPr sz="550" b="0">
                 <a:solidFill>
-                  <a:srgbClr val="555570"/>
-                </a:solidFill>
-                <a:latin typeface="IPAPGothic"/>
-              </a:rPr>
-              <a:t>半導体エンジニアリング 20年+</a:t>
-            </a:r>
-          </a:p>
-        </p:txBody>
-      </p:sp>
-      <p:sp>
-        <p:nvSpPr>
-          <p:cNvPr id="14" name="Rectangle 13"/>
+                  <a:srgbClr val="475569"/>
+                </a:solidFill>
+                <a:latin typeface="IPAPGothic"/>
+              </a:rPr>
+              <a:t>自治会長（250世帯）</a:t>
+            </a:r>
+          </a:p>
+        </p:txBody>
+      </p:sp>
+      <p:sp>
+        <p:nvSpPr>
+          <p:cNvPr id="15" name="Rectangle 14"/>
           <p:cNvSpPr/>
           <p:nvPr/>
         </p:nvSpPr>
         <p:spPr>
           <a:xfrm>
-            <a:off x="3689604" y="2011680"/>
-            <a:ext cx="1083564" cy="201168"/>
+            <a:off x="4846320" y="2011680"/>
+            <a:ext cx="1239012" cy="201168"/>
           </a:xfrm>
           <a:prstGeom prst="rect">
             <a:avLst/>
           </a:prstGeom>
           <a:solidFill>
-            <a:srgbClr val="F8F9FB"/>
+            <a:srgbClr val="F1F5F9"/>
           </a:solidFill>
           <a:ln w="9525">
             <a:solidFill>
-              <a:srgbClr val="E2E5EB"/>
+              <a:srgbClr val="E2E8F0"/>
             </a:solidFill>
           </a:ln>
         </p:spPr>
@@ -11143,14 +11625,14 @@
       </p:sp>
       <p:sp>
         <p:nvSpPr>
-          <p:cNvPr id="15" name="TextBox 14"/>
-          <p:cNvSpPr txBox="1"/>
-          <p:nvPr/>
-        </p:nvSpPr>
-        <p:spPr>
-          <a:xfrm>
-            <a:off x="3735324" y="2011680"/>
-            <a:ext cx="992124" cy="201168"/>
+          <p:cNvPr id="16" name="TextBox 15"/>
+          <p:cNvSpPr txBox="1"/>
+          <p:nvPr/>
+        </p:nvSpPr>
+        <p:spPr>
+          <a:xfrm>
+            <a:off x="4892040" y="2011680"/>
+            <a:ext cx="1147572" cy="201168"/>
           </a:xfrm>
           <a:prstGeom prst="rect">
             <a:avLst/>
@@ -11172,35 +11654,35 @@
             <a:r>
               <a:rPr sz="550" b="0">
                 <a:solidFill>
-                  <a:srgbClr val="555570"/>
-                </a:solidFill>
-                <a:latin typeface="IPAPGothic"/>
-              </a:rPr>
-              <a:t>自治会長（250世帯）</a:t>
-            </a:r>
-          </a:p>
-        </p:txBody>
-      </p:sp>
-      <p:sp>
-        <p:nvSpPr>
-          <p:cNvPr id="16" name="Rectangle 15"/>
+                  <a:srgbClr val="475569"/>
+                </a:solidFill>
+                <a:latin typeface="IPAPGothic"/>
+              </a:rPr>
+              <a:t>SoulCarrier主宰</a:t>
+            </a:r>
+          </a:p>
+        </p:txBody>
+      </p:sp>
+      <p:sp>
+        <p:nvSpPr>
+          <p:cNvPr id="17" name="Rectangle 16"/>
           <p:cNvSpPr/>
           <p:nvPr/>
         </p:nvSpPr>
         <p:spPr>
           <a:xfrm>
-            <a:off x="4846320" y="2011680"/>
-            <a:ext cx="1239012" cy="201168"/>
+            <a:off x="6158484" y="2011680"/>
+            <a:ext cx="1005840" cy="201168"/>
           </a:xfrm>
           <a:prstGeom prst="rect">
             <a:avLst/>
           </a:prstGeom>
           <a:solidFill>
-            <a:srgbClr val="F8F9FB"/>
+            <a:srgbClr val="F1F5F9"/>
           </a:solidFill>
           <a:ln w="9525">
             <a:solidFill>
-              <a:srgbClr val="E2E5EB"/>
+              <a:srgbClr val="E2E8F0"/>
             </a:solidFill>
           </a:ln>
         </p:spPr>
@@ -11228,14 +11710,14 @@
       </p:sp>
       <p:sp>
         <p:nvSpPr>
-          <p:cNvPr id="17" name="TextBox 16"/>
-          <p:cNvSpPr txBox="1"/>
-          <p:nvPr/>
-        </p:nvSpPr>
-        <p:spPr>
-          <a:xfrm>
-            <a:off x="4892040" y="2011680"/>
-            <a:ext cx="1147572" cy="201168"/>
+          <p:cNvPr id="18" name="TextBox 17"/>
+          <p:cNvSpPr txBox="1"/>
+          <p:nvPr/>
+        </p:nvSpPr>
+        <p:spPr>
+          <a:xfrm>
+            <a:off x="6204204" y="2011680"/>
+            <a:ext cx="914400" cy="201168"/>
           </a:xfrm>
           <a:prstGeom prst="rect">
             <a:avLst/>
@@ -11257,35 +11739,35 @@
             <a:r>
               <a:rPr sz="550" b="0">
                 <a:solidFill>
-                  <a:srgbClr val="555570"/>
-                </a:solidFill>
-                <a:latin typeface="IPAPGothic"/>
-              </a:rPr>
-              <a:t>SoulCarrier主宰</a:t>
-            </a:r>
-          </a:p>
-        </p:txBody>
-      </p:sp>
-      <p:sp>
-        <p:nvSpPr>
-          <p:cNvPr id="18" name="Rectangle 17"/>
+                  <a:srgbClr val="475569"/>
+                </a:solidFill>
+                <a:latin typeface="IPAPGothic"/>
+              </a:rPr>
+              <a:t>オフグリッド実証済み</a:t>
+            </a:r>
+          </a:p>
+        </p:txBody>
+      </p:sp>
+      <p:sp>
+        <p:nvSpPr>
+          <p:cNvPr id="19" name="Rectangle 18"/>
           <p:cNvSpPr/>
           <p:nvPr/>
         </p:nvSpPr>
         <p:spPr>
           <a:xfrm>
-            <a:off x="6158484" y="2011680"/>
-            <a:ext cx="1005840" cy="201168"/>
+            <a:off x="7237476" y="2011680"/>
+            <a:ext cx="1316736" cy="201168"/>
           </a:xfrm>
           <a:prstGeom prst="rect">
             <a:avLst/>
           </a:prstGeom>
           <a:solidFill>
-            <a:srgbClr val="F8F9FB"/>
+            <a:srgbClr val="F1F5F9"/>
           </a:solidFill>
           <a:ln w="9525">
             <a:solidFill>
-              <a:srgbClr val="E2E5EB"/>
+              <a:srgbClr val="E2E8F0"/>
             </a:solidFill>
           </a:ln>
         </p:spPr>
@@ -11313,14 +11795,14 @@
       </p:sp>
       <p:sp>
         <p:nvSpPr>
-          <p:cNvPr id="19" name="TextBox 18"/>
-          <p:cNvSpPr txBox="1"/>
-          <p:nvPr/>
-        </p:nvSpPr>
-        <p:spPr>
-          <a:xfrm>
-            <a:off x="6204204" y="2011680"/>
-            <a:ext cx="914400" cy="201168"/>
+          <p:cNvPr id="20" name="TextBox 19"/>
+          <p:cNvSpPr txBox="1"/>
+          <p:nvPr/>
+        </p:nvSpPr>
+        <p:spPr>
+          <a:xfrm>
+            <a:off x="7283196" y="2011680"/>
+            <a:ext cx="1225296" cy="201168"/>
           </a:xfrm>
           <a:prstGeom prst="rect">
             <a:avLst/>
@@ -11342,36 +11824,34 @@
             <a:r>
               <a:rPr sz="550" b="0">
                 <a:solidFill>
-                  <a:srgbClr val="555570"/>
-                </a:solidFill>
-                <a:latin typeface="IPAPGothic"/>
-              </a:rPr>
-              <a:t>オフグリッド実証済み</a:t>
-            </a:r>
-          </a:p>
-        </p:txBody>
-      </p:sp>
-      <p:sp>
-        <p:nvSpPr>
-          <p:cNvPr id="20" name="Rectangle 19"/>
+                  <a:srgbClr val="475569"/>
+                </a:solidFill>
+                <a:latin typeface="IPAPGothic"/>
+              </a:rPr>
+              <a:t>佐渡島移住予定（2026春）</a:t>
+            </a:r>
+          </a:p>
+        </p:txBody>
+      </p:sp>
+      <p:sp>
+        <p:nvSpPr>
+          <p:cNvPr id="21" name="Rectangle 20"/>
           <p:cNvSpPr/>
           <p:nvPr/>
         </p:nvSpPr>
         <p:spPr>
           <a:xfrm>
-            <a:off x="7237476" y="2011680"/>
-            <a:ext cx="1316736" cy="201168"/>
+            <a:off x="457200" y="2377440"/>
+            <a:ext cx="7863840" cy="731520"/>
           </a:xfrm>
           <a:prstGeom prst="rect">
             <a:avLst/>
           </a:prstGeom>
           <a:solidFill>
-            <a:srgbClr val="F8F9FB"/>
+            <a:srgbClr val="EFF6FF"/>
           </a:solidFill>
-          <a:ln w="9525">
-            <a:solidFill>
-              <a:srgbClr val="E2E5EB"/>
-            </a:solidFill>
+          <a:ln>
+            <a:noFill/>
           </a:ln>
         </p:spPr>
         <p:style>
@@ -11398,46 +11878,6 @@
       </p:sp>
       <p:sp>
         <p:nvSpPr>
-          <p:cNvPr id="21" name="TextBox 20"/>
-          <p:cNvSpPr txBox="1"/>
-          <p:nvPr/>
-        </p:nvSpPr>
-        <p:spPr>
-          <a:xfrm>
-            <a:off x="7283196" y="2011680"/>
-            <a:ext cx="1225296" cy="201168"/>
-          </a:xfrm>
-          <a:prstGeom prst="rect">
-            <a:avLst/>
-          </a:prstGeom>
-          <a:noFill/>
-        </p:spPr>
-        <p:txBody>
-          <a:bodyPr wrap="square" anchor="ctr"/>
-          <a:lstStyle/>
-          <a:p>
-            <a:pPr algn="ctr">
-              <a:spcBef>
-                <a:spcPts val="0"/>
-              </a:spcBef>
-              <a:spcAft>
-                <a:spcPts val="0"/>
-              </a:spcAft>
-            </a:pPr>
-            <a:r>
-              <a:rPr sz="550" b="0">
-                <a:solidFill>
-                  <a:srgbClr val="555570"/>
-                </a:solidFill>
-                <a:latin typeface="IPAPGothic"/>
-              </a:rPr>
-              <a:t>佐渡島移住予定（2026春）</a:t>
-            </a:r>
-          </a:p>
-        </p:txBody>
-      </p:sp>
-      <p:sp>
-        <p:nvSpPr>
           <p:cNvPr id="22" name="Rectangle 21"/>
           <p:cNvSpPr/>
           <p:nvPr/>
@@ -11445,18 +11885,16 @@
         <p:spPr>
           <a:xfrm>
             <a:off x="457200" y="2377440"/>
-            <a:ext cx="7863840" cy="731520"/>
+            <a:ext cx="45720" cy="731520"/>
           </a:xfrm>
           <a:prstGeom prst="rect">
             <a:avLst/>
           </a:prstGeom>
           <a:solidFill>
-            <a:srgbClr val="EEF4FD"/>
+            <a:srgbClr val="2563EB"/>
           </a:solidFill>
-          <a:ln w="25400">
-            <a:solidFill>
-              <a:srgbClr val="1E6FD9"/>
-            </a:solidFill>
+          <a:ln>
+            <a:noFill/>
           </a:ln>
         </p:spPr>
         <p:style>
@@ -11483,20 +11921,100 @@
       </p:sp>
       <p:sp>
         <p:nvSpPr>
-          <p:cNvPr id="23" name="Rectangle 22"/>
+          <p:cNvPr id="23" name="TextBox 22"/>
+          <p:cNvSpPr txBox="1"/>
+          <p:nvPr/>
+        </p:nvSpPr>
+        <p:spPr>
+          <a:xfrm>
+            <a:off x="640080" y="2432304"/>
+            <a:ext cx="7589520" cy="182880"/>
+          </a:xfrm>
+          <a:prstGeom prst="rect">
+            <a:avLst/>
+          </a:prstGeom>
+          <a:noFill/>
+        </p:spPr>
+        <p:txBody>
+          <a:bodyPr wrap="square"/>
+          <a:lstStyle/>
+          <a:p>
+            <a:pPr algn="l">
+              <a:spcBef>
+                <a:spcPts val="0"/>
+              </a:spcBef>
+              <a:spcAft>
+                <a:spcPts val="0"/>
+              </a:spcAft>
+            </a:pPr>
+            <a:r>
+              <a:rPr sz="700" b="1">
+                <a:solidFill>
+                  <a:srgbClr val="1E293B"/>
+                </a:solidFill>
+                <a:latin typeface="IPAPGothic"/>
+              </a:rPr>
+              <a:t>独立性（Independence）について</a:t>
+            </a:r>
+          </a:p>
+        </p:txBody>
+      </p:sp>
+      <p:sp>
+        <p:nvSpPr>
+          <p:cNvPr id="24" name="TextBox 23"/>
+          <p:cNvSpPr txBox="1"/>
+          <p:nvPr/>
+        </p:nvSpPr>
+        <p:spPr>
+          <a:xfrm>
+            <a:off x="640080" y="2633472"/>
+            <a:ext cx="7589520" cy="411480"/>
+          </a:xfrm>
+          <a:prstGeom prst="rect">
+            <a:avLst/>
+          </a:prstGeom>
+          <a:noFill/>
+        </p:spPr>
+        <p:txBody>
+          <a:bodyPr wrap="square"/>
+          <a:lstStyle/>
+          <a:p>
+            <a:pPr algn="l">
+              <a:spcBef>
+                <a:spcPts val="0"/>
+              </a:spcBef>
+              <a:spcAft>
+                <a:spcPts val="0"/>
+              </a:spcAft>
+            </a:pPr>
+            <a:r>
+              <a:rPr sz="650" b="0">
+                <a:solidFill>
+                  <a:srgbClr val="475569"/>
+                </a:solidFill>
+                <a:latin typeface="IPAPGothic"/>
+              </a:rPr>
+              <a:t>本提携はベンダーパートナーシップです。SalesforceやSAPの導入推奨と同じ構造であり、監査契約・出資関係は一切含みません。独立性に関する懸念が発生しない設計です。</a:t>
+            </a:r>
+          </a:p>
+        </p:txBody>
+      </p:sp>
+      <p:sp>
+        <p:nvSpPr>
+          <p:cNvPr id="25" name="Rectangle 24"/>
           <p:cNvSpPr/>
           <p:nvPr/>
         </p:nvSpPr>
         <p:spPr>
           <a:xfrm>
-            <a:off x="457200" y="2377440"/>
-            <a:ext cx="54864" cy="731520"/>
+            <a:off x="0" y="4823460"/>
+            <a:ext cx="9144000" cy="6350"/>
           </a:xfrm>
           <a:prstGeom prst="rect">
             <a:avLst/>
           </a:prstGeom>
           <a:solidFill>
-            <a:srgbClr val="1E6FD9"/>
+            <a:srgbClr val="E2E8F0"/>
           </a:solidFill>
           <a:ln>
             <a:noFill/>
@@ -11526,130 +12044,7 @@
       </p:sp>
       <p:sp>
         <p:nvSpPr>
-          <p:cNvPr id="24" name="TextBox 23"/>
-          <p:cNvSpPr txBox="1"/>
-          <p:nvPr/>
-        </p:nvSpPr>
-        <p:spPr>
-          <a:xfrm>
-            <a:off x="640080" y="2432304"/>
-            <a:ext cx="7589520" cy="182880"/>
-          </a:xfrm>
-          <a:prstGeom prst="rect">
-            <a:avLst/>
-          </a:prstGeom>
-          <a:noFill/>
-        </p:spPr>
-        <p:txBody>
-          <a:bodyPr wrap="square"/>
-          <a:lstStyle/>
-          <a:p>
-            <a:pPr algn="l">
-              <a:spcBef>
-                <a:spcPts val="0"/>
-              </a:spcBef>
-              <a:spcAft>
-                <a:spcPts val="0"/>
-              </a:spcAft>
-            </a:pPr>
-            <a:r>
-              <a:rPr sz="700" b="1">
-                <a:solidFill>
-                  <a:srgbClr val="1A1A2E"/>
-                </a:solidFill>
-                <a:latin typeface="IPAPGothic"/>
-              </a:rPr>
-              <a:t>独立性（Independence）について</a:t>
-            </a:r>
-          </a:p>
-        </p:txBody>
-      </p:sp>
-      <p:sp>
-        <p:nvSpPr>
-          <p:cNvPr id="25" name="TextBox 24"/>
-          <p:cNvSpPr txBox="1"/>
-          <p:nvPr/>
-        </p:nvSpPr>
-        <p:spPr>
-          <a:xfrm>
-            <a:off x="640080" y="2633472"/>
-            <a:ext cx="7589520" cy="411480"/>
-          </a:xfrm>
-          <a:prstGeom prst="rect">
-            <a:avLst/>
-          </a:prstGeom>
-          <a:noFill/>
-        </p:spPr>
-        <p:txBody>
-          <a:bodyPr wrap="square"/>
-          <a:lstStyle/>
-          <a:p>
-            <a:pPr algn="l">
-              <a:spcBef>
-                <a:spcPts val="0"/>
-              </a:spcBef>
-              <a:spcAft>
-                <a:spcPts val="0"/>
-              </a:spcAft>
-            </a:pPr>
-            <a:r>
-              <a:rPr sz="650" b="0">
-                <a:solidFill>
-                  <a:srgbClr val="555570"/>
-                </a:solidFill>
-                <a:latin typeface="IPAPGothic"/>
-              </a:rPr>
-              <a:t>本提携はベンダーパートナーシップです。SalesforceやSAPの導入推奨と同じ構造であり、監査契約・出資関係は一切含みません。独立性に関する懸念が発生しない設計です。</a:t>
-            </a:r>
-          </a:p>
-        </p:txBody>
-      </p:sp>
-      <p:sp>
-        <p:nvSpPr>
-          <p:cNvPr id="26" name="Rectangle 25"/>
-          <p:cNvSpPr/>
-          <p:nvPr/>
-        </p:nvSpPr>
-        <p:spPr>
-          <a:xfrm>
-            <a:off x="0" y="4823460"/>
-            <a:ext cx="9144000" cy="6350"/>
-          </a:xfrm>
-          <a:prstGeom prst="rect">
-            <a:avLst/>
-          </a:prstGeom>
-          <a:solidFill>
-            <a:srgbClr val="E2E5EB"/>
-          </a:solidFill>
-          <a:ln>
-            <a:noFill/>
-          </a:ln>
-        </p:spPr>
-        <p:style>
-          <a:lnRef idx="1">
-            <a:schemeClr val="accent1"/>
-          </a:lnRef>
-          <a:fillRef idx="3">
-            <a:schemeClr val="accent1"/>
-          </a:fillRef>
-          <a:effectRef idx="2">
-            <a:schemeClr val="accent1"/>
-          </a:effectRef>
-          <a:fontRef idx="minor">
-            <a:schemeClr val="lt1"/>
-          </a:fontRef>
-        </p:style>
-        <p:txBody>
-          <a:bodyPr rtlCol="0" anchor="ctr"/>
-          <a:lstStyle/>
-          <a:p>
-            <a:pPr algn="ctr"/>
-          </a:p>
-        </p:txBody>
-      </p:sp>
-      <p:sp>
-        <p:nvSpPr>
-          <p:cNvPr id="27" name="TextBox 26"/>
+          <p:cNvPr id="26" name="TextBox 25"/>
           <p:cNvSpPr txBox="1"/>
           <p:nvPr/>
         </p:nvSpPr>
@@ -11678,7 +12073,7 @@
             <a:r>
               <a:rPr sz="650" b="0">
                 <a:solidFill>
-                  <a:srgbClr val="9999AA"/>
+                  <a:srgbClr val="94A3B8"/>
                 </a:solidFill>
                 <a:latin typeface="IPAPGothic"/>
               </a:rPr>
@@ -11689,7 +12084,7 @@
       </p:sp>
       <p:sp>
         <p:nvSpPr>
-          <p:cNvPr id="28" name="TextBox 27"/>
+          <p:cNvPr id="27" name="TextBox 26"/>
           <p:cNvSpPr txBox="1"/>
           <p:nvPr/>
         </p:nvSpPr>
@@ -11718,7 +12113,7 @@
             <a:r>
               <a:rPr sz="650" b="0">
                 <a:solidFill>
-                  <a:srgbClr val="9999AA"/>
+                  <a:srgbClr val="94A3B8"/>
                 </a:solidFill>
                 <a:latin typeface="IPAPGothic"/>
               </a:rPr>
@@ -11729,7 +12124,7 @@
       </p:sp>
       <p:sp>
         <p:nvSpPr>
-          <p:cNvPr id="29" name="TextBox 28"/>
+          <p:cNvPr id="28" name="TextBox 27"/>
           <p:cNvSpPr txBox="1"/>
           <p:nvPr/>
         </p:nvSpPr>
@@ -11758,7 +12153,7 @@
             <a:r>
               <a:rPr sz="650" b="1">
                 <a:solidFill>
-                  <a:srgbClr val="9999AA"/>
+                  <a:srgbClr val="94A3B8"/>
                 </a:solidFill>
                 <a:latin typeface="IPAPGothic"/>
               </a:rPr>
@@ -11800,7 +12195,7 @@
             <a:avLst/>
           </a:prstGeom>
           <a:solidFill>
-            <a:srgbClr val="0A1628"/>
+            <a:srgbClr val="1E293B"/>
           </a:solidFill>
           <a:ln>
             <a:noFill/>
@@ -11958,14 +12353,14 @@
         </p:nvSpPr>
         <p:spPr>
           <a:xfrm>
-            <a:off x="0" y="4649724"/>
+            <a:off x="0" y="4658868"/>
             <a:ext cx="9144000" cy="6350"/>
           </a:xfrm>
           <a:prstGeom prst="rect">
             <a:avLst/>
           </a:prstGeom>
           <a:solidFill>
-            <a:srgbClr val="223344"/>
+            <a:srgbClr val="334455"/>
           </a:solidFill>
           <a:ln>
             <a:noFill/>
@@ -12024,7 +12419,7 @@
             <a:r>
               <a:rPr sz="650" b="0">
                 <a:solidFill>
-                  <a:srgbClr val="9999AA"/>
+                  <a:srgbClr val="94A3B8"/>
                 </a:solidFill>
                 <a:latin typeface="IPAPGothic"/>
               </a:rPr>
@@ -12064,7 +12459,7 @@
             <a:r>
               <a:rPr sz="650" b="0">
                 <a:solidFill>
-                  <a:srgbClr val="9999AA"/>
+                  <a:srgbClr val="94A3B8"/>
                 </a:solidFill>
                 <a:latin typeface="IPAPGothic"/>
               </a:rPr>
@@ -12104,7 +12499,7 @@
             <a:r>
               <a:rPr sz="650" b="1">
                 <a:solidFill>
-                  <a:srgbClr val="9999AA"/>
+                  <a:srgbClr val="94A3B8"/>
                 </a:solidFill>
                 <a:latin typeface="IPAPGothic"/>
               </a:rPr>

--- a/toki/tokistorage-partnership-deck.pptx
+++ b/toki/tokistorage-partnership-deck.pptx
@@ -12702,42 +12702,13 @@
       </a:lnStyleLst>
       <a:effectStyleLst>
         <a:effectStyle>
-          <a:effectLst>
-            <a:outerShdw blurRad="40000" dist="20000" dir="5400000" rotWithShape="0">
-              <a:srgbClr val="000000">
-                <a:alpha val="38000"/>
-              </a:srgbClr>
-            </a:outerShdw>
-          </a:effectLst>
+          <a:effectLst/>
         </a:effectStyle>
         <a:effectStyle>
-          <a:effectLst>
-            <a:outerShdw blurRad="40000" dist="23000" dir="5400000" rotWithShape="0">
-              <a:srgbClr val="000000">
-                <a:alpha val="35000"/>
-              </a:srgbClr>
-            </a:outerShdw>
-          </a:effectLst>
+          <a:effectLst/>
         </a:effectStyle>
         <a:effectStyle>
-          <a:effectLst>
-            <a:outerShdw blurRad="40000" dist="23000" dir="5400000" rotWithShape="0">
-              <a:srgbClr val="000000">
-                <a:alpha val="35000"/>
-              </a:srgbClr>
-            </a:outerShdw>
-          </a:effectLst>
-          <a:scene3d>
-            <a:camera prst="orthographicFront">
-              <a:rot lat="0" lon="0" rev="0"/>
-            </a:camera>
-            <a:lightRig rig="threePt" dir="t">
-              <a:rot lat="0" lon="0" rev="1200000"/>
-            </a:lightRig>
-          </a:scene3d>
-          <a:sp3d>
-            <a:bevelT w="63500" h="25400"/>
-          </a:sp3d>
+          <a:effectLst/>
         </a:effectStyle>
       </a:effectStyleLst>
       <a:bgFillStyleLst>

--- a/toki/tokistorage-partnership-deck.pptx
+++ b/toki/tokistorage-partnership-deck.pptx
@@ -3147,8 +3147,8 @@
         </p:nvSpPr>
         <p:spPr>
           <a:xfrm>
-            <a:off x="914400" y="731520"/>
-            <a:ext cx="4572000" cy="274320"/>
+            <a:off x="914400" y="640080"/>
+            <a:ext cx="4572000" cy="320040"/>
           </a:xfrm>
           <a:prstGeom prst="rect">
             <a:avLst/>
@@ -3168,7 +3168,7 @@
               </a:spcAft>
             </a:pPr>
             <a:r>
-              <a:rPr sz="700" b="0">
+              <a:rPr sz="1000" b="0">
                 <a:solidFill>
                   <a:srgbClr val="94A3B8"/>
                 </a:solidFill>
@@ -3187,8 +3187,8 @@
         </p:nvSpPr>
         <p:spPr>
           <a:xfrm>
-            <a:off x="914400" y="1371600"/>
-            <a:ext cx="7315200" cy="1097280"/>
+            <a:off x="914400" y="1188720"/>
+            <a:ext cx="7315200" cy="1371600"/>
           </a:xfrm>
           <a:prstGeom prst="rect">
             <a:avLst/>
@@ -3208,7 +3208,7 @@
               </a:spcAft>
             </a:pPr>
             <a:r>
-              <a:rPr sz="2200" b="1">
+              <a:rPr sz="3000" b="1">
                 <a:solidFill>
                   <a:srgbClr val="FFFFFF"/>
                 </a:solidFill>
@@ -3228,8 +3228,8 @@
         </p:nvSpPr>
         <p:spPr>
           <a:xfrm>
-            <a:off x="914400" y="2651760"/>
-            <a:ext cx="6400800" cy="731520"/>
+            <a:off x="914400" y="2743200"/>
+            <a:ext cx="6400800" cy="822960"/>
           </a:xfrm>
           <a:prstGeom prst="rect">
             <a:avLst/>
@@ -3249,7 +3249,7 @@
               </a:spcAft>
             </a:pPr>
             <a:r>
-              <a:rPr sz="1000" b="0">
+              <a:rPr sz="1400" b="0">
                 <a:solidFill>
                   <a:srgbClr val="BBBBCC"/>
                 </a:solidFill>
@@ -3269,7 +3269,7 @@
         </p:nvSpPr>
         <p:spPr>
           <a:xfrm>
-            <a:off x="0" y="4594860"/>
+            <a:off x="0" y="4549140"/>
             <a:ext cx="9144000" cy="27432"/>
           </a:xfrm>
           <a:prstGeom prst="rect">
@@ -3312,8 +3312,8 @@
         </p:nvSpPr>
         <p:spPr>
           <a:xfrm>
-            <a:off x="457200" y="4668012"/>
-            <a:ext cx="2743200" cy="274320"/>
+            <a:off x="457200" y="4640580"/>
+            <a:ext cx="2743200" cy="320040"/>
           </a:xfrm>
           <a:prstGeom prst="rect">
             <a:avLst/>
@@ -3333,7 +3333,7 @@
               </a:spcAft>
             </a:pPr>
             <a:r>
-              <a:rPr sz="650" b="0">
+              <a:rPr sz="900" b="0">
                 <a:solidFill>
                   <a:srgbClr val="94A3B8"/>
                 </a:solidFill>
@@ -3352,8 +3352,8 @@
         </p:nvSpPr>
         <p:spPr>
           <a:xfrm>
-            <a:off x="3657600" y="4668012"/>
-            <a:ext cx="1828800" cy="274320"/>
+            <a:off x="3657600" y="4640580"/>
+            <a:ext cx="1828800" cy="320040"/>
           </a:xfrm>
           <a:prstGeom prst="rect">
             <a:avLst/>
@@ -3373,7 +3373,7 @@
               </a:spcAft>
             </a:pPr>
             <a:r>
-              <a:rPr sz="650" b="0">
+              <a:rPr sz="900" b="0">
                 <a:solidFill>
                   <a:srgbClr val="94A3B8"/>
                 </a:solidFill>
@@ -3392,8 +3392,8 @@
         </p:nvSpPr>
         <p:spPr>
           <a:xfrm>
-            <a:off x="7315200" y="4668012"/>
-            <a:ext cx="1371600" cy="274320"/>
+            <a:off x="7315200" y="4640580"/>
+            <a:ext cx="1371600" cy="320040"/>
           </a:xfrm>
           <a:prstGeom prst="rect">
             <a:avLst/>
@@ -3413,7 +3413,7 @@
               </a:spcAft>
             </a:pPr>
             <a:r>
-              <a:rPr sz="650" b="0">
+              <a:rPr sz="900" b="0">
                 <a:solidFill>
                   <a:srgbClr val="94A3B8"/>
                 </a:solidFill>
@@ -3451,7 +3451,7 @@
         <p:spPr>
           <a:xfrm>
             <a:off x="0" y="0"/>
-            <a:ext cx="9144000" cy="502920"/>
+            <a:ext cx="9144000" cy="594360"/>
           </a:xfrm>
           <a:prstGeom prst="rect">
             <a:avLst/>
@@ -3494,7 +3494,7 @@
         <p:spPr>
           <a:xfrm>
             <a:off x="457200" y="0"/>
-            <a:ext cx="8229600" cy="502920"/>
+            <a:ext cx="8229600" cy="594360"/>
           </a:xfrm>
           <a:prstGeom prst="rect">
             <a:avLst/>
@@ -3514,7 +3514,7 @@
               </a:spcAft>
             </a:pPr>
             <a:r>
-              <a:rPr sz="900" b="1">
+              <a:rPr sz="1200" b="1">
                 <a:solidFill>
                   <a:srgbClr val="FFFFFF"/>
                 </a:solidFill>
@@ -3533,8 +3533,8 @@
         </p:nvSpPr>
         <p:spPr>
           <a:xfrm>
-            <a:off x="457200" y="640080"/>
-            <a:ext cx="2743200" cy="228600"/>
+            <a:off x="457200" y="731520"/>
+            <a:ext cx="2743200" cy="274320"/>
           </a:xfrm>
           <a:prstGeom prst="rect">
             <a:avLst/>
@@ -3554,7 +3554,7 @@
               </a:spcAft>
             </a:pPr>
             <a:r>
-              <a:rPr sz="700" b="1">
+              <a:rPr sz="1000" b="1">
                 <a:solidFill>
                   <a:srgbClr val="2563EB"/>
                 </a:solidFill>
@@ -3573,8 +3573,8 @@
         </p:nvSpPr>
         <p:spPr>
           <a:xfrm>
-            <a:off x="457200" y="914400"/>
-            <a:ext cx="2606040" cy="3291840"/>
+            <a:off x="457200" y="1051560"/>
+            <a:ext cx="2606040" cy="3383280"/>
           </a:xfrm>
           <a:prstGeom prst="rect">
             <a:avLst/>
@@ -3618,8 +3618,8 @@
         </p:nvSpPr>
         <p:spPr>
           <a:xfrm>
-            <a:off x="566928" y="987552"/>
-            <a:ext cx="457200" cy="228600"/>
+            <a:off x="594360" y="1143000"/>
+            <a:ext cx="548640" cy="320040"/>
           </a:xfrm>
           <a:prstGeom prst="rect">
             <a:avLst/>
@@ -3639,7 +3639,7 @@
               </a:spcAft>
             </a:pPr>
             <a:r>
-              <a:rPr sz="1100" b="1">
+              <a:rPr sz="1500" b="1">
                 <a:solidFill>
                   <a:srgbClr val="2563EB"/>
                 </a:solidFill>
@@ -3658,8 +3658,8 @@
         </p:nvSpPr>
         <p:spPr>
           <a:xfrm>
-            <a:off x="566928" y="1234440"/>
-            <a:ext cx="2386584" cy="201168"/>
+            <a:off x="594360" y="1463040"/>
+            <a:ext cx="2331720" cy="274320"/>
           </a:xfrm>
           <a:prstGeom prst="rect">
             <a:avLst/>
@@ -3679,7 +3679,7 @@
               </a:spcAft>
             </a:pPr>
             <a:r>
-              <a:rPr sz="800" b="1">
+              <a:rPr sz="1200" b="1">
                 <a:solidFill>
                   <a:srgbClr val="1E293B"/>
                 </a:solidFill>
@@ -3698,8 +3698,8 @@
         </p:nvSpPr>
         <p:spPr>
           <a:xfrm>
-            <a:off x="566928" y="1444752"/>
-            <a:ext cx="2386584" cy="2670048"/>
+            <a:off x="594360" y="1764792"/>
+            <a:ext cx="2331720" cy="2578608"/>
           </a:xfrm>
           <a:prstGeom prst="rect">
             <a:avLst/>
@@ -3719,7 +3719,7 @@
               </a:spcAft>
             </a:pPr>
             <a:r>
-              <a:rPr sz="700" b="0">
+              <a:rPr sz="1200" b="0">
                 <a:solidFill>
                   <a:srgbClr val="475569"/>
                 </a:solidFill>
@@ -3738,8 +3738,8 @@
         </p:nvSpPr>
         <p:spPr>
           <a:xfrm>
-            <a:off x="3273552" y="914400"/>
-            <a:ext cx="2606040" cy="3291840"/>
+            <a:off x="3273552" y="1051560"/>
+            <a:ext cx="2606040" cy="3383280"/>
           </a:xfrm>
           <a:prstGeom prst="rect">
             <a:avLst/>
@@ -3783,8 +3783,8 @@
         </p:nvSpPr>
         <p:spPr>
           <a:xfrm>
-            <a:off x="3383280" y="987552"/>
-            <a:ext cx="457200" cy="228600"/>
+            <a:off x="3410712" y="1143000"/>
+            <a:ext cx="548640" cy="320040"/>
           </a:xfrm>
           <a:prstGeom prst="rect">
             <a:avLst/>
@@ -3804,7 +3804,7 @@
               </a:spcAft>
             </a:pPr>
             <a:r>
-              <a:rPr sz="1100" b="1">
+              <a:rPr sz="1500" b="1">
                 <a:solidFill>
                   <a:srgbClr val="2563EB"/>
                 </a:solidFill>
@@ -3823,8 +3823,8 @@
         </p:nvSpPr>
         <p:spPr>
           <a:xfrm>
-            <a:off x="3383280" y="1234440"/>
-            <a:ext cx="2386584" cy="201168"/>
+            <a:off x="3410712" y="1463040"/>
+            <a:ext cx="2331720" cy="274320"/>
           </a:xfrm>
           <a:prstGeom prst="rect">
             <a:avLst/>
@@ -3844,7 +3844,7 @@
               </a:spcAft>
             </a:pPr>
             <a:r>
-              <a:rPr sz="800" b="1">
+              <a:rPr sz="1200" b="1">
                 <a:solidFill>
                   <a:srgbClr val="1E293B"/>
                 </a:solidFill>
@@ -3863,8 +3863,8 @@
         </p:nvSpPr>
         <p:spPr>
           <a:xfrm>
-            <a:off x="3383280" y="1444752"/>
-            <a:ext cx="2386584" cy="2670048"/>
+            <a:off x="3410712" y="1764792"/>
+            <a:ext cx="2331720" cy="2578608"/>
           </a:xfrm>
           <a:prstGeom prst="rect">
             <a:avLst/>
@@ -3884,7 +3884,7 @@
               </a:spcAft>
             </a:pPr>
             <a:r>
-              <a:rPr sz="700" b="0">
+              <a:rPr sz="1200" b="0">
                 <a:solidFill>
                   <a:srgbClr val="475569"/>
                 </a:solidFill>
@@ -3903,8 +3903,8 @@
         </p:nvSpPr>
         <p:spPr>
           <a:xfrm>
-            <a:off x="6089904" y="914400"/>
-            <a:ext cx="2606040" cy="3291840"/>
+            <a:off x="6089904" y="1051560"/>
+            <a:ext cx="2606040" cy="3383280"/>
           </a:xfrm>
           <a:prstGeom prst="rect">
             <a:avLst/>
@@ -3948,8 +3948,8 @@
         </p:nvSpPr>
         <p:spPr>
           <a:xfrm>
-            <a:off x="6199632" y="987552"/>
-            <a:ext cx="457200" cy="228600"/>
+            <a:off x="6227064" y="1143000"/>
+            <a:ext cx="548640" cy="320040"/>
           </a:xfrm>
           <a:prstGeom prst="rect">
             <a:avLst/>
@@ -3969,7 +3969,7 @@
               </a:spcAft>
             </a:pPr>
             <a:r>
-              <a:rPr sz="1100" b="1">
+              <a:rPr sz="1500" b="1">
                 <a:solidFill>
                   <a:srgbClr val="2563EB"/>
                 </a:solidFill>
@@ -3988,8 +3988,8 @@
         </p:nvSpPr>
         <p:spPr>
           <a:xfrm>
-            <a:off x="6199632" y="1234440"/>
-            <a:ext cx="2386584" cy="201168"/>
+            <a:off x="6227064" y="1463040"/>
+            <a:ext cx="2331720" cy="274320"/>
           </a:xfrm>
           <a:prstGeom prst="rect">
             <a:avLst/>
@@ -4009,7 +4009,7 @@
               </a:spcAft>
             </a:pPr>
             <a:r>
-              <a:rPr sz="800" b="1">
+              <a:rPr sz="1200" b="1">
                 <a:solidFill>
                   <a:srgbClr val="1E293B"/>
                 </a:solidFill>
@@ -4028,8 +4028,8 @@
         </p:nvSpPr>
         <p:spPr>
           <a:xfrm>
-            <a:off x="6199632" y="1444752"/>
-            <a:ext cx="2386584" cy="2670048"/>
+            <a:off x="6227064" y="1764792"/>
+            <a:ext cx="2331720" cy="2578608"/>
           </a:xfrm>
           <a:prstGeom prst="rect">
             <a:avLst/>
@@ -4049,7 +4049,7 @@
               </a:spcAft>
             </a:pPr>
             <a:r>
-              <a:rPr sz="700" b="0">
+              <a:rPr sz="1200" b="0">
                 <a:solidFill>
                   <a:srgbClr val="475569"/>
                 </a:solidFill>
@@ -4068,7 +4068,7 @@
         </p:nvSpPr>
         <p:spPr>
           <a:xfrm>
-            <a:off x="0" y="4823460"/>
+            <a:off x="0" y="4796028"/>
             <a:ext cx="9144000" cy="6350"/>
           </a:xfrm>
           <a:prstGeom prst="rect">
@@ -4111,8 +4111,8 @@
         </p:nvSpPr>
         <p:spPr>
           <a:xfrm>
-            <a:off x="457200" y="4848860"/>
-            <a:ext cx="3657600" cy="256032"/>
+            <a:off x="457200" y="4821428"/>
+            <a:ext cx="3657600" cy="274320"/>
           </a:xfrm>
           <a:prstGeom prst="rect">
             <a:avLst/>
@@ -4132,7 +4132,7 @@
               </a:spcAft>
             </a:pPr>
             <a:r>
-              <a:rPr sz="650" b="0">
+              <a:rPr sz="900" b="0">
                 <a:solidFill>
                   <a:srgbClr val="94A3B8"/>
                 </a:solidFill>
@@ -4151,8 +4151,8 @@
         </p:nvSpPr>
         <p:spPr>
           <a:xfrm>
-            <a:off x="3657600" y="4848860"/>
-            <a:ext cx="1828800" cy="256032"/>
+            <a:off x="3657600" y="4821428"/>
+            <a:ext cx="1828800" cy="274320"/>
           </a:xfrm>
           <a:prstGeom prst="rect">
             <a:avLst/>
@@ -4172,7 +4172,7 @@
               </a:spcAft>
             </a:pPr>
             <a:r>
-              <a:rPr sz="650" b="0">
+              <a:rPr sz="900" b="0">
                 <a:solidFill>
                   <a:srgbClr val="94A3B8"/>
                 </a:solidFill>
@@ -4191,8 +4191,8 @@
         </p:nvSpPr>
         <p:spPr>
           <a:xfrm>
-            <a:off x="8229600" y="4848860"/>
-            <a:ext cx="457200" cy="256032"/>
+            <a:off x="8229600" y="4821428"/>
+            <a:ext cx="457200" cy="274320"/>
           </a:xfrm>
           <a:prstGeom prst="rect">
             <a:avLst/>
@@ -4212,7 +4212,7 @@
               </a:spcAft>
             </a:pPr>
             <a:r>
-              <a:rPr sz="650" b="1">
+              <a:rPr sz="900" b="1">
                 <a:solidFill>
                   <a:srgbClr val="94A3B8"/>
                 </a:solidFill>
@@ -4250,7 +4250,7 @@
         <p:spPr>
           <a:xfrm>
             <a:off x="0" y="0"/>
-            <a:ext cx="9144000" cy="502920"/>
+            <a:ext cx="9144000" cy="594360"/>
           </a:xfrm>
           <a:prstGeom prst="rect">
             <a:avLst/>
@@ -4293,7 +4293,7 @@
         <p:spPr>
           <a:xfrm>
             <a:off x="457200" y="0"/>
-            <a:ext cx="8229600" cy="502920"/>
+            <a:ext cx="8229600" cy="594360"/>
           </a:xfrm>
           <a:prstGeom prst="rect">
             <a:avLst/>
@@ -4313,7 +4313,7 @@
               </a:spcAft>
             </a:pPr>
             <a:r>
-              <a:rPr sz="900" b="1">
+              <a:rPr sz="1200" b="1">
                 <a:solidFill>
                   <a:srgbClr val="FFFFFF"/>
                 </a:solidFill>
@@ -4332,8 +4332,8 @@
         </p:nvSpPr>
         <p:spPr>
           <a:xfrm>
-            <a:off x="457200" y="640080"/>
-            <a:ext cx="2743200" cy="228600"/>
+            <a:off x="457200" y="731520"/>
+            <a:ext cx="2743200" cy="274320"/>
           </a:xfrm>
           <a:prstGeom prst="rect">
             <a:avLst/>
@@ -4353,7 +4353,7 @@
               </a:spcAft>
             </a:pPr>
             <a:r>
-              <a:rPr sz="700" b="1">
+              <a:rPr sz="1000" b="1">
                 <a:solidFill>
                   <a:srgbClr val="2563EB"/>
                 </a:solidFill>
@@ -4372,8 +4372,8 @@
         </p:nvSpPr>
         <p:spPr>
           <a:xfrm>
-            <a:off x="457200" y="914400"/>
-            <a:ext cx="3931920" cy="1554480"/>
+            <a:off x="457200" y="1051560"/>
+            <a:ext cx="3931920" cy="1783080"/>
           </a:xfrm>
           <a:prstGeom prst="rect">
             <a:avLst/>
@@ -4417,8 +4417,8 @@
         </p:nvSpPr>
         <p:spPr>
           <a:xfrm>
-            <a:off x="566928" y="1024128"/>
-            <a:ext cx="292608" cy="292608"/>
+            <a:off x="594360" y="1188720"/>
+            <a:ext cx="365760" cy="365760"/>
           </a:xfrm>
           <a:prstGeom prst="ellipse">
             <a:avLst/>
@@ -4460,8 +4460,8 @@
         </p:nvSpPr>
         <p:spPr>
           <a:xfrm>
-            <a:off x="566928" y="1024128"/>
-            <a:ext cx="292608" cy="292608"/>
+            <a:off x="594360" y="1188720"/>
+            <a:ext cx="365760" cy="365760"/>
           </a:xfrm>
           <a:prstGeom prst="rect">
             <a:avLst/>
@@ -4481,7 +4481,7 @@
               </a:spcAft>
             </a:pPr>
             <a:r>
-              <a:rPr sz="900" b="1">
+              <a:rPr sz="1200" b="1">
                 <a:solidFill>
                   <a:srgbClr val="2563EB"/>
                 </a:solidFill>
@@ -4500,8 +4500,8 @@
         </p:nvSpPr>
         <p:spPr>
           <a:xfrm>
-            <a:off x="932688" y="1024128"/>
-            <a:ext cx="3337560" cy="182880"/>
+            <a:off x="1051560" y="1188720"/>
+            <a:ext cx="3200400" cy="411480"/>
           </a:xfrm>
           <a:prstGeom prst="rect">
             <a:avLst/>
@@ -4521,7 +4521,7 @@
               </a:spcAft>
             </a:pPr>
             <a:r>
-              <a:rPr sz="800" b="1">
+              <a:rPr sz="1200" b="1">
                 <a:solidFill>
                   <a:srgbClr val="1E293B"/>
                 </a:solidFill>
@@ -4540,8 +4540,8 @@
         </p:nvSpPr>
         <p:spPr>
           <a:xfrm>
-            <a:off x="932688" y="1225296"/>
-            <a:ext cx="3337560" cy="1170432"/>
+            <a:off x="1051560" y="1618488"/>
+            <a:ext cx="3200400" cy="1124712"/>
           </a:xfrm>
           <a:prstGeom prst="rect">
             <a:avLst/>
@@ -4561,7 +4561,7 @@
               </a:spcAft>
             </a:pPr>
             <a:r>
-              <a:rPr sz="650" b="0">
+              <a:rPr sz="1100" b="0">
                 <a:solidFill>
                   <a:srgbClr val="475569"/>
                 </a:solidFill>
@@ -4580,8 +4580,8 @@
         </p:nvSpPr>
         <p:spPr>
           <a:xfrm>
-            <a:off x="4617720" y="914400"/>
-            <a:ext cx="3931920" cy="1554480"/>
+            <a:off x="4617720" y="1051560"/>
+            <a:ext cx="3931920" cy="1783080"/>
           </a:xfrm>
           <a:prstGeom prst="rect">
             <a:avLst/>
@@ -4625,8 +4625,8 @@
         </p:nvSpPr>
         <p:spPr>
           <a:xfrm>
-            <a:off x="4727448" y="1024128"/>
-            <a:ext cx="292608" cy="292608"/>
+            <a:off x="4754880" y="1188720"/>
+            <a:ext cx="365760" cy="365760"/>
           </a:xfrm>
           <a:prstGeom prst="ellipse">
             <a:avLst/>
@@ -4668,8 +4668,8 @@
         </p:nvSpPr>
         <p:spPr>
           <a:xfrm>
-            <a:off x="4727448" y="1024128"/>
-            <a:ext cx="292608" cy="292608"/>
+            <a:off x="4754880" y="1188720"/>
+            <a:ext cx="365760" cy="365760"/>
           </a:xfrm>
           <a:prstGeom prst="rect">
             <a:avLst/>
@@ -4689,7 +4689,7 @@
               </a:spcAft>
             </a:pPr>
             <a:r>
-              <a:rPr sz="900" b="1">
+              <a:rPr sz="1200" b="1">
                 <a:solidFill>
                   <a:srgbClr val="2563EB"/>
                 </a:solidFill>
@@ -4708,8 +4708,8 @@
         </p:nvSpPr>
         <p:spPr>
           <a:xfrm>
-            <a:off x="5093208" y="1024128"/>
-            <a:ext cx="3337560" cy="182880"/>
+            <a:off x="5212080" y="1188720"/>
+            <a:ext cx="3200400" cy="411480"/>
           </a:xfrm>
           <a:prstGeom prst="rect">
             <a:avLst/>
@@ -4729,7 +4729,7 @@
               </a:spcAft>
             </a:pPr>
             <a:r>
-              <a:rPr sz="800" b="1">
+              <a:rPr sz="1200" b="1">
                 <a:solidFill>
                   <a:srgbClr val="1E293B"/>
                 </a:solidFill>
@@ -4748,8 +4748,8 @@
         </p:nvSpPr>
         <p:spPr>
           <a:xfrm>
-            <a:off x="5093208" y="1225296"/>
-            <a:ext cx="3337560" cy="1170432"/>
+            <a:off x="5212080" y="1618488"/>
+            <a:ext cx="3200400" cy="1124712"/>
           </a:xfrm>
           <a:prstGeom prst="rect">
             <a:avLst/>
@@ -4769,7 +4769,7 @@
               </a:spcAft>
             </a:pPr>
             <a:r>
-              <a:rPr sz="650" b="0">
+              <a:rPr sz="1100" b="0">
                 <a:solidFill>
                   <a:srgbClr val="475569"/>
                 </a:solidFill>
@@ -4788,8 +4788,8 @@
         </p:nvSpPr>
         <p:spPr>
           <a:xfrm>
-            <a:off x="457200" y="2651760"/>
-            <a:ext cx="3931920" cy="1554480"/>
+            <a:off x="457200" y="2971800"/>
+            <a:ext cx="3931920" cy="1783080"/>
           </a:xfrm>
           <a:prstGeom prst="rect">
             <a:avLst/>
@@ -4833,8 +4833,8 @@
         </p:nvSpPr>
         <p:spPr>
           <a:xfrm>
-            <a:off x="566928" y="2761488"/>
-            <a:ext cx="292608" cy="292608"/>
+            <a:off x="594360" y="3108960"/>
+            <a:ext cx="365760" cy="365760"/>
           </a:xfrm>
           <a:prstGeom prst="ellipse">
             <a:avLst/>
@@ -4876,8 +4876,8 @@
         </p:nvSpPr>
         <p:spPr>
           <a:xfrm>
-            <a:off x="566928" y="2761488"/>
-            <a:ext cx="292608" cy="292608"/>
+            <a:off x="594360" y="3108960"/>
+            <a:ext cx="365760" cy="365760"/>
           </a:xfrm>
           <a:prstGeom prst="rect">
             <a:avLst/>
@@ -4897,7 +4897,7 @@
               </a:spcAft>
             </a:pPr>
             <a:r>
-              <a:rPr sz="900" b="1">
+              <a:rPr sz="1200" b="1">
                 <a:solidFill>
                   <a:srgbClr val="2563EB"/>
                 </a:solidFill>
@@ -4916,8 +4916,8 @@
         </p:nvSpPr>
         <p:spPr>
           <a:xfrm>
-            <a:off x="932688" y="2761488"/>
-            <a:ext cx="3337560" cy="182880"/>
+            <a:off x="1051560" y="3108960"/>
+            <a:ext cx="3200400" cy="411480"/>
           </a:xfrm>
           <a:prstGeom prst="rect">
             <a:avLst/>
@@ -4937,7 +4937,7 @@
               </a:spcAft>
             </a:pPr>
             <a:r>
-              <a:rPr sz="800" b="1">
+              <a:rPr sz="1200" b="1">
                 <a:solidFill>
                   <a:srgbClr val="1E293B"/>
                 </a:solidFill>
@@ -4956,8 +4956,8 @@
         </p:nvSpPr>
         <p:spPr>
           <a:xfrm>
-            <a:off x="932688" y="2962656"/>
-            <a:ext cx="3337560" cy="1170432"/>
+            <a:off x="1051560" y="3538728"/>
+            <a:ext cx="3200400" cy="1124712"/>
           </a:xfrm>
           <a:prstGeom prst="rect">
             <a:avLst/>
@@ -4977,7 +4977,7 @@
               </a:spcAft>
             </a:pPr>
             <a:r>
-              <a:rPr sz="650" b="0">
+              <a:rPr sz="1100" b="0">
                 <a:solidFill>
                   <a:srgbClr val="475569"/>
                 </a:solidFill>
@@ -4996,8 +4996,8 @@
         </p:nvSpPr>
         <p:spPr>
           <a:xfrm>
-            <a:off x="4617720" y="2651760"/>
-            <a:ext cx="3931920" cy="1554480"/>
+            <a:off x="4617720" y="2971800"/>
+            <a:ext cx="3931920" cy="1783080"/>
           </a:xfrm>
           <a:prstGeom prst="rect">
             <a:avLst/>
@@ -5041,8 +5041,8 @@
         </p:nvSpPr>
         <p:spPr>
           <a:xfrm>
-            <a:off x="4727448" y="2761488"/>
-            <a:ext cx="292608" cy="292608"/>
+            <a:off x="4754880" y="3108960"/>
+            <a:ext cx="365760" cy="365760"/>
           </a:xfrm>
           <a:prstGeom prst="ellipse">
             <a:avLst/>
@@ -5084,8 +5084,8 @@
         </p:nvSpPr>
         <p:spPr>
           <a:xfrm>
-            <a:off x="4727448" y="2761488"/>
-            <a:ext cx="292608" cy="292608"/>
+            <a:off x="4754880" y="3108960"/>
+            <a:ext cx="365760" cy="365760"/>
           </a:xfrm>
           <a:prstGeom prst="rect">
             <a:avLst/>
@@ -5105,7 +5105,7 @@
               </a:spcAft>
             </a:pPr>
             <a:r>
-              <a:rPr sz="900" b="1">
+              <a:rPr sz="1200" b="1">
                 <a:solidFill>
                   <a:srgbClr val="2563EB"/>
                 </a:solidFill>
@@ -5124,8 +5124,8 @@
         </p:nvSpPr>
         <p:spPr>
           <a:xfrm>
-            <a:off x="5093208" y="2761488"/>
-            <a:ext cx="3337560" cy="182880"/>
+            <a:off x="5212080" y="3108960"/>
+            <a:ext cx="3200400" cy="411480"/>
           </a:xfrm>
           <a:prstGeom prst="rect">
             <a:avLst/>
@@ -5145,7 +5145,7 @@
               </a:spcAft>
             </a:pPr>
             <a:r>
-              <a:rPr sz="800" b="1">
+              <a:rPr sz="1200" b="1">
                 <a:solidFill>
                   <a:srgbClr val="1E293B"/>
                 </a:solidFill>
@@ -5164,8 +5164,8 @@
         </p:nvSpPr>
         <p:spPr>
           <a:xfrm>
-            <a:off x="5093208" y="2962656"/>
-            <a:ext cx="3337560" cy="1170432"/>
+            <a:off x="5212080" y="3538728"/>
+            <a:ext cx="3200400" cy="1124712"/>
           </a:xfrm>
           <a:prstGeom prst="rect">
             <a:avLst/>
@@ -5185,7 +5185,7 @@
               </a:spcAft>
             </a:pPr>
             <a:r>
-              <a:rPr sz="650" b="0">
+              <a:rPr sz="1100" b="0">
                 <a:solidFill>
                   <a:srgbClr val="475569"/>
                 </a:solidFill>
@@ -5204,7 +5204,7 @@
         </p:nvSpPr>
         <p:spPr>
           <a:xfrm>
-            <a:off x="0" y="4823460"/>
+            <a:off x="0" y="4796028"/>
             <a:ext cx="9144000" cy="6350"/>
           </a:xfrm>
           <a:prstGeom prst="rect">
@@ -5247,8 +5247,8 @@
         </p:nvSpPr>
         <p:spPr>
           <a:xfrm>
-            <a:off x="457200" y="4848860"/>
-            <a:ext cx="3657600" cy="256032"/>
+            <a:off x="457200" y="4821428"/>
+            <a:ext cx="3657600" cy="274320"/>
           </a:xfrm>
           <a:prstGeom prst="rect">
             <a:avLst/>
@@ -5268,7 +5268,7 @@
               </a:spcAft>
             </a:pPr>
             <a:r>
-              <a:rPr sz="650" b="0">
+              <a:rPr sz="900" b="0">
                 <a:solidFill>
                   <a:srgbClr val="94A3B8"/>
                 </a:solidFill>
@@ -5287,8 +5287,8 @@
         </p:nvSpPr>
         <p:spPr>
           <a:xfrm>
-            <a:off x="3657600" y="4848860"/>
-            <a:ext cx="1828800" cy="256032"/>
+            <a:off x="3657600" y="4821428"/>
+            <a:ext cx="1828800" cy="274320"/>
           </a:xfrm>
           <a:prstGeom prst="rect">
             <a:avLst/>
@@ -5308,7 +5308,7 @@
               </a:spcAft>
             </a:pPr>
             <a:r>
-              <a:rPr sz="650" b="0">
+              <a:rPr sz="900" b="0">
                 <a:solidFill>
                   <a:srgbClr val="94A3B8"/>
                 </a:solidFill>
@@ -5327,8 +5327,8 @@
         </p:nvSpPr>
         <p:spPr>
           <a:xfrm>
-            <a:off x="8229600" y="4848860"/>
-            <a:ext cx="457200" cy="256032"/>
+            <a:off x="8229600" y="4821428"/>
+            <a:ext cx="457200" cy="274320"/>
           </a:xfrm>
           <a:prstGeom prst="rect">
             <a:avLst/>
@@ -5348,7 +5348,7 @@
               </a:spcAft>
             </a:pPr>
             <a:r>
-              <a:rPr sz="650" b="1">
+              <a:rPr sz="900" b="1">
                 <a:solidFill>
                   <a:srgbClr val="94A3B8"/>
                 </a:solidFill>
@@ -5386,7 +5386,7 @@
         <p:spPr>
           <a:xfrm>
             <a:off x="0" y="0"/>
-            <a:ext cx="9144000" cy="502920"/>
+            <a:ext cx="9144000" cy="594360"/>
           </a:xfrm>
           <a:prstGeom prst="rect">
             <a:avLst/>
@@ -5429,7 +5429,7 @@
         <p:spPr>
           <a:xfrm>
             <a:off x="457200" y="0"/>
-            <a:ext cx="8229600" cy="502920"/>
+            <a:ext cx="8229600" cy="594360"/>
           </a:xfrm>
           <a:prstGeom prst="rect">
             <a:avLst/>
@@ -5449,7 +5449,7 @@
               </a:spcAft>
             </a:pPr>
             <a:r>
-              <a:rPr sz="900" b="1">
+              <a:rPr sz="1200" b="1">
                 <a:solidFill>
                   <a:srgbClr val="FFFFFF"/>
                 </a:solidFill>
@@ -5468,8 +5468,8 @@
         </p:nvSpPr>
         <p:spPr>
           <a:xfrm>
-            <a:off x="457200" y="640080"/>
-            <a:ext cx="2743200" cy="228600"/>
+            <a:off x="457200" y="731520"/>
+            <a:ext cx="2743200" cy="274320"/>
           </a:xfrm>
           <a:prstGeom prst="rect">
             <a:avLst/>
@@ -5489,7 +5489,7 @@
               </a:spcAft>
             </a:pPr>
             <a:r>
-              <a:rPr sz="700" b="1">
+              <a:rPr sz="1000" b="1">
                 <a:solidFill>
                   <a:srgbClr val="2563EB"/>
                 </a:solidFill>
@@ -5508,8 +5508,8 @@
         </p:nvSpPr>
         <p:spPr>
           <a:xfrm>
-            <a:off x="640080" y="914400"/>
-            <a:ext cx="1188720" cy="347472"/>
+            <a:off x="640080" y="1051560"/>
+            <a:ext cx="1371600" cy="457200"/>
           </a:xfrm>
           <a:prstGeom prst="rect">
             <a:avLst/>
@@ -5553,8 +5553,8 @@
         </p:nvSpPr>
         <p:spPr>
           <a:xfrm>
-            <a:off x="713232" y="914400"/>
-            <a:ext cx="1042416" cy="347472"/>
+            <a:off x="731520" y="1051560"/>
+            <a:ext cx="1188720" cy="457200"/>
           </a:xfrm>
           <a:prstGeom prst="rect">
             <a:avLst/>
@@ -5574,7 +5574,7 @@
               </a:spcAft>
             </a:pPr>
             <a:r>
-              <a:rPr sz="650" b="1">
+              <a:rPr sz="900" b="1">
                 <a:solidFill>
                   <a:srgbClr val="FFFFFF"/>
                 </a:solidFill>
@@ -5593,8 +5593,8 @@
         </p:nvSpPr>
         <p:spPr>
           <a:xfrm>
-            <a:off x="1828800" y="914400"/>
-            <a:ext cx="3291840" cy="347472"/>
+            <a:off x="2011680" y="1051560"/>
+            <a:ext cx="3200400" cy="457200"/>
           </a:xfrm>
           <a:prstGeom prst="rect">
             <a:avLst/>
@@ -5638,8 +5638,8 @@
         </p:nvSpPr>
         <p:spPr>
           <a:xfrm>
-            <a:off x="1901952" y="914400"/>
-            <a:ext cx="3145536" cy="347472"/>
+            <a:off x="2103120" y="1051560"/>
+            <a:ext cx="3017520" cy="457200"/>
           </a:xfrm>
           <a:prstGeom prst="rect">
             <a:avLst/>
@@ -5659,7 +5659,7 @@
               </a:spcAft>
             </a:pPr>
             <a:r>
-              <a:rPr sz="650" b="1">
+              <a:rPr sz="900" b="1">
                 <a:solidFill>
                   <a:srgbClr val="FFFFFF"/>
                 </a:solidFill>
@@ -5678,8 +5678,8 @@
         </p:nvSpPr>
         <p:spPr>
           <a:xfrm>
-            <a:off x="5120640" y="914400"/>
-            <a:ext cx="3383280" cy="347472"/>
+            <a:off x="5212080" y="1051560"/>
+            <a:ext cx="3291840" cy="457200"/>
           </a:xfrm>
           <a:prstGeom prst="rect">
             <a:avLst/>
@@ -5723,8 +5723,8 @@
         </p:nvSpPr>
         <p:spPr>
           <a:xfrm>
-            <a:off x="5193792" y="914400"/>
-            <a:ext cx="3236976" cy="347472"/>
+            <a:off x="5303520" y="1051560"/>
+            <a:ext cx="3108960" cy="457200"/>
           </a:xfrm>
           <a:prstGeom prst="rect">
             <a:avLst/>
@@ -5744,7 +5744,7 @@
               </a:spcAft>
             </a:pPr>
             <a:r>
-              <a:rPr sz="650" b="1">
+              <a:rPr sz="900" b="1">
                 <a:solidFill>
                   <a:srgbClr val="FFFFFF"/>
                 </a:solidFill>
@@ -5763,8 +5763,8 @@
         </p:nvSpPr>
         <p:spPr>
           <a:xfrm>
-            <a:off x="640080" y="1261872"/>
-            <a:ext cx="1188720" cy="347472"/>
+            <a:off x="640080" y="1508760"/>
+            <a:ext cx="1371600" cy="457200"/>
           </a:xfrm>
           <a:prstGeom prst="rect">
             <a:avLst/>
@@ -5808,8 +5808,8 @@
         </p:nvSpPr>
         <p:spPr>
           <a:xfrm>
-            <a:off x="713232" y="1261872"/>
-            <a:ext cx="1042416" cy="347472"/>
+            <a:off x="731520" y="1508760"/>
+            <a:ext cx="1188720" cy="457200"/>
           </a:xfrm>
           <a:prstGeom prst="rect">
             <a:avLst/>
@@ -5829,7 +5829,7 @@
               </a:spcAft>
             </a:pPr>
             <a:r>
-              <a:rPr sz="700" b="1">
+              <a:rPr sz="1000" b="1">
                 <a:solidFill>
                   <a:srgbClr val="1E293B"/>
                 </a:solidFill>
@@ -5848,8 +5848,8 @@
         </p:nvSpPr>
         <p:spPr>
           <a:xfrm>
-            <a:off x="1828800" y="1261872"/>
-            <a:ext cx="3291840" cy="347472"/>
+            <a:off x="2011680" y="1508760"/>
+            <a:ext cx="3200400" cy="457200"/>
           </a:xfrm>
           <a:prstGeom prst="rect">
             <a:avLst/>
@@ -5893,8 +5893,8 @@
         </p:nvSpPr>
         <p:spPr>
           <a:xfrm>
-            <a:off x="1901952" y="1261872"/>
-            <a:ext cx="3145536" cy="347472"/>
+            <a:off x="2103120" y="1508760"/>
+            <a:ext cx="3017520" cy="457200"/>
           </a:xfrm>
           <a:prstGeom prst="rect">
             <a:avLst/>
@@ -5914,7 +5914,7 @@
               </a:spcAft>
             </a:pPr>
             <a:r>
-              <a:rPr sz="700" b="0">
+              <a:rPr sz="1000" b="0">
                 <a:solidFill>
                   <a:srgbClr val="475569"/>
                 </a:solidFill>
@@ -5933,8 +5933,8 @@
         </p:nvSpPr>
         <p:spPr>
           <a:xfrm>
-            <a:off x="5120640" y="1261872"/>
-            <a:ext cx="3383280" cy="347472"/>
+            <a:off x="5212080" y="1508760"/>
+            <a:ext cx="3291840" cy="457200"/>
           </a:xfrm>
           <a:prstGeom prst="rect">
             <a:avLst/>
@@ -5978,8 +5978,8 @@
         </p:nvSpPr>
         <p:spPr>
           <a:xfrm>
-            <a:off x="5193792" y="1261872"/>
-            <a:ext cx="3236976" cy="347472"/>
+            <a:off x="5303520" y="1508760"/>
+            <a:ext cx="3108960" cy="457200"/>
           </a:xfrm>
           <a:prstGeom prst="rect">
             <a:avLst/>
@@ -5999,7 +5999,7 @@
               </a:spcAft>
             </a:pPr>
             <a:r>
-              <a:rPr sz="700" b="0">
+              <a:rPr sz="1000" b="0">
                 <a:solidFill>
                   <a:srgbClr val="1D4ED8"/>
                 </a:solidFill>
@@ -6018,8 +6018,8 @@
         </p:nvSpPr>
         <p:spPr>
           <a:xfrm>
-            <a:off x="640080" y="1609344"/>
-            <a:ext cx="1188720" cy="347472"/>
+            <a:off x="640080" y="1965960"/>
+            <a:ext cx="1371600" cy="457200"/>
           </a:xfrm>
           <a:prstGeom prst="rect">
             <a:avLst/>
@@ -6063,8 +6063,8 @@
         </p:nvSpPr>
         <p:spPr>
           <a:xfrm>
-            <a:off x="713232" y="1609344"/>
-            <a:ext cx="1042416" cy="347472"/>
+            <a:off x="731520" y="1965960"/>
+            <a:ext cx="1188720" cy="457200"/>
           </a:xfrm>
           <a:prstGeom prst="rect">
             <a:avLst/>
@@ -6084,7 +6084,7 @@
               </a:spcAft>
             </a:pPr>
             <a:r>
-              <a:rPr sz="700" b="1">
+              <a:rPr sz="1000" b="1">
                 <a:solidFill>
                   <a:srgbClr val="1E293B"/>
                 </a:solidFill>
@@ -6103,8 +6103,8 @@
         </p:nvSpPr>
         <p:spPr>
           <a:xfrm>
-            <a:off x="1828800" y="1609344"/>
-            <a:ext cx="3291840" cy="347472"/>
+            <a:off x="2011680" y="1965960"/>
+            <a:ext cx="3200400" cy="457200"/>
           </a:xfrm>
           <a:prstGeom prst="rect">
             <a:avLst/>
@@ -6148,8 +6148,8 @@
         </p:nvSpPr>
         <p:spPr>
           <a:xfrm>
-            <a:off x="1901952" y="1609344"/>
-            <a:ext cx="3145536" cy="347472"/>
+            <a:off x="2103120" y="1965960"/>
+            <a:ext cx="3017520" cy="457200"/>
           </a:xfrm>
           <a:prstGeom prst="rect">
             <a:avLst/>
@@ -6169,7 +6169,7 @@
               </a:spcAft>
             </a:pPr>
             <a:r>
-              <a:rPr sz="700" b="0">
+              <a:rPr sz="1000" b="0">
                 <a:solidFill>
                   <a:srgbClr val="475569"/>
                 </a:solidFill>
@@ -6188,8 +6188,8 @@
         </p:nvSpPr>
         <p:spPr>
           <a:xfrm>
-            <a:off x="5120640" y="1609344"/>
-            <a:ext cx="3383280" cy="347472"/>
+            <a:off x="5212080" y="1965960"/>
+            <a:ext cx="3291840" cy="457200"/>
           </a:xfrm>
           <a:prstGeom prst="rect">
             <a:avLst/>
@@ -6233,8 +6233,8 @@
         </p:nvSpPr>
         <p:spPr>
           <a:xfrm>
-            <a:off x="5193792" y="1609344"/>
-            <a:ext cx="3236976" cy="347472"/>
+            <a:off x="5303520" y="1965960"/>
+            <a:ext cx="3108960" cy="457200"/>
           </a:xfrm>
           <a:prstGeom prst="rect">
             <a:avLst/>
@@ -6254,7 +6254,7 @@
               </a:spcAft>
             </a:pPr>
             <a:r>
-              <a:rPr sz="700" b="0">
+              <a:rPr sz="1000" b="0">
                 <a:solidFill>
                   <a:srgbClr val="1D4ED8"/>
                 </a:solidFill>
@@ -6273,8 +6273,8 @@
         </p:nvSpPr>
         <p:spPr>
           <a:xfrm>
-            <a:off x="640080" y="1956816"/>
-            <a:ext cx="1188720" cy="347472"/>
+            <a:off x="640080" y="2423160"/>
+            <a:ext cx="1371600" cy="457200"/>
           </a:xfrm>
           <a:prstGeom prst="rect">
             <a:avLst/>
@@ -6318,8 +6318,8 @@
         </p:nvSpPr>
         <p:spPr>
           <a:xfrm>
-            <a:off x="713232" y="1956816"/>
-            <a:ext cx="1042416" cy="347472"/>
+            <a:off x="731520" y="2423160"/>
+            <a:ext cx="1188720" cy="457200"/>
           </a:xfrm>
           <a:prstGeom prst="rect">
             <a:avLst/>
@@ -6339,7 +6339,7 @@
               </a:spcAft>
             </a:pPr>
             <a:r>
-              <a:rPr sz="700" b="1">
+              <a:rPr sz="1000" b="1">
                 <a:solidFill>
                   <a:srgbClr val="1E293B"/>
                 </a:solidFill>
@@ -6358,8 +6358,8 @@
         </p:nvSpPr>
         <p:spPr>
           <a:xfrm>
-            <a:off x="1828800" y="1956816"/>
-            <a:ext cx="3291840" cy="347472"/>
+            <a:off x="2011680" y="2423160"/>
+            <a:ext cx="3200400" cy="457200"/>
           </a:xfrm>
           <a:prstGeom prst="rect">
             <a:avLst/>
@@ -6403,8 +6403,8 @@
         </p:nvSpPr>
         <p:spPr>
           <a:xfrm>
-            <a:off x="1901952" y="1956816"/>
-            <a:ext cx="3145536" cy="347472"/>
+            <a:off x="2103120" y="2423160"/>
+            <a:ext cx="3017520" cy="457200"/>
           </a:xfrm>
           <a:prstGeom prst="rect">
             <a:avLst/>
@@ -6424,7 +6424,7 @@
               </a:spcAft>
             </a:pPr>
             <a:r>
-              <a:rPr sz="700" b="0">
+              <a:rPr sz="1000" b="0">
                 <a:solidFill>
                   <a:srgbClr val="475569"/>
                 </a:solidFill>
@@ -6443,8 +6443,8 @@
         </p:nvSpPr>
         <p:spPr>
           <a:xfrm>
-            <a:off x="5120640" y="1956816"/>
-            <a:ext cx="3383280" cy="347472"/>
+            <a:off x="5212080" y="2423160"/>
+            <a:ext cx="3291840" cy="457200"/>
           </a:xfrm>
           <a:prstGeom prst="rect">
             <a:avLst/>
@@ -6488,8 +6488,8 @@
         </p:nvSpPr>
         <p:spPr>
           <a:xfrm>
-            <a:off x="5193792" y="1956816"/>
-            <a:ext cx="3236976" cy="347472"/>
+            <a:off x="5303520" y="2423160"/>
+            <a:ext cx="3108960" cy="457200"/>
           </a:xfrm>
           <a:prstGeom prst="rect">
             <a:avLst/>
@@ -6509,7 +6509,7 @@
               </a:spcAft>
             </a:pPr>
             <a:r>
-              <a:rPr sz="700" b="0">
+              <a:rPr sz="1000" b="0">
                 <a:solidFill>
                   <a:srgbClr val="1D4ED8"/>
                 </a:solidFill>
@@ -6528,8 +6528,8 @@
         </p:nvSpPr>
         <p:spPr>
           <a:xfrm>
-            <a:off x="640080" y="2304288"/>
-            <a:ext cx="1188720" cy="347472"/>
+            <a:off x="640080" y="2880360"/>
+            <a:ext cx="1371600" cy="457200"/>
           </a:xfrm>
           <a:prstGeom prst="rect">
             <a:avLst/>
@@ -6573,8 +6573,8 @@
         </p:nvSpPr>
         <p:spPr>
           <a:xfrm>
-            <a:off x="713232" y="2304288"/>
-            <a:ext cx="1042416" cy="347472"/>
+            <a:off x="731520" y="2880360"/>
+            <a:ext cx="1188720" cy="457200"/>
           </a:xfrm>
           <a:prstGeom prst="rect">
             <a:avLst/>
@@ -6594,7 +6594,7 @@
               </a:spcAft>
             </a:pPr>
             <a:r>
-              <a:rPr sz="700" b="1">
+              <a:rPr sz="1000" b="1">
                 <a:solidFill>
                   <a:srgbClr val="1E293B"/>
                 </a:solidFill>
@@ -6613,8 +6613,8 @@
         </p:nvSpPr>
         <p:spPr>
           <a:xfrm>
-            <a:off x="1828800" y="2304288"/>
-            <a:ext cx="3291840" cy="347472"/>
+            <a:off x="2011680" y="2880360"/>
+            <a:ext cx="3200400" cy="457200"/>
           </a:xfrm>
           <a:prstGeom prst="rect">
             <a:avLst/>
@@ -6658,8 +6658,8 @@
         </p:nvSpPr>
         <p:spPr>
           <a:xfrm>
-            <a:off x="1901952" y="2304288"/>
-            <a:ext cx="3145536" cy="347472"/>
+            <a:off x="2103120" y="2880360"/>
+            <a:ext cx="3017520" cy="457200"/>
           </a:xfrm>
           <a:prstGeom prst="rect">
             <a:avLst/>
@@ -6679,7 +6679,7 @@
               </a:spcAft>
             </a:pPr>
             <a:r>
-              <a:rPr sz="700" b="0">
+              <a:rPr sz="1000" b="0">
                 <a:solidFill>
                   <a:srgbClr val="475569"/>
                 </a:solidFill>
@@ -6698,8 +6698,8 @@
         </p:nvSpPr>
         <p:spPr>
           <a:xfrm>
-            <a:off x="5120640" y="2304288"/>
-            <a:ext cx="3383280" cy="347472"/>
+            <a:off x="5212080" y="2880360"/>
+            <a:ext cx="3291840" cy="457200"/>
           </a:xfrm>
           <a:prstGeom prst="rect">
             <a:avLst/>
@@ -6743,8 +6743,8 @@
         </p:nvSpPr>
         <p:spPr>
           <a:xfrm>
-            <a:off x="5193792" y="2304288"/>
-            <a:ext cx="3236976" cy="347472"/>
+            <a:off x="5303520" y="2880360"/>
+            <a:ext cx="3108960" cy="457200"/>
           </a:xfrm>
           <a:prstGeom prst="rect">
             <a:avLst/>
@@ -6764,7 +6764,7 @@
               </a:spcAft>
             </a:pPr>
             <a:r>
-              <a:rPr sz="700" b="0">
+              <a:rPr sz="1000" b="0">
                 <a:solidFill>
                   <a:srgbClr val="1D4ED8"/>
                 </a:solidFill>
@@ -6783,8 +6783,8 @@
         </p:nvSpPr>
         <p:spPr>
           <a:xfrm>
-            <a:off x="640080" y="2651760"/>
-            <a:ext cx="1188720" cy="347472"/>
+            <a:off x="640080" y="3337560"/>
+            <a:ext cx="1371600" cy="457200"/>
           </a:xfrm>
           <a:prstGeom prst="rect">
             <a:avLst/>
@@ -6828,8 +6828,8 @@
         </p:nvSpPr>
         <p:spPr>
           <a:xfrm>
-            <a:off x="713232" y="2651760"/>
-            <a:ext cx="1042416" cy="347472"/>
+            <a:off x="731520" y="3337560"/>
+            <a:ext cx="1188720" cy="457200"/>
           </a:xfrm>
           <a:prstGeom prst="rect">
             <a:avLst/>
@@ -6849,7 +6849,7 @@
               </a:spcAft>
             </a:pPr>
             <a:r>
-              <a:rPr sz="700" b="1">
+              <a:rPr sz="1000" b="1">
                 <a:solidFill>
                   <a:srgbClr val="1E293B"/>
                 </a:solidFill>
@@ -6868,8 +6868,8 @@
         </p:nvSpPr>
         <p:spPr>
           <a:xfrm>
-            <a:off x="1828800" y="2651760"/>
-            <a:ext cx="3291840" cy="347472"/>
+            <a:off x="2011680" y="3337560"/>
+            <a:ext cx="3200400" cy="457200"/>
           </a:xfrm>
           <a:prstGeom prst="rect">
             <a:avLst/>
@@ -6913,8 +6913,8 @@
         </p:nvSpPr>
         <p:spPr>
           <a:xfrm>
-            <a:off x="1901952" y="2651760"/>
-            <a:ext cx="3145536" cy="347472"/>
+            <a:off x="2103120" y="3337560"/>
+            <a:ext cx="3017520" cy="457200"/>
           </a:xfrm>
           <a:prstGeom prst="rect">
             <a:avLst/>
@@ -6934,7 +6934,7 @@
               </a:spcAft>
             </a:pPr>
             <a:r>
-              <a:rPr sz="700" b="0">
+              <a:rPr sz="1000" b="0">
                 <a:solidFill>
                   <a:srgbClr val="475569"/>
                 </a:solidFill>
@@ -6953,8 +6953,8 @@
         </p:nvSpPr>
         <p:spPr>
           <a:xfrm>
-            <a:off x="5120640" y="2651760"/>
-            <a:ext cx="3383280" cy="347472"/>
+            <a:off x="5212080" y="3337560"/>
+            <a:ext cx="3291840" cy="457200"/>
           </a:xfrm>
           <a:prstGeom prst="rect">
             <a:avLst/>
@@ -6998,8 +6998,8 @@
         </p:nvSpPr>
         <p:spPr>
           <a:xfrm>
-            <a:off x="5193792" y="2651760"/>
-            <a:ext cx="3236976" cy="347472"/>
+            <a:off x="5303520" y="3337560"/>
+            <a:ext cx="3108960" cy="457200"/>
           </a:xfrm>
           <a:prstGeom prst="rect">
             <a:avLst/>
@@ -7019,7 +7019,7 @@
               </a:spcAft>
             </a:pPr>
             <a:r>
-              <a:rPr sz="700" b="0">
+              <a:rPr sz="1000" b="0">
                 <a:solidFill>
                   <a:srgbClr val="1D4ED8"/>
                 </a:solidFill>
@@ -7038,8 +7038,8 @@
         </p:nvSpPr>
         <p:spPr>
           <a:xfrm>
-            <a:off x="640080" y="2999232"/>
-            <a:ext cx="1188720" cy="347472"/>
+            <a:off x="640080" y="3794760"/>
+            <a:ext cx="1371600" cy="457200"/>
           </a:xfrm>
           <a:prstGeom prst="rect">
             <a:avLst/>
@@ -7083,8 +7083,8 @@
         </p:nvSpPr>
         <p:spPr>
           <a:xfrm>
-            <a:off x="713232" y="2999232"/>
-            <a:ext cx="1042416" cy="347472"/>
+            <a:off x="731520" y="3794760"/>
+            <a:ext cx="1188720" cy="457200"/>
           </a:xfrm>
           <a:prstGeom prst="rect">
             <a:avLst/>
@@ -7104,7 +7104,7 @@
               </a:spcAft>
             </a:pPr>
             <a:r>
-              <a:rPr sz="700" b="1">
+              <a:rPr sz="1000" b="1">
                 <a:solidFill>
                   <a:srgbClr val="1E293B"/>
                 </a:solidFill>
@@ -7123,8 +7123,8 @@
         </p:nvSpPr>
         <p:spPr>
           <a:xfrm>
-            <a:off x="1828800" y="2999232"/>
-            <a:ext cx="3291840" cy="347472"/>
+            <a:off x="2011680" y="3794760"/>
+            <a:ext cx="3200400" cy="457200"/>
           </a:xfrm>
           <a:prstGeom prst="rect">
             <a:avLst/>
@@ -7168,8 +7168,8 @@
         </p:nvSpPr>
         <p:spPr>
           <a:xfrm>
-            <a:off x="1901952" y="2999232"/>
-            <a:ext cx="3145536" cy="347472"/>
+            <a:off x="2103120" y="3794760"/>
+            <a:ext cx="3017520" cy="457200"/>
           </a:xfrm>
           <a:prstGeom prst="rect">
             <a:avLst/>
@@ -7189,7 +7189,7 @@
               </a:spcAft>
             </a:pPr>
             <a:r>
-              <a:rPr sz="700" b="0">
+              <a:rPr sz="1000" b="0">
                 <a:solidFill>
                   <a:srgbClr val="475569"/>
                 </a:solidFill>
@@ -7208,8 +7208,8 @@
         </p:nvSpPr>
         <p:spPr>
           <a:xfrm>
-            <a:off x="5120640" y="2999232"/>
-            <a:ext cx="3383280" cy="347472"/>
+            <a:off x="5212080" y="3794760"/>
+            <a:ext cx="3291840" cy="457200"/>
           </a:xfrm>
           <a:prstGeom prst="rect">
             <a:avLst/>
@@ -7253,8 +7253,8 @@
         </p:nvSpPr>
         <p:spPr>
           <a:xfrm>
-            <a:off x="5193792" y="2999232"/>
-            <a:ext cx="3236976" cy="347472"/>
+            <a:off x="5303520" y="3794760"/>
+            <a:ext cx="3108960" cy="457200"/>
           </a:xfrm>
           <a:prstGeom prst="rect">
             <a:avLst/>
@@ -7274,7 +7274,7 @@
               </a:spcAft>
             </a:pPr>
             <a:r>
-              <a:rPr sz="700" b="0">
+              <a:rPr sz="1000" b="0">
                 <a:solidFill>
                   <a:srgbClr val="1D4ED8"/>
                 </a:solidFill>
@@ -7293,7 +7293,7 @@
         </p:nvSpPr>
         <p:spPr>
           <a:xfrm>
-            <a:off x="0" y="4823460"/>
+            <a:off x="0" y="4796028"/>
             <a:ext cx="9144000" cy="6350"/>
           </a:xfrm>
           <a:prstGeom prst="rect">
@@ -7336,8 +7336,8 @@
         </p:nvSpPr>
         <p:spPr>
           <a:xfrm>
-            <a:off x="457200" y="4848860"/>
-            <a:ext cx="3657600" cy="256032"/>
+            <a:off x="457200" y="4821428"/>
+            <a:ext cx="3657600" cy="274320"/>
           </a:xfrm>
           <a:prstGeom prst="rect">
             <a:avLst/>
@@ -7357,7 +7357,7 @@
               </a:spcAft>
             </a:pPr>
             <a:r>
-              <a:rPr sz="650" b="0">
+              <a:rPr sz="900" b="0">
                 <a:solidFill>
                   <a:srgbClr val="94A3B8"/>
                 </a:solidFill>
@@ -7376,8 +7376,8 @@
         </p:nvSpPr>
         <p:spPr>
           <a:xfrm>
-            <a:off x="3657600" y="4848860"/>
-            <a:ext cx="1828800" cy="256032"/>
+            <a:off x="3657600" y="4821428"/>
+            <a:ext cx="1828800" cy="274320"/>
           </a:xfrm>
           <a:prstGeom prst="rect">
             <a:avLst/>
@@ -7397,7 +7397,7 @@
               </a:spcAft>
             </a:pPr>
             <a:r>
-              <a:rPr sz="650" b="0">
+              <a:rPr sz="900" b="0">
                 <a:solidFill>
                   <a:srgbClr val="94A3B8"/>
                 </a:solidFill>
@@ -7416,8 +7416,8 @@
         </p:nvSpPr>
         <p:spPr>
           <a:xfrm>
-            <a:off x="8229600" y="4848860"/>
-            <a:ext cx="457200" cy="256032"/>
+            <a:off x="8229600" y="4821428"/>
+            <a:ext cx="457200" cy="274320"/>
           </a:xfrm>
           <a:prstGeom prst="rect">
             <a:avLst/>
@@ -7437,7 +7437,7 @@
               </a:spcAft>
             </a:pPr>
             <a:r>
-              <a:rPr sz="650" b="1">
+              <a:rPr sz="900" b="1">
                 <a:solidFill>
                   <a:srgbClr val="94A3B8"/>
                 </a:solidFill>
@@ -7475,7 +7475,7 @@
         <p:spPr>
           <a:xfrm>
             <a:off x="0" y="0"/>
-            <a:ext cx="9144000" cy="502920"/>
+            <a:ext cx="9144000" cy="594360"/>
           </a:xfrm>
           <a:prstGeom prst="rect">
             <a:avLst/>
@@ -7518,7 +7518,7 @@
         <p:spPr>
           <a:xfrm>
             <a:off x="457200" y="0"/>
-            <a:ext cx="8229600" cy="502920"/>
+            <a:ext cx="8229600" cy="594360"/>
           </a:xfrm>
           <a:prstGeom prst="rect">
             <a:avLst/>
@@ -7538,7 +7538,7 @@
               </a:spcAft>
             </a:pPr>
             <a:r>
-              <a:rPr sz="900" b="1">
+              <a:rPr sz="1200" b="1">
                 <a:solidFill>
                   <a:srgbClr val="FFFFFF"/>
                 </a:solidFill>
@@ -7557,8 +7557,8 @@
         </p:nvSpPr>
         <p:spPr>
           <a:xfrm>
-            <a:off x="457200" y="640080"/>
-            <a:ext cx="2743200" cy="228600"/>
+            <a:off x="457200" y="731520"/>
+            <a:ext cx="2743200" cy="274320"/>
           </a:xfrm>
           <a:prstGeom prst="rect">
             <a:avLst/>
@@ -7578,7 +7578,7 @@
               </a:spcAft>
             </a:pPr>
             <a:r>
-              <a:rPr sz="700" b="1">
+              <a:rPr sz="1000" b="1">
                 <a:solidFill>
                   <a:srgbClr val="2563EB"/>
                 </a:solidFill>
@@ -7597,8 +7597,8 @@
         </p:nvSpPr>
         <p:spPr>
           <a:xfrm>
-            <a:off x="457200" y="914400"/>
-            <a:ext cx="7863840" cy="685800"/>
+            <a:off x="457200" y="1051560"/>
+            <a:ext cx="7863840" cy="960120"/>
           </a:xfrm>
           <a:prstGeom prst="rect">
             <a:avLst/>
@@ -7642,8 +7642,8 @@
         </p:nvSpPr>
         <p:spPr>
           <a:xfrm>
-            <a:off x="566928" y="1005840"/>
-            <a:ext cx="502920" cy="502920"/>
+            <a:off x="594360" y="1161288"/>
+            <a:ext cx="777240" cy="731520"/>
           </a:xfrm>
           <a:prstGeom prst="rect">
             <a:avLst/>
@@ -7685,8 +7685,8 @@
         </p:nvSpPr>
         <p:spPr>
           <a:xfrm>
-            <a:off x="566928" y="1005840"/>
-            <a:ext cx="502920" cy="502920"/>
+            <a:off x="594360" y="1161288"/>
+            <a:ext cx="777240" cy="731520"/>
           </a:xfrm>
           <a:prstGeom prst="rect">
             <a:avLst/>
@@ -7706,7 +7706,7 @@
               </a:spcAft>
             </a:pPr>
             <a:r>
-              <a:rPr sz="600" b="1">
+              <a:rPr sz="800" b="1">
                 <a:solidFill>
                   <a:srgbClr val="FFFFFF"/>
                 </a:solidFill>
@@ -7726,8 +7726,8 @@
         </p:nvSpPr>
         <p:spPr>
           <a:xfrm>
-            <a:off x="1188720" y="987552"/>
-            <a:ext cx="6995160" cy="182880"/>
+            <a:off x="1508760" y="1124712"/>
+            <a:ext cx="6675120" cy="256032"/>
           </a:xfrm>
           <a:prstGeom prst="rect">
             <a:avLst/>
@@ -7747,7 +7747,7 @@
               </a:spcAft>
             </a:pPr>
             <a:r>
-              <a:rPr sz="750" b="1">
+              <a:rPr sz="1100" b="1">
                 <a:solidFill>
                   <a:srgbClr val="1E293B"/>
                 </a:solidFill>
@@ -7766,8 +7766,8 @@
         </p:nvSpPr>
         <p:spPr>
           <a:xfrm>
-            <a:off x="1188720" y="1170432"/>
-            <a:ext cx="6995160" cy="228600"/>
+            <a:off x="1508760" y="1380744"/>
+            <a:ext cx="6675120" cy="320040"/>
           </a:xfrm>
           <a:prstGeom prst="rect">
             <a:avLst/>
@@ -7787,7 +7787,7 @@
               </a:spcAft>
             </a:pPr>
             <a:r>
-              <a:rPr sz="650" b="0">
+              <a:rPr sz="1000" b="0">
                 <a:solidFill>
                   <a:srgbClr val="475569"/>
                 </a:solidFill>
@@ -7806,8 +7806,8 @@
         </p:nvSpPr>
         <p:spPr>
           <a:xfrm>
-            <a:off x="1188720" y="1389888"/>
-            <a:ext cx="6995160" cy="182880"/>
+            <a:off x="1508760" y="1691640"/>
+            <a:ext cx="6675120" cy="228600"/>
           </a:xfrm>
           <a:prstGeom prst="rect">
             <a:avLst/>
@@ -7827,7 +7827,7 @@
               </a:spcAft>
             </a:pPr>
             <a:r>
-              <a:rPr sz="600" b="0">
+              <a:rPr sz="900" b="0">
                 <a:solidFill>
                   <a:srgbClr val="2563EB"/>
                 </a:solidFill>
@@ -7846,8 +7846,8 @@
         </p:nvSpPr>
         <p:spPr>
           <a:xfrm>
-            <a:off x="457200" y="1709928"/>
-            <a:ext cx="7863840" cy="685800"/>
+            <a:off x="457200" y="2121408"/>
+            <a:ext cx="7863840" cy="960120"/>
           </a:xfrm>
           <a:prstGeom prst="rect">
             <a:avLst/>
@@ -7891,8 +7891,8 @@
         </p:nvSpPr>
         <p:spPr>
           <a:xfrm>
-            <a:off x="566928" y="1801368"/>
-            <a:ext cx="502920" cy="502920"/>
+            <a:off x="594360" y="2231136"/>
+            <a:ext cx="777240" cy="731520"/>
           </a:xfrm>
           <a:prstGeom prst="rect">
             <a:avLst/>
@@ -7934,8 +7934,8 @@
         </p:nvSpPr>
         <p:spPr>
           <a:xfrm>
-            <a:off x="566928" y="1801368"/>
-            <a:ext cx="502920" cy="502920"/>
+            <a:off x="594360" y="2231136"/>
+            <a:ext cx="777240" cy="731520"/>
           </a:xfrm>
           <a:prstGeom prst="rect">
             <a:avLst/>
@@ -7955,7 +7955,7 @@
               </a:spcAft>
             </a:pPr>
             <a:r>
-              <a:rPr sz="600" b="1">
+              <a:rPr sz="800" b="1">
                 <a:solidFill>
                   <a:srgbClr val="FFFFFF"/>
                 </a:solidFill>
@@ -7975,8 +7975,8 @@
         </p:nvSpPr>
         <p:spPr>
           <a:xfrm>
-            <a:off x="1188720" y="1783080"/>
-            <a:ext cx="6995160" cy="182880"/>
+            <a:off x="1508760" y="2194560"/>
+            <a:ext cx="6675120" cy="256032"/>
           </a:xfrm>
           <a:prstGeom prst="rect">
             <a:avLst/>
@@ -7996,7 +7996,7 @@
               </a:spcAft>
             </a:pPr>
             <a:r>
-              <a:rPr sz="750" b="1">
+              <a:rPr sz="1100" b="1">
                 <a:solidFill>
                   <a:srgbClr val="1E293B"/>
                 </a:solidFill>
@@ -8015,8 +8015,8 @@
         </p:nvSpPr>
         <p:spPr>
           <a:xfrm>
-            <a:off x="1188720" y="1965960"/>
-            <a:ext cx="6995160" cy="228600"/>
+            <a:off x="1508760" y="2450592"/>
+            <a:ext cx="6675120" cy="320040"/>
           </a:xfrm>
           <a:prstGeom prst="rect">
             <a:avLst/>
@@ -8036,7 +8036,7 @@
               </a:spcAft>
             </a:pPr>
             <a:r>
-              <a:rPr sz="650" b="0">
+              <a:rPr sz="1000" b="0">
                 <a:solidFill>
                   <a:srgbClr val="475569"/>
                 </a:solidFill>
@@ -8055,8 +8055,8 @@
         </p:nvSpPr>
         <p:spPr>
           <a:xfrm>
-            <a:off x="1188720" y="2185416"/>
-            <a:ext cx="6995160" cy="182880"/>
+            <a:off x="1508760" y="2761488"/>
+            <a:ext cx="6675120" cy="228600"/>
           </a:xfrm>
           <a:prstGeom prst="rect">
             <a:avLst/>
@@ -8076,7 +8076,7 @@
               </a:spcAft>
             </a:pPr>
             <a:r>
-              <a:rPr sz="600" b="0">
+              <a:rPr sz="900" b="0">
                 <a:solidFill>
                   <a:srgbClr val="2563EB"/>
                 </a:solidFill>
@@ -8095,8 +8095,8 @@
         </p:nvSpPr>
         <p:spPr>
           <a:xfrm>
-            <a:off x="457200" y="2505456"/>
-            <a:ext cx="7863840" cy="685800"/>
+            <a:off x="457200" y="3191256"/>
+            <a:ext cx="7863840" cy="960120"/>
           </a:xfrm>
           <a:prstGeom prst="rect">
             <a:avLst/>
@@ -8140,8 +8140,8 @@
         </p:nvSpPr>
         <p:spPr>
           <a:xfrm>
-            <a:off x="566928" y="2596896"/>
-            <a:ext cx="502920" cy="502920"/>
+            <a:off x="594360" y="3300984"/>
+            <a:ext cx="777240" cy="731520"/>
           </a:xfrm>
           <a:prstGeom prst="rect">
             <a:avLst/>
@@ -8183,8 +8183,8 @@
         </p:nvSpPr>
         <p:spPr>
           <a:xfrm>
-            <a:off x="566928" y="2596896"/>
-            <a:ext cx="502920" cy="502920"/>
+            <a:off x="594360" y="3300984"/>
+            <a:ext cx="777240" cy="731520"/>
           </a:xfrm>
           <a:prstGeom prst="rect">
             <a:avLst/>
@@ -8204,7 +8204,7 @@
               </a:spcAft>
             </a:pPr>
             <a:r>
-              <a:rPr sz="600" b="1">
+              <a:rPr sz="800" b="1">
                 <a:solidFill>
                   <a:srgbClr val="FFFFFF"/>
                 </a:solidFill>
@@ -8224,8 +8224,8 @@
         </p:nvSpPr>
         <p:spPr>
           <a:xfrm>
-            <a:off x="1188720" y="2578608"/>
-            <a:ext cx="6995160" cy="182880"/>
+            <a:off x="1508760" y="3264408"/>
+            <a:ext cx="6675120" cy="256032"/>
           </a:xfrm>
           <a:prstGeom prst="rect">
             <a:avLst/>
@@ -8245,7 +8245,7 @@
               </a:spcAft>
             </a:pPr>
             <a:r>
-              <a:rPr sz="750" b="1">
+              <a:rPr sz="1100" b="1">
                 <a:solidFill>
                   <a:srgbClr val="1E293B"/>
                 </a:solidFill>
@@ -8264,8 +8264,8 @@
         </p:nvSpPr>
         <p:spPr>
           <a:xfrm>
-            <a:off x="1188720" y="2761488"/>
-            <a:ext cx="6995160" cy="228600"/>
+            <a:off x="1508760" y="3520440"/>
+            <a:ext cx="6675120" cy="320040"/>
           </a:xfrm>
           <a:prstGeom prst="rect">
             <a:avLst/>
@@ -8285,7 +8285,7 @@
               </a:spcAft>
             </a:pPr>
             <a:r>
-              <a:rPr sz="650" b="0">
+              <a:rPr sz="1000" b="0">
                 <a:solidFill>
                   <a:srgbClr val="475569"/>
                 </a:solidFill>
@@ -8304,8 +8304,8 @@
         </p:nvSpPr>
         <p:spPr>
           <a:xfrm>
-            <a:off x="1188720" y="2980944"/>
-            <a:ext cx="6995160" cy="182880"/>
+            <a:off x="1508760" y="3831336"/>
+            <a:ext cx="6675120" cy="228600"/>
           </a:xfrm>
           <a:prstGeom prst="rect">
             <a:avLst/>
@@ -8325,7 +8325,7 @@
               </a:spcAft>
             </a:pPr>
             <a:r>
-              <a:rPr sz="600" b="0">
+              <a:rPr sz="900" b="0">
                 <a:solidFill>
                   <a:srgbClr val="2563EB"/>
                 </a:solidFill>
@@ -8344,7 +8344,7 @@
         </p:nvSpPr>
         <p:spPr>
           <a:xfrm>
-            <a:off x="0" y="4823460"/>
+            <a:off x="0" y="4796028"/>
             <a:ext cx="9144000" cy="6350"/>
           </a:xfrm>
           <a:prstGeom prst="rect">
@@ -8387,8 +8387,8 @@
         </p:nvSpPr>
         <p:spPr>
           <a:xfrm>
-            <a:off x="457200" y="4848860"/>
-            <a:ext cx="3657600" cy="256032"/>
+            <a:off x="457200" y="4821428"/>
+            <a:ext cx="3657600" cy="274320"/>
           </a:xfrm>
           <a:prstGeom prst="rect">
             <a:avLst/>
@@ -8408,7 +8408,7 @@
               </a:spcAft>
             </a:pPr>
             <a:r>
-              <a:rPr sz="650" b="0">
+              <a:rPr sz="900" b="0">
                 <a:solidFill>
                   <a:srgbClr val="94A3B8"/>
                 </a:solidFill>
@@ -8427,8 +8427,8 @@
         </p:nvSpPr>
         <p:spPr>
           <a:xfrm>
-            <a:off x="3657600" y="4848860"/>
-            <a:ext cx="1828800" cy="256032"/>
+            <a:off x="3657600" y="4821428"/>
+            <a:ext cx="1828800" cy="274320"/>
           </a:xfrm>
           <a:prstGeom prst="rect">
             <a:avLst/>
@@ -8448,7 +8448,7 @@
               </a:spcAft>
             </a:pPr>
             <a:r>
-              <a:rPr sz="650" b="0">
+              <a:rPr sz="900" b="0">
                 <a:solidFill>
                   <a:srgbClr val="94A3B8"/>
                 </a:solidFill>
@@ -8467,8 +8467,8 @@
         </p:nvSpPr>
         <p:spPr>
           <a:xfrm>
-            <a:off x="8229600" y="4848860"/>
-            <a:ext cx="457200" cy="256032"/>
+            <a:off x="8229600" y="4821428"/>
+            <a:ext cx="457200" cy="274320"/>
           </a:xfrm>
           <a:prstGeom prst="rect">
             <a:avLst/>
@@ -8488,7 +8488,7 @@
               </a:spcAft>
             </a:pPr>
             <a:r>
-              <a:rPr sz="650" b="1">
+              <a:rPr sz="900" b="1">
                 <a:solidFill>
                   <a:srgbClr val="94A3B8"/>
                 </a:solidFill>
@@ -8526,7 +8526,7 @@
         <p:spPr>
           <a:xfrm>
             <a:off x="0" y="0"/>
-            <a:ext cx="9144000" cy="502920"/>
+            <a:ext cx="9144000" cy="594360"/>
           </a:xfrm>
           <a:prstGeom prst="rect">
             <a:avLst/>
@@ -8569,7 +8569,7 @@
         <p:spPr>
           <a:xfrm>
             <a:off x="457200" y="0"/>
-            <a:ext cx="8229600" cy="502920"/>
+            <a:ext cx="8229600" cy="594360"/>
           </a:xfrm>
           <a:prstGeom prst="rect">
             <a:avLst/>
@@ -8589,7 +8589,7 @@
               </a:spcAft>
             </a:pPr>
             <a:r>
-              <a:rPr sz="900" b="1">
+              <a:rPr sz="1200" b="1">
                 <a:solidFill>
                   <a:srgbClr val="FFFFFF"/>
                 </a:solidFill>
@@ -8608,8 +8608,8 @@
         </p:nvSpPr>
         <p:spPr>
           <a:xfrm>
-            <a:off x="457200" y="640080"/>
-            <a:ext cx="2743200" cy="228600"/>
+            <a:off x="457200" y="731520"/>
+            <a:ext cx="2743200" cy="274320"/>
           </a:xfrm>
           <a:prstGeom prst="rect">
             <a:avLst/>
@@ -8629,7 +8629,7 @@
               </a:spcAft>
             </a:pPr>
             <a:r>
-              <a:rPr sz="700" b="1">
+              <a:rPr sz="1000" b="1">
                 <a:solidFill>
                   <a:srgbClr val="2563EB"/>
                 </a:solidFill>
@@ -8648,8 +8648,8 @@
         </p:nvSpPr>
         <p:spPr>
           <a:xfrm>
-            <a:off x="822960" y="1097280"/>
-            <a:ext cx="2194560" cy="777240"/>
+            <a:off x="777240" y="1097280"/>
+            <a:ext cx="2286000" cy="960120"/>
           </a:xfrm>
           <a:prstGeom prst="rect">
             <a:avLst/>
@@ -8693,8 +8693,8 @@
         </p:nvSpPr>
         <p:spPr>
           <a:xfrm>
-            <a:off x="896112" y="1152144"/>
-            <a:ext cx="2048256" cy="201168"/>
+            <a:off x="868680" y="1170432"/>
+            <a:ext cx="2103120" cy="274320"/>
           </a:xfrm>
           <a:prstGeom prst="rect">
             <a:avLst/>
@@ -8714,7 +8714,7 @@
               </a:spcAft>
             </a:pPr>
             <a:r>
-              <a:rPr sz="800" b="1">
+              <a:rPr sz="1100" b="1">
                 <a:solidFill>
                   <a:srgbClr val="16A34A"/>
                 </a:solidFill>
@@ -8733,8 +8733,8 @@
         </p:nvSpPr>
         <p:spPr>
           <a:xfrm>
-            <a:off x="896112" y="1371600"/>
-            <a:ext cx="2048256" cy="448056"/>
+            <a:off x="868680" y="1463040"/>
+            <a:ext cx="2103120" cy="521208"/>
           </a:xfrm>
           <a:prstGeom prst="rect">
             <a:avLst/>
@@ -8754,7 +8754,7 @@
               </a:spcAft>
             </a:pPr>
             <a:r>
-              <a:rPr sz="650" b="0">
+              <a:rPr sz="1000" b="0">
                 <a:solidFill>
                   <a:srgbClr val="475569"/>
                 </a:solidFill>
@@ -8774,8 +8774,8 @@
         </p:nvSpPr>
         <p:spPr>
           <a:xfrm>
-            <a:off x="3108960" y="1280160"/>
-            <a:ext cx="274320" cy="274320"/>
+            <a:off x="3108960" y="1371600"/>
+            <a:ext cx="274320" cy="320040"/>
           </a:xfrm>
           <a:prstGeom prst="rect">
             <a:avLst/>
@@ -8795,7 +8795,7 @@
               </a:spcAft>
             </a:pPr>
             <a:r>
-              <a:rPr sz="1400" b="0">
+              <a:rPr sz="1800" b="0">
                 <a:solidFill>
                   <a:srgbClr val="94A3B8"/>
                 </a:solidFill>
@@ -8814,8 +8814,8 @@
         </p:nvSpPr>
         <p:spPr>
           <a:xfrm>
-            <a:off x="3474720" y="1097280"/>
-            <a:ext cx="2194560" cy="777240"/>
+            <a:off x="3429000" y="1097280"/>
+            <a:ext cx="2286000" cy="960120"/>
           </a:xfrm>
           <a:prstGeom prst="rect">
             <a:avLst/>
@@ -8859,8 +8859,8 @@
         </p:nvSpPr>
         <p:spPr>
           <a:xfrm>
-            <a:off x="3547872" y="1152144"/>
-            <a:ext cx="2048256" cy="201168"/>
+            <a:off x="3520440" y="1170432"/>
+            <a:ext cx="2103120" cy="274320"/>
           </a:xfrm>
           <a:prstGeom prst="rect">
             <a:avLst/>
@@ -8880,7 +8880,7 @@
               </a:spcAft>
             </a:pPr>
             <a:r>
-              <a:rPr sz="800" b="1">
+              <a:rPr sz="1100" b="1">
                 <a:solidFill>
                   <a:srgbClr val="2563EB"/>
                 </a:solidFill>
@@ -8899,8 +8899,8 @@
         </p:nvSpPr>
         <p:spPr>
           <a:xfrm>
-            <a:off x="3547872" y="1371600"/>
-            <a:ext cx="2048256" cy="448056"/>
+            <a:off x="3520440" y="1463040"/>
+            <a:ext cx="2103120" cy="521208"/>
           </a:xfrm>
           <a:prstGeom prst="rect">
             <a:avLst/>
@@ -8920,7 +8920,7 @@
               </a:spcAft>
             </a:pPr>
             <a:r>
-              <a:rPr sz="650" b="0">
+              <a:rPr sz="1000" b="0">
                 <a:solidFill>
                   <a:srgbClr val="475569"/>
                 </a:solidFill>
@@ -8940,8 +8940,8 @@
         </p:nvSpPr>
         <p:spPr>
           <a:xfrm>
-            <a:off x="5760720" y="1280160"/>
-            <a:ext cx="274320" cy="274320"/>
+            <a:off x="5760720" y="1371600"/>
+            <a:ext cx="274320" cy="320040"/>
           </a:xfrm>
           <a:prstGeom prst="rect">
             <a:avLst/>
@@ -8961,7 +8961,7 @@
               </a:spcAft>
             </a:pPr>
             <a:r>
-              <a:rPr sz="1400" b="0">
+              <a:rPr sz="1800" b="0">
                 <a:solidFill>
                   <a:srgbClr val="94A3B8"/>
                 </a:solidFill>
@@ -8980,8 +8980,8 @@
         </p:nvSpPr>
         <p:spPr>
           <a:xfrm>
-            <a:off x="6126480" y="1097280"/>
-            <a:ext cx="2194560" cy="777240"/>
+            <a:off x="6080760" y="1097280"/>
+            <a:ext cx="2286000" cy="960120"/>
           </a:xfrm>
           <a:prstGeom prst="rect">
             <a:avLst/>
@@ -9025,8 +9025,8 @@
         </p:nvSpPr>
         <p:spPr>
           <a:xfrm>
-            <a:off x="6199632" y="1152144"/>
-            <a:ext cx="2048256" cy="201168"/>
+            <a:off x="6172200" y="1170432"/>
+            <a:ext cx="2103120" cy="274320"/>
           </a:xfrm>
           <a:prstGeom prst="rect">
             <a:avLst/>
@@ -9046,7 +9046,7 @@
               </a:spcAft>
             </a:pPr>
             <a:r>
-              <a:rPr sz="800" b="1">
+              <a:rPr sz="1100" b="1">
                 <a:solidFill>
                   <a:srgbClr val="92400E"/>
                 </a:solidFill>
@@ -9065,8 +9065,8 @@
         </p:nvSpPr>
         <p:spPr>
           <a:xfrm>
-            <a:off x="6199632" y="1371600"/>
-            <a:ext cx="2048256" cy="448056"/>
+            <a:off x="6172200" y="1463040"/>
+            <a:ext cx="2103120" cy="521208"/>
           </a:xfrm>
           <a:prstGeom prst="rect">
             <a:avLst/>
@@ -9086,7 +9086,7 @@
               </a:spcAft>
             </a:pPr>
             <a:r>
-              <a:rPr sz="650" b="0">
+              <a:rPr sz="1000" b="0">
                 <a:solidFill>
                   <a:srgbClr val="475569"/>
                 </a:solidFill>
@@ -9106,8 +9106,8 @@
         </p:nvSpPr>
         <p:spPr>
           <a:xfrm>
-            <a:off x="457200" y="2194560"/>
-            <a:ext cx="7863840" cy="914400"/>
+            <a:off x="457200" y="2423160"/>
+            <a:ext cx="7863840" cy="1051560"/>
           </a:xfrm>
           <a:prstGeom prst="rect">
             <a:avLst/>
@@ -9149,8 +9149,8 @@
         </p:nvSpPr>
         <p:spPr>
           <a:xfrm>
-            <a:off x="457200" y="2194560"/>
-            <a:ext cx="45720" cy="914400"/>
+            <a:off x="457200" y="2423160"/>
+            <a:ext cx="54864" cy="1051560"/>
           </a:xfrm>
           <a:prstGeom prst="rect">
             <a:avLst/>
@@ -9192,8 +9192,8 @@
         </p:nvSpPr>
         <p:spPr>
           <a:xfrm>
-            <a:off x="640080" y="2267712"/>
-            <a:ext cx="7589520" cy="201168"/>
+            <a:off x="685800" y="2514600"/>
+            <a:ext cx="7543800" cy="256032"/>
           </a:xfrm>
           <a:prstGeom prst="rect">
             <a:avLst/>
@@ -9213,7 +9213,7 @@
               </a:spcAft>
             </a:pPr>
             <a:r>
-              <a:rPr sz="750" b="1">
+              <a:rPr sz="1100" b="1">
                 <a:solidFill>
                   <a:srgbClr val="1E293B"/>
                 </a:solidFill>
@@ -9232,8 +9232,8 @@
         </p:nvSpPr>
         <p:spPr>
           <a:xfrm>
-            <a:off x="640080" y="2487168"/>
-            <a:ext cx="7589520" cy="548640"/>
+            <a:off x="685800" y="2788920"/>
+            <a:ext cx="7543800" cy="594360"/>
           </a:xfrm>
           <a:prstGeom prst="rect">
             <a:avLst/>
@@ -9253,7 +9253,7 @@
               </a:spcAft>
             </a:pPr>
             <a:r>
-              <a:rPr sz="650" b="0">
+              <a:rPr sz="1000" b="0">
                 <a:solidFill>
                   <a:srgbClr val="475569"/>
                 </a:solidFill>
@@ -9272,7 +9272,7 @@
         </p:nvSpPr>
         <p:spPr>
           <a:xfrm>
-            <a:off x="0" y="4823460"/>
+            <a:off x="0" y="4796028"/>
             <a:ext cx="9144000" cy="6350"/>
           </a:xfrm>
           <a:prstGeom prst="rect">
@@ -9315,8 +9315,8 @@
         </p:nvSpPr>
         <p:spPr>
           <a:xfrm>
-            <a:off x="457200" y="4848860"/>
-            <a:ext cx="3657600" cy="256032"/>
+            <a:off x="457200" y="4821428"/>
+            <a:ext cx="3657600" cy="274320"/>
           </a:xfrm>
           <a:prstGeom prst="rect">
             <a:avLst/>
@@ -9336,7 +9336,7 @@
               </a:spcAft>
             </a:pPr>
             <a:r>
-              <a:rPr sz="650" b="0">
+              <a:rPr sz="900" b="0">
                 <a:solidFill>
                   <a:srgbClr val="94A3B8"/>
                 </a:solidFill>
@@ -9355,8 +9355,8 @@
         </p:nvSpPr>
         <p:spPr>
           <a:xfrm>
-            <a:off x="3657600" y="4848860"/>
-            <a:ext cx="1828800" cy="256032"/>
+            <a:off x="3657600" y="4821428"/>
+            <a:ext cx="1828800" cy="274320"/>
           </a:xfrm>
           <a:prstGeom prst="rect">
             <a:avLst/>
@@ -9376,7 +9376,7 @@
               </a:spcAft>
             </a:pPr>
             <a:r>
-              <a:rPr sz="650" b="0">
+              <a:rPr sz="900" b="0">
                 <a:solidFill>
                   <a:srgbClr val="94A3B8"/>
                 </a:solidFill>
@@ -9395,8 +9395,8 @@
         </p:nvSpPr>
         <p:spPr>
           <a:xfrm>
-            <a:off x="8229600" y="4848860"/>
-            <a:ext cx="457200" cy="256032"/>
+            <a:off x="8229600" y="4821428"/>
+            <a:ext cx="457200" cy="274320"/>
           </a:xfrm>
           <a:prstGeom prst="rect">
             <a:avLst/>
@@ -9416,7 +9416,7 @@
               </a:spcAft>
             </a:pPr>
             <a:r>
-              <a:rPr sz="650" b="1">
+              <a:rPr sz="900" b="1">
                 <a:solidFill>
                   <a:srgbClr val="94A3B8"/>
                 </a:solidFill>
@@ -9454,7 +9454,7 @@
         <p:spPr>
           <a:xfrm>
             <a:off x="0" y="0"/>
-            <a:ext cx="9144000" cy="502920"/>
+            <a:ext cx="9144000" cy="594360"/>
           </a:xfrm>
           <a:prstGeom prst="rect">
             <a:avLst/>
@@ -9497,7 +9497,7 @@
         <p:spPr>
           <a:xfrm>
             <a:off x="457200" y="0"/>
-            <a:ext cx="8229600" cy="502920"/>
+            <a:ext cx="8229600" cy="594360"/>
           </a:xfrm>
           <a:prstGeom prst="rect">
             <a:avLst/>
@@ -9517,7 +9517,7 @@
               </a:spcAft>
             </a:pPr>
             <a:r>
-              <a:rPr sz="900" b="1">
+              <a:rPr sz="1200" b="1">
                 <a:solidFill>
                   <a:srgbClr val="FFFFFF"/>
                 </a:solidFill>
@@ -9536,8 +9536,8 @@
         </p:nvSpPr>
         <p:spPr>
           <a:xfrm>
-            <a:off x="457200" y="640080"/>
-            <a:ext cx="2743200" cy="228600"/>
+            <a:off x="457200" y="731520"/>
+            <a:ext cx="2743200" cy="274320"/>
           </a:xfrm>
           <a:prstGeom prst="rect">
             <a:avLst/>
@@ -9557,7 +9557,7 @@
               </a:spcAft>
             </a:pPr>
             <a:r>
-              <a:rPr sz="700" b="1">
+              <a:rPr sz="1000" b="1">
                 <a:solidFill>
                   <a:srgbClr val="2563EB"/>
                 </a:solidFill>
@@ -9576,8 +9576,8 @@
         </p:nvSpPr>
         <p:spPr>
           <a:xfrm>
-            <a:off x="457200" y="868680"/>
-            <a:ext cx="7315200" cy="228600"/>
+            <a:off x="457200" y="1005840"/>
+            <a:ext cx="7315200" cy="274320"/>
           </a:xfrm>
           <a:prstGeom prst="rect">
             <a:avLst/>
@@ -9597,7 +9597,7 @@
               </a:spcAft>
             </a:pPr>
             <a:r>
-              <a:rPr sz="800" b="0">
+              <a:rPr sz="1100" b="0">
                 <a:solidFill>
                   <a:srgbClr val="475569"/>
                 </a:solidFill>
@@ -9616,8 +9616,8 @@
         </p:nvSpPr>
         <p:spPr>
           <a:xfrm>
-            <a:off x="457200" y="1188720"/>
-            <a:ext cx="2606040" cy="1325880"/>
+            <a:off x="457200" y="1371600"/>
+            <a:ext cx="2606040" cy="1417320"/>
           </a:xfrm>
           <a:prstGeom prst="rect">
             <a:avLst/>
@@ -9661,8 +9661,8 @@
         </p:nvSpPr>
         <p:spPr>
           <a:xfrm>
-            <a:off x="1595628" y="1261872"/>
-            <a:ext cx="329184" cy="329184"/>
+            <a:off x="1568196" y="1463040"/>
+            <a:ext cx="384048" cy="384048"/>
           </a:xfrm>
           <a:prstGeom prst="ellipse">
             <a:avLst/>
@@ -9704,8 +9704,8 @@
         </p:nvSpPr>
         <p:spPr>
           <a:xfrm>
-            <a:off x="1595628" y="1261872"/>
-            <a:ext cx="329184" cy="329184"/>
+            <a:off x="1568196" y="1463040"/>
+            <a:ext cx="384048" cy="384048"/>
           </a:xfrm>
           <a:prstGeom prst="rect">
             <a:avLst/>
@@ -9725,7 +9725,7 @@
               </a:spcAft>
             </a:pPr>
             <a:r>
-              <a:rPr sz="900" b="1">
+              <a:rPr sz="1200" b="1">
                 <a:solidFill>
                   <a:srgbClr val="2563EB"/>
                 </a:solidFill>
@@ -9744,8 +9744,8 @@
         </p:nvSpPr>
         <p:spPr>
           <a:xfrm>
-            <a:off x="512064" y="1627632"/>
-            <a:ext cx="2496312" cy="182880"/>
+            <a:off x="530352" y="1883664"/>
+            <a:ext cx="2459736" cy="237744"/>
           </a:xfrm>
           <a:prstGeom prst="rect">
             <a:avLst/>
@@ -9765,7 +9765,7 @@
               </a:spcAft>
             </a:pPr>
             <a:r>
-              <a:rPr sz="700" b="1">
+              <a:rPr sz="1100" b="1">
                 <a:solidFill>
                   <a:srgbClr val="1E293B"/>
                 </a:solidFill>
@@ -9784,8 +9784,8 @@
         </p:nvSpPr>
         <p:spPr>
           <a:xfrm>
-            <a:off x="512064" y="1810512"/>
-            <a:ext cx="2496312" cy="658368"/>
+            <a:off x="530352" y="2121408"/>
+            <a:ext cx="2459736" cy="594360"/>
           </a:xfrm>
           <a:prstGeom prst="rect">
             <a:avLst/>
@@ -9805,7 +9805,7 @@
               </a:spcAft>
             </a:pPr>
             <a:r>
-              <a:rPr sz="600" b="0">
+              <a:rPr sz="900" b="0">
                 <a:solidFill>
                   <a:srgbClr val="475569"/>
                 </a:solidFill>
@@ -9824,8 +9824,8 @@
         </p:nvSpPr>
         <p:spPr>
           <a:xfrm>
-            <a:off x="3273552" y="1188720"/>
-            <a:ext cx="2606040" cy="1325880"/>
+            <a:off x="3273552" y="1371600"/>
+            <a:ext cx="2606040" cy="1417320"/>
           </a:xfrm>
           <a:prstGeom prst="rect">
             <a:avLst/>
@@ -9869,8 +9869,8 @@
         </p:nvSpPr>
         <p:spPr>
           <a:xfrm>
-            <a:off x="4411980" y="1261872"/>
-            <a:ext cx="329184" cy="329184"/>
+            <a:off x="4384548" y="1463040"/>
+            <a:ext cx="384048" cy="384048"/>
           </a:xfrm>
           <a:prstGeom prst="ellipse">
             <a:avLst/>
@@ -9912,8 +9912,8 @@
         </p:nvSpPr>
         <p:spPr>
           <a:xfrm>
-            <a:off x="4411980" y="1261872"/>
-            <a:ext cx="329184" cy="329184"/>
+            <a:off x="4384548" y="1463040"/>
+            <a:ext cx="384048" cy="384048"/>
           </a:xfrm>
           <a:prstGeom prst="rect">
             <a:avLst/>
@@ -9933,7 +9933,7 @@
               </a:spcAft>
             </a:pPr>
             <a:r>
-              <a:rPr sz="900" b="1">
+              <a:rPr sz="1200" b="1">
                 <a:solidFill>
                   <a:srgbClr val="2563EB"/>
                 </a:solidFill>
@@ -9952,8 +9952,8 @@
         </p:nvSpPr>
         <p:spPr>
           <a:xfrm>
-            <a:off x="3328416" y="1627632"/>
-            <a:ext cx="2496312" cy="182880"/>
+            <a:off x="3346704" y="1883664"/>
+            <a:ext cx="2459736" cy="237744"/>
           </a:xfrm>
           <a:prstGeom prst="rect">
             <a:avLst/>
@@ -9973,7 +9973,7 @@
               </a:spcAft>
             </a:pPr>
             <a:r>
-              <a:rPr sz="700" b="1">
+              <a:rPr sz="1100" b="1">
                 <a:solidFill>
                   <a:srgbClr val="1E293B"/>
                 </a:solidFill>
@@ -9992,8 +9992,8 @@
         </p:nvSpPr>
         <p:spPr>
           <a:xfrm>
-            <a:off x="3328416" y="1810512"/>
-            <a:ext cx="2496312" cy="658368"/>
+            <a:off x="3346704" y="2121408"/>
+            <a:ext cx="2459736" cy="594360"/>
           </a:xfrm>
           <a:prstGeom prst="rect">
             <a:avLst/>
@@ -10013,7 +10013,7 @@
               </a:spcAft>
             </a:pPr>
             <a:r>
-              <a:rPr sz="600" b="0">
+              <a:rPr sz="900" b="0">
                 <a:solidFill>
                   <a:srgbClr val="475569"/>
                 </a:solidFill>
@@ -10032,8 +10032,8 @@
         </p:nvSpPr>
         <p:spPr>
           <a:xfrm>
-            <a:off x="6089904" y="1188720"/>
-            <a:ext cx="2606040" cy="1325880"/>
+            <a:off x="6089904" y="1371600"/>
+            <a:ext cx="2606040" cy="1417320"/>
           </a:xfrm>
           <a:prstGeom prst="rect">
             <a:avLst/>
@@ -10077,8 +10077,8 @@
         </p:nvSpPr>
         <p:spPr>
           <a:xfrm>
-            <a:off x="7228332" y="1261872"/>
-            <a:ext cx="329184" cy="329184"/>
+            <a:off x="7200900" y="1463040"/>
+            <a:ext cx="384048" cy="384048"/>
           </a:xfrm>
           <a:prstGeom prst="ellipse">
             <a:avLst/>
@@ -10120,8 +10120,8 @@
         </p:nvSpPr>
         <p:spPr>
           <a:xfrm>
-            <a:off x="7228332" y="1261872"/>
-            <a:ext cx="329184" cy="329184"/>
+            <a:off x="7200900" y="1463040"/>
+            <a:ext cx="384048" cy="384048"/>
           </a:xfrm>
           <a:prstGeom prst="rect">
             <a:avLst/>
@@ -10141,7 +10141,7 @@
               </a:spcAft>
             </a:pPr>
             <a:r>
-              <a:rPr sz="900" b="1">
+              <a:rPr sz="1200" b="1">
                 <a:solidFill>
                   <a:srgbClr val="2563EB"/>
                 </a:solidFill>
@@ -10160,8 +10160,8 @@
         </p:nvSpPr>
         <p:spPr>
           <a:xfrm>
-            <a:off x="6144768" y="1627632"/>
-            <a:ext cx="2496312" cy="182880"/>
+            <a:off x="6163056" y="1883664"/>
+            <a:ext cx="2459736" cy="237744"/>
           </a:xfrm>
           <a:prstGeom prst="rect">
             <a:avLst/>
@@ -10181,7 +10181,7 @@
               </a:spcAft>
             </a:pPr>
             <a:r>
-              <a:rPr sz="700" b="1">
+              <a:rPr sz="1100" b="1">
                 <a:solidFill>
                   <a:srgbClr val="1E293B"/>
                 </a:solidFill>
@@ -10200,8 +10200,8 @@
         </p:nvSpPr>
         <p:spPr>
           <a:xfrm>
-            <a:off x="6144768" y="1810512"/>
-            <a:ext cx="2496312" cy="658368"/>
+            <a:off x="6163056" y="2121408"/>
+            <a:ext cx="2459736" cy="594360"/>
           </a:xfrm>
           <a:prstGeom prst="rect">
             <a:avLst/>
@@ -10221,7 +10221,7 @@
               </a:spcAft>
             </a:pPr>
             <a:r>
-              <a:rPr sz="600" b="0">
+              <a:rPr sz="900" b="0">
                 <a:solidFill>
                   <a:srgbClr val="475569"/>
                 </a:solidFill>
@@ -10240,8 +10240,8 @@
         </p:nvSpPr>
         <p:spPr>
           <a:xfrm>
-            <a:off x="457200" y="2679192"/>
-            <a:ext cx="2606040" cy="1325880"/>
+            <a:off x="457200" y="2926080"/>
+            <a:ext cx="2606040" cy="1417320"/>
           </a:xfrm>
           <a:prstGeom prst="rect">
             <a:avLst/>
@@ -10285,8 +10285,8 @@
         </p:nvSpPr>
         <p:spPr>
           <a:xfrm>
-            <a:off x="1595628" y="2752344"/>
-            <a:ext cx="329184" cy="329184"/>
+            <a:off x="1568196" y="3017520"/>
+            <a:ext cx="384048" cy="384048"/>
           </a:xfrm>
           <a:prstGeom prst="ellipse">
             <a:avLst/>
@@ -10328,8 +10328,8 @@
         </p:nvSpPr>
         <p:spPr>
           <a:xfrm>
-            <a:off x="1595628" y="2752344"/>
-            <a:ext cx="329184" cy="329184"/>
+            <a:off x="1568196" y="3017520"/>
+            <a:ext cx="384048" cy="384048"/>
           </a:xfrm>
           <a:prstGeom prst="rect">
             <a:avLst/>
@@ -10349,7 +10349,7 @@
               </a:spcAft>
             </a:pPr>
             <a:r>
-              <a:rPr sz="900" b="1">
+              <a:rPr sz="1200" b="1">
                 <a:solidFill>
                   <a:srgbClr val="2563EB"/>
                 </a:solidFill>
@@ -10368,8 +10368,8 @@
         </p:nvSpPr>
         <p:spPr>
           <a:xfrm>
-            <a:off x="512064" y="3118104"/>
-            <a:ext cx="2496312" cy="182880"/>
+            <a:off x="530352" y="3438144"/>
+            <a:ext cx="2459736" cy="237744"/>
           </a:xfrm>
           <a:prstGeom prst="rect">
             <a:avLst/>
@@ -10389,7 +10389,7 @@
               </a:spcAft>
             </a:pPr>
             <a:r>
-              <a:rPr sz="700" b="1">
+              <a:rPr sz="1100" b="1">
                 <a:solidFill>
                   <a:srgbClr val="1E293B"/>
                 </a:solidFill>
@@ -10408,8 +10408,8 @@
         </p:nvSpPr>
         <p:spPr>
           <a:xfrm>
-            <a:off x="512064" y="3300984"/>
-            <a:ext cx="2496312" cy="658368"/>
+            <a:off x="530352" y="3675888"/>
+            <a:ext cx="2459736" cy="594360"/>
           </a:xfrm>
           <a:prstGeom prst="rect">
             <a:avLst/>
@@ -10429,7 +10429,7 @@
               </a:spcAft>
             </a:pPr>
             <a:r>
-              <a:rPr sz="600" b="0">
+              <a:rPr sz="900" b="0">
                 <a:solidFill>
                   <a:srgbClr val="475569"/>
                 </a:solidFill>
@@ -10448,8 +10448,8 @@
         </p:nvSpPr>
         <p:spPr>
           <a:xfrm>
-            <a:off x="3273552" y="2679192"/>
-            <a:ext cx="2606040" cy="1325880"/>
+            <a:off x="3273552" y="2926080"/>
+            <a:ext cx="2606040" cy="1417320"/>
           </a:xfrm>
           <a:prstGeom prst="rect">
             <a:avLst/>
@@ -10493,8 +10493,8 @@
         </p:nvSpPr>
         <p:spPr>
           <a:xfrm>
-            <a:off x="4411980" y="2752344"/>
-            <a:ext cx="329184" cy="329184"/>
+            <a:off x="4384548" y="3017520"/>
+            <a:ext cx="384048" cy="384048"/>
           </a:xfrm>
           <a:prstGeom prst="ellipse">
             <a:avLst/>
@@ -10536,8 +10536,8 @@
         </p:nvSpPr>
         <p:spPr>
           <a:xfrm>
-            <a:off x="4411980" y="2752344"/>
-            <a:ext cx="329184" cy="329184"/>
+            <a:off x="4384548" y="3017520"/>
+            <a:ext cx="384048" cy="384048"/>
           </a:xfrm>
           <a:prstGeom prst="rect">
             <a:avLst/>
@@ -10557,7 +10557,7 @@
               </a:spcAft>
             </a:pPr>
             <a:r>
-              <a:rPr sz="900" b="1">
+              <a:rPr sz="1200" b="1">
                 <a:solidFill>
                   <a:srgbClr val="2563EB"/>
                 </a:solidFill>
@@ -10576,8 +10576,8 @@
         </p:nvSpPr>
         <p:spPr>
           <a:xfrm>
-            <a:off x="3328416" y="3118104"/>
-            <a:ext cx="2496312" cy="182880"/>
+            <a:off x="3346704" y="3438144"/>
+            <a:ext cx="2459736" cy="237744"/>
           </a:xfrm>
           <a:prstGeom prst="rect">
             <a:avLst/>
@@ -10597,7 +10597,7 @@
               </a:spcAft>
             </a:pPr>
             <a:r>
-              <a:rPr sz="700" b="1">
+              <a:rPr sz="1100" b="1">
                 <a:solidFill>
                   <a:srgbClr val="1E293B"/>
                 </a:solidFill>
@@ -10616,8 +10616,8 @@
         </p:nvSpPr>
         <p:spPr>
           <a:xfrm>
-            <a:off x="3328416" y="3300984"/>
-            <a:ext cx="2496312" cy="658368"/>
+            <a:off x="3346704" y="3675888"/>
+            <a:ext cx="2459736" cy="594360"/>
           </a:xfrm>
           <a:prstGeom prst="rect">
             <a:avLst/>
@@ -10637,7 +10637,7 @@
               </a:spcAft>
             </a:pPr>
             <a:r>
-              <a:rPr sz="600" b="0">
+              <a:rPr sz="900" b="0">
                 <a:solidFill>
                   <a:srgbClr val="475569"/>
                 </a:solidFill>
@@ -10656,8 +10656,8 @@
         </p:nvSpPr>
         <p:spPr>
           <a:xfrm>
-            <a:off x="6089904" y="2679192"/>
-            <a:ext cx="2606040" cy="1325880"/>
+            <a:off x="6089904" y="2926080"/>
+            <a:ext cx="2606040" cy="1417320"/>
           </a:xfrm>
           <a:prstGeom prst="rect">
             <a:avLst/>
@@ -10701,8 +10701,8 @@
         </p:nvSpPr>
         <p:spPr>
           <a:xfrm>
-            <a:off x="7228332" y="2752344"/>
-            <a:ext cx="329184" cy="329184"/>
+            <a:off x="7200900" y="3017520"/>
+            <a:ext cx="384048" cy="384048"/>
           </a:xfrm>
           <a:prstGeom prst="ellipse">
             <a:avLst/>
@@ -10744,8 +10744,8 @@
         </p:nvSpPr>
         <p:spPr>
           <a:xfrm>
-            <a:off x="7228332" y="2752344"/>
-            <a:ext cx="329184" cy="329184"/>
+            <a:off x="7200900" y="3017520"/>
+            <a:ext cx="384048" cy="384048"/>
           </a:xfrm>
           <a:prstGeom prst="rect">
             <a:avLst/>
@@ -10765,7 +10765,7 @@
               </a:spcAft>
             </a:pPr>
             <a:r>
-              <a:rPr sz="900" b="1">
+              <a:rPr sz="1200" b="1">
                 <a:solidFill>
                   <a:srgbClr val="2563EB"/>
                 </a:solidFill>
@@ -10784,8 +10784,8 @@
         </p:nvSpPr>
         <p:spPr>
           <a:xfrm>
-            <a:off x="6144768" y="3118104"/>
-            <a:ext cx="2496312" cy="182880"/>
+            <a:off x="6163056" y="3438144"/>
+            <a:ext cx="2459736" cy="237744"/>
           </a:xfrm>
           <a:prstGeom prst="rect">
             <a:avLst/>
@@ -10805,7 +10805,7 @@
               </a:spcAft>
             </a:pPr>
             <a:r>
-              <a:rPr sz="700" b="1">
+              <a:rPr sz="1100" b="1">
                 <a:solidFill>
                   <a:srgbClr val="1E293B"/>
                 </a:solidFill>
@@ -10824,8 +10824,8 @@
         </p:nvSpPr>
         <p:spPr>
           <a:xfrm>
-            <a:off x="6144768" y="3300984"/>
-            <a:ext cx="2496312" cy="658368"/>
+            <a:off x="6163056" y="3675888"/>
+            <a:ext cx="2459736" cy="594360"/>
           </a:xfrm>
           <a:prstGeom prst="rect">
             <a:avLst/>
@@ -10845,7 +10845,7 @@
               </a:spcAft>
             </a:pPr>
             <a:r>
-              <a:rPr sz="600" b="0">
+              <a:rPr sz="900" b="0">
                 <a:solidFill>
                   <a:srgbClr val="475569"/>
                 </a:solidFill>
@@ -10864,7 +10864,7 @@
         </p:nvSpPr>
         <p:spPr>
           <a:xfrm>
-            <a:off x="0" y="4823460"/>
+            <a:off x="0" y="4796028"/>
             <a:ext cx="9144000" cy="6350"/>
           </a:xfrm>
           <a:prstGeom prst="rect">
@@ -10907,8 +10907,8 @@
         </p:nvSpPr>
         <p:spPr>
           <a:xfrm>
-            <a:off x="457200" y="4848860"/>
-            <a:ext cx="3657600" cy="256032"/>
+            <a:off x="457200" y="4821428"/>
+            <a:ext cx="3657600" cy="274320"/>
           </a:xfrm>
           <a:prstGeom prst="rect">
             <a:avLst/>
@@ -10928,7 +10928,7 @@
               </a:spcAft>
             </a:pPr>
             <a:r>
-              <a:rPr sz="650" b="0">
+              <a:rPr sz="900" b="0">
                 <a:solidFill>
                   <a:srgbClr val="94A3B8"/>
                 </a:solidFill>
@@ -10947,8 +10947,8 @@
         </p:nvSpPr>
         <p:spPr>
           <a:xfrm>
-            <a:off x="3657600" y="4848860"/>
-            <a:ext cx="1828800" cy="256032"/>
+            <a:off x="3657600" y="4821428"/>
+            <a:ext cx="1828800" cy="274320"/>
           </a:xfrm>
           <a:prstGeom prst="rect">
             <a:avLst/>
@@ -10968,7 +10968,7 @@
               </a:spcAft>
             </a:pPr>
             <a:r>
-              <a:rPr sz="650" b="0">
+              <a:rPr sz="900" b="0">
                 <a:solidFill>
                   <a:srgbClr val="94A3B8"/>
                 </a:solidFill>
@@ -10987,8 +10987,8 @@
         </p:nvSpPr>
         <p:spPr>
           <a:xfrm>
-            <a:off x="8229600" y="4848860"/>
-            <a:ext cx="457200" cy="256032"/>
+            <a:off x="8229600" y="4821428"/>
+            <a:ext cx="457200" cy="274320"/>
           </a:xfrm>
           <a:prstGeom prst="rect">
             <a:avLst/>
@@ -11008,7 +11008,7 @@
               </a:spcAft>
             </a:pPr>
             <a:r>
-              <a:rPr sz="650" b="1">
+              <a:rPr sz="900" b="1">
                 <a:solidFill>
                   <a:srgbClr val="94A3B8"/>
                 </a:solidFill>
@@ -11046,7 +11046,7 @@
         <p:spPr>
           <a:xfrm>
             <a:off x="0" y="0"/>
-            <a:ext cx="9144000" cy="502920"/>
+            <a:ext cx="9144000" cy="594360"/>
           </a:xfrm>
           <a:prstGeom prst="rect">
             <a:avLst/>
@@ -11089,7 +11089,7 @@
         <p:spPr>
           <a:xfrm>
             <a:off x="457200" y="0"/>
-            <a:ext cx="8229600" cy="502920"/>
+            <a:ext cx="8229600" cy="594360"/>
           </a:xfrm>
           <a:prstGeom prst="rect">
             <a:avLst/>
@@ -11109,7 +11109,7 @@
               </a:spcAft>
             </a:pPr>
             <a:r>
-              <a:rPr sz="900" b="1">
+              <a:rPr sz="1200" b="1">
                 <a:solidFill>
                   <a:srgbClr val="FFFFFF"/>
                 </a:solidFill>
@@ -11128,8 +11128,8 @@
         </p:nvSpPr>
         <p:spPr>
           <a:xfrm>
-            <a:off x="457200" y="640080"/>
-            <a:ext cx="2743200" cy="228600"/>
+            <a:off x="457200" y="731520"/>
+            <a:ext cx="2743200" cy="274320"/>
           </a:xfrm>
           <a:prstGeom prst="rect">
             <a:avLst/>
@@ -11149,7 +11149,7 @@
               </a:spcAft>
             </a:pPr>
             <a:r>
-              <a:rPr sz="700" b="1">
+              <a:rPr sz="1000" b="1">
                 <a:solidFill>
                   <a:srgbClr val="2563EB"/>
                 </a:solidFill>
@@ -11168,8 +11168,8 @@
         </p:nvSpPr>
         <p:spPr>
           <a:xfrm>
-            <a:off x="457200" y="914400"/>
-            <a:ext cx="548640" cy="548640"/>
+            <a:off x="457200" y="1051560"/>
+            <a:ext cx="640080" cy="640080"/>
           </a:xfrm>
           <a:prstGeom prst="ellipse">
             <a:avLst/>
@@ -11211,8 +11211,8 @@
         </p:nvSpPr>
         <p:spPr>
           <a:xfrm>
-            <a:off x="457200" y="914400"/>
-            <a:ext cx="548640" cy="548640"/>
+            <a:off x="457200" y="1051560"/>
+            <a:ext cx="640080" cy="640080"/>
           </a:xfrm>
           <a:prstGeom prst="rect">
             <a:avLst/>
@@ -11232,27 +11232,67 @@
               </a:spcAft>
             </a:pPr>
             <a:r>
+              <a:rPr sz="1500" b="1">
+                <a:solidFill>
+                  <a:srgbClr val="FFFFFF"/>
+                </a:solidFill>
+                <a:latin typeface="IPAPGothic"/>
+              </a:rPr>
+              <a:t>佐</a:t>
+            </a:r>
+          </a:p>
+        </p:txBody>
+      </p:sp>
+      <p:sp>
+        <p:nvSpPr>
+          <p:cNvPr id="7" name="TextBox 6"/>
+          <p:cNvSpPr txBox="1"/>
+          <p:nvPr/>
+        </p:nvSpPr>
+        <p:spPr>
+          <a:xfrm>
+            <a:off x="1234440" y="1051560"/>
+            <a:ext cx="6400800" cy="292608"/>
+          </a:xfrm>
+          <a:prstGeom prst="rect">
+            <a:avLst/>
+          </a:prstGeom>
+          <a:noFill/>
+        </p:spPr>
+        <p:txBody>
+          <a:bodyPr wrap="square"/>
+          <a:lstStyle/>
+          <a:p>
+            <a:pPr algn="l">
+              <a:spcBef>
+                <a:spcPts val="0"/>
+              </a:spcBef>
+              <a:spcAft>
+                <a:spcPts val="0"/>
+              </a:spcAft>
+            </a:pPr>
+            <a:r>
               <a:rPr sz="1200" b="1">
                 <a:solidFill>
-                  <a:srgbClr val="FFFFFF"/>
-                </a:solidFill>
-                <a:latin typeface="IPAPGothic"/>
-              </a:rPr>
-              <a:t>佐</a:t>
-            </a:r>
-          </a:p>
-        </p:txBody>
-      </p:sp>
-      <p:sp>
-        <p:nvSpPr>
-          <p:cNvPr id="7" name="TextBox 6"/>
-          <p:cNvSpPr txBox="1"/>
-          <p:nvPr/>
-        </p:nvSpPr>
-        <p:spPr>
-          <a:xfrm>
-            <a:off x="1143000" y="914400"/>
-            <a:ext cx="6400800" cy="228600"/>
+                  <a:srgbClr val="1E293B"/>
+                </a:solidFill>
+                <a:latin typeface="IPAPGothic"/>
+              </a:rPr>
+              <a:t>佐藤卓也 — Universal Need株式会社 代表</a:t>
+            </a:r>
+          </a:p>
+        </p:txBody>
+      </p:sp>
+      <p:sp>
+        <p:nvSpPr>
+          <p:cNvPr id="8" name="TextBox 7"/>
+          <p:cNvSpPr txBox="1"/>
+          <p:nvPr/>
+        </p:nvSpPr>
+        <p:spPr>
+          <a:xfrm>
+            <a:off x="1234440" y="1353312"/>
+            <a:ext cx="6858000" cy="914400"/>
           </a:xfrm>
           <a:prstGeom prst="rect">
             <a:avLst/>
@@ -11272,47 +11312,7 @@
               </a:spcAft>
             </a:pPr>
             <a:r>
-              <a:rPr sz="800" b="1">
-                <a:solidFill>
-                  <a:srgbClr val="1E293B"/>
-                </a:solidFill>
-                <a:latin typeface="IPAPGothic"/>
-              </a:rPr>
-              <a:t>佐藤卓也 — Universal Need株式会社 代表</a:t>
-            </a:r>
-          </a:p>
-        </p:txBody>
-      </p:sp>
-      <p:sp>
-        <p:nvSpPr>
-          <p:cNvPr id="8" name="TextBox 7"/>
-          <p:cNvSpPr txBox="1"/>
-          <p:nvPr/>
-        </p:nvSpPr>
-        <p:spPr>
-          <a:xfrm>
-            <a:off x="1143000" y="1170432"/>
-            <a:ext cx="6858000" cy="868680"/>
-          </a:xfrm>
-          <a:prstGeom prst="rect">
-            <a:avLst/>
-          </a:prstGeom>
-          <a:noFill/>
-        </p:spPr>
-        <p:txBody>
-          <a:bodyPr wrap="square"/>
-          <a:lstStyle/>
-          <a:p>
-            <a:pPr algn="l">
-              <a:spcBef>
-                <a:spcPts val="0"/>
-              </a:spcBef>
-              <a:spcAft>
-                <a:spcPts val="0"/>
-              </a:spcAft>
-            </a:pPr>
-            <a:r>
-              <a:rPr sz="650" b="0">
+              <a:rPr sz="1000" b="0">
                 <a:solidFill>
                   <a:srgbClr val="475569"/>
                 </a:solidFill>
@@ -11331,8 +11331,8 @@
         </p:nvSpPr>
         <p:spPr>
           <a:xfrm>
-            <a:off x="1143000" y="2011680"/>
-            <a:ext cx="928116" cy="201168"/>
+            <a:off x="1234440" y="2286000"/>
+            <a:ext cx="845819" cy="237744"/>
           </a:xfrm>
           <a:prstGeom prst="rect">
             <a:avLst/>
@@ -11376,8 +11376,8 @@
         </p:nvSpPr>
         <p:spPr>
           <a:xfrm>
-            <a:off x="1188720" y="2011680"/>
-            <a:ext cx="836676" cy="201168"/>
+            <a:off x="1280160" y="2286000"/>
+            <a:ext cx="754379" cy="237744"/>
           </a:xfrm>
           <a:prstGeom prst="rect">
             <a:avLst/>
@@ -11397,7 +11397,7 @@
               </a:spcAft>
             </a:pPr>
             <a:r>
-              <a:rPr sz="550" b="0">
+              <a:rPr sz="750" b="0">
                 <a:solidFill>
                   <a:srgbClr val="475569"/>
                 </a:solidFill>
@@ -11416,8 +11416,8 @@
         </p:nvSpPr>
         <p:spPr>
           <a:xfrm>
-            <a:off x="2144268" y="2011680"/>
-            <a:ext cx="1472184" cy="201168"/>
+            <a:off x="2153411" y="2286000"/>
+            <a:ext cx="1325880" cy="237744"/>
           </a:xfrm>
           <a:prstGeom prst="rect">
             <a:avLst/>
@@ -11461,8 +11461,8 @@
         </p:nvSpPr>
         <p:spPr>
           <a:xfrm>
-            <a:off x="2189988" y="2011680"/>
-            <a:ext cx="1380744" cy="201168"/>
+            <a:off x="2199131" y="2286000"/>
+            <a:ext cx="1234440" cy="237744"/>
           </a:xfrm>
           <a:prstGeom prst="rect">
             <a:avLst/>
@@ -11482,7 +11482,7 @@
               </a:spcAft>
             </a:pPr>
             <a:r>
-              <a:rPr sz="550" b="0">
+              <a:rPr sz="750" b="0">
                 <a:solidFill>
                   <a:srgbClr val="475569"/>
                 </a:solidFill>
@@ -11501,8 +11501,8 @@
         </p:nvSpPr>
         <p:spPr>
           <a:xfrm>
-            <a:off x="3689604" y="2011680"/>
-            <a:ext cx="1083564" cy="201168"/>
+            <a:off x="3552443" y="2286000"/>
+            <a:ext cx="982980" cy="237744"/>
           </a:xfrm>
           <a:prstGeom prst="rect">
             <a:avLst/>
@@ -11546,8 +11546,8 @@
         </p:nvSpPr>
         <p:spPr>
           <a:xfrm>
-            <a:off x="3735324" y="2011680"/>
-            <a:ext cx="992124" cy="201168"/>
+            <a:off x="3598163" y="2286000"/>
+            <a:ext cx="891540" cy="237744"/>
           </a:xfrm>
           <a:prstGeom prst="rect">
             <a:avLst/>
@@ -11567,7 +11567,7 @@
               </a:spcAft>
             </a:pPr>
             <a:r>
-              <a:rPr sz="550" b="0">
+              <a:rPr sz="750" b="0">
                 <a:solidFill>
                   <a:srgbClr val="475569"/>
                 </a:solidFill>
@@ -11586,8 +11586,8 @@
         </p:nvSpPr>
         <p:spPr>
           <a:xfrm>
-            <a:off x="4846320" y="2011680"/>
-            <a:ext cx="1239012" cy="201168"/>
+            <a:off x="4608575" y="2286000"/>
+            <a:ext cx="1120140" cy="237744"/>
           </a:xfrm>
           <a:prstGeom prst="rect">
             <a:avLst/>
@@ -11631,8 +11631,8 @@
         </p:nvSpPr>
         <p:spPr>
           <a:xfrm>
-            <a:off x="4892040" y="2011680"/>
-            <a:ext cx="1147572" cy="201168"/>
+            <a:off x="4654295" y="2286000"/>
+            <a:ext cx="1028700" cy="237744"/>
           </a:xfrm>
           <a:prstGeom prst="rect">
             <a:avLst/>
@@ -11652,7 +11652,7 @@
               </a:spcAft>
             </a:pPr>
             <a:r>
-              <a:rPr sz="550" b="0">
+              <a:rPr sz="750" b="0">
                 <a:solidFill>
                   <a:srgbClr val="475569"/>
                 </a:solidFill>
@@ -11671,8 +11671,8 @@
         </p:nvSpPr>
         <p:spPr>
           <a:xfrm>
-            <a:off x="6158484" y="2011680"/>
-            <a:ext cx="1005840" cy="201168"/>
+            <a:off x="5801867" y="2286000"/>
+            <a:ext cx="914400" cy="237744"/>
           </a:xfrm>
           <a:prstGeom prst="rect">
             <a:avLst/>
@@ -11716,8 +11716,8 @@
         </p:nvSpPr>
         <p:spPr>
           <a:xfrm>
-            <a:off x="6204204" y="2011680"/>
-            <a:ext cx="914400" cy="201168"/>
+            <a:off x="5847587" y="2286000"/>
+            <a:ext cx="822960" cy="237744"/>
           </a:xfrm>
           <a:prstGeom prst="rect">
             <a:avLst/>
@@ -11737,7 +11737,7 @@
               </a:spcAft>
             </a:pPr>
             <a:r>
-              <a:rPr sz="550" b="0">
+              <a:rPr sz="750" b="0">
                 <a:solidFill>
                   <a:srgbClr val="475569"/>
                 </a:solidFill>
@@ -11756,8 +11756,8 @@
         </p:nvSpPr>
         <p:spPr>
           <a:xfrm>
-            <a:off x="7237476" y="2011680"/>
-            <a:ext cx="1316736" cy="201168"/>
+            <a:off x="6789419" y="2286000"/>
+            <a:ext cx="1188720" cy="237744"/>
           </a:xfrm>
           <a:prstGeom prst="rect">
             <a:avLst/>
@@ -11801,8 +11801,8 @@
         </p:nvSpPr>
         <p:spPr>
           <a:xfrm>
-            <a:off x="7283196" y="2011680"/>
-            <a:ext cx="1225296" cy="201168"/>
+            <a:off x="6835139" y="2286000"/>
+            <a:ext cx="1097280" cy="237744"/>
           </a:xfrm>
           <a:prstGeom prst="rect">
             <a:avLst/>
@@ -11822,7 +11822,7 @@
               </a:spcAft>
             </a:pPr>
             <a:r>
-              <a:rPr sz="550" b="0">
+              <a:rPr sz="750" b="0">
                 <a:solidFill>
                   <a:srgbClr val="475569"/>
                 </a:solidFill>
@@ -11841,8 +11841,8 @@
         </p:nvSpPr>
         <p:spPr>
           <a:xfrm>
-            <a:off x="457200" y="2377440"/>
-            <a:ext cx="7863840" cy="731520"/>
+            <a:off x="457200" y="2670048"/>
+            <a:ext cx="7863840" cy="2034540"/>
           </a:xfrm>
           <a:prstGeom prst="rect">
             <a:avLst/>
@@ -11884,8 +11884,8 @@
         </p:nvSpPr>
         <p:spPr>
           <a:xfrm>
-            <a:off x="457200" y="2377440"/>
-            <a:ext cx="45720" cy="731520"/>
+            <a:off x="457200" y="2670048"/>
+            <a:ext cx="54864" cy="2034540"/>
           </a:xfrm>
           <a:prstGeom prst="rect">
             <a:avLst/>
@@ -11927,8 +11927,8 @@
         </p:nvSpPr>
         <p:spPr>
           <a:xfrm>
-            <a:off x="640080" y="2432304"/>
-            <a:ext cx="7589520" cy="182880"/>
+            <a:off x="685800" y="2743200"/>
+            <a:ext cx="7543800" cy="237744"/>
           </a:xfrm>
           <a:prstGeom prst="rect">
             <a:avLst/>
@@ -11948,7 +11948,7 @@
               </a:spcAft>
             </a:pPr>
             <a:r>
-              <a:rPr sz="700" b="1">
+              <a:rPr sz="1000" b="1">
                 <a:solidFill>
                   <a:srgbClr val="1E293B"/>
                 </a:solidFill>
@@ -11967,8 +11967,8 @@
         </p:nvSpPr>
         <p:spPr>
           <a:xfrm>
-            <a:off x="640080" y="2633472"/>
-            <a:ext cx="7589520" cy="411480"/>
+            <a:off x="685800" y="2999232"/>
+            <a:ext cx="7543800" cy="1650492"/>
           </a:xfrm>
           <a:prstGeom prst="rect">
             <a:avLst/>
@@ -11988,7 +11988,7 @@
               </a:spcAft>
             </a:pPr>
             <a:r>
-              <a:rPr sz="650" b="0">
+              <a:rPr sz="1000" b="0">
                 <a:solidFill>
                   <a:srgbClr val="475569"/>
                 </a:solidFill>
@@ -12007,7 +12007,7 @@
         </p:nvSpPr>
         <p:spPr>
           <a:xfrm>
-            <a:off x="0" y="4823460"/>
+            <a:off x="0" y="4796028"/>
             <a:ext cx="9144000" cy="6350"/>
           </a:xfrm>
           <a:prstGeom prst="rect">
@@ -12050,8 +12050,8 @@
         </p:nvSpPr>
         <p:spPr>
           <a:xfrm>
-            <a:off x="457200" y="4848860"/>
-            <a:ext cx="3657600" cy="256032"/>
+            <a:off x="457200" y="4821428"/>
+            <a:ext cx="3657600" cy="274320"/>
           </a:xfrm>
           <a:prstGeom prst="rect">
             <a:avLst/>
@@ -12071,7 +12071,7 @@
               </a:spcAft>
             </a:pPr>
             <a:r>
-              <a:rPr sz="650" b="0">
+              <a:rPr sz="900" b="0">
                 <a:solidFill>
                   <a:srgbClr val="94A3B8"/>
                 </a:solidFill>
@@ -12090,8 +12090,8 @@
         </p:nvSpPr>
         <p:spPr>
           <a:xfrm>
-            <a:off x="3657600" y="4848860"/>
-            <a:ext cx="1828800" cy="256032"/>
+            <a:off x="3657600" y="4821428"/>
+            <a:ext cx="1828800" cy="274320"/>
           </a:xfrm>
           <a:prstGeom prst="rect">
             <a:avLst/>
@@ -12111,7 +12111,7 @@
               </a:spcAft>
             </a:pPr>
             <a:r>
-              <a:rPr sz="650" b="0">
+              <a:rPr sz="900" b="0">
                 <a:solidFill>
                   <a:srgbClr val="94A3B8"/>
                 </a:solidFill>
@@ -12130,8 +12130,8 @@
         </p:nvSpPr>
         <p:spPr>
           <a:xfrm>
-            <a:off x="8229600" y="4848860"/>
-            <a:ext cx="457200" cy="256032"/>
+            <a:off x="8229600" y="4821428"/>
+            <a:ext cx="457200" cy="274320"/>
           </a:xfrm>
           <a:prstGeom prst="rect">
             <a:avLst/>
@@ -12151,7 +12151,7 @@
               </a:spcAft>
             </a:pPr>
             <a:r>
-              <a:rPr sz="650" b="1">
+              <a:rPr sz="900" b="1">
                 <a:solidFill>
                   <a:srgbClr val="94A3B8"/>
                 </a:solidFill>
@@ -12232,7 +12232,7 @@
         <p:spPr>
           <a:xfrm>
             <a:off x="457200" y="137160"/>
-            <a:ext cx="2743200" cy="320040"/>
+            <a:ext cx="3657600" cy="411480"/>
           </a:xfrm>
           <a:prstGeom prst="rect">
             <a:avLst/>
@@ -12252,7 +12252,7 @@
               </a:spcAft>
             </a:pPr>
             <a:r>
-              <a:rPr sz="900" b="1">
+              <a:rPr sz="1300" b="1">
                 <a:solidFill>
                   <a:srgbClr val="FFFFFF"/>
                 </a:solidFill>
@@ -12271,8 +12271,8 @@
         </p:nvSpPr>
         <p:spPr>
           <a:xfrm>
-            <a:off x="914400" y="1371600"/>
-            <a:ext cx="7315200" cy="914400"/>
+            <a:off x="914400" y="1188720"/>
+            <a:ext cx="7315200" cy="1097280"/>
           </a:xfrm>
           <a:prstGeom prst="rect">
             <a:avLst/>
@@ -12292,7 +12292,7 @@
               </a:spcAft>
             </a:pPr>
             <a:r>
-              <a:rPr sz="1800" b="1">
+              <a:rPr sz="2600" b="1">
                 <a:solidFill>
                   <a:srgbClr val="FFFFFF"/>
                 </a:solidFill>
@@ -12312,7 +12312,7 @@
         <p:spPr>
           <a:xfrm>
             <a:off x="1371600" y="2560320"/>
-            <a:ext cx="6400800" cy="914400"/>
+            <a:ext cx="6400800" cy="1097280"/>
           </a:xfrm>
           <a:prstGeom prst="rect">
             <a:avLst/>
@@ -12332,7 +12332,7 @@
               </a:spcAft>
             </a:pPr>
             <a:r>
-              <a:rPr sz="900" b="0">
+              <a:rPr sz="1300" b="0">
                 <a:solidFill>
                   <a:srgbClr val="BBBBCC"/>
                 </a:solidFill>
@@ -12353,7 +12353,7 @@
         </p:nvSpPr>
         <p:spPr>
           <a:xfrm>
-            <a:off x="0" y="4658868"/>
+            <a:off x="0" y="4613148"/>
             <a:ext cx="9144000" cy="6350"/>
           </a:xfrm>
           <a:prstGeom prst="rect">
@@ -12396,8 +12396,8 @@
         </p:nvSpPr>
         <p:spPr>
           <a:xfrm>
-            <a:off x="457200" y="4686300"/>
-            <a:ext cx="3657600" cy="274320"/>
+            <a:off x="457200" y="4640580"/>
+            <a:ext cx="3657600" cy="320040"/>
           </a:xfrm>
           <a:prstGeom prst="rect">
             <a:avLst/>
@@ -12417,7 +12417,7 @@
               </a:spcAft>
             </a:pPr>
             <a:r>
-              <a:rPr sz="650" b="0">
+              <a:rPr sz="900" b="0">
                 <a:solidFill>
                   <a:srgbClr val="94A3B8"/>
                 </a:solidFill>
@@ -12436,8 +12436,8 @@
         </p:nvSpPr>
         <p:spPr>
           <a:xfrm>
-            <a:off x="3657600" y="4686300"/>
-            <a:ext cx="1828800" cy="274320"/>
+            <a:off x="3657600" y="4640580"/>
+            <a:ext cx="1828800" cy="320040"/>
           </a:xfrm>
           <a:prstGeom prst="rect">
             <a:avLst/>
@@ -12457,7 +12457,7 @@
               </a:spcAft>
             </a:pPr>
             <a:r>
-              <a:rPr sz="650" b="0">
+              <a:rPr sz="900" b="0">
                 <a:solidFill>
                   <a:srgbClr val="94A3B8"/>
                 </a:solidFill>
@@ -12476,8 +12476,8 @@
         </p:nvSpPr>
         <p:spPr>
           <a:xfrm>
-            <a:off x="8229600" y="4686300"/>
-            <a:ext cx="457200" cy="274320"/>
+            <a:off x="8229600" y="4640580"/>
+            <a:ext cx="457200" cy="320040"/>
           </a:xfrm>
           <a:prstGeom prst="rect">
             <a:avLst/>
@@ -12497,7 +12497,7 @@
               </a:spcAft>
             </a:pPr>
             <a:r>
-              <a:rPr sz="650" b="1">
+              <a:rPr sz="900" b="1">
                 <a:solidFill>
                   <a:srgbClr val="94A3B8"/>
                 </a:solidFill>

--- a/toki/tokistorage-partnership-deck.pptx
+++ b/toki/tokistorage-partnership-deck.pptx
@@ -14,6 +14,7 @@
     <p:sldId id="262" r:id="rId13"/>
     <p:sldId id="263" r:id="rId14"/>
     <p:sldId id="264" r:id="rId15"/>
+    <p:sldId id="265" r:id="rId16"/>
   </p:sldIdLst>
   <p:sldSz cx="9144000" cy="5143500" type="screen4x3"/>
   <p:notesSz cx="6858000" cy="9144000"/>
@@ -3432,6 +3433,396 @@
 </p:sld>
 </file>
 
+<file path=ppt/slides/slide10.xml><?xml version="1.0" encoding="utf-8"?>
+<p:sld xmlns:a="http://schemas.openxmlformats.org/drawingml/2006/main" xmlns:p="http://schemas.openxmlformats.org/presentationml/2006/main" xmlns:r="http://schemas.openxmlformats.org/officeDocument/2006/relationships">
+  <p:cSld>
+    <p:spTree>
+      <p:nvGrpSpPr>
+        <p:cNvPr id="1" name=""/>
+        <p:cNvGrpSpPr/>
+        <p:nvPr/>
+      </p:nvGrpSpPr>
+      <p:grpSpPr/>
+      <p:sp>
+        <p:nvSpPr>
+          <p:cNvPr id="2" name="Rectangle 1"/>
+          <p:cNvSpPr/>
+          <p:nvPr/>
+        </p:nvSpPr>
+        <p:spPr>
+          <a:xfrm>
+            <a:off x="0" y="0"/>
+            <a:ext cx="9144000" cy="5143500"/>
+          </a:xfrm>
+          <a:prstGeom prst="rect">
+            <a:avLst/>
+          </a:prstGeom>
+          <a:solidFill>
+            <a:srgbClr val="F8FAFC"/>
+          </a:solidFill>
+          <a:ln>
+            <a:noFill/>
+          </a:ln>
+        </p:spPr>
+        <p:style>
+          <a:lnRef idx="1">
+            <a:schemeClr val="accent1"/>
+          </a:lnRef>
+          <a:fillRef idx="3">
+            <a:schemeClr val="accent1"/>
+          </a:fillRef>
+          <a:effectRef idx="2">
+            <a:schemeClr val="accent1"/>
+          </a:effectRef>
+          <a:fontRef idx="minor">
+            <a:schemeClr val="lt1"/>
+          </a:fontRef>
+        </p:style>
+        <p:txBody>
+          <a:bodyPr rtlCol="0" anchor="ctr"/>
+          <a:lstStyle/>
+          <a:p>
+            <a:pPr algn="ctr"/>
+          </a:p>
+        </p:txBody>
+      </p:sp>
+      <p:sp>
+        <p:nvSpPr>
+          <p:cNvPr id="3" name="TextBox 2"/>
+          <p:cNvSpPr txBox="1"/>
+          <p:nvPr/>
+        </p:nvSpPr>
+        <p:spPr>
+          <a:xfrm>
+            <a:off x="914400" y="914400"/>
+            <a:ext cx="7315200" cy="411480"/>
+          </a:xfrm>
+          <a:prstGeom prst="rect">
+            <a:avLst/>
+          </a:prstGeom>
+          <a:noFill/>
+        </p:spPr>
+        <p:txBody>
+          <a:bodyPr wrap="square"/>
+          <a:lstStyle/>
+          <a:p>
+            <a:pPr algn="l">
+              <a:spcBef>
+                <a:spcPts val="0"/>
+              </a:spcBef>
+              <a:spcAft>
+                <a:spcPts val="0"/>
+              </a:spcAft>
+            </a:pPr>
+            <a:r>
+              <a:rPr sz="1400" b="1">
+                <a:solidFill>
+                  <a:srgbClr val="94A3B8"/>
+                </a:solidFill>
+                <a:latin typeface="IPAPGothic"/>
+              </a:rPr>
+              <a:t>Confidential / Disclaimer</a:t>
+            </a:r>
+          </a:p>
+        </p:txBody>
+      </p:sp>
+      <p:sp>
+        <p:nvSpPr>
+          <p:cNvPr id="4" name="Rectangle 3"/>
+          <p:cNvSpPr/>
+          <p:nvPr/>
+        </p:nvSpPr>
+        <p:spPr>
+          <a:xfrm>
+            <a:off x="914400" y="1371600"/>
+            <a:ext cx="7315200" cy="6350"/>
+          </a:xfrm>
+          <a:prstGeom prst="rect">
+            <a:avLst/>
+          </a:prstGeom>
+          <a:solidFill>
+            <a:srgbClr val="E2E8F0"/>
+          </a:solidFill>
+          <a:ln>
+            <a:noFill/>
+          </a:ln>
+        </p:spPr>
+        <p:style>
+          <a:lnRef idx="1">
+            <a:schemeClr val="accent1"/>
+          </a:lnRef>
+          <a:fillRef idx="3">
+            <a:schemeClr val="accent1"/>
+          </a:fillRef>
+          <a:effectRef idx="2">
+            <a:schemeClr val="accent1"/>
+          </a:effectRef>
+          <a:fontRef idx="minor">
+            <a:schemeClr val="lt1"/>
+          </a:fontRef>
+        </p:style>
+        <p:txBody>
+          <a:bodyPr rtlCol="0" anchor="ctr"/>
+          <a:lstStyle/>
+          <a:p>
+            <a:pPr algn="ctr"/>
+          </a:p>
+        </p:txBody>
+      </p:sp>
+      <p:sp>
+        <p:nvSpPr>
+          <p:cNvPr id="5" name="TextBox 4"/>
+          <p:cNvSpPr txBox="1"/>
+          <p:nvPr/>
+        </p:nvSpPr>
+        <p:spPr>
+          <a:xfrm>
+            <a:off x="914400" y="1554480"/>
+            <a:ext cx="7315200" cy="2560320"/>
+          </a:xfrm>
+          <a:prstGeom prst="rect">
+            <a:avLst/>
+          </a:prstGeom>
+          <a:noFill/>
+        </p:spPr>
+        <p:txBody>
+          <a:bodyPr wrap="square"/>
+          <a:lstStyle/>
+          <a:p>
+            <a:pPr algn="l">
+              <a:spcBef>
+                <a:spcPts val="0"/>
+              </a:spcBef>
+              <a:spcAft>
+                <a:spcPts val="0"/>
+              </a:spcAft>
+            </a:pPr>
+            <a:r>
+              <a:rPr sz="900" b="0">
+                <a:solidFill>
+                  <a:srgbClr val="475569"/>
+                </a:solidFill>
+                <a:latin typeface="IPAPGothic"/>
+              </a:rPr>
+              <a:t>本資料は、Universal Need株式会社（以下「当社」）がパートナーシップのご検討のために作成した機密資料です。
+本資料に含まれる情報は、当社の現時点における見解および計画に基づくものであり、その正確性、完全性、または将来の結果を保証するものではありません。
+本資料は情報提供を目的としており、法的助言、投資助言、その他いかなる専門的助言を構成するものでもありません。
+本資料の全部または一部を、当社の事前の書面による同意なく、第三者に開示、複製、または配布することを禁じます。</a:t>
+            </a:r>
+          </a:p>
+        </p:txBody>
+      </p:sp>
+      <p:sp>
+        <p:nvSpPr>
+          <p:cNvPr id="6" name="TextBox 5"/>
+          <p:cNvSpPr txBox="1"/>
+          <p:nvPr/>
+        </p:nvSpPr>
+        <p:spPr>
+          <a:xfrm>
+            <a:off x="914400" y="4046220"/>
+            <a:ext cx="7315200" cy="274320"/>
+          </a:xfrm>
+          <a:prstGeom prst="rect">
+            <a:avLst/>
+          </a:prstGeom>
+          <a:noFill/>
+        </p:spPr>
+        <p:txBody>
+          <a:bodyPr wrap="square"/>
+          <a:lstStyle/>
+          <a:p>
+            <a:pPr algn="l">
+              <a:spcBef>
+                <a:spcPts val="0"/>
+              </a:spcBef>
+              <a:spcAft>
+                <a:spcPts val="0"/>
+              </a:spcAft>
+            </a:pPr>
+            <a:r>
+              <a:rPr sz="800" b="0">
+                <a:solidFill>
+                  <a:srgbClr val="94A3B8"/>
+                </a:solidFill>
+                <a:latin typeface="IPAPGothic"/>
+              </a:rPr>
+              <a:t>© 2026 Universal Need株式会社. All rights reserved.</a:t>
+            </a:r>
+          </a:p>
+        </p:txBody>
+      </p:sp>
+      <p:sp>
+        <p:nvSpPr>
+          <p:cNvPr id="7" name="Rectangle 6"/>
+          <p:cNvSpPr/>
+          <p:nvPr/>
+        </p:nvSpPr>
+        <p:spPr>
+          <a:xfrm>
+            <a:off x="0" y="4796028"/>
+            <a:ext cx="9144000" cy="6350"/>
+          </a:xfrm>
+          <a:prstGeom prst="rect">
+            <a:avLst/>
+          </a:prstGeom>
+          <a:solidFill>
+            <a:srgbClr val="E2E8F0"/>
+          </a:solidFill>
+          <a:ln>
+            <a:noFill/>
+          </a:ln>
+        </p:spPr>
+        <p:style>
+          <a:lnRef idx="1">
+            <a:schemeClr val="accent1"/>
+          </a:lnRef>
+          <a:fillRef idx="3">
+            <a:schemeClr val="accent1"/>
+          </a:fillRef>
+          <a:effectRef idx="2">
+            <a:schemeClr val="accent1"/>
+          </a:effectRef>
+          <a:fontRef idx="minor">
+            <a:schemeClr val="lt1"/>
+          </a:fontRef>
+        </p:style>
+        <p:txBody>
+          <a:bodyPr rtlCol="0" anchor="ctr"/>
+          <a:lstStyle/>
+          <a:p>
+            <a:pPr algn="ctr"/>
+          </a:p>
+        </p:txBody>
+      </p:sp>
+      <p:sp>
+        <p:nvSpPr>
+          <p:cNvPr id="8" name="TextBox 7"/>
+          <p:cNvSpPr txBox="1"/>
+          <p:nvPr/>
+        </p:nvSpPr>
+        <p:spPr>
+          <a:xfrm>
+            <a:off x="457200" y="4821428"/>
+            <a:ext cx="3657600" cy="274320"/>
+          </a:xfrm>
+          <a:prstGeom prst="rect">
+            <a:avLst/>
+          </a:prstGeom>
+          <a:noFill/>
+        </p:spPr>
+        <p:txBody>
+          <a:bodyPr wrap="square"/>
+          <a:lstStyle/>
+          <a:p>
+            <a:pPr algn="l">
+              <a:spcBef>
+                <a:spcPts val="0"/>
+              </a:spcBef>
+              <a:spcAft>
+                <a:spcPts val="0"/>
+              </a:spcAft>
+            </a:pPr>
+            <a:r>
+              <a:rPr sz="900" b="0">
+                <a:solidFill>
+                  <a:srgbClr val="94A3B8"/>
+                </a:solidFill>
+                <a:latin typeface="IPAPGothic"/>
+              </a:rPr>
+              <a:t>Universal Need株式会社 — TokiStorage</a:t>
+            </a:r>
+          </a:p>
+        </p:txBody>
+      </p:sp>
+      <p:sp>
+        <p:nvSpPr>
+          <p:cNvPr id="9" name="TextBox 8"/>
+          <p:cNvSpPr txBox="1"/>
+          <p:nvPr/>
+        </p:nvSpPr>
+        <p:spPr>
+          <a:xfrm>
+            <a:off x="3657600" y="4821428"/>
+            <a:ext cx="1828800" cy="274320"/>
+          </a:xfrm>
+          <a:prstGeom prst="rect">
+            <a:avLst/>
+          </a:prstGeom>
+          <a:noFill/>
+        </p:spPr>
+        <p:txBody>
+          <a:bodyPr wrap="square"/>
+          <a:lstStyle/>
+          <a:p>
+            <a:pPr algn="ctr">
+              <a:spcBef>
+                <a:spcPts val="0"/>
+              </a:spcBef>
+              <a:spcAft>
+                <a:spcPts val="0"/>
+              </a:spcAft>
+            </a:pPr>
+            <a:r>
+              <a:rPr sz="900" b="0">
+                <a:solidFill>
+                  <a:srgbClr val="94A3B8"/>
+                </a:solidFill>
+                <a:latin typeface="IPAPGothic"/>
+              </a:rPr>
+              <a:t>Confidential</a:t>
+            </a:r>
+          </a:p>
+        </p:txBody>
+      </p:sp>
+      <p:sp>
+        <p:nvSpPr>
+          <p:cNvPr id="10" name="TextBox 9"/>
+          <p:cNvSpPr txBox="1"/>
+          <p:nvPr/>
+        </p:nvSpPr>
+        <p:spPr>
+          <a:xfrm>
+            <a:off x="8229600" y="4821428"/>
+            <a:ext cx="457200" cy="274320"/>
+          </a:xfrm>
+          <a:prstGeom prst="rect">
+            <a:avLst/>
+          </a:prstGeom>
+          <a:noFill/>
+        </p:spPr>
+        <p:txBody>
+          <a:bodyPr wrap="square"/>
+          <a:lstStyle/>
+          <a:p>
+            <a:pPr algn="r">
+              <a:spcBef>
+                <a:spcPts val="0"/>
+              </a:spcBef>
+              <a:spcAft>
+                <a:spcPts val="0"/>
+              </a:spcAft>
+            </a:pPr>
+            <a:r>
+              <a:rPr sz="900" b="1">
+                <a:solidFill>
+                  <a:srgbClr val="94A3B8"/>
+                </a:solidFill>
+                <a:latin typeface="IPAPGothic"/>
+              </a:rPr>
+              <a:t>10</a:t>
+            </a:r>
+          </a:p>
+        </p:txBody>
+      </p:sp>
+    </p:spTree>
+  </p:cSld>
+  <p:clrMapOvr>
+    <a:masterClrMapping/>
+  </p:clrMapOvr>
+</p:sld>
+</file>
+
 <file path=ppt/slides/slide2.xml><?xml version="1.0" encoding="utf-8"?>
 <p:sld xmlns:a="http://schemas.openxmlformats.org/drawingml/2006/main" xmlns:p="http://schemas.openxmlformats.org/presentationml/2006/main" xmlns:r="http://schemas.openxmlformats.org/officeDocument/2006/relationships">
   <p:cSld>
@@ -3520,7 +3911,7 @@
                 </a:solidFill>
                 <a:latin typeface="IPAPGothic"/>
               </a:rPr>
-              <a:t>既存のデジタルサービスは「今」に最適化されており、千年スケールの保存レイヤーが構造的に不在である</a:t>
+              <a:t>AIとビッグテックの台頭は、コンサルティングファームに「コモディティ化しない問い」の獲得を迫っている</a:t>
             </a:r>
           </a:p>
         </p:txBody>
@@ -3685,7 +4076,7 @@
                 </a:solidFill>
                 <a:latin typeface="IPAPGothic"/>
               </a:rPr>
-              <a:t>デジタルは「今」に最適化</a:t>
+              <a:t>AIがコンサルティングを変える</a:t>
             </a:r>
           </a:p>
         </p:txBody>
@@ -3725,7 +4116,7 @@
                 </a:solidFill>
                 <a:latin typeface="IPAPGothic"/>
               </a:rPr>
-              <a:t>クラウドやSNSは日常の記録に極めて優秀。しかし100年・1000年スケールは設計対象外。時間軸が違えば、必要な設計も違う。</a:t>
+              <a:t>生成AIにより、調査・分析・戦略フレームワーク作成は急速にコモディティ化。知識の非対称性に依存した価値提供モデルは構造的転換期にある。</a:t>
             </a:r>
           </a:p>
         </p:txBody>
@@ -3850,7 +4241,7 @@
                 </a:solidFill>
                 <a:latin typeface="IPAPGothic"/>
               </a:rPr>
-              <a:t>「墓じまい」が社会課題に</a:t>
+              <a:t>差別化の源泉が縮小</a:t>
             </a:r>
           </a:p>
         </p:txBody>
@@ -3890,7 +4281,7 @@
                 </a:solidFill>
                 <a:latin typeface="IPAPGothic"/>
               </a:rPr>
-              <a:t>無縁墓は年間数万基。2040年には単身世帯が4割超。「誰が記憶を残すのか」は個人の問題から社会の問題へ移行。</a:t>
+              <a:t>業界分析、ベンチマーク、DX——どのファームも同じツールで同じ提案に収束しがち。「何を提案するか」ではなく「どんな問いを立てるか」が差別化の核になる。</a:t>
             </a:r>
           </a:p>
         </p:txBody>
@@ -4015,7 +4406,7 @@
                 </a:solidFill>
                 <a:latin typeface="IPAPGothic"/>
               </a:rPr>
-              <a:t>千年レイヤーが不在</a:t>
+              <a:t>「千年の問い」という機会</a:t>
             </a:r>
           </a:p>
         </p:txBody>
@@ -4055,7 +4446,7 @@
                 </a:solidFill>
                 <a:latin typeface="IPAPGothic"/>
               </a:rPr>
-              <a:t>デジタル遺品整理、AI故人再現——市場は急成長。しかし全て既存インフラ上。補完する千年レイヤーが求められている。</a:t>
+              <a:t>「100年後に何を残すか」——AIが生成できない問い。クライアントの本質的ニーズに触れ、構造的にコモディティ化しない提案の起点になる。</a:t>
             </a:r>
           </a:p>
         </p:txBody>
@@ -11160,179 +11551,120 @@
           </a:p>
         </p:txBody>
       </p:sp>
-      <p:sp>
-        <p:nvSpPr>
-          <p:cNvPr id="5" name="Oval 4"/>
+      <p:pic>
+        <p:nvPicPr>
+          <p:cNvPr id="5" name="Picture 4" descr="_deck_profile.png"/>
+          <p:cNvPicPr>
+            <a:picLocks noChangeAspect="1"/>
+          </p:cNvPicPr>
+          <p:nvPr/>
+        </p:nvPicPr>
+        <p:blipFill>
+          <a:blip r:embed="rId2"/>
+          <a:stretch>
+            <a:fillRect/>
+          </a:stretch>
+        </p:blipFill>
+        <p:spPr>
+          <a:xfrm>
+            <a:off x="457200" y="1051560"/>
+            <a:ext cx="731520" cy="731520"/>
+          </a:xfrm>
+          <a:prstGeom prst="rect">
+            <a:avLst/>
+          </a:prstGeom>
+        </p:spPr>
+      </p:pic>
+      <p:sp>
+        <p:nvSpPr>
+          <p:cNvPr id="6" name="TextBox 5"/>
+          <p:cNvSpPr txBox="1"/>
+          <p:nvPr/>
+        </p:nvSpPr>
+        <p:spPr>
+          <a:xfrm>
+            <a:off x="1325880" y="1051560"/>
+            <a:ext cx="6400800" cy="320040"/>
+          </a:xfrm>
+          <a:prstGeom prst="rect">
+            <a:avLst/>
+          </a:prstGeom>
+          <a:noFill/>
+        </p:spPr>
+        <p:txBody>
+          <a:bodyPr wrap="square"/>
+          <a:lstStyle/>
+          <a:p>
+            <a:pPr algn="l">
+              <a:spcBef>
+                <a:spcPts val="0"/>
+              </a:spcBef>
+              <a:spcAft>
+                <a:spcPts val="0"/>
+              </a:spcAft>
+            </a:pPr>
+            <a:r>
+              <a:rPr sz="1200" b="1">
+                <a:solidFill>
+                  <a:srgbClr val="1E293B"/>
+                </a:solidFill>
+                <a:latin typeface="IPAPGothic"/>
+              </a:rPr>
+              <a:t>佐藤卓也 — Universal Need株式会社 代表</a:t>
+            </a:r>
+          </a:p>
+        </p:txBody>
+      </p:sp>
+      <p:sp>
+        <p:nvSpPr>
+          <p:cNvPr id="7" name="TextBox 6"/>
+          <p:cNvSpPr txBox="1"/>
+          <p:nvPr/>
+        </p:nvSpPr>
+        <p:spPr>
+          <a:xfrm>
+            <a:off x="1325880" y="1389888"/>
+            <a:ext cx="6858000" cy="868680"/>
+          </a:xfrm>
+          <a:prstGeom prst="rect">
+            <a:avLst/>
+          </a:prstGeom>
+          <a:noFill/>
+        </p:spPr>
+        <p:txBody>
+          <a:bodyPr wrap="square"/>
+          <a:lstStyle/>
+          <a:p>
+            <a:pPr algn="l">
+              <a:spcBef>
+                <a:spcPts val="0"/>
+              </a:spcBef>
+              <a:spcAft>
+                <a:spcPts val="0"/>
+              </a:spcAft>
+            </a:pPr>
+            <a:r>
+              <a:rPr sz="1000" b="0">
+                <a:solidFill>
+                  <a:srgbClr val="475569"/>
+                </a:solidFill>
+                <a:latin typeface="IPAPGothic"/>
+              </a:rPr>
+              <a:t>大手コンサルティングファームでの経験を経て、半導体製造装置のエンジニアリング20年超。タイムレスタウン新浦安（250世帯）の自治会長として「ゆりかごから墓場まで」のコミュニティ運営を経験。SoulCarrier活動で「記憶が消える恐怖」を目の当たりにし、TokiStorageを着想。マウイ・山中湖でのオフグリッド実証を経て、制度に依存しない千年設計の技術を完成。</a:t>
+            </a:r>
+          </a:p>
+        </p:txBody>
+      </p:sp>
+      <p:sp>
+        <p:nvSpPr>
+          <p:cNvPr id="8" name="Rectangle 7"/>
           <p:cNvSpPr/>
           <p:nvPr/>
         </p:nvSpPr>
         <p:spPr>
           <a:xfrm>
-            <a:off x="457200" y="1051560"/>
-            <a:ext cx="640080" cy="640080"/>
-          </a:xfrm>
-          <a:prstGeom prst="ellipse">
-            <a:avLst/>
-          </a:prstGeom>
-          <a:solidFill>
-            <a:srgbClr val="1E293B"/>
-          </a:solidFill>
-          <a:ln>
-            <a:noFill/>
-          </a:ln>
-        </p:spPr>
-        <p:style>
-          <a:lnRef idx="1">
-            <a:schemeClr val="accent1"/>
-          </a:lnRef>
-          <a:fillRef idx="3">
-            <a:schemeClr val="accent1"/>
-          </a:fillRef>
-          <a:effectRef idx="2">
-            <a:schemeClr val="accent1"/>
-          </a:effectRef>
-          <a:fontRef idx="minor">
-            <a:schemeClr val="lt1"/>
-          </a:fontRef>
-        </p:style>
-        <p:txBody>
-          <a:bodyPr rtlCol="0" anchor="ctr"/>
-          <a:lstStyle/>
-          <a:p>
-            <a:pPr algn="ctr"/>
-          </a:p>
-        </p:txBody>
-      </p:sp>
-      <p:sp>
-        <p:nvSpPr>
-          <p:cNvPr id="6" name="TextBox 5"/>
-          <p:cNvSpPr txBox="1"/>
-          <p:nvPr/>
-        </p:nvSpPr>
-        <p:spPr>
-          <a:xfrm>
-            <a:off x="457200" y="1051560"/>
-            <a:ext cx="640080" cy="640080"/>
-          </a:xfrm>
-          <a:prstGeom prst="rect">
-            <a:avLst/>
-          </a:prstGeom>
-          <a:noFill/>
-        </p:spPr>
-        <p:txBody>
-          <a:bodyPr wrap="square" anchor="ctr"/>
-          <a:lstStyle/>
-          <a:p>
-            <a:pPr algn="ctr">
-              <a:spcBef>
-                <a:spcPts val="0"/>
-              </a:spcBef>
-              <a:spcAft>
-                <a:spcPts val="0"/>
-              </a:spcAft>
-            </a:pPr>
-            <a:r>
-              <a:rPr sz="1500" b="1">
-                <a:solidFill>
-                  <a:srgbClr val="FFFFFF"/>
-                </a:solidFill>
-                <a:latin typeface="IPAPGothic"/>
-              </a:rPr>
-              <a:t>佐</a:t>
-            </a:r>
-          </a:p>
-        </p:txBody>
-      </p:sp>
-      <p:sp>
-        <p:nvSpPr>
-          <p:cNvPr id="7" name="TextBox 6"/>
-          <p:cNvSpPr txBox="1"/>
-          <p:nvPr/>
-        </p:nvSpPr>
-        <p:spPr>
-          <a:xfrm>
-            <a:off x="1234440" y="1051560"/>
-            <a:ext cx="6400800" cy="292608"/>
-          </a:xfrm>
-          <a:prstGeom prst="rect">
-            <a:avLst/>
-          </a:prstGeom>
-          <a:noFill/>
-        </p:spPr>
-        <p:txBody>
-          <a:bodyPr wrap="square"/>
-          <a:lstStyle/>
-          <a:p>
-            <a:pPr algn="l">
-              <a:spcBef>
-                <a:spcPts val="0"/>
-              </a:spcBef>
-              <a:spcAft>
-                <a:spcPts val="0"/>
-              </a:spcAft>
-            </a:pPr>
-            <a:r>
-              <a:rPr sz="1200" b="1">
-                <a:solidFill>
-                  <a:srgbClr val="1E293B"/>
-                </a:solidFill>
-                <a:latin typeface="IPAPGothic"/>
-              </a:rPr>
-              <a:t>佐藤卓也 — Universal Need株式会社 代表</a:t>
-            </a:r>
-          </a:p>
-        </p:txBody>
-      </p:sp>
-      <p:sp>
-        <p:nvSpPr>
-          <p:cNvPr id="8" name="TextBox 7"/>
-          <p:cNvSpPr txBox="1"/>
-          <p:nvPr/>
-        </p:nvSpPr>
-        <p:spPr>
-          <a:xfrm>
-            <a:off x="1234440" y="1353312"/>
-            <a:ext cx="6858000" cy="914400"/>
-          </a:xfrm>
-          <a:prstGeom prst="rect">
-            <a:avLst/>
-          </a:prstGeom>
-          <a:noFill/>
-        </p:spPr>
-        <p:txBody>
-          <a:bodyPr wrap="square"/>
-          <a:lstStyle/>
-          <a:p>
-            <a:pPr algn="l">
-              <a:spcBef>
-                <a:spcPts val="0"/>
-              </a:spcBef>
-              <a:spcAft>
-                <a:spcPts val="0"/>
-              </a:spcAft>
-            </a:pPr>
-            <a:r>
-              <a:rPr sz="1000" b="0">
-                <a:solidFill>
-                  <a:srgbClr val="475569"/>
-                </a:solidFill>
-                <a:latin typeface="IPAPGothic"/>
-              </a:rPr>
-              <a:t>大手コンサルティングファームでの経験を経て、半導体製造装置のエンジニアリング20年超。タイムレスタウン新浦安（250世帯）の自治会長として「ゆりかごから墓場まで」のコミュニティ運営を経験。SoulCarrier活動で「記憶が消える恐怖」を目の当たりにし、TokiStorageを着想。マウイ・山中湖でのオフグリッド実証を経て、制度に依存しない千年設計の技術を完成。</a:t>
-            </a:r>
-          </a:p>
-        </p:txBody>
-      </p:sp>
-      <p:sp>
-        <p:nvSpPr>
-          <p:cNvPr id="9" name="Rectangle 8"/>
-          <p:cNvSpPr/>
-          <p:nvPr/>
-        </p:nvSpPr>
-        <p:spPr>
-          <a:xfrm>
-            <a:off x="1234440" y="2286000"/>
-            <a:ext cx="845819" cy="237744"/>
+            <a:off x="1325880" y="2286000"/>
+            <a:ext cx="982980" cy="274320"/>
           </a:xfrm>
           <a:prstGeom prst="rect">
             <a:avLst/>
@@ -11370,14 +11702,14 @@
       </p:sp>
       <p:sp>
         <p:nvSpPr>
-          <p:cNvPr id="10" name="TextBox 9"/>
-          <p:cNvSpPr txBox="1"/>
-          <p:nvPr/>
-        </p:nvSpPr>
-        <p:spPr>
-          <a:xfrm>
-            <a:off x="1280160" y="2286000"/>
-            <a:ext cx="754379" cy="237744"/>
+          <p:cNvPr id="9" name="TextBox 8"/>
+          <p:cNvSpPr txBox="1"/>
+          <p:nvPr/>
+        </p:nvSpPr>
+        <p:spPr>
+          <a:xfrm>
+            <a:off x="1417320" y="2286000"/>
+            <a:ext cx="800100" cy="274320"/>
           </a:xfrm>
           <a:prstGeom prst="rect">
             <a:avLst/>
@@ -11410,14 +11742,14 @@
       </p:sp>
       <p:sp>
         <p:nvSpPr>
-          <p:cNvPr id="11" name="Rectangle 10"/>
+          <p:cNvPr id="10" name="Rectangle 9"/>
           <p:cNvSpPr/>
           <p:nvPr/>
         </p:nvSpPr>
         <p:spPr>
           <a:xfrm>
-            <a:off x="2153411" y="2286000"/>
-            <a:ext cx="1325880" cy="237744"/>
+            <a:off x="2400300" y="2286000"/>
+            <a:ext cx="1463040" cy="274320"/>
           </a:xfrm>
           <a:prstGeom prst="rect">
             <a:avLst/>
@@ -11455,14 +11787,14 @@
       </p:sp>
       <p:sp>
         <p:nvSpPr>
-          <p:cNvPr id="12" name="TextBox 11"/>
-          <p:cNvSpPr txBox="1"/>
-          <p:nvPr/>
-        </p:nvSpPr>
-        <p:spPr>
-          <a:xfrm>
-            <a:off x="2199131" y="2286000"/>
-            <a:ext cx="1234440" cy="237744"/>
+          <p:cNvPr id="11" name="TextBox 10"/>
+          <p:cNvSpPr txBox="1"/>
+          <p:nvPr/>
+        </p:nvSpPr>
+        <p:spPr>
+          <a:xfrm>
+            <a:off x="2491740" y="2286000"/>
+            <a:ext cx="1280160" cy="274320"/>
           </a:xfrm>
           <a:prstGeom prst="rect">
             <a:avLst/>
@@ -11495,14 +11827,14 @@
       </p:sp>
       <p:sp>
         <p:nvSpPr>
-          <p:cNvPr id="13" name="Rectangle 12"/>
+          <p:cNvPr id="12" name="Rectangle 11"/>
           <p:cNvSpPr/>
           <p:nvPr/>
         </p:nvSpPr>
         <p:spPr>
           <a:xfrm>
-            <a:off x="3552443" y="2286000"/>
-            <a:ext cx="982980" cy="237744"/>
+            <a:off x="3954780" y="2286000"/>
+            <a:ext cx="1120140" cy="274320"/>
           </a:xfrm>
           <a:prstGeom prst="rect">
             <a:avLst/>
@@ -11540,14 +11872,14 @@
       </p:sp>
       <p:sp>
         <p:nvSpPr>
-          <p:cNvPr id="14" name="TextBox 13"/>
-          <p:cNvSpPr txBox="1"/>
-          <p:nvPr/>
-        </p:nvSpPr>
-        <p:spPr>
-          <a:xfrm>
-            <a:off x="3598163" y="2286000"/>
-            <a:ext cx="891540" cy="237744"/>
+          <p:cNvPr id="13" name="TextBox 12"/>
+          <p:cNvSpPr txBox="1"/>
+          <p:nvPr/>
+        </p:nvSpPr>
+        <p:spPr>
+          <a:xfrm>
+            <a:off x="4046220" y="2286000"/>
+            <a:ext cx="937260" cy="274320"/>
           </a:xfrm>
           <a:prstGeom prst="rect">
             <a:avLst/>
@@ -11580,14 +11912,14 @@
       </p:sp>
       <p:sp>
         <p:nvSpPr>
-          <p:cNvPr id="15" name="Rectangle 14"/>
+          <p:cNvPr id="14" name="Rectangle 13"/>
           <p:cNvSpPr/>
           <p:nvPr/>
         </p:nvSpPr>
         <p:spPr>
           <a:xfrm>
-            <a:off x="4608575" y="2286000"/>
-            <a:ext cx="1120140" cy="237744"/>
+            <a:off x="5166360" y="2286000"/>
+            <a:ext cx="1257300" cy="274320"/>
           </a:xfrm>
           <a:prstGeom prst="rect">
             <a:avLst/>
@@ -11625,14 +11957,14 @@
       </p:sp>
       <p:sp>
         <p:nvSpPr>
-          <p:cNvPr id="16" name="TextBox 15"/>
-          <p:cNvSpPr txBox="1"/>
-          <p:nvPr/>
-        </p:nvSpPr>
-        <p:spPr>
-          <a:xfrm>
-            <a:off x="4654295" y="2286000"/>
-            <a:ext cx="1028700" cy="237744"/>
+          <p:cNvPr id="15" name="TextBox 14"/>
+          <p:cNvSpPr txBox="1"/>
+          <p:nvPr/>
+        </p:nvSpPr>
+        <p:spPr>
+          <a:xfrm>
+            <a:off x="5257800" y="2286000"/>
+            <a:ext cx="1074420" cy="274320"/>
           </a:xfrm>
           <a:prstGeom prst="rect">
             <a:avLst/>
@@ -11665,14 +11997,14 @@
       </p:sp>
       <p:sp>
         <p:nvSpPr>
-          <p:cNvPr id="17" name="Rectangle 16"/>
+          <p:cNvPr id="16" name="Rectangle 15"/>
           <p:cNvSpPr/>
           <p:nvPr/>
         </p:nvSpPr>
         <p:spPr>
           <a:xfrm>
-            <a:off x="5801867" y="2286000"/>
-            <a:ext cx="914400" cy="237744"/>
+            <a:off x="6515100" y="2286000"/>
+            <a:ext cx="1051560" cy="274320"/>
           </a:xfrm>
           <a:prstGeom prst="rect">
             <a:avLst/>
@@ -11710,14 +12042,14 @@
       </p:sp>
       <p:sp>
         <p:nvSpPr>
-          <p:cNvPr id="18" name="TextBox 17"/>
-          <p:cNvSpPr txBox="1"/>
-          <p:nvPr/>
-        </p:nvSpPr>
-        <p:spPr>
-          <a:xfrm>
-            <a:off x="5847587" y="2286000"/>
-            <a:ext cx="822960" cy="237744"/>
+          <p:cNvPr id="17" name="TextBox 16"/>
+          <p:cNvSpPr txBox="1"/>
+          <p:nvPr/>
+        </p:nvSpPr>
+        <p:spPr>
+          <a:xfrm>
+            <a:off x="6606540" y="2286000"/>
+            <a:ext cx="868680" cy="274320"/>
           </a:xfrm>
           <a:prstGeom prst="rect">
             <a:avLst/>
@@ -11750,14 +12082,14 @@
       </p:sp>
       <p:sp>
         <p:nvSpPr>
-          <p:cNvPr id="19" name="Rectangle 18"/>
+          <p:cNvPr id="18" name="Rectangle 17"/>
           <p:cNvSpPr/>
           <p:nvPr/>
         </p:nvSpPr>
         <p:spPr>
           <a:xfrm>
-            <a:off x="6789419" y="2286000"/>
-            <a:ext cx="1188720" cy="237744"/>
+            <a:off x="1325880" y="2606040"/>
+            <a:ext cx="1325880" cy="274320"/>
           </a:xfrm>
           <a:prstGeom prst="rect">
             <a:avLst/>
@@ -11795,14 +12127,14 @@
       </p:sp>
       <p:sp>
         <p:nvSpPr>
-          <p:cNvPr id="20" name="TextBox 19"/>
-          <p:cNvSpPr txBox="1"/>
-          <p:nvPr/>
-        </p:nvSpPr>
-        <p:spPr>
-          <a:xfrm>
-            <a:off x="6835139" y="2286000"/>
-            <a:ext cx="1097280" cy="237744"/>
+          <p:cNvPr id="19" name="TextBox 18"/>
+          <p:cNvSpPr txBox="1"/>
+          <p:nvPr/>
+        </p:nvSpPr>
+        <p:spPr>
+          <a:xfrm>
+            <a:off x="1417320" y="2606040"/>
+            <a:ext cx="1143000" cy="274320"/>
           </a:xfrm>
           <a:prstGeom prst="rect">
             <a:avLst/>
@@ -11835,14 +12167,14 @@
       </p:sp>
       <p:sp>
         <p:nvSpPr>
-          <p:cNvPr id="21" name="Rectangle 20"/>
+          <p:cNvPr id="20" name="Rectangle 19"/>
           <p:cNvSpPr/>
           <p:nvPr/>
         </p:nvSpPr>
         <p:spPr>
           <a:xfrm>
-            <a:off x="457200" y="2670048"/>
-            <a:ext cx="7863840" cy="2034540"/>
+            <a:off x="457200" y="3044952"/>
+            <a:ext cx="7863840" cy="777240"/>
           </a:xfrm>
           <a:prstGeom prst="rect">
             <a:avLst/>
@@ -11878,14 +12210,14 @@
       </p:sp>
       <p:sp>
         <p:nvSpPr>
-          <p:cNvPr id="22" name="Rectangle 21"/>
+          <p:cNvPr id="21" name="Rectangle 20"/>
           <p:cNvSpPr/>
           <p:nvPr/>
         </p:nvSpPr>
         <p:spPr>
           <a:xfrm>
-            <a:off x="457200" y="2670048"/>
-            <a:ext cx="54864" cy="2034540"/>
+            <a:off x="457200" y="3044952"/>
+            <a:ext cx="54864" cy="777240"/>
           </a:xfrm>
           <a:prstGeom prst="rect">
             <a:avLst/>
@@ -11921,14 +12253,54 @@
       </p:sp>
       <p:sp>
         <p:nvSpPr>
+          <p:cNvPr id="22" name="TextBox 21"/>
+          <p:cNvSpPr txBox="1"/>
+          <p:nvPr/>
+        </p:nvSpPr>
+        <p:spPr>
+          <a:xfrm>
+            <a:off x="685800" y="3118104"/>
+            <a:ext cx="7543800" cy="237744"/>
+          </a:xfrm>
+          <a:prstGeom prst="rect">
+            <a:avLst/>
+          </a:prstGeom>
+          <a:noFill/>
+        </p:spPr>
+        <p:txBody>
+          <a:bodyPr wrap="square"/>
+          <a:lstStyle/>
+          <a:p>
+            <a:pPr algn="l">
+              <a:spcBef>
+                <a:spcPts val="0"/>
+              </a:spcBef>
+              <a:spcAft>
+                <a:spcPts val="0"/>
+              </a:spcAft>
+            </a:pPr>
+            <a:r>
+              <a:rPr sz="1000" b="1">
+                <a:solidFill>
+                  <a:srgbClr val="1E293B"/>
+                </a:solidFill>
+                <a:latin typeface="IPAPGothic"/>
+              </a:rPr>
+              <a:t>独立性（Independence）について</a:t>
+            </a:r>
+          </a:p>
+        </p:txBody>
+      </p:sp>
+      <p:sp>
+        <p:nvSpPr>
           <p:cNvPr id="23" name="TextBox 22"/>
           <p:cNvSpPr txBox="1"/>
           <p:nvPr/>
         </p:nvSpPr>
         <p:spPr>
           <a:xfrm>
-            <a:off x="685800" y="2743200"/>
-            <a:ext cx="7543800" cy="237744"/>
+            <a:off x="685800" y="3374136"/>
+            <a:ext cx="7543800" cy="393192"/>
           </a:xfrm>
           <a:prstGeom prst="rect">
             <a:avLst/>
@@ -11948,46 +12320,6 @@
               </a:spcAft>
             </a:pPr>
             <a:r>
-              <a:rPr sz="1000" b="1">
-                <a:solidFill>
-                  <a:srgbClr val="1E293B"/>
-                </a:solidFill>
-                <a:latin typeface="IPAPGothic"/>
-              </a:rPr>
-              <a:t>独立性（Independence）について</a:t>
-            </a:r>
-          </a:p>
-        </p:txBody>
-      </p:sp>
-      <p:sp>
-        <p:nvSpPr>
-          <p:cNvPr id="24" name="TextBox 23"/>
-          <p:cNvSpPr txBox="1"/>
-          <p:nvPr/>
-        </p:nvSpPr>
-        <p:spPr>
-          <a:xfrm>
-            <a:off x="685800" y="2999232"/>
-            <a:ext cx="7543800" cy="1650492"/>
-          </a:xfrm>
-          <a:prstGeom prst="rect">
-            <a:avLst/>
-          </a:prstGeom>
-          <a:noFill/>
-        </p:spPr>
-        <p:txBody>
-          <a:bodyPr wrap="square"/>
-          <a:lstStyle/>
-          <a:p>
-            <a:pPr algn="l">
-              <a:spcBef>
-                <a:spcPts val="0"/>
-              </a:spcBef>
-              <a:spcAft>
-                <a:spcPts val="0"/>
-              </a:spcAft>
-            </a:pPr>
-            <a:r>
               <a:rPr sz="1000" b="0">
                 <a:solidFill>
                   <a:srgbClr val="475569"/>
@@ -12001,7 +12333,7 @@
       </p:sp>
       <p:sp>
         <p:nvSpPr>
-          <p:cNvPr id="25" name="Rectangle 24"/>
+          <p:cNvPr id="24" name="Rectangle 23"/>
           <p:cNvSpPr/>
           <p:nvPr/>
         </p:nvSpPr>
@@ -12044,7 +12376,7 @@
       </p:sp>
       <p:sp>
         <p:nvSpPr>
-          <p:cNvPr id="26" name="TextBox 25"/>
+          <p:cNvPr id="25" name="TextBox 24"/>
           <p:cNvSpPr txBox="1"/>
           <p:nvPr/>
         </p:nvSpPr>
@@ -12084,7 +12416,7 @@
       </p:sp>
       <p:sp>
         <p:nvSpPr>
-          <p:cNvPr id="27" name="TextBox 26"/>
+          <p:cNvPr id="26" name="TextBox 25"/>
           <p:cNvSpPr txBox="1"/>
           <p:nvPr/>
         </p:nvSpPr>
@@ -12124,7 +12456,7 @@
       </p:sp>
       <p:sp>
         <p:nvSpPr>
-          <p:cNvPr id="28" name="TextBox 27"/>
+          <p:cNvPr id="27" name="TextBox 26"/>
           <p:cNvSpPr txBox="1"/>
           <p:nvPr/>
         </p:nvSpPr>
@@ -12271,8 +12603,8 @@
         </p:nvSpPr>
         <p:spPr>
           <a:xfrm>
-            <a:off x="914400" y="1188720"/>
-            <a:ext cx="7315200" cy="1097280"/>
+            <a:off x="457200" y="777240"/>
+            <a:ext cx="7315200" cy="457200"/>
           </a:xfrm>
           <a:prstGeom prst="rect">
             <a:avLst/>
@@ -12283,6 +12615,89 @@
           <a:bodyPr wrap="square"/>
           <a:lstStyle/>
           <a:p>
+            <a:pPr algn="l">
+              <a:spcBef>
+                <a:spcPts val="0"/>
+              </a:spcBef>
+              <a:spcAft>
+                <a:spcPts val="0"/>
+              </a:spcAft>
+            </a:pPr>
+            <a:r>
+              <a:rPr sz="2000" b="1">
+                <a:solidFill>
+                  <a:srgbClr val="FFFFFF"/>
+                </a:solidFill>
+                <a:latin typeface="IPAPGothic"/>
+              </a:rPr>
+              <a:t>ご検討のステップ</a:t>
+            </a:r>
+          </a:p>
+        </p:txBody>
+      </p:sp>
+      <p:sp>
+        <p:nvSpPr>
+          <p:cNvPr id="5" name="Oval 4"/>
+          <p:cNvSpPr/>
+          <p:nvPr/>
+        </p:nvSpPr>
+        <p:spPr>
+          <a:xfrm>
+            <a:off x="731520" y="1554480"/>
+            <a:ext cx="384048" cy="384048"/>
+          </a:xfrm>
+          <a:prstGeom prst="ellipse">
+            <a:avLst/>
+          </a:prstGeom>
+          <a:solidFill>
+            <a:srgbClr val="2563EB"/>
+          </a:solidFill>
+          <a:ln>
+            <a:noFill/>
+          </a:ln>
+        </p:spPr>
+        <p:style>
+          <a:lnRef idx="1">
+            <a:schemeClr val="accent1"/>
+          </a:lnRef>
+          <a:fillRef idx="3">
+            <a:schemeClr val="accent1"/>
+          </a:fillRef>
+          <a:effectRef idx="2">
+            <a:schemeClr val="accent1"/>
+          </a:effectRef>
+          <a:fontRef idx="minor">
+            <a:schemeClr val="lt1"/>
+          </a:fontRef>
+        </p:style>
+        <p:txBody>
+          <a:bodyPr rtlCol="0" anchor="ctr"/>
+          <a:lstStyle/>
+          <a:p>
+            <a:pPr algn="ctr"/>
+          </a:p>
+        </p:txBody>
+      </p:sp>
+      <p:sp>
+        <p:nvSpPr>
+          <p:cNvPr id="6" name="TextBox 5"/>
+          <p:cNvSpPr txBox="1"/>
+          <p:nvPr/>
+        </p:nvSpPr>
+        <p:spPr>
+          <a:xfrm>
+            <a:off x="731520" y="1554480"/>
+            <a:ext cx="384048" cy="384048"/>
+          </a:xfrm>
+          <a:prstGeom prst="rect">
+            <a:avLst/>
+          </a:prstGeom>
+          <a:noFill/>
+        </p:spPr>
+        <p:txBody>
+          <a:bodyPr wrap="square" anchor="ctr"/>
+          <a:lstStyle/>
+          <a:p>
             <a:pPr algn="ctr">
               <a:spcBef>
                 <a:spcPts val="0"/>
@@ -12292,27 +12707,27 @@
               </a:spcAft>
             </a:pPr>
             <a:r>
-              <a:rPr sz="2600" b="1">
+              <a:rPr sz="1000" b="1">
                 <a:solidFill>
                   <a:srgbClr val="FFFFFF"/>
                 </a:solidFill>
                 <a:latin typeface="IPAPGothic"/>
               </a:rPr>
-              <a:t>まずは30分、お話ししませんか。</a:t>
-            </a:r>
-          </a:p>
-        </p:txBody>
-      </p:sp>
-      <p:sp>
-        <p:nvSpPr>
-          <p:cNvPr id="5" name="TextBox 4"/>
-          <p:cNvSpPr txBox="1"/>
-          <p:nvPr/>
-        </p:nvSpPr>
-        <p:spPr>
-          <a:xfrm>
-            <a:off x="1371600" y="2560320"/>
-            <a:ext cx="6400800" cy="1097280"/>
+              <a:t>01</a:t>
+            </a:r>
+          </a:p>
+        </p:txBody>
+      </p:sp>
+      <p:sp>
+        <p:nvSpPr>
+          <p:cNvPr id="7" name="TextBox 6"/>
+          <p:cNvSpPr txBox="1"/>
+          <p:nvPr/>
+        </p:nvSpPr>
+        <p:spPr>
+          <a:xfrm>
+            <a:off x="1280160" y="1517904"/>
+            <a:ext cx="3657600" cy="274320"/>
           </a:xfrm>
           <a:prstGeom prst="rect">
             <a:avLst/>
@@ -12323,6 +12738,129 @@
           <a:bodyPr wrap="square"/>
           <a:lstStyle/>
           <a:p>
+            <a:pPr algn="l">
+              <a:spcBef>
+                <a:spcPts val="0"/>
+              </a:spcBef>
+              <a:spcAft>
+                <a:spcPts val="0"/>
+              </a:spcAft>
+            </a:pPr>
+            <a:r>
+              <a:rPr sz="1200" b="1">
+                <a:solidFill>
+                  <a:srgbClr val="FFFFFF"/>
+                </a:solidFill>
+                <a:latin typeface="IPAPGothic"/>
+              </a:rPr>
+              <a:t>初回ミーティング（30分）</a:t>
+            </a:r>
+          </a:p>
+        </p:txBody>
+      </p:sp>
+      <p:sp>
+        <p:nvSpPr>
+          <p:cNvPr id="8" name="TextBox 7"/>
+          <p:cNvSpPr txBox="1"/>
+          <p:nvPr/>
+        </p:nvSpPr>
+        <p:spPr>
+          <a:xfrm>
+            <a:off x="1280160" y="1773936"/>
+            <a:ext cx="6400800" cy="237744"/>
+          </a:xfrm>
+          <a:prstGeom prst="rect">
+            <a:avLst/>
+          </a:prstGeom>
+          <a:noFill/>
+        </p:spPr>
+        <p:txBody>
+          <a:bodyPr wrap="square"/>
+          <a:lstStyle/>
+          <a:p>
+            <a:pPr algn="l">
+              <a:spcBef>
+                <a:spcPts val="0"/>
+              </a:spcBef>
+              <a:spcAft>
+                <a:spcPts val="0"/>
+              </a:spcAft>
+            </a:pPr>
+            <a:r>
+              <a:rPr sz="1000" b="0">
+                <a:solidFill>
+                  <a:srgbClr val="BBBBCC"/>
+                </a:solidFill>
+                <a:latin typeface="IPAPGothic"/>
+              </a:rPr>
+              <a:t>貴社クライアントの課題感・ポートフォリオを共有</a:t>
+            </a:r>
+          </a:p>
+        </p:txBody>
+      </p:sp>
+      <p:sp>
+        <p:nvSpPr>
+          <p:cNvPr id="9" name="Oval 8"/>
+          <p:cNvSpPr/>
+          <p:nvPr/>
+        </p:nvSpPr>
+        <p:spPr>
+          <a:xfrm>
+            <a:off x="731520" y="2212848"/>
+            <a:ext cx="384048" cy="384048"/>
+          </a:xfrm>
+          <a:prstGeom prst="ellipse">
+            <a:avLst/>
+          </a:prstGeom>
+          <a:solidFill>
+            <a:srgbClr val="2563EB"/>
+          </a:solidFill>
+          <a:ln>
+            <a:noFill/>
+          </a:ln>
+        </p:spPr>
+        <p:style>
+          <a:lnRef idx="1">
+            <a:schemeClr val="accent1"/>
+          </a:lnRef>
+          <a:fillRef idx="3">
+            <a:schemeClr val="accent1"/>
+          </a:fillRef>
+          <a:effectRef idx="2">
+            <a:schemeClr val="accent1"/>
+          </a:effectRef>
+          <a:fontRef idx="minor">
+            <a:schemeClr val="lt1"/>
+          </a:fontRef>
+        </p:style>
+        <p:txBody>
+          <a:bodyPr rtlCol="0" anchor="ctr"/>
+          <a:lstStyle/>
+          <a:p>
+            <a:pPr algn="ctr"/>
+          </a:p>
+        </p:txBody>
+      </p:sp>
+      <p:sp>
+        <p:nvSpPr>
+          <p:cNvPr id="10" name="TextBox 9"/>
+          <p:cNvSpPr txBox="1"/>
+          <p:nvPr/>
+        </p:nvSpPr>
+        <p:spPr>
+          <a:xfrm>
+            <a:off x="731520" y="2212848"/>
+            <a:ext cx="384048" cy="384048"/>
+          </a:xfrm>
+          <a:prstGeom prst="rect">
+            <a:avLst/>
+          </a:prstGeom>
+          <a:noFill/>
+        </p:spPr>
+        <p:txBody>
+          <a:bodyPr wrap="square" anchor="ctr"/>
+          <a:lstStyle/>
+          <a:p>
             <a:pPr algn="ctr">
               <a:spcBef>
                 <a:spcPts val="0"/>
@@ -12332,22 +12870,466 @@
               </a:spcAft>
             </a:pPr>
             <a:r>
-              <a:rPr sz="1300" b="0">
+              <a:rPr sz="1000" b="1">
+                <a:solidFill>
+                  <a:srgbClr val="FFFFFF"/>
+                </a:solidFill>
+                <a:latin typeface="IPAPGothic"/>
+              </a:rPr>
+              <a:t>02</a:t>
+            </a:r>
+          </a:p>
+        </p:txBody>
+      </p:sp>
+      <p:sp>
+        <p:nvSpPr>
+          <p:cNvPr id="11" name="TextBox 10"/>
+          <p:cNvSpPr txBox="1"/>
+          <p:nvPr/>
+        </p:nvSpPr>
+        <p:spPr>
+          <a:xfrm>
+            <a:off x="1280160" y="2176272"/>
+            <a:ext cx="3657600" cy="274320"/>
+          </a:xfrm>
+          <a:prstGeom prst="rect">
+            <a:avLst/>
+          </a:prstGeom>
+          <a:noFill/>
+        </p:spPr>
+        <p:txBody>
+          <a:bodyPr wrap="square"/>
+          <a:lstStyle/>
+          <a:p>
+            <a:pPr algn="l">
+              <a:spcBef>
+                <a:spcPts val="0"/>
+              </a:spcBef>
+              <a:spcAft>
+                <a:spcPts val="0"/>
+              </a:spcAft>
+            </a:pPr>
+            <a:r>
+              <a:rPr sz="1200" b="1">
+                <a:solidFill>
+                  <a:srgbClr val="FFFFFF"/>
+                </a:solidFill>
+                <a:latin typeface="IPAPGothic"/>
+              </a:rPr>
+              <a:t>ユースケース選定</a:t>
+            </a:r>
+          </a:p>
+        </p:txBody>
+      </p:sp>
+      <p:sp>
+        <p:nvSpPr>
+          <p:cNvPr id="12" name="TextBox 11"/>
+          <p:cNvSpPr txBox="1"/>
+          <p:nvPr/>
+        </p:nvSpPr>
+        <p:spPr>
+          <a:xfrm>
+            <a:off x="1280160" y="2432304"/>
+            <a:ext cx="6400800" cy="237744"/>
+          </a:xfrm>
+          <a:prstGeom prst="rect">
+            <a:avLst/>
+          </a:prstGeom>
+          <a:noFill/>
+        </p:spPr>
+        <p:txBody>
+          <a:bodyPr wrap="square"/>
+          <a:lstStyle/>
+          <a:p>
+            <a:pPr algn="l">
+              <a:spcBef>
+                <a:spcPts val="0"/>
+              </a:spcBef>
+              <a:spcAft>
+                <a:spcPts val="0"/>
+              </a:spcAft>
+            </a:pPr>
+            <a:r>
+              <a:rPr sz="1000" b="0">
                 <a:solidFill>
                   <a:srgbClr val="BBBBCC"/>
                 </a:solidFill>
                 <a:latin typeface="IPAPGothic"/>
               </a:rPr>
-              <a:t>提携の形は柔軟に設計できます。
-貴社クライアントの具体的な課題から逆算して、
-一緒に最適なモデルを見つけましょう。</a:t>
-            </a:r>
-          </a:p>
-        </p:txBody>
-      </p:sp>
-      <p:sp>
-        <p:nvSpPr>
-          <p:cNvPr id="6" name="Rectangle 5"/>
+              <a:t>貴社クライアントとの親和性が高い領域を整理</a:t>
+            </a:r>
+          </a:p>
+        </p:txBody>
+      </p:sp>
+      <p:sp>
+        <p:nvSpPr>
+          <p:cNvPr id="13" name="Oval 12"/>
+          <p:cNvSpPr/>
+          <p:nvPr/>
+        </p:nvSpPr>
+        <p:spPr>
+          <a:xfrm>
+            <a:off x="731520" y="2871216"/>
+            <a:ext cx="384048" cy="384048"/>
+          </a:xfrm>
+          <a:prstGeom prst="ellipse">
+            <a:avLst/>
+          </a:prstGeom>
+          <a:solidFill>
+            <a:srgbClr val="2563EB"/>
+          </a:solidFill>
+          <a:ln>
+            <a:noFill/>
+          </a:ln>
+        </p:spPr>
+        <p:style>
+          <a:lnRef idx="1">
+            <a:schemeClr val="accent1"/>
+          </a:lnRef>
+          <a:fillRef idx="3">
+            <a:schemeClr val="accent1"/>
+          </a:fillRef>
+          <a:effectRef idx="2">
+            <a:schemeClr val="accent1"/>
+          </a:effectRef>
+          <a:fontRef idx="minor">
+            <a:schemeClr val="lt1"/>
+          </a:fontRef>
+        </p:style>
+        <p:txBody>
+          <a:bodyPr rtlCol="0" anchor="ctr"/>
+          <a:lstStyle/>
+          <a:p>
+            <a:pPr algn="ctr"/>
+          </a:p>
+        </p:txBody>
+      </p:sp>
+      <p:sp>
+        <p:nvSpPr>
+          <p:cNvPr id="14" name="TextBox 13"/>
+          <p:cNvSpPr txBox="1"/>
+          <p:nvPr/>
+        </p:nvSpPr>
+        <p:spPr>
+          <a:xfrm>
+            <a:off x="731520" y="2871216"/>
+            <a:ext cx="384048" cy="384048"/>
+          </a:xfrm>
+          <a:prstGeom prst="rect">
+            <a:avLst/>
+          </a:prstGeom>
+          <a:noFill/>
+        </p:spPr>
+        <p:txBody>
+          <a:bodyPr wrap="square" anchor="ctr"/>
+          <a:lstStyle/>
+          <a:p>
+            <a:pPr algn="ctr">
+              <a:spcBef>
+                <a:spcPts val="0"/>
+              </a:spcBef>
+              <a:spcAft>
+                <a:spcPts val="0"/>
+              </a:spcAft>
+            </a:pPr>
+            <a:r>
+              <a:rPr sz="1000" b="1">
+                <a:solidFill>
+                  <a:srgbClr val="FFFFFF"/>
+                </a:solidFill>
+                <a:latin typeface="IPAPGothic"/>
+              </a:rPr>
+              <a:t>03</a:t>
+            </a:r>
+          </a:p>
+        </p:txBody>
+      </p:sp>
+      <p:sp>
+        <p:nvSpPr>
+          <p:cNvPr id="15" name="TextBox 14"/>
+          <p:cNvSpPr txBox="1"/>
+          <p:nvPr/>
+        </p:nvSpPr>
+        <p:spPr>
+          <a:xfrm>
+            <a:off x="1280160" y="2834640"/>
+            <a:ext cx="3657600" cy="274320"/>
+          </a:xfrm>
+          <a:prstGeom prst="rect">
+            <a:avLst/>
+          </a:prstGeom>
+          <a:noFill/>
+        </p:spPr>
+        <p:txBody>
+          <a:bodyPr wrap="square"/>
+          <a:lstStyle/>
+          <a:p>
+            <a:pPr algn="l">
+              <a:spcBef>
+                <a:spcPts val="0"/>
+              </a:spcBef>
+              <a:spcAft>
+                <a:spcPts val="0"/>
+              </a:spcAft>
+            </a:pPr>
+            <a:r>
+              <a:rPr sz="1200" b="1">
+                <a:solidFill>
+                  <a:srgbClr val="FFFFFF"/>
+                </a:solidFill>
+                <a:latin typeface="IPAPGothic"/>
+              </a:rPr>
+              <a:t>提携モデル設計</a:t>
+            </a:r>
+          </a:p>
+        </p:txBody>
+      </p:sp>
+      <p:sp>
+        <p:nvSpPr>
+          <p:cNvPr id="16" name="TextBox 15"/>
+          <p:cNvSpPr txBox="1"/>
+          <p:nvPr/>
+        </p:nvSpPr>
+        <p:spPr>
+          <a:xfrm>
+            <a:off x="1280160" y="3090672"/>
+            <a:ext cx="6400800" cy="237744"/>
+          </a:xfrm>
+          <a:prstGeom prst="rect">
+            <a:avLst/>
+          </a:prstGeom>
+          <a:noFill/>
+        </p:spPr>
+        <p:txBody>
+          <a:bodyPr wrap="square"/>
+          <a:lstStyle/>
+          <a:p>
+            <a:pPr algn="l">
+              <a:spcBef>
+                <a:spcPts val="0"/>
+              </a:spcBef>
+              <a:spcAft>
+                <a:spcPts val="0"/>
+              </a:spcAft>
+            </a:pPr>
+            <a:r>
+              <a:rPr sz="1000" b="0">
+                <a:solidFill>
+                  <a:srgbClr val="BBBBCC"/>
+                </a:solidFill>
+                <a:latin typeface="IPAPGothic"/>
+              </a:rPr>
+              <a:t>最適なモデルの選択・条件・スコープの整理</a:t>
+            </a:r>
+          </a:p>
+        </p:txBody>
+      </p:sp>
+      <p:sp>
+        <p:nvSpPr>
+          <p:cNvPr id="17" name="Oval 16"/>
+          <p:cNvSpPr/>
+          <p:nvPr/>
+        </p:nvSpPr>
+        <p:spPr>
+          <a:xfrm>
+            <a:off x="731520" y="3529584"/>
+            <a:ext cx="384048" cy="384048"/>
+          </a:xfrm>
+          <a:prstGeom prst="ellipse">
+            <a:avLst/>
+          </a:prstGeom>
+          <a:solidFill>
+            <a:srgbClr val="2563EB"/>
+          </a:solidFill>
+          <a:ln>
+            <a:noFill/>
+          </a:ln>
+        </p:spPr>
+        <p:style>
+          <a:lnRef idx="1">
+            <a:schemeClr val="accent1"/>
+          </a:lnRef>
+          <a:fillRef idx="3">
+            <a:schemeClr val="accent1"/>
+          </a:fillRef>
+          <a:effectRef idx="2">
+            <a:schemeClr val="accent1"/>
+          </a:effectRef>
+          <a:fontRef idx="minor">
+            <a:schemeClr val="lt1"/>
+          </a:fontRef>
+        </p:style>
+        <p:txBody>
+          <a:bodyPr rtlCol="0" anchor="ctr"/>
+          <a:lstStyle/>
+          <a:p>
+            <a:pPr algn="ctr"/>
+          </a:p>
+        </p:txBody>
+      </p:sp>
+      <p:sp>
+        <p:nvSpPr>
+          <p:cNvPr id="18" name="TextBox 17"/>
+          <p:cNvSpPr txBox="1"/>
+          <p:nvPr/>
+        </p:nvSpPr>
+        <p:spPr>
+          <a:xfrm>
+            <a:off x="731520" y="3529584"/>
+            <a:ext cx="384048" cy="384048"/>
+          </a:xfrm>
+          <a:prstGeom prst="rect">
+            <a:avLst/>
+          </a:prstGeom>
+          <a:noFill/>
+        </p:spPr>
+        <p:txBody>
+          <a:bodyPr wrap="square" anchor="ctr"/>
+          <a:lstStyle/>
+          <a:p>
+            <a:pPr algn="ctr">
+              <a:spcBef>
+                <a:spcPts val="0"/>
+              </a:spcBef>
+              <a:spcAft>
+                <a:spcPts val="0"/>
+              </a:spcAft>
+            </a:pPr>
+            <a:r>
+              <a:rPr sz="1000" b="1">
+                <a:solidFill>
+                  <a:srgbClr val="FFFFFF"/>
+                </a:solidFill>
+                <a:latin typeface="IPAPGothic"/>
+              </a:rPr>
+              <a:t>04</a:t>
+            </a:r>
+          </a:p>
+        </p:txBody>
+      </p:sp>
+      <p:sp>
+        <p:nvSpPr>
+          <p:cNvPr id="19" name="TextBox 18"/>
+          <p:cNvSpPr txBox="1"/>
+          <p:nvPr/>
+        </p:nvSpPr>
+        <p:spPr>
+          <a:xfrm>
+            <a:off x="1280160" y="3493008"/>
+            <a:ext cx="3657600" cy="274320"/>
+          </a:xfrm>
+          <a:prstGeom prst="rect">
+            <a:avLst/>
+          </a:prstGeom>
+          <a:noFill/>
+        </p:spPr>
+        <p:txBody>
+          <a:bodyPr wrap="square"/>
+          <a:lstStyle/>
+          <a:p>
+            <a:pPr algn="l">
+              <a:spcBef>
+                <a:spcPts val="0"/>
+              </a:spcBef>
+              <a:spcAft>
+                <a:spcPts val="0"/>
+              </a:spcAft>
+            </a:pPr>
+            <a:r>
+              <a:rPr sz="1200" b="1">
+                <a:solidFill>
+                  <a:srgbClr val="FFFFFF"/>
+                </a:solidFill>
+                <a:latin typeface="IPAPGothic"/>
+              </a:rPr>
+              <a:t>パイロット実施</a:t>
+            </a:r>
+          </a:p>
+        </p:txBody>
+      </p:sp>
+      <p:sp>
+        <p:nvSpPr>
+          <p:cNvPr id="20" name="TextBox 19"/>
+          <p:cNvSpPr txBox="1"/>
+          <p:nvPr/>
+        </p:nvSpPr>
+        <p:spPr>
+          <a:xfrm>
+            <a:off x="1280160" y="3749040"/>
+            <a:ext cx="6400800" cy="237744"/>
+          </a:xfrm>
+          <a:prstGeom prst="rect">
+            <a:avLst/>
+          </a:prstGeom>
+          <a:noFill/>
+        </p:spPr>
+        <p:txBody>
+          <a:bodyPr wrap="square"/>
+          <a:lstStyle/>
+          <a:p>
+            <a:pPr algn="l">
+              <a:spcBef>
+                <a:spcPts val="0"/>
+              </a:spcBef>
+              <a:spcAft>
+                <a:spcPts val="0"/>
+              </a:spcAft>
+            </a:pPr>
+            <a:r>
+              <a:rPr sz="1000" b="0">
+                <a:solidFill>
+                  <a:srgbClr val="BBBBCC"/>
+                </a:solidFill>
+                <a:latin typeface="IPAPGothic"/>
+              </a:rPr>
+              <a:t>1〜2件のクライアントで実証・フィードバック</a:t>
+            </a:r>
+          </a:p>
+        </p:txBody>
+      </p:sp>
+      <p:sp>
+        <p:nvSpPr>
+          <p:cNvPr id="21" name="TextBox 20"/>
+          <p:cNvSpPr txBox="1"/>
+          <p:nvPr/>
+        </p:nvSpPr>
+        <p:spPr>
+          <a:xfrm>
+            <a:off x="731520" y="4229100"/>
+            <a:ext cx="7315200" cy="274320"/>
+          </a:xfrm>
+          <a:prstGeom prst="rect">
+            <a:avLst/>
+          </a:prstGeom>
+          <a:noFill/>
+        </p:spPr>
+        <p:txBody>
+          <a:bodyPr wrap="square"/>
+          <a:lstStyle/>
+          <a:p>
+            <a:pPr algn="l">
+              <a:spcBef>
+                <a:spcPts val="0"/>
+              </a:spcBef>
+              <a:spcAft>
+                <a:spcPts val="0"/>
+              </a:spcAft>
+            </a:pPr>
+            <a:r>
+              <a:rPr sz="1000" b="0">
+                <a:solidFill>
+                  <a:srgbClr val="94A3B8"/>
+                </a:solidFill>
+                <a:latin typeface="IPAPGothic"/>
+              </a:rPr>
+              <a:t>Universal Need株式会社　代表取締役　佐藤卓也</a:t>
+            </a:r>
+          </a:p>
+        </p:txBody>
+      </p:sp>
+      <p:sp>
+        <p:nvSpPr>
+          <p:cNvPr id="22" name="Rectangle 21"/>
           <p:cNvSpPr/>
           <p:nvPr/>
         </p:nvSpPr>
@@ -12390,7 +13372,7 @@
       </p:sp>
       <p:sp>
         <p:nvSpPr>
-          <p:cNvPr id="7" name="TextBox 6"/>
+          <p:cNvPr id="23" name="TextBox 22"/>
           <p:cNvSpPr txBox="1"/>
           <p:nvPr/>
         </p:nvSpPr>
@@ -12430,7 +13412,7 @@
       </p:sp>
       <p:sp>
         <p:nvSpPr>
-          <p:cNvPr id="8" name="TextBox 7"/>
+          <p:cNvPr id="24" name="TextBox 23"/>
           <p:cNvSpPr txBox="1"/>
           <p:nvPr/>
         </p:nvSpPr>
@@ -12470,7 +13452,7 @@
       </p:sp>
       <p:sp>
         <p:nvSpPr>
-          <p:cNvPr id="9" name="TextBox 8"/>
+          <p:cNvPr id="25" name="TextBox 24"/>
           <p:cNvSpPr txBox="1"/>
           <p:nvPr/>
         </p:nvSpPr>

--- a/toki/tokistorage-partnership-deck.pptx
+++ b/toki/tokistorage-partnership-deck.pptx
@@ -3161,6 +3161,9 @@
           <a:lstStyle/>
           <a:p>
             <a:pPr algn="l">
+              <a:lnSpc>
+                <a:spcPct val="135000"/>
+              </a:lnSpc>
               <a:spcBef>
                 <a:spcPts val="0"/>
               </a:spcBef>
@@ -3201,6 +3204,9 @@
           <a:lstStyle/>
           <a:p>
             <a:pPr algn="l">
+              <a:lnSpc>
+                <a:spcPct val="135000"/>
+              </a:lnSpc>
               <a:spcBef>
                 <a:spcPts val="0"/>
               </a:spcBef>
@@ -3242,6 +3248,9 @@
           <a:lstStyle/>
           <a:p>
             <a:pPr algn="l">
+              <a:lnSpc>
+                <a:spcPct val="135000"/>
+              </a:lnSpc>
               <a:spcBef>
                 <a:spcPts val="0"/>
               </a:spcBef>
@@ -3326,6 +3335,9 @@
           <a:lstStyle/>
           <a:p>
             <a:pPr algn="l">
+              <a:lnSpc>
+                <a:spcPct val="135000"/>
+              </a:lnSpc>
               <a:spcBef>
                 <a:spcPts val="0"/>
               </a:spcBef>
@@ -3366,6 +3378,9 @@
           <a:lstStyle/>
           <a:p>
             <a:pPr algn="ctr">
+              <a:lnSpc>
+                <a:spcPct val="135000"/>
+              </a:lnSpc>
               <a:spcBef>
                 <a:spcPts val="0"/>
               </a:spcBef>
@@ -3406,6 +3421,9 @@
           <a:lstStyle/>
           <a:p>
             <a:pPr algn="r">
+              <a:lnSpc>
+                <a:spcPct val="135000"/>
+              </a:lnSpc>
               <a:spcBef>
                 <a:spcPts val="0"/>
               </a:spcBef>
@@ -3507,6 +3525,9 @@
           <a:lstStyle/>
           <a:p>
             <a:pPr algn="l">
+              <a:lnSpc>
+                <a:spcPct val="135000"/>
+              </a:lnSpc>
               <a:spcBef>
                 <a:spcPts val="0"/>
               </a:spcBef>
@@ -3590,6 +3611,9 @@
           <a:lstStyle/>
           <a:p>
             <a:pPr algn="l">
+              <a:lnSpc>
+                <a:spcPct val="135000"/>
+              </a:lnSpc>
               <a:spcBef>
                 <a:spcPts val="0"/>
               </a:spcBef>
@@ -3633,6 +3657,9 @@
           <a:lstStyle/>
           <a:p>
             <a:pPr algn="l">
+              <a:lnSpc>
+                <a:spcPct val="135000"/>
+              </a:lnSpc>
               <a:spcBef>
                 <a:spcPts val="0"/>
               </a:spcBef>
@@ -3716,6 +3743,9 @@
           <a:lstStyle/>
           <a:p>
             <a:pPr algn="l">
+              <a:lnSpc>
+                <a:spcPct val="135000"/>
+              </a:lnSpc>
               <a:spcBef>
                 <a:spcPts val="0"/>
               </a:spcBef>
@@ -3756,6 +3786,9 @@
           <a:lstStyle/>
           <a:p>
             <a:pPr algn="ctr">
+              <a:lnSpc>
+                <a:spcPct val="135000"/>
+              </a:lnSpc>
               <a:spcBef>
                 <a:spcPts val="0"/>
               </a:spcBef>
@@ -3796,6 +3829,9 @@
           <a:lstStyle/>
           <a:p>
             <a:pPr algn="r">
+              <a:lnSpc>
+                <a:spcPct val="135000"/>
+              </a:lnSpc>
               <a:spcBef>
                 <a:spcPts val="0"/>
               </a:spcBef>
@@ -3897,6 +3933,9 @@
           <a:lstStyle/>
           <a:p>
             <a:pPr algn="l">
+              <a:lnSpc>
+                <a:spcPct val="135000"/>
+              </a:lnSpc>
               <a:spcBef>
                 <a:spcPts val="0"/>
               </a:spcBef>
@@ -3937,6 +3976,9 @@
           <a:lstStyle/>
           <a:p>
             <a:pPr algn="l">
+              <a:lnSpc>
+                <a:spcPct val="135000"/>
+              </a:lnSpc>
               <a:spcBef>
                 <a:spcPts val="0"/>
               </a:spcBef>
@@ -4022,6 +4064,9 @@
           <a:lstStyle/>
           <a:p>
             <a:pPr algn="l">
+              <a:lnSpc>
+                <a:spcPct val="135000"/>
+              </a:lnSpc>
               <a:spcBef>
                 <a:spcPts val="0"/>
               </a:spcBef>
@@ -4062,6 +4107,9 @@
           <a:lstStyle/>
           <a:p>
             <a:pPr algn="l">
+              <a:lnSpc>
+                <a:spcPct val="135000"/>
+              </a:lnSpc>
               <a:spcBef>
                 <a:spcPts val="0"/>
               </a:spcBef>
@@ -4089,8 +4137,8 @@
         </p:nvSpPr>
         <p:spPr>
           <a:xfrm>
-            <a:off x="594360" y="1764792"/>
-            <a:ext cx="2331720" cy="2578608"/>
+            <a:off x="594360" y="1856232"/>
+            <a:ext cx="2331720" cy="2487168"/>
           </a:xfrm>
           <a:prstGeom prst="rect">
             <a:avLst/>
@@ -4102,6 +4150,9 @@
           <a:lstStyle/>
           <a:p>
             <a:pPr algn="l">
+              <a:lnSpc>
+                <a:spcPct val="135000"/>
+              </a:lnSpc>
               <a:spcBef>
                 <a:spcPts val="0"/>
               </a:spcBef>
@@ -4187,6 +4238,9 @@
           <a:lstStyle/>
           <a:p>
             <a:pPr algn="l">
+              <a:lnSpc>
+                <a:spcPct val="135000"/>
+              </a:lnSpc>
               <a:spcBef>
                 <a:spcPts val="0"/>
               </a:spcBef>
@@ -4227,6 +4281,9 @@
           <a:lstStyle/>
           <a:p>
             <a:pPr algn="l">
+              <a:lnSpc>
+                <a:spcPct val="135000"/>
+              </a:lnSpc>
               <a:spcBef>
                 <a:spcPts val="0"/>
               </a:spcBef>
@@ -4254,8 +4311,8 @@
         </p:nvSpPr>
         <p:spPr>
           <a:xfrm>
-            <a:off x="3410712" y="1764792"/>
-            <a:ext cx="2331720" cy="2578608"/>
+            <a:off x="3410712" y="1856232"/>
+            <a:ext cx="2331720" cy="2487168"/>
           </a:xfrm>
           <a:prstGeom prst="rect">
             <a:avLst/>
@@ -4267,6 +4324,9 @@
           <a:lstStyle/>
           <a:p>
             <a:pPr algn="l">
+              <a:lnSpc>
+                <a:spcPct val="135000"/>
+              </a:lnSpc>
               <a:spcBef>
                 <a:spcPts val="0"/>
               </a:spcBef>
@@ -4352,6 +4412,9 @@
           <a:lstStyle/>
           <a:p>
             <a:pPr algn="l">
+              <a:lnSpc>
+                <a:spcPct val="135000"/>
+              </a:lnSpc>
               <a:spcBef>
                 <a:spcPts val="0"/>
               </a:spcBef>
@@ -4392,6 +4455,9 @@
           <a:lstStyle/>
           <a:p>
             <a:pPr algn="l">
+              <a:lnSpc>
+                <a:spcPct val="135000"/>
+              </a:lnSpc>
               <a:spcBef>
                 <a:spcPts val="0"/>
               </a:spcBef>
@@ -4419,8 +4485,8 @@
         </p:nvSpPr>
         <p:spPr>
           <a:xfrm>
-            <a:off x="6227064" y="1764792"/>
-            <a:ext cx="2331720" cy="2578608"/>
+            <a:off x="6227064" y="1856232"/>
+            <a:ext cx="2331720" cy="2487168"/>
           </a:xfrm>
           <a:prstGeom prst="rect">
             <a:avLst/>
@@ -4432,6 +4498,9 @@
           <a:lstStyle/>
           <a:p>
             <a:pPr algn="l">
+              <a:lnSpc>
+                <a:spcPct val="135000"/>
+              </a:lnSpc>
               <a:spcBef>
                 <a:spcPts val="0"/>
               </a:spcBef>
@@ -4515,6 +4584,9 @@
           <a:lstStyle/>
           <a:p>
             <a:pPr algn="l">
+              <a:lnSpc>
+                <a:spcPct val="135000"/>
+              </a:lnSpc>
               <a:spcBef>
                 <a:spcPts val="0"/>
               </a:spcBef>
@@ -4555,6 +4627,9 @@
           <a:lstStyle/>
           <a:p>
             <a:pPr algn="ctr">
+              <a:lnSpc>
+                <a:spcPct val="135000"/>
+              </a:lnSpc>
               <a:spcBef>
                 <a:spcPts val="0"/>
               </a:spcBef>
@@ -4595,6 +4670,9 @@
           <a:lstStyle/>
           <a:p>
             <a:pPr algn="r">
+              <a:lnSpc>
+                <a:spcPct val="135000"/>
+              </a:lnSpc>
               <a:spcBef>
                 <a:spcPts val="0"/>
               </a:spcBef>
@@ -4696,6 +4774,9 @@
           <a:lstStyle/>
           <a:p>
             <a:pPr algn="l">
+              <a:lnSpc>
+                <a:spcPct val="135000"/>
+              </a:lnSpc>
               <a:spcBef>
                 <a:spcPts val="0"/>
               </a:spcBef>
@@ -4736,6 +4817,9 @@
           <a:lstStyle/>
           <a:p>
             <a:pPr algn="l">
+              <a:lnSpc>
+                <a:spcPct val="135000"/>
+              </a:lnSpc>
               <a:spcBef>
                 <a:spcPts val="0"/>
               </a:spcBef>
@@ -4864,6 +4948,9 @@
           <a:lstStyle/>
           <a:p>
             <a:pPr algn="ctr">
+              <a:lnSpc>
+                <a:spcPct val="135000"/>
+              </a:lnSpc>
               <a:spcBef>
                 <a:spcPts val="0"/>
               </a:spcBef>
@@ -4904,6 +4991,9 @@
           <a:lstStyle/>
           <a:p>
             <a:pPr algn="l">
+              <a:lnSpc>
+                <a:spcPct val="135000"/>
+              </a:lnSpc>
               <a:spcBef>
                 <a:spcPts val="0"/>
               </a:spcBef>
@@ -4931,8 +5021,8 @@
         </p:nvSpPr>
         <p:spPr>
           <a:xfrm>
-            <a:off x="1051560" y="1618488"/>
-            <a:ext cx="3200400" cy="1124712"/>
+            <a:off x="1051560" y="1709928"/>
+            <a:ext cx="3200400" cy="1033272"/>
           </a:xfrm>
           <a:prstGeom prst="rect">
             <a:avLst/>
@@ -4944,6 +5034,9 @@
           <a:lstStyle/>
           <a:p>
             <a:pPr algn="l">
+              <a:lnSpc>
+                <a:spcPct val="135000"/>
+              </a:lnSpc>
               <a:spcBef>
                 <a:spcPts val="0"/>
               </a:spcBef>
@@ -5072,6 +5165,9 @@
           <a:lstStyle/>
           <a:p>
             <a:pPr algn="ctr">
+              <a:lnSpc>
+                <a:spcPct val="135000"/>
+              </a:lnSpc>
               <a:spcBef>
                 <a:spcPts val="0"/>
               </a:spcBef>
@@ -5112,6 +5208,9 @@
           <a:lstStyle/>
           <a:p>
             <a:pPr algn="l">
+              <a:lnSpc>
+                <a:spcPct val="135000"/>
+              </a:lnSpc>
               <a:spcBef>
                 <a:spcPts val="0"/>
               </a:spcBef>
@@ -5139,8 +5238,8 @@
         </p:nvSpPr>
         <p:spPr>
           <a:xfrm>
-            <a:off x="5212080" y="1618488"/>
-            <a:ext cx="3200400" cy="1124712"/>
+            <a:off x="5212080" y="1709928"/>
+            <a:ext cx="3200400" cy="1033272"/>
           </a:xfrm>
           <a:prstGeom prst="rect">
             <a:avLst/>
@@ -5152,6 +5251,9 @@
           <a:lstStyle/>
           <a:p>
             <a:pPr algn="l">
+              <a:lnSpc>
+                <a:spcPct val="135000"/>
+              </a:lnSpc>
               <a:spcBef>
                 <a:spcPts val="0"/>
               </a:spcBef>
@@ -5280,6 +5382,9 @@
           <a:lstStyle/>
           <a:p>
             <a:pPr algn="ctr">
+              <a:lnSpc>
+                <a:spcPct val="135000"/>
+              </a:lnSpc>
               <a:spcBef>
                 <a:spcPts val="0"/>
               </a:spcBef>
@@ -5320,6 +5425,9 @@
           <a:lstStyle/>
           <a:p>
             <a:pPr algn="l">
+              <a:lnSpc>
+                <a:spcPct val="135000"/>
+              </a:lnSpc>
               <a:spcBef>
                 <a:spcPts val="0"/>
               </a:spcBef>
@@ -5347,8 +5455,8 @@
         </p:nvSpPr>
         <p:spPr>
           <a:xfrm>
-            <a:off x="1051560" y="3538728"/>
-            <a:ext cx="3200400" cy="1124712"/>
+            <a:off x="1051560" y="3630168"/>
+            <a:ext cx="3200400" cy="1033272"/>
           </a:xfrm>
           <a:prstGeom prst="rect">
             <a:avLst/>
@@ -5360,6 +5468,9 @@
           <a:lstStyle/>
           <a:p>
             <a:pPr algn="l">
+              <a:lnSpc>
+                <a:spcPct val="135000"/>
+              </a:lnSpc>
               <a:spcBef>
                 <a:spcPts val="0"/>
               </a:spcBef>
@@ -5488,6 +5599,9 @@
           <a:lstStyle/>
           <a:p>
             <a:pPr algn="ctr">
+              <a:lnSpc>
+                <a:spcPct val="135000"/>
+              </a:lnSpc>
               <a:spcBef>
                 <a:spcPts val="0"/>
               </a:spcBef>
@@ -5528,6 +5642,9 @@
           <a:lstStyle/>
           <a:p>
             <a:pPr algn="l">
+              <a:lnSpc>
+                <a:spcPct val="135000"/>
+              </a:lnSpc>
               <a:spcBef>
                 <a:spcPts val="0"/>
               </a:spcBef>
@@ -5555,8 +5672,8 @@
         </p:nvSpPr>
         <p:spPr>
           <a:xfrm>
-            <a:off x="5212080" y="3538728"/>
-            <a:ext cx="3200400" cy="1124712"/>
+            <a:off x="5212080" y="3630168"/>
+            <a:ext cx="3200400" cy="1033272"/>
           </a:xfrm>
           <a:prstGeom prst="rect">
             <a:avLst/>
@@ -5568,6 +5685,9 @@
           <a:lstStyle/>
           <a:p>
             <a:pPr algn="l">
+              <a:lnSpc>
+                <a:spcPct val="135000"/>
+              </a:lnSpc>
               <a:spcBef>
                 <a:spcPts val="0"/>
               </a:spcBef>
@@ -5651,6 +5771,9 @@
           <a:lstStyle/>
           <a:p>
             <a:pPr algn="l">
+              <a:lnSpc>
+                <a:spcPct val="135000"/>
+              </a:lnSpc>
               <a:spcBef>
                 <a:spcPts val="0"/>
               </a:spcBef>
@@ -5691,6 +5814,9 @@
           <a:lstStyle/>
           <a:p>
             <a:pPr algn="ctr">
+              <a:lnSpc>
+                <a:spcPct val="135000"/>
+              </a:lnSpc>
               <a:spcBef>
                 <a:spcPts val="0"/>
               </a:spcBef>
@@ -5731,6 +5857,9 @@
           <a:lstStyle/>
           <a:p>
             <a:pPr algn="r">
+              <a:lnSpc>
+                <a:spcPct val="135000"/>
+              </a:lnSpc>
               <a:spcBef>
                 <a:spcPts val="0"/>
               </a:spcBef>
@@ -5832,6 +5961,9 @@
           <a:lstStyle/>
           <a:p>
             <a:pPr algn="l">
+              <a:lnSpc>
+                <a:spcPct val="135000"/>
+              </a:lnSpc>
               <a:spcBef>
                 <a:spcPts val="0"/>
               </a:spcBef>
@@ -5872,6 +6004,9 @@
           <a:lstStyle/>
           <a:p>
             <a:pPr algn="l">
+              <a:lnSpc>
+                <a:spcPct val="135000"/>
+              </a:lnSpc>
               <a:spcBef>
                 <a:spcPts val="0"/>
               </a:spcBef>
@@ -5957,6 +6092,9 @@
           <a:lstStyle/>
           <a:p>
             <a:pPr algn="l">
+              <a:lnSpc>
+                <a:spcPct val="135000"/>
+              </a:lnSpc>
               <a:spcBef>
                 <a:spcPts val="0"/>
               </a:spcBef>
@@ -6042,6 +6180,9 @@
           <a:lstStyle/>
           <a:p>
             <a:pPr algn="l">
+              <a:lnSpc>
+                <a:spcPct val="135000"/>
+              </a:lnSpc>
               <a:spcBef>
                 <a:spcPts val="0"/>
               </a:spcBef>
@@ -6127,6 +6268,9 @@
           <a:lstStyle/>
           <a:p>
             <a:pPr algn="l">
+              <a:lnSpc>
+                <a:spcPct val="135000"/>
+              </a:lnSpc>
               <a:spcBef>
                 <a:spcPts val="0"/>
               </a:spcBef>
@@ -6212,6 +6356,9 @@
           <a:lstStyle/>
           <a:p>
             <a:pPr algn="l">
+              <a:lnSpc>
+                <a:spcPct val="135000"/>
+              </a:lnSpc>
               <a:spcBef>
                 <a:spcPts val="0"/>
               </a:spcBef>
@@ -6297,6 +6444,9 @@
           <a:lstStyle/>
           <a:p>
             <a:pPr algn="l">
+              <a:lnSpc>
+                <a:spcPct val="135000"/>
+              </a:lnSpc>
               <a:spcBef>
                 <a:spcPts val="0"/>
               </a:spcBef>
@@ -6382,6 +6532,9 @@
           <a:lstStyle/>
           <a:p>
             <a:pPr algn="l">
+              <a:lnSpc>
+                <a:spcPct val="135000"/>
+              </a:lnSpc>
               <a:spcBef>
                 <a:spcPts val="0"/>
               </a:spcBef>
@@ -6467,6 +6620,9 @@
           <a:lstStyle/>
           <a:p>
             <a:pPr algn="l">
+              <a:lnSpc>
+                <a:spcPct val="135000"/>
+              </a:lnSpc>
               <a:spcBef>
                 <a:spcPts val="0"/>
               </a:spcBef>
@@ -6552,6 +6708,9 @@
           <a:lstStyle/>
           <a:p>
             <a:pPr algn="l">
+              <a:lnSpc>
+                <a:spcPct val="135000"/>
+              </a:lnSpc>
               <a:spcBef>
                 <a:spcPts val="0"/>
               </a:spcBef>
@@ -6637,6 +6796,9 @@
           <a:lstStyle/>
           <a:p>
             <a:pPr algn="l">
+              <a:lnSpc>
+                <a:spcPct val="135000"/>
+              </a:lnSpc>
               <a:spcBef>
                 <a:spcPts val="0"/>
               </a:spcBef>
@@ -6722,6 +6884,9 @@
           <a:lstStyle/>
           <a:p>
             <a:pPr algn="l">
+              <a:lnSpc>
+                <a:spcPct val="135000"/>
+              </a:lnSpc>
               <a:spcBef>
                 <a:spcPts val="0"/>
               </a:spcBef>
@@ -6807,6 +6972,9 @@
           <a:lstStyle/>
           <a:p>
             <a:pPr algn="l">
+              <a:lnSpc>
+                <a:spcPct val="135000"/>
+              </a:lnSpc>
               <a:spcBef>
                 <a:spcPts val="0"/>
               </a:spcBef>
@@ -6892,6 +7060,9 @@
           <a:lstStyle/>
           <a:p>
             <a:pPr algn="l">
+              <a:lnSpc>
+                <a:spcPct val="135000"/>
+              </a:lnSpc>
               <a:spcBef>
                 <a:spcPts val="0"/>
               </a:spcBef>
@@ -6977,6 +7148,9 @@
           <a:lstStyle/>
           <a:p>
             <a:pPr algn="l">
+              <a:lnSpc>
+                <a:spcPct val="135000"/>
+              </a:lnSpc>
               <a:spcBef>
                 <a:spcPts val="0"/>
               </a:spcBef>
@@ -7062,6 +7236,9 @@
           <a:lstStyle/>
           <a:p>
             <a:pPr algn="l">
+              <a:lnSpc>
+                <a:spcPct val="135000"/>
+              </a:lnSpc>
               <a:spcBef>
                 <a:spcPts val="0"/>
               </a:spcBef>
@@ -7147,6 +7324,9 @@
           <a:lstStyle/>
           <a:p>
             <a:pPr algn="l">
+              <a:lnSpc>
+                <a:spcPct val="135000"/>
+              </a:lnSpc>
               <a:spcBef>
                 <a:spcPts val="0"/>
               </a:spcBef>
@@ -7232,6 +7412,9 @@
           <a:lstStyle/>
           <a:p>
             <a:pPr algn="l">
+              <a:lnSpc>
+                <a:spcPct val="135000"/>
+              </a:lnSpc>
               <a:spcBef>
                 <a:spcPts val="0"/>
               </a:spcBef>
@@ -7317,6 +7500,9 @@
           <a:lstStyle/>
           <a:p>
             <a:pPr algn="l">
+              <a:lnSpc>
+                <a:spcPct val="135000"/>
+              </a:lnSpc>
               <a:spcBef>
                 <a:spcPts val="0"/>
               </a:spcBef>
@@ -7402,6 +7588,9 @@
           <a:lstStyle/>
           <a:p>
             <a:pPr algn="l">
+              <a:lnSpc>
+                <a:spcPct val="135000"/>
+              </a:lnSpc>
               <a:spcBef>
                 <a:spcPts val="0"/>
               </a:spcBef>
@@ -7487,6 +7676,9 @@
           <a:lstStyle/>
           <a:p>
             <a:pPr algn="l">
+              <a:lnSpc>
+                <a:spcPct val="135000"/>
+              </a:lnSpc>
               <a:spcBef>
                 <a:spcPts val="0"/>
               </a:spcBef>
@@ -7572,6 +7764,9 @@
           <a:lstStyle/>
           <a:p>
             <a:pPr algn="l">
+              <a:lnSpc>
+                <a:spcPct val="135000"/>
+              </a:lnSpc>
               <a:spcBef>
                 <a:spcPts val="0"/>
               </a:spcBef>
@@ -7657,6 +7852,9 @@
           <a:lstStyle/>
           <a:p>
             <a:pPr algn="l">
+              <a:lnSpc>
+                <a:spcPct val="135000"/>
+              </a:lnSpc>
               <a:spcBef>
                 <a:spcPts val="0"/>
               </a:spcBef>
@@ -7740,6 +7938,9 @@
           <a:lstStyle/>
           <a:p>
             <a:pPr algn="l">
+              <a:lnSpc>
+                <a:spcPct val="135000"/>
+              </a:lnSpc>
               <a:spcBef>
                 <a:spcPts val="0"/>
               </a:spcBef>
@@ -7780,6 +7981,9 @@
           <a:lstStyle/>
           <a:p>
             <a:pPr algn="ctr">
+              <a:lnSpc>
+                <a:spcPct val="135000"/>
+              </a:lnSpc>
               <a:spcBef>
                 <a:spcPts val="0"/>
               </a:spcBef>
@@ -7820,6 +8024,9 @@
           <a:lstStyle/>
           <a:p>
             <a:pPr algn="r">
+              <a:lnSpc>
+                <a:spcPct val="135000"/>
+              </a:lnSpc>
               <a:spcBef>
                 <a:spcPts val="0"/>
               </a:spcBef>
@@ -7921,6 +8128,9 @@
           <a:lstStyle/>
           <a:p>
             <a:pPr algn="l">
+              <a:lnSpc>
+                <a:spcPct val="135000"/>
+              </a:lnSpc>
               <a:spcBef>
                 <a:spcPts val="0"/>
               </a:spcBef>
@@ -7961,6 +8171,9 @@
           <a:lstStyle/>
           <a:p>
             <a:pPr algn="l">
+              <a:lnSpc>
+                <a:spcPct val="135000"/>
+              </a:lnSpc>
               <a:spcBef>
                 <a:spcPts val="0"/>
               </a:spcBef>
@@ -8089,6 +8302,9 @@
           <a:lstStyle/>
           <a:p>
             <a:pPr algn="ctr">
+              <a:lnSpc>
+                <a:spcPct val="135000"/>
+              </a:lnSpc>
               <a:spcBef>
                 <a:spcPts val="0"/>
               </a:spcBef>
@@ -8130,6 +8346,9 @@
           <a:lstStyle/>
           <a:p>
             <a:pPr algn="l">
+              <a:lnSpc>
+                <a:spcPct val="135000"/>
+              </a:lnSpc>
               <a:spcBef>
                 <a:spcPts val="0"/>
               </a:spcBef>
@@ -8157,8 +8376,8 @@
         </p:nvSpPr>
         <p:spPr>
           <a:xfrm>
-            <a:off x="1508760" y="1380744"/>
-            <a:ext cx="6675120" cy="320040"/>
+            <a:off x="1508760" y="1435608"/>
+            <a:ext cx="6675120" cy="292608"/>
           </a:xfrm>
           <a:prstGeom prst="rect">
             <a:avLst/>
@@ -8170,6 +8389,9 @@
           <a:lstStyle/>
           <a:p>
             <a:pPr algn="l">
+              <a:lnSpc>
+                <a:spcPct val="135000"/>
+              </a:lnSpc>
               <a:spcBef>
                 <a:spcPts val="0"/>
               </a:spcBef>
@@ -8197,8 +8419,8 @@
         </p:nvSpPr>
         <p:spPr>
           <a:xfrm>
-            <a:off x="1508760" y="1691640"/>
-            <a:ext cx="6675120" cy="228600"/>
+            <a:off x="1508760" y="1746504"/>
+            <a:ext cx="6675120" cy="201168"/>
           </a:xfrm>
           <a:prstGeom prst="rect">
             <a:avLst/>
@@ -8210,6 +8432,9 @@
           <a:lstStyle/>
           <a:p>
             <a:pPr algn="l">
+              <a:lnSpc>
+                <a:spcPct val="135000"/>
+              </a:lnSpc>
               <a:spcBef>
                 <a:spcPts val="0"/>
               </a:spcBef>
@@ -8338,6 +8563,9 @@
           <a:lstStyle/>
           <a:p>
             <a:pPr algn="ctr">
+              <a:lnSpc>
+                <a:spcPct val="135000"/>
+              </a:lnSpc>
               <a:spcBef>
                 <a:spcPts val="0"/>
               </a:spcBef>
@@ -8379,6 +8607,9 @@
           <a:lstStyle/>
           <a:p>
             <a:pPr algn="l">
+              <a:lnSpc>
+                <a:spcPct val="135000"/>
+              </a:lnSpc>
               <a:spcBef>
                 <a:spcPts val="0"/>
               </a:spcBef>
@@ -8406,8 +8637,8 @@
         </p:nvSpPr>
         <p:spPr>
           <a:xfrm>
-            <a:off x="1508760" y="2450592"/>
-            <a:ext cx="6675120" cy="320040"/>
+            <a:off x="1508760" y="2505456"/>
+            <a:ext cx="6675120" cy="292608"/>
           </a:xfrm>
           <a:prstGeom prst="rect">
             <a:avLst/>
@@ -8419,6 +8650,9 @@
           <a:lstStyle/>
           <a:p>
             <a:pPr algn="l">
+              <a:lnSpc>
+                <a:spcPct val="135000"/>
+              </a:lnSpc>
               <a:spcBef>
                 <a:spcPts val="0"/>
               </a:spcBef>
@@ -8446,8 +8680,8 @@
         </p:nvSpPr>
         <p:spPr>
           <a:xfrm>
-            <a:off x="1508760" y="2761488"/>
-            <a:ext cx="6675120" cy="228600"/>
+            <a:off x="1508760" y="2816352"/>
+            <a:ext cx="6675120" cy="201168"/>
           </a:xfrm>
           <a:prstGeom prst="rect">
             <a:avLst/>
@@ -8459,6 +8693,9 @@
           <a:lstStyle/>
           <a:p>
             <a:pPr algn="l">
+              <a:lnSpc>
+                <a:spcPct val="135000"/>
+              </a:lnSpc>
               <a:spcBef>
                 <a:spcPts val="0"/>
               </a:spcBef>
@@ -8587,6 +8824,9 @@
           <a:lstStyle/>
           <a:p>
             <a:pPr algn="ctr">
+              <a:lnSpc>
+                <a:spcPct val="135000"/>
+              </a:lnSpc>
               <a:spcBef>
                 <a:spcPts val="0"/>
               </a:spcBef>
@@ -8628,6 +8868,9 @@
           <a:lstStyle/>
           <a:p>
             <a:pPr algn="l">
+              <a:lnSpc>
+                <a:spcPct val="135000"/>
+              </a:lnSpc>
               <a:spcBef>
                 <a:spcPts val="0"/>
               </a:spcBef>
@@ -8655,8 +8898,8 @@
         </p:nvSpPr>
         <p:spPr>
           <a:xfrm>
-            <a:off x="1508760" y="3520440"/>
-            <a:ext cx="6675120" cy="320040"/>
+            <a:off x="1508760" y="3575304"/>
+            <a:ext cx="6675120" cy="292608"/>
           </a:xfrm>
           <a:prstGeom prst="rect">
             <a:avLst/>
@@ -8668,6 +8911,9 @@
           <a:lstStyle/>
           <a:p>
             <a:pPr algn="l">
+              <a:lnSpc>
+                <a:spcPct val="135000"/>
+              </a:lnSpc>
               <a:spcBef>
                 <a:spcPts val="0"/>
               </a:spcBef>
@@ -8695,8 +8941,8 @@
         </p:nvSpPr>
         <p:spPr>
           <a:xfrm>
-            <a:off x="1508760" y="3831336"/>
-            <a:ext cx="6675120" cy="228600"/>
+            <a:off x="1508760" y="3886200"/>
+            <a:ext cx="6675120" cy="201168"/>
           </a:xfrm>
           <a:prstGeom prst="rect">
             <a:avLst/>
@@ -8708,6 +8954,9 @@
           <a:lstStyle/>
           <a:p>
             <a:pPr algn="l">
+              <a:lnSpc>
+                <a:spcPct val="135000"/>
+              </a:lnSpc>
               <a:spcBef>
                 <a:spcPts val="0"/>
               </a:spcBef>
@@ -8791,6 +9040,9 @@
           <a:lstStyle/>
           <a:p>
             <a:pPr algn="l">
+              <a:lnSpc>
+                <a:spcPct val="135000"/>
+              </a:lnSpc>
               <a:spcBef>
                 <a:spcPts val="0"/>
               </a:spcBef>
@@ -8831,6 +9083,9 @@
           <a:lstStyle/>
           <a:p>
             <a:pPr algn="ctr">
+              <a:lnSpc>
+                <a:spcPct val="135000"/>
+              </a:lnSpc>
               <a:spcBef>
                 <a:spcPts val="0"/>
               </a:spcBef>
@@ -8871,6 +9126,9 @@
           <a:lstStyle/>
           <a:p>
             <a:pPr algn="r">
+              <a:lnSpc>
+                <a:spcPct val="135000"/>
+              </a:lnSpc>
               <a:spcBef>
                 <a:spcPts val="0"/>
               </a:spcBef>
@@ -8972,6 +9230,9 @@
           <a:lstStyle/>
           <a:p>
             <a:pPr algn="l">
+              <a:lnSpc>
+                <a:spcPct val="135000"/>
+              </a:lnSpc>
               <a:spcBef>
                 <a:spcPts val="0"/>
               </a:spcBef>
@@ -9012,6 +9273,9 @@
           <a:lstStyle/>
           <a:p>
             <a:pPr algn="l">
+              <a:lnSpc>
+                <a:spcPct val="135000"/>
+              </a:lnSpc>
               <a:spcBef>
                 <a:spcPts val="0"/>
               </a:spcBef>
@@ -9097,6 +9361,9 @@
           <a:lstStyle/>
           <a:p>
             <a:pPr algn="ctr">
+              <a:lnSpc>
+                <a:spcPct val="135000"/>
+              </a:lnSpc>
               <a:spcBef>
                 <a:spcPts val="0"/>
               </a:spcBef>
@@ -9124,8 +9391,8 @@
         </p:nvSpPr>
         <p:spPr>
           <a:xfrm>
-            <a:off x="868680" y="1463040"/>
-            <a:ext cx="2103120" cy="521208"/>
+            <a:off x="868680" y="1517904"/>
+            <a:ext cx="2103120" cy="466344"/>
           </a:xfrm>
           <a:prstGeom prst="rect">
             <a:avLst/>
@@ -9137,6 +9404,9 @@
           <a:lstStyle/>
           <a:p>
             <a:pPr algn="ctr">
+              <a:lnSpc>
+                <a:spcPct val="135000"/>
+              </a:lnSpc>
               <a:spcBef>
                 <a:spcPts val="0"/>
               </a:spcBef>
@@ -9178,6 +9448,9 @@
           <a:lstStyle/>
           <a:p>
             <a:pPr algn="ctr">
+              <a:lnSpc>
+                <a:spcPct val="135000"/>
+              </a:lnSpc>
               <a:spcBef>
                 <a:spcPts val="0"/>
               </a:spcBef>
@@ -9263,6 +9536,9 @@
           <a:lstStyle/>
           <a:p>
             <a:pPr algn="ctr">
+              <a:lnSpc>
+                <a:spcPct val="135000"/>
+              </a:lnSpc>
               <a:spcBef>
                 <a:spcPts val="0"/>
               </a:spcBef>
@@ -9290,8 +9566,8 @@
         </p:nvSpPr>
         <p:spPr>
           <a:xfrm>
-            <a:off x="3520440" y="1463040"/>
-            <a:ext cx="2103120" cy="521208"/>
+            <a:off x="3520440" y="1517904"/>
+            <a:ext cx="2103120" cy="466344"/>
           </a:xfrm>
           <a:prstGeom prst="rect">
             <a:avLst/>
@@ -9303,6 +9579,9 @@
           <a:lstStyle/>
           <a:p>
             <a:pPr algn="ctr">
+              <a:lnSpc>
+                <a:spcPct val="135000"/>
+              </a:lnSpc>
               <a:spcBef>
                 <a:spcPts val="0"/>
               </a:spcBef>
@@ -9344,6 +9623,9 @@
           <a:lstStyle/>
           <a:p>
             <a:pPr algn="ctr">
+              <a:lnSpc>
+                <a:spcPct val="135000"/>
+              </a:lnSpc>
               <a:spcBef>
                 <a:spcPts val="0"/>
               </a:spcBef>
@@ -9429,6 +9711,9 @@
           <a:lstStyle/>
           <a:p>
             <a:pPr algn="ctr">
+              <a:lnSpc>
+                <a:spcPct val="135000"/>
+              </a:lnSpc>
               <a:spcBef>
                 <a:spcPts val="0"/>
               </a:spcBef>
@@ -9456,8 +9741,8 @@
         </p:nvSpPr>
         <p:spPr>
           <a:xfrm>
-            <a:off x="6172200" y="1463040"/>
-            <a:ext cx="2103120" cy="521208"/>
+            <a:off x="6172200" y="1517904"/>
+            <a:ext cx="2103120" cy="466344"/>
           </a:xfrm>
           <a:prstGeom prst="rect">
             <a:avLst/>
@@ -9469,6 +9754,9 @@
           <a:lstStyle/>
           <a:p>
             <a:pPr algn="ctr">
+              <a:lnSpc>
+                <a:spcPct val="135000"/>
+              </a:lnSpc>
               <a:spcBef>
                 <a:spcPts val="0"/>
               </a:spcBef>
@@ -9596,6 +9884,9 @@
           <a:lstStyle/>
           <a:p>
             <a:pPr algn="l">
+              <a:lnSpc>
+                <a:spcPct val="135000"/>
+              </a:lnSpc>
               <a:spcBef>
                 <a:spcPts val="0"/>
               </a:spcBef>
@@ -9623,8 +9914,8 @@
         </p:nvSpPr>
         <p:spPr>
           <a:xfrm>
-            <a:off x="685800" y="2788920"/>
-            <a:ext cx="7543800" cy="594360"/>
+            <a:off x="685800" y="2834640"/>
+            <a:ext cx="7543800" cy="548640"/>
           </a:xfrm>
           <a:prstGeom prst="rect">
             <a:avLst/>
@@ -9636,6 +9927,9 @@
           <a:lstStyle/>
           <a:p>
             <a:pPr algn="l">
+              <a:lnSpc>
+                <a:spcPct val="135000"/>
+              </a:lnSpc>
               <a:spcBef>
                 <a:spcPts val="0"/>
               </a:spcBef>
@@ -9719,6 +10013,9 @@
           <a:lstStyle/>
           <a:p>
             <a:pPr algn="l">
+              <a:lnSpc>
+                <a:spcPct val="135000"/>
+              </a:lnSpc>
               <a:spcBef>
                 <a:spcPts val="0"/>
               </a:spcBef>
@@ -9759,6 +10056,9 @@
           <a:lstStyle/>
           <a:p>
             <a:pPr algn="ctr">
+              <a:lnSpc>
+                <a:spcPct val="135000"/>
+              </a:lnSpc>
               <a:spcBef>
                 <a:spcPts val="0"/>
               </a:spcBef>
@@ -9799,6 +10099,9 @@
           <a:lstStyle/>
           <a:p>
             <a:pPr algn="r">
+              <a:lnSpc>
+                <a:spcPct val="135000"/>
+              </a:lnSpc>
               <a:spcBef>
                 <a:spcPts val="0"/>
               </a:spcBef>
@@ -9900,6 +10203,9 @@
           <a:lstStyle/>
           <a:p>
             <a:pPr algn="l">
+              <a:lnSpc>
+                <a:spcPct val="135000"/>
+              </a:lnSpc>
               <a:spcBef>
                 <a:spcPts val="0"/>
               </a:spcBef>
@@ -9940,6 +10246,9 @@
           <a:lstStyle/>
           <a:p>
             <a:pPr algn="l">
+              <a:lnSpc>
+                <a:spcPct val="135000"/>
+              </a:lnSpc>
               <a:spcBef>
                 <a:spcPts val="0"/>
               </a:spcBef>
@@ -9980,6 +10289,9 @@
           <a:lstStyle/>
           <a:p>
             <a:pPr algn="l">
+              <a:lnSpc>
+                <a:spcPct val="135000"/>
+              </a:lnSpc>
               <a:spcBef>
                 <a:spcPts val="0"/>
               </a:spcBef>
@@ -10108,6 +10420,9 @@
           <a:lstStyle/>
           <a:p>
             <a:pPr algn="ctr">
+              <a:lnSpc>
+                <a:spcPct val="135000"/>
+              </a:lnSpc>
               <a:spcBef>
                 <a:spcPts val="0"/>
               </a:spcBef>
@@ -10148,6 +10463,9 @@
           <a:lstStyle/>
           <a:p>
             <a:pPr algn="ctr">
+              <a:lnSpc>
+                <a:spcPct val="135000"/>
+              </a:lnSpc>
               <a:spcBef>
                 <a:spcPts val="0"/>
               </a:spcBef>
@@ -10175,8 +10493,8 @@
         </p:nvSpPr>
         <p:spPr>
           <a:xfrm>
-            <a:off x="530352" y="2121408"/>
-            <a:ext cx="2459736" cy="594360"/>
+            <a:off x="530352" y="2194560"/>
+            <a:ext cx="2459736" cy="521208"/>
           </a:xfrm>
           <a:prstGeom prst="rect">
             <a:avLst/>
@@ -10188,6 +10506,9 @@
           <a:lstStyle/>
           <a:p>
             <a:pPr algn="ctr">
+              <a:lnSpc>
+                <a:spcPct val="135000"/>
+              </a:lnSpc>
               <a:spcBef>
                 <a:spcPts val="0"/>
               </a:spcBef>
@@ -10316,6 +10637,9 @@
           <a:lstStyle/>
           <a:p>
             <a:pPr algn="ctr">
+              <a:lnSpc>
+                <a:spcPct val="135000"/>
+              </a:lnSpc>
               <a:spcBef>
                 <a:spcPts val="0"/>
               </a:spcBef>
@@ -10356,6 +10680,9 @@
           <a:lstStyle/>
           <a:p>
             <a:pPr algn="ctr">
+              <a:lnSpc>
+                <a:spcPct val="135000"/>
+              </a:lnSpc>
               <a:spcBef>
                 <a:spcPts val="0"/>
               </a:spcBef>
@@ -10383,8 +10710,8 @@
         </p:nvSpPr>
         <p:spPr>
           <a:xfrm>
-            <a:off x="3346704" y="2121408"/>
-            <a:ext cx="2459736" cy="594360"/>
+            <a:off x="3346704" y="2194560"/>
+            <a:ext cx="2459736" cy="521208"/>
           </a:xfrm>
           <a:prstGeom prst="rect">
             <a:avLst/>
@@ -10396,6 +10723,9 @@
           <a:lstStyle/>
           <a:p>
             <a:pPr algn="ctr">
+              <a:lnSpc>
+                <a:spcPct val="135000"/>
+              </a:lnSpc>
               <a:spcBef>
                 <a:spcPts val="0"/>
               </a:spcBef>
@@ -10524,6 +10854,9 @@
           <a:lstStyle/>
           <a:p>
             <a:pPr algn="ctr">
+              <a:lnSpc>
+                <a:spcPct val="135000"/>
+              </a:lnSpc>
               <a:spcBef>
                 <a:spcPts val="0"/>
               </a:spcBef>
@@ -10564,6 +10897,9 @@
           <a:lstStyle/>
           <a:p>
             <a:pPr algn="ctr">
+              <a:lnSpc>
+                <a:spcPct val="135000"/>
+              </a:lnSpc>
               <a:spcBef>
                 <a:spcPts val="0"/>
               </a:spcBef>
@@ -10591,8 +10927,8 @@
         </p:nvSpPr>
         <p:spPr>
           <a:xfrm>
-            <a:off x="6163056" y="2121408"/>
-            <a:ext cx="2459736" cy="594360"/>
+            <a:off x="6163056" y="2194560"/>
+            <a:ext cx="2459736" cy="521208"/>
           </a:xfrm>
           <a:prstGeom prst="rect">
             <a:avLst/>
@@ -10604,6 +10940,9 @@
           <a:lstStyle/>
           <a:p>
             <a:pPr algn="ctr">
+              <a:lnSpc>
+                <a:spcPct val="135000"/>
+              </a:lnSpc>
               <a:spcBef>
                 <a:spcPts val="0"/>
               </a:spcBef>
@@ -10732,6 +11071,9 @@
           <a:lstStyle/>
           <a:p>
             <a:pPr algn="ctr">
+              <a:lnSpc>
+                <a:spcPct val="135000"/>
+              </a:lnSpc>
               <a:spcBef>
                 <a:spcPts val="0"/>
               </a:spcBef>
@@ -10772,6 +11114,9 @@
           <a:lstStyle/>
           <a:p>
             <a:pPr algn="ctr">
+              <a:lnSpc>
+                <a:spcPct val="135000"/>
+              </a:lnSpc>
               <a:spcBef>
                 <a:spcPts val="0"/>
               </a:spcBef>
@@ -10799,8 +11144,8 @@
         </p:nvSpPr>
         <p:spPr>
           <a:xfrm>
-            <a:off x="530352" y="3675888"/>
-            <a:ext cx="2459736" cy="594360"/>
+            <a:off x="530352" y="3749040"/>
+            <a:ext cx="2459736" cy="521208"/>
           </a:xfrm>
           <a:prstGeom prst="rect">
             <a:avLst/>
@@ -10812,6 +11157,9 @@
           <a:lstStyle/>
           <a:p>
             <a:pPr algn="ctr">
+              <a:lnSpc>
+                <a:spcPct val="135000"/>
+              </a:lnSpc>
               <a:spcBef>
                 <a:spcPts val="0"/>
               </a:spcBef>
@@ -10940,6 +11288,9 @@
           <a:lstStyle/>
           <a:p>
             <a:pPr algn="ctr">
+              <a:lnSpc>
+                <a:spcPct val="135000"/>
+              </a:lnSpc>
               <a:spcBef>
                 <a:spcPts val="0"/>
               </a:spcBef>
@@ -10980,6 +11331,9 @@
           <a:lstStyle/>
           <a:p>
             <a:pPr algn="ctr">
+              <a:lnSpc>
+                <a:spcPct val="135000"/>
+              </a:lnSpc>
               <a:spcBef>
                 <a:spcPts val="0"/>
               </a:spcBef>
@@ -11007,8 +11361,8 @@
         </p:nvSpPr>
         <p:spPr>
           <a:xfrm>
-            <a:off x="3346704" y="3675888"/>
-            <a:ext cx="2459736" cy="594360"/>
+            <a:off x="3346704" y="3749040"/>
+            <a:ext cx="2459736" cy="521208"/>
           </a:xfrm>
           <a:prstGeom prst="rect">
             <a:avLst/>
@@ -11020,6 +11374,9 @@
           <a:lstStyle/>
           <a:p>
             <a:pPr algn="ctr">
+              <a:lnSpc>
+                <a:spcPct val="135000"/>
+              </a:lnSpc>
               <a:spcBef>
                 <a:spcPts val="0"/>
               </a:spcBef>
@@ -11148,6 +11505,9 @@
           <a:lstStyle/>
           <a:p>
             <a:pPr algn="ctr">
+              <a:lnSpc>
+                <a:spcPct val="135000"/>
+              </a:lnSpc>
               <a:spcBef>
                 <a:spcPts val="0"/>
               </a:spcBef>
@@ -11188,6 +11548,9 @@
           <a:lstStyle/>
           <a:p>
             <a:pPr algn="ctr">
+              <a:lnSpc>
+                <a:spcPct val="135000"/>
+              </a:lnSpc>
               <a:spcBef>
                 <a:spcPts val="0"/>
               </a:spcBef>
@@ -11215,8 +11578,8 @@
         </p:nvSpPr>
         <p:spPr>
           <a:xfrm>
-            <a:off x="6163056" y="3675888"/>
-            <a:ext cx="2459736" cy="594360"/>
+            <a:off x="6163056" y="3749040"/>
+            <a:ext cx="2459736" cy="521208"/>
           </a:xfrm>
           <a:prstGeom prst="rect">
             <a:avLst/>
@@ -11228,6 +11591,9 @@
           <a:lstStyle/>
           <a:p>
             <a:pPr algn="ctr">
+              <a:lnSpc>
+                <a:spcPct val="135000"/>
+              </a:lnSpc>
               <a:spcBef>
                 <a:spcPts val="0"/>
               </a:spcBef>
@@ -11311,6 +11677,9 @@
           <a:lstStyle/>
           <a:p>
             <a:pPr algn="l">
+              <a:lnSpc>
+                <a:spcPct val="135000"/>
+              </a:lnSpc>
               <a:spcBef>
                 <a:spcPts val="0"/>
               </a:spcBef>
@@ -11351,6 +11720,9 @@
           <a:lstStyle/>
           <a:p>
             <a:pPr algn="ctr">
+              <a:lnSpc>
+                <a:spcPct val="135000"/>
+              </a:lnSpc>
               <a:spcBef>
                 <a:spcPts val="0"/>
               </a:spcBef>
@@ -11391,6 +11763,9 @@
           <a:lstStyle/>
           <a:p>
             <a:pPr algn="r">
+              <a:lnSpc>
+                <a:spcPct val="135000"/>
+              </a:lnSpc>
               <a:spcBef>
                 <a:spcPts val="0"/>
               </a:spcBef>
@@ -11492,6 +11867,9 @@
           <a:lstStyle/>
           <a:p>
             <a:pPr algn="l">
+              <a:lnSpc>
+                <a:spcPct val="135000"/>
+              </a:lnSpc>
               <a:spcBef>
                 <a:spcPts val="0"/>
               </a:spcBef>
@@ -11532,6 +11910,9 @@
           <a:lstStyle/>
           <a:p>
             <a:pPr algn="l">
+              <a:lnSpc>
+                <a:spcPct val="135000"/>
+              </a:lnSpc>
               <a:spcBef>
                 <a:spcPts val="0"/>
               </a:spcBef>
@@ -11596,6 +11977,9 @@
           <a:lstStyle/>
           <a:p>
             <a:pPr algn="l">
+              <a:lnSpc>
+                <a:spcPct val="135000"/>
+              </a:lnSpc>
               <a:spcBef>
                 <a:spcPts val="0"/>
               </a:spcBef>
@@ -11636,6 +12020,9 @@
           <a:lstStyle/>
           <a:p>
             <a:pPr algn="l">
+              <a:lnSpc>
+                <a:spcPct val="135000"/>
+              </a:lnSpc>
               <a:spcBef>
                 <a:spcPts val="0"/>
               </a:spcBef>
@@ -11721,6 +12108,9 @@
           <a:lstStyle/>
           <a:p>
             <a:pPr algn="ctr">
+              <a:lnSpc>
+                <a:spcPct val="135000"/>
+              </a:lnSpc>
               <a:spcBef>
                 <a:spcPts val="0"/>
               </a:spcBef>
@@ -11806,6 +12196,9 @@
           <a:lstStyle/>
           <a:p>
             <a:pPr algn="ctr">
+              <a:lnSpc>
+                <a:spcPct val="135000"/>
+              </a:lnSpc>
               <a:spcBef>
                 <a:spcPts val="0"/>
               </a:spcBef>
@@ -11891,6 +12284,9 @@
           <a:lstStyle/>
           <a:p>
             <a:pPr algn="ctr">
+              <a:lnSpc>
+                <a:spcPct val="135000"/>
+              </a:lnSpc>
               <a:spcBef>
                 <a:spcPts val="0"/>
               </a:spcBef>
@@ -11976,6 +12372,9 @@
           <a:lstStyle/>
           <a:p>
             <a:pPr algn="ctr">
+              <a:lnSpc>
+                <a:spcPct val="135000"/>
+              </a:lnSpc>
               <a:spcBef>
                 <a:spcPts val="0"/>
               </a:spcBef>
@@ -12061,6 +12460,9 @@
           <a:lstStyle/>
           <a:p>
             <a:pPr algn="ctr">
+              <a:lnSpc>
+                <a:spcPct val="135000"/>
+              </a:lnSpc>
               <a:spcBef>
                 <a:spcPts val="0"/>
               </a:spcBef>
@@ -12146,6 +12548,9 @@
           <a:lstStyle/>
           <a:p>
             <a:pPr algn="ctr">
+              <a:lnSpc>
+                <a:spcPct val="135000"/>
+              </a:lnSpc>
               <a:spcBef>
                 <a:spcPts val="0"/>
               </a:spcBef>
@@ -12272,6 +12677,9 @@
           <a:lstStyle/>
           <a:p>
             <a:pPr algn="l">
+              <a:lnSpc>
+                <a:spcPct val="135000"/>
+              </a:lnSpc>
               <a:spcBef>
                 <a:spcPts val="0"/>
               </a:spcBef>
@@ -12299,8 +12707,8 @@
         </p:nvSpPr>
         <p:spPr>
           <a:xfrm>
-            <a:off x="685800" y="3374136"/>
-            <a:ext cx="7543800" cy="393192"/>
+            <a:off x="685800" y="3429000"/>
+            <a:ext cx="7543800" cy="338328"/>
           </a:xfrm>
           <a:prstGeom prst="rect">
             <a:avLst/>
@@ -12312,6 +12720,9 @@
           <a:lstStyle/>
           <a:p>
             <a:pPr algn="l">
+              <a:lnSpc>
+                <a:spcPct val="135000"/>
+              </a:lnSpc>
               <a:spcBef>
                 <a:spcPts val="0"/>
               </a:spcBef>
@@ -12395,6 +12806,9 @@
           <a:lstStyle/>
           <a:p>
             <a:pPr algn="l">
+              <a:lnSpc>
+                <a:spcPct val="135000"/>
+              </a:lnSpc>
               <a:spcBef>
                 <a:spcPts val="0"/>
               </a:spcBef>
@@ -12435,6 +12849,9 @@
           <a:lstStyle/>
           <a:p>
             <a:pPr algn="ctr">
+              <a:lnSpc>
+                <a:spcPct val="135000"/>
+              </a:lnSpc>
               <a:spcBef>
                 <a:spcPts val="0"/>
               </a:spcBef>
@@ -12475,6 +12892,9 @@
           <a:lstStyle/>
           <a:p>
             <a:pPr algn="r">
+              <a:lnSpc>
+                <a:spcPct val="135000"/>
+              </a:lnSpc>
               <a:spcBef>
                 <a:spcPts val="0"/>
               </a:spcBef>
@@ -12576,6 +12996,9 @@
           <a:lstStyle/>
           <a:p>
             <a:pPr algn="l">
+              <a:lnSpc>
+                <a:spcPct val="135000"/>
+              </a:lnSpc>
               <a:spcBef>
                 <a:spcPts val="0"/>
               </a:spcBef>
@@ -12616,6 +13039,9 @@
           <a:lstStyle/>
           <a:p>
             <a:pPr algn="l">
+              <a:lnSpc>
+                <a:spcPct val="135000"/>
+              </a:lnSpc>
               <a:spcBef>
                 <a:spcPts val="0"/>
               </a:spcBef>
@@ -12699,6 +13125,9 @@
           <a:lstStyle/>
           <a:p>
             <a:pPr algn="ctr">
+              <a:lnSpc>
+                <a:spcPct val="135000"/>
+              </a:lnSpc>
               <a:spcBef>
                 <a:spcPts val="0"/>
               </a:spcBef>
@@ -12739,6 +13168,9 @@
           <a:lstStyle/>
           <a:p>
             <a:pPr algn="l">
+              <a:lnSpc>
+                <a:spcPct val="135000"/>
+              </a:lnSpc>
               <a:spcBef>
                 <a:spcPts val="0"/>
               </a:spcBef>
@@ -12779,6 +13211,9 @@
           <a:lstStyle/>
           <a:p>
             <a:pPr algn="l">
+              <a:lnSpc>
+                <a:spcPct val="135000"/>
+              </a:lnSpc>
               <a:spcBef>
                 <a:spcPts val="0"/>
               </a:spcBef>
@@ -12862,6 +13297,9 @@
           <a:lstStyle/>
           <a:p>
             <a:pPr algn="ctr">
+              <a:lnSpc>
+                <a:spcPct val="135000"/>
+              </a:lnSpc>
               <a:spcBef>
                 <a:spcPts val="0"/>
               </a:spcBef>
@@ -12902,6 +13340,9 @@
           <a:lstStyle/>
           <a:p>
             <a:pPr algn="l">
+              <a:lnSpc>
+                <a:spcPct val="135000"/>
+              </a:lnSpc>
               <a:spcBef>
                 <a:spcPts val="0"/>
               </a:spcBef>
@@ -12942,6 +13383,9 @@
           <a:lstStyle/>
           <a:p>
             <a:pPr algn="l">
+              <a:lnSpc>
+                <a:spcPct val="135000"/>
+              </a:lnSpc>
               <a:spcBef>
                 <a:spcPts val="0"/>
               </a:spcBef>
@@ -13025,6 +13469,9 @@
           <a:lstStyle/>
           <a:p>
             <a:pPr algn="ctr">
+              <a:lnSpc>
+                <a:spcPct val="135000"/>
+              </a:lnSpc>
               <a:spcBef>
                 <a:spcPts val="0"/>
               </a:spcBef>
@@ -13065,6 +13512,9 @@
           <a:lstStyle/>
           <a:p>
             <a:pPr algn="l">
+              <a:lnSpc>
+                <a:spcPct val="135000"/>
+              </a:lnSpc>
               <a:spcBef>
                 <a:spcPts val="0"/>
               </a:spcBef>
@@ -13105,6 +13555,9 @@
           <a:lstStyle/>
           <a:p>
             <a:pPr algn="l">
+              <a:lnSpc>
+                <a:spcPct val="135000"/>
+              </a:lnSpc>
               <a:spcBef>
                 <a:spcPts val="0"/>
               </a:spcBef>
@@ -13188,6 +13641,9 @@
           <a:lstStyle/>
           <a:p>
             <a:pPr algn="ctr">
+              <a:lnSpc>
+                <a:spcPct val="135000"/>
+              </a:lnSpc>
               <a:spcBef>
                 <a:spcPts val="0"/>
               </a:spcBef>
@@ -13228,6 +13684,9 @@
           <a:lstStyle/>
           <a:p>
             <a:pPr algn="l">
+              <a:lnSpc>
+                <a:spcPct val="135000"/>
+              </a:lnSpc>
               <a:spcBef>
                 <a:spcPts val="0"/>
               </a:spcBef>
@@ -13268,6 +13727,9 @@
           <a:lstStyle/>
           <a:p>
             <a:pPr algn="l">
+              <a:lnSpc>
+                <a:spcPct val="135000"/>
+              </a:lnSpc>
               <a:spcBef>
                 <a:spcPts val="0"/>
               </a:spcBef>
@@ -13308,6 +13770,9 @@
           <a:lstStyle/>
           <a:p>
             <a:pPr algn="l">
+              <a:lnSpc>
+                <a:spcPct val="135000"/>
+              </a:lnSpc>
               <a:spcBef>
                 <a:spcPts val="0"/>
               </a:spcBef>
@@ -13391,6 +13856,9 @@
           <a:lstStyle/>
           <a:p>
             <a:pPr algn="l">
+              <a:lnSpc>
+                <a:spcPct val="135000"/>
+              </a:lnSpc>
               <a:spcBef>
                 <a:spcPts val="0"/>
               </a:spcBef>
@@ -13431,6 +13899,9 @@
           <a:lstStyle/>
           <a:p>
             <a:pPr algn="ctr">
+              <a:lnSpc>
+                <a:spcPct val="135000"/>
+              </a:lnSpc>
               <a:spcBef>
                 <a:spcPts val="0"/>
               </a:spcBef>
@@ -13471,6 +13942,9 @@
           <a:lstStyle/>
           <a:p>
             <a:pPr algn="r">
+              <a:lnSpc>
+                <a:spcPct val="135000"/>
+              </a:lnSpc>
               <a:spcBef>
                 <a:spcPts val="0"/>
               </a:spcBef>

--- a/toki/tokistorage-partnership-deck.pptx
+++ b/toki/tokistorage-partnership-deck.pptx
@@ -4095,7 +4095,7 @@
         <p:spPr>
           <a:xfrm>
             <a:off x="594360" y="1463040"/>
-            <a:ext cx="2331720" cy="274320"/>
+            <a:ext cx="2331720" cy="457200"/>
           </a:xfrm>
           <a:prstGeom prst="rect">
             <a:avLst/>
@@ -4137,8 +4137,8 @@
         </p:nvSpPr>
         <p:spPr>
           <a:xfrm>
-            <a:off x="594360" y="1856232"/>
-            <a:ext cx="2331720" cy="2487168"/>
+            <a:off x="594360" y="2011680"/>
+            <a:ext cx="2331720" cy="2331720"/>
           </a:xfrm>
           <a:prstGeom prst="rect">
             <a:avLst/>
@@ -4269,7 +4269,7 @@
         <p:spPr>
           <a:xfrm>
             <a:off x="3410712" y="1463040"/>
-            <a:ext cx="2331720" cy="274320"/>
+            <a:ext cx="2331720" cy="457200"/>
           </a:xfrm>
           <a:prstGeom prst="rect">
             <a:avLst/>
@@ -4311,8 +4311,8 @@
         </p:nvSpPr>
         <p:spPr>
           <a:xfrm>
-            <a:off x="3410712" y="1856232"/>
-            <a:ext cx="2331720" cy="2487168"/>
+            <a:off x="3410712" y="2011680"/>
+            <a:ext cx="2331720" cy="2331720"/>
           </a:xfrm>
           <a:prstGeom prst="rect">
             <a:avLst/>
@@ -4443,7 +4443,7 @@
         <p:spPr>
           <a:xfrm>
             <a:off x="6227064" y="1463040"/>
-            <a:ext cx="2331720" cy="274320"/>
+            <a:ext cx="2331720" cy="457200"/>
           </a:xfrm>
           <a:prstGeom prst="rect">
             <a:avLst/>
@@ -4485,8 +4485,8 @@
         </p:nvSpPr>
         <p:spPr>
           <a:xfrm>
-            <a:off x="6227064" y="1856232"/>
-            <a:ext cx="2331720" cy="2487168"/>
+            <a:off x="6227064" y="2011680"/>
+            <a:ext cx="2331720" cy="2331720"/>
           </a:xfrm>
           <a:prstGeom prst="rect">
             <a:avLst/>
@@ -8202,7 +8202,7 @@
         <p:spPr>
           <a:xfrm>
             <a:off x="457200" y="1051560"/>
-            <a:ext cx="7863840" cy="960120"/>
+            <a:ext cx="7863840" cy="1051560"/>
           </a:xfrm>
           <a:prstGeom prst="rect">
             <a:avLst/>
@@ -8246,8 +8246,8 @@
         </p:nvSpPr>
         <p:spPr>
           <a:xfrm>
-            <a:off x="594360" y="1161288"/>
-            <a:ext cx="777240" cy="731520"/>
+            <a:off x="594360" y="1170432"/>
+            <a:ext cx="777240" cy="822960"/>
           </a:xfrm>
           <a:prstGeom prst="rect">
             <a:avLst/>
@@ -8289,8 +8289,8 @@
         </p:nvSpPr>
         <p:spPr>
           <a:xfrm>
-            <a:off x="594360" y="1161288"/>
-            <a:ext cx="777240" cy="731520"/>
+            <a:off x="594360" y="1170432"/>
+            <a:ext cx="777240" cy="822960"/>
           </a:xfrm>
           <a:prstGeom prst="rect">
             <a:avLst/>
@@ -8334,7 +8334,7 @@
         <p:spPr>
           <a:xfrm>
             <a:off x="1508760" y="1124712"/>
-            <a:ext cx="6675120" cy="256032"/>
+            <a:ext cx="6675120" cy="347472"/>
           </a:xfrm>
           <a:prstGeom prst="rect">
             <a:avLst/>
@@ -8376,8 +8376,8 @@
         </p:nvSpPr>
         <p:spPr>
           <a:xfrm>
-            <a:off x="1508760" y="1435608"/>
-            <a:ext cx="6675120" cy="292608"/>
+            <a:off x="1508760" y="1508760"/>
+            <a:ext cx="6675120" cy="310896"/>
           </a:xfrm>
           <a:prstGeom prst="rect">
             <a:avLst/>
@@ -8419,7 +8419,7 @@
         </p:nvSpPr>
         <p:spPr>
           <a:xfrm>
-            <a:off x="1508760" y="1746504"/>
+            <a:off x="1508760" y="1856232"/>
             <a:ext cx="6675120" cy="201168"/>
           </a:xfrm>
           <a:prstGeom prst="rect">
@@ -8462,8 +8462,8 @@
         </p:nvSpPr>
         <p:spPr>
           <a:xfrm>
-            <a:off x="457200" y="2121408"/>
-            <a:ext cx="7863840" cy="960120"/>
+            <a:off x="457200" y="2212848"/>
+            <a:ext cx="7863840" cy="1051560"/>
           </a:xfrm>
           <a:prstGeom prst="rect">
             <a:avLst/>
@@ -8507,8 +8507,8 @@
         </p:nvSpPr>
         <p:spPr>
           <a:xfrm>
-            <a:off x="594360" y="2231136"/>
-            <a:ext cx="777240" cy="731520"/>
+            <a:off x="594360" y="2331720"/>
+            <a:ext cx="777240" cy="822960"/>
           </a:xfrm>
           <a:prstGeom prst="rect">
             <a:avLst/>
@@ -8550,8 +8550,8 @@
         </p:nvSpPr>
         <p:spPr>
           <a:xfrm>
-            <a:off x="594360" y="2231136"/>
-            <a:ext cx="777240" cy="731520"/>
+            <a:off x="594360" y="2331720"/>
+            <a:ext cx="777240" cy="822960"/>
           </a:xfrm>
           <a:prstGeom prst="rect">
             <a:avLst/>
@@ -8594,8 +8594,8 @@
         </p:nvSpPr>
         <p:spPr>
           <a:xfrm>
-            <a:off x="1508760" y="2194560"/>
-            <a:ext cx="6675120" cy="256032"/>
+            <a:off x="1508760" y="2286000"/>
+            <a:ext cx="6675120" cy="347472"/>
           </a:xfrm>
           <a:prstGeom prst="rect">
             <a:avLst/>
@@ -8637,8 +8637,8 @@
         </p:nvSpPr>
         <p:spPr>
           <a:xfrm>
-            <a:off x="1508760" y="2505456"/>
-            <a:ext cx="6675120" cy="292608"/>
+            <a:off x="1508760" y="2670048"/>
+            <a:ext cx="6675120" cy="310896"/>
           </a:xfrm>
           <a:prstGeom prst="rect">
             <a:avLst/>
@@ -8680,7 +8680,7 @@
         </p:nvSpPr>
         <p:spPr>
           <a:xfrm>
-            <a:off x="1508760" y="2816352"/>
+            <a:off x="1508760" y="3017520"/>
             <a:ext cx="6675120" cy="201168"/>
           </a:xfrm>
           <a:prstGeom prst="rect">
@@ -8723,8 +8723,8 @@
         </p:nvSpPr>
         <p:spPr>
           <a:xfrm>
-            <a:off x="457200" y="3191256"/>
-            <a:ext cx="7863840" cy="960120"/>
+            <a:off x="457200" y="3374136"/>
+            <a:ext cx="7863840" cy="1051560"/>
           </a:xfrm>
           <a:prstGeom prst="rect">
             <a:avLst/>
@@ -8768,8 +8768,8 @@
         </p:nvSpPr>
         <p:spPr>
           <a:xfrm>
-            <a:off x="594360" y="3300984"/>
-            <a:ext cx="777240" cy="731520"/>
+            <a:off x="594360" y="3493008"/>
+            <a:ext cx="777240" cy="822960"/>
           </a:xfrm>
           <a:prstGeom prst="rect">
             <a:avLst/>
@@ -8811,8 +8811,8 @@
         </p:nvSpPr>
         <p:spPr>
           <a:xfrm>
-            <a:off x="594360" y="3300984"/>
-            <a:ext cx="777240" cy="731520"/>
+            <a:off x="594360" y="3493008"/>
+            <a:ext cx="777240" cy="822960"/>
           </a:xfrm>
           <a:prstGeom prst="rect">
             <a:avLst/>
@@ -8855,8 +8855,8 @@
         </p:nvSpPr>
         <p:spPr>
           <a:xfrm>
-            <a:off x="1508760" y="3264408"/>
-            <a:ext cx="6675120" cy="256032"/>
+            <a:off x="1508760" y="3447288"/>
+            <a:ext cx="6675120" cy="347472"/>
           </a:xfrm>
           <a:prstGeom prst="rect">
             <a:avLst/>
@@ -8898,8 +8898,8 @@
         </p:nvSpPr>
         <p:spPr>
           <a:xfrm>
-            <a:off x="1508760" y="3575304"/>
-            <a:ext cx="6675120" cy="292608"/>
+            <a:off x="1508760" y="3831336"/>
+            <a:ext cx="6675120" cy="310896"/>
           </a:xfrm>
           <a:prstGeom prst="rect">
             <a:avLst/>
@@ -8941,7 +8941,7 @@
         </p:nvSpPr>
         <p:spPr>
           <a:xfrm>
-            <a:off x="1508760" y="3886200"/>
+            <a:off x="1508760" y="4178808"/>
             <a:ext cx="6675120" cy="201168"/>
           </a:xfrm>
           <a:prstGeom prst="rect">
@@ -11948,8 +11948,8 @@
         </p:blipFill>
         <p:spPr>
           <a:xfrm>
-            <a:off x="457200" y="1051560"/>
-            <a:ext cx="731520" cy="731520"/>
+            <a:off x="457200" y="1024128"/>
+            <a:ext cx="914400" cy="914400"/>
           </a:xfrm>
           <a:prstGeom prst="rect">
             <a:avLst/>
@@ -11964,8 +11964,8 @@
         </p:nvSpPr>
         <p:spPr>
           <a:xfrm>
-            <a:off x="1325880" y="1051560"/>
-            <a:ext cx="6400800" cy="320040"/>
+            <a:off x="1508760" y="1078992"/>
+            <a:ext cx="6675120" cy="320040"/>
           </a:xfrm>
           <a:prstGeom prst="rect">
             <a:avLst/>
@@ -11988,7 +11988,7 @@
               </a:spcAft>
             </a:pPr>
             <a:r>
-              <a:rPr sz="1200" b="1">
+              <a:rPr sz="1300" b="1">
                 <a:solidFill>
                   <a:srgbClr val="1E293B"/>
                 </a:solidFill>
@@ -12007,8 +12007,8 @@
         </p:nvSpPr>
         <p:spPr>
           <a:xfrm>
-            <a:off x="1325880" y="1389888"/>
-            <a:ext cx="6858000" cy="868680"/>
+            <a:off x="1508760" y="1444752"/>
+            <a:ext cx="6675120" cy="1097280"/>
           </a:xfrm>
           <a:prstGeom prst="rect">
             <a:avLst/>
@@ -12050,8 +12050,8 @@
         </p:nvSpPr>
         <p:spPr>
           <a:xfrm>
-            <a:off x="1325880" y="2286000"/>
-            <a:ext cx="982980" cy="274320"/>
+            <a:off x="457200" y="2340864"/>
+            <a:ext cx="982980" cy="256032"/>
           </a:xfrm>
           <a:prstGeom prst="rect">
             <a:avLst/>
@@ -12095,8 +12095,8 @@
         </p:nvSpPr>
         <p:spPr>
           <a:xfrm>
-            <a:off x="1417320" y="2286000"/>
-            <a:ext cx="800100" cy="274320"/>
+            <a:off x="548640" y="2340864"/>
+            <a:ext cx="800100" cy="256032"/>
           </a:xfrm>
           <a:prstGeom prst="rect">
             <a:avLst/>
@@ -12119,7 +12119,7 @@
               </a:spcAft>
             </a:pPr>
             <a:r>
-              <a:rPr sz="750" b="0">
+              <a:rPr sz="800" b="0">
                 <a:solidFill>
                   <a:srgbClr val="475569"/>
                 </a:solidFill>
@@ -12138,8 +12138,8 @@
         </p:nvSpPr>
         <p:spPr>
           <a:xfrm>
-            <a:off x="2400300" y="2286000"/>
-            <a:ext cx="1463040" cy="274320"/>
+            <a:off x="1549908" y="2340864"/>
+            <a:ext cx="1463040" cy="256032"/>
           </a:xfrm>
           <a:prstGeom prst="rect">
             <a:avLst/>
@@ -12183,8 +12183,8 @@
         </p:nvSpPr>
         <p:spPr>
           <a:xfrm>
-            <a:off x="2491740" y="2286000"/>
-            <a:ext cx="1280160" cy="274320"/>
+            <a:off x="1641348" y="2340864"/>
+            <a:ext cx="1280160" cy="256032"/>
           </a:xfrm>
           <a:prstGeom prst="rect">
             <a:avLst/>
@@ -12207,7 +12207,7 @@
               </a:spcAft>
             </a:pPr>
             <a:r>
-              <a:rPr sz="750" b="0">
+              <a:rPr sz="800" b="0">
                 <a:solidFill>
                   <a:srgbClr val="475569"/>
                 </a:solidFill>
@@ -12226,8 +12226,8 @@
         </p:nvSpPr>
         <p:spPr>
           <a:xfrm>
-            <a:off x="3954780" y="2286000"/>
-            <a:ext cx="1120140" cy="274320"/>
+            <a:off x="3122676" y="2340864"/>
+            <a:ext cx="1120140" cy="256032"/>
           </a:xfrm>
           <a:prstGeom prst="rect">
             <a:avLst/>
@@ -12271,8 +12271,8 @@
         </p:nvSpPr>
         <p:spPr>
           <a:xfrm>
-            <a:off x="4046220" y="2286000"/>
-            <a:ext cx="937260" cy="274320"/>
+            <a:off x="3214116" y="2340864"/>
+            <a:ext cx="937260" cy="256032"/>
           </a:xfrm>
           <a:prstGeom prst="rect">
             <a:avLst/>
@@ -12295,7 +12295,7 @@
               </a:spcAft>
             </a:pPr>
             <a:r>
-              <a:rPr sz="750" b="0">
+              <a:rPr sz="800" b="0">
                 <a:solidFill>
                   <a:srgbClr val="475569"/>
                 </a:solidFill>
@@ -12314,8 +12314,8 @@
         </p:nvSpPr>
         <p:spPr>
           <a:xfrm>
-            <a:off x="5166360" y="2286000"/>
-            <a:ext cx="1257300" cy="274320"/>
+            <a:off x="4352544" y="2340864"/>
+            <a:ext cx="1257300" cy="256032"/>
           </a:xfrm>
           <a:prstGeom prst="rect">
             <a:avLst/>
@@ -12359,8 +12359,8 @@
         </p:nvSpPr>
         <p:spPr>
           <a:xfrm>
-            <a:off x="5257800" y="2286000"/>
-            <a:ext cx="1074420" cy="274320"/>
+            <a:off x="4443984" y="2340864"/>
+            <a:ext cx="1074420" cy="256032"/>
           </a:xfrm>
           <a:prstGeom prst="rect">
             <a:avLst/>
@@ -12383,7 +12383,7 @@
               </a:spcAft>
             </a:pPr>
             <a:r>
-              <a:rPr sz="750" b="0">
+              <a:rPr sz="800" b="0">
                 <a:solidFill>
                   <a:srgbClr val="475569"/>
                 </a:solidFill>
@@ -12402,8 +12402,8 @@
         </p:nvSpPr>
         <p:spPr>
           <a:xfrm>
-            <a:off x="6515100" y="2286000"/>
-            <a:ext cx="1051560" cy="274320"/>
+            <a:off x="5719572" y="2340864"/>
+            <a:ext cx="1051560" cy="256032"/>
           </a:xfrm>
           <a:prstGeom prst="rect">
             <a:avLst/>
@@ -12447,8 +12447,8 @@
         </p:nvSpPr>
         <p:spPr>
           <a:xfrm>
-            <a:off x="6606540" y="2286000"/>
-            <a:ext cx="868680" cy="274320"/>
+            <a:off x="5811012" y="2340864"/>
+            <a:ext cx="868680" cy="256032"/>
           </a:xfrm>
           <a:prstGeom prst="rect">
             <a:avLst/>
@@ -12471,7 +12471,7 @@
               </a:spcAft>
             </a:pPr>
             <a:r>
-              <a:rPr sz="750" b="0">
+              <a:rPr sz="800" b="0">
                 <a:solidFill>
                   <a:srgbClr val="475569"/>
                 </a:solidFill>
@@ -12490,8 +12490,8 @@
         </p:nvSpPr>
         <p:spPr>
           <a:xfrm>
-            <a:off x="1325880" y="2606040"/>
-            <a:ext cx="1325880" cy="274320"/>
+            <a:off x="6880860" y="2340864"/>
+            <a:ext cx="1325880" cy="256032"/>
           </a:xfrm>
           <a:prstGeom prst="rect">
             <a:avLst/>
@@ -12535,8 +12535,8 @@
         </p:nvSpPr>
         <p:spPr>
           <a:xfrm>
-            <a:off x="1417320" y="2606040"/>
-            <a:ext cx="1143000" cy="274320"/>
+            <a:off x="6972300" y="2340864"/>
+            <a:ext cx="1143000" cy="256032"/>
           </a:xfrm>
           <a:prstGeom prst="rect">
             <a:avLst/>
@@ -12559,7 +12559,7 @@
               </a:spcAft>
             </a:pPr>
             <a:r>
-              <a:rPr sz="750" b="0">
+              <a:rPr sz="800" b="0">
                 <a:solidFill>
                   <a:srgbClr val="475569"/>
                 </a:solidFill>
@@ -12578,8 +12578,8 @@
         </p:nvSpPr>
         <p:spPr>
           <a:xfrm>
-            <a:off x="457200" y="3044952"/>
-            <a:ext cx="7863840" cy="777240"/>
+            <a:off x="457200" y="2843784"/>
+            <a:ext cx="7863840" cy="804672"/>
           </a:xfrm>
           <a:prstGeom prst="rect">
             <a:avLst/>
@@ -12621,8 +12621,8 @@
         </p:nvSpPr>
         <p:spPr>
           <a:xfrm>
-            <a:off x="457200" y="3044952"/>
-            <a:ext cx="54864" cy="777240"/>
+            <a:off x="457200" y="2843784"/>
+            <a:ext cx="54864" cy="804672"/>
           </a:xfrm>
           <a:prstGeom prst="rect">
             <a:avLst/>
@@ -12664,8 +12664,8 @@
         </p:nvSpPr>
         <p:spPr>
           <a:xfrm>
-            <a:off x="685800" y="3118104"/>
-            <a:ext cx="7543800" cy="237744"/>
+            <a:off x="685800" y="2935224"/>
+            <a:ext cx="7543800" cy="256032"/>
           </a:xfrm>
           <a:prstGeom prst="rect">
             <a:avLst/>
@@ -12707,8 +12707,8 @@
         </p:nvSpPr>
         <p:spPr>
           <a:xfrm>
-            <a:off x="685800" y="3429000"/>
-            <a:ext cx="7543800" cy="338328"/>
+            <a:off x="685800" y="3246120"/>
+            <a:ext cx="7543800" cy="329184"/>
           </a:xfrm>
           <a:prstGeom prst="rect">
             <a:avLst/>

--- a/toki/tokistorage-partnership-deck.pptx
+++ b/toki/tokistorage-partnership-deck.pptx
@@ -8376,7 +8376,7 @@
         </p:nvSpPr>
         <p:spPr>
           <a:xfrm>
-            <a:off x="1508760" y="1508760"/>
+            <a:off x="1508760" y="1453896"/>
             <a:ext cx="6675120" cy="310896"/>
           </a:xfrm>
           <a:prstGeom prst="rect">
@@ -8419,7 +8419,7 @@
         </p:nvSpPr>
         <p:spPr>
           <a:xfrm>
-            <a:off x="1508760" y="1856232"/>
+            <a:off x="1508760" y="1783080"/>
             <a:ext cx="6675120" cy="201168"/>
           </a:xfrm>
           <a:prstGeom prst="rect">
@@ -8637,7 +8637,7 @@
         </p:nvSpPr>
         <p:spPr>
           <a:xfrm>
-            <a:off x="1508760" y="2670048"/>
+            <a:off x="1508760" y="2615184"/>
             <a:ext cx="6675120" cy="310896"/>
           </a:xfrm>
           <a:prstGeom prst="rect">
@@ -8680,7 +8680,7 @@
         </p:nvSpPr>
         <p:spPr>
           <a:xfrm>
-            <a:off x="1508760" y="3017520"/>
+            <a:off x="1508760" y="2944368"/>
             <a:ext cx="6675120" cy="201168"/>
           </a:xfrm>
           <a:prstGeom prst="rect">
@@ -8898,7 +8898,7 @@
         </p:nvSpPr>
         <p:spPr>
           <a:xfrm>
-            <a:off x="1508760" y="3831336"/>
+            <a:off x="1508760" y="3776472"/>
             <a:ext cx="6675120" cy="310896"/>
           </a:xfrm>
           <a:prstGeom prst="rect">
@@ -8941,7 +8941,7 @@
         </p:nvSpPr>
         <p:spPr>
           <a:xfrm>
-            <a:off x="1508760" y="4178808"/>
+            <a:off x="1508760" y="4105656"/>
             <a:ext cx="6675120" cy="201168"/>
           </a:xfrm>
           <a:prstGeom prst="rect">
@@ -12050,8 +12050,8 @@
         </p:nvSpPr>
         <p:spPr>
           <a:xfrm>
-            <a:off x="457200" y="2340864"/>
-            <a:ext cx="982980" cy="256032"/>
+            <a:off x="457200" y="2459736"/>
+            <a:ext cx="1028700" cy="310896"/>
           </a:xfrm>
           <a:prstGeom prst="rect">
             <a:avLst/>
@@ -12095,8 +12095,8 @@
         </p:nvSpPr>
         <p:spPr>
           <a:xfrm>
-            <a:off x="548640" y="2340864"/>
-            <a:ext cx="800100" cy="256032"/>
+            <a:off x="548640" y="2459736"/>
+            <a:ext cx="845820" cy="310896"/>
           </a:xfrm>
           <a:prstGeom prst="rect">
             <a:avLst/>
@@ -12138,8 +12138,8 @@
         </p:nvSpPr>
         <p:spPr>
           <a:xfrm>
-            <a:off x="1549908" y="2340864"/>
-            <a:ext cx="1463040" cy="256032"/>
+            <a:off x="1595628" y="2459736"/>
+            <a:ext cx="1508760" cy="310896"/>
           </a:xfrm>
           <a:prstGeom prst="rect">
             <a:avLst/>
@@ -12183,8 +12183,8 @@
         </p:nvSpPr>
         <p:spPr>
           <a:xfrm>
-            <a:off x="1641348" y="2340864"/>
-            <a:ext cx="1280160" cy="256032"/>
+            <a:off x="1687068" y="2459736"/>
+            <a:ext cx="1325880" cy="310896"/>
           </a:xfrm>
           <a:prstGeom prst="rect">
             <a:avLst/>
@@ -12226,8 +12226,8 @@
         </p:nvSpPr>
         <p:spPr>
           <a:xfrm>
-            <a:off x="3122676" y="2340864"/>
-            <a:ext cx="1120140" cy="256032"/>
+            <a:off x="3214116" y="2459736"/>
+            <a:ext cx="1165860" cy="310896"/>
           </a:xfrm>
           <a:prstGeom prst="rect">
             <a:avLst/>
@@ -12271,8 +12271,8 @@
         </p:nvSpPr>
         <p:spPr>
           <a:xfrm>
-            <a:off x="3214116" y="2340864"/>
-            <a:ext cx="937260" cy="256032"/>
+            <a:off x="3305556" y="2459736"/>
+            <a:ext cx="982980" cy="310896"/>
           </a:xfrm>
           <a:prstGeom prst="rect">
             <a:avLst/>
@@ -12314,8 +12314,8 @@
         </p:nvSpPr>
         <p:spPr>
           <a:xfrm>
-            <a:off x="4352544" y="2340864"/>
-            <a:ext cx="1257300" cy="256032"/>
+            <a:off x="4489704" y="2459736"/>
+            <a:ext cx="1303020" cy="310896"/>
           </a:xfrm>
           <a:prstGeom prst="rect">
             <a:avLst/>
@@ -12359,8 +12359,8 @@
         </p:nvSpPr>
         <p:spPr>
           <a:xfrm>
-            <a:off x="4443984" y="2340864"/>
-            <a:ext cx="1074420" cy="256032"/>
+            <a:off x="4581144" y="2459736"/>
+            <a:ext cx="1120140" cy="310896"/>
           </a:xfrm>
           <a:prstGeom prst="rect">
             <a:avLst/>
@@ -12402,8 +12402,8 @@
         </p:nvSpPr>
         <p:spPr>
           <a:xfrm>
-            <a:off x="5719572" y="2340864"/>
-            <a:ext cx="1051560" cy="256032"/>
+            <a:off x="5902452" y="2459736"/>
+            <a:ext cx="1097280" cy="310896"/>
           </a:xfrm>
           <a:prstGeom prst="rect">
             <a:avLst/>
@@ -12447,8 +12447,8 @@
         </p:nvSpPr>
         <p:spPr>
           <a:xfrm>
-            <a:off x="5811012" y="2340864"/>
-            <a:ext cx="868680" cy="256032"/>
+            <a:off x="5993892" y="2459736"/>
+            <a:ext cx="914400" cy="310896"/>
           </a:xfrm>
           <a:prstGeom prst="rect">
             <a:avLst/>
@@ -12490,8 +12490,8 @@
         </p:nvSpPr>
         <p:spPr>
           <a:xfrm>
-            <a:off x="6880860" y="2340864"/>
-            <a:ext cx="1325880" cy="256032"/>
+            <a:off x="7109460" y="2459736"/>
+            <a:ext cx="1371600" cy="310896"/>
           </a:xfrm>
           <a:prstGeom prst="rect">
             <a:avLst/>
@@ -12535,8 +12535,8 @@
         </p:nvSpPr>
         <p:spPr>
           <a:xfrm>
-            <a:off x="6972300" y="2340864"/>
-            <a:ext cx="1143000" cy="256032"/>
+            <a:off x="7200900" y="2459736"/>
+            <a:ext cx="1188720" cy="310896"/>
           </a:xfrm>
           <a:prstGeom prst="rect">
             <a:avLst/>
@@ -12578,7 +12578,7 @@
         </p:nvSpPr>
         <p:spPr>
           <a:xfrm>
-            <a:off x="457200" y="2843784"/>
+            <a:off x="457200" y="2962656"/>
             <a:ext cx="7863840" cy="804672"/>
           </a:xfrm>
           <a:prstGeom prst="rect">
@@ -12621,7 +12621,7 @@
         </p:nvSpPr>
         <p:spPr>
           <a:xfrm>
-            <a:off x="457200" y="2843784"/>
+            <a:off x="457200" y="2962656"/>
             <a:ext cx="54864" cy="804672"/>
           </a:xfrm>
           <a:prstGeom prst="rect">
@@ -12664,7 +12664,7 @@
         </p:nvSpPr>
         <p:spPr>
           <a:xfrm>
-            <a:off x="685800" y="2935224"/>
+            <a:off x="685800" y="3054096"/>
             <a:ext cx="7543800" cy="256032"/>
           </a:xfrm>
           <a:prstGeom prst="rect">
@@ -12707,7 +12707,7 @@
         </p:nvSpPr>
         <p:spPr>
           <a:xfrm>
-            <a:off x="685800" y="3246120"/>
+            <a:off x="685800" y="3364992"/>
             <a:ext cx="7543800" cy="329184"/>
           </a:xfrm>
           <a:prstGeom prst="rect">

--- a/toki/tokistorage-partnership-deck.pptx
+++ b/toki/tokistorage-partnership-deck.pptx
@@ -8376,7 +8376,7 @@
         </p:nvSpPr>
         <p:spPr>
           <a:xfrm>
-            <a:off x="1508760" y="1453896"/>
+            <a:off x="1508760" y="1417320"/>
             <a:ext cx="6675120" cy="310896"/>
           </a:xfrm>
           <a:prstGeom prst="rect">
@@ -8637,7 +8637,7 @@
         </p:nvSpPr>
         <p:spPr>
           <a:xfrm>
-            <a:off x="1508760" y="2615184"/>
+            <a:off x="1508760" y="2578608"/>
             <a:ext cx="6675120" cy="310896"/>
           </a:xfrm>
           <a:prstGeom prst="rect">
@@ -8898,7 +8898,7 @@
         </p:nvSpPr>
         <p:spPr>
           <a:xfrm>
-            <a:off x="1508760" y="3776472"/>
+            <a:off x="1508760" y="3739896"/>
             <a:ext cx="6675120" cy="310896"/>
           </a:xfrm>
           <a:prstGeom prst="rect">
@@ -12051,7 +12051,7 @@
         <p:spPr>
           <a:xfrm>
             <a:off x="457200" y="2459736"/>
-            <a:ext cx="1028700" cy="310896"/>
+            <a:ext cx="1028700" cy="347472"/>
           </a:xfrm>
           <a:prstGeom prst="rect">
             <a:avLst/>
@@ -12096,7 +12096,7 @@
         <p:spPr>
           <a:xfrm>
             <a:off x="548640" y="2459736"/>
-            <a:ext cx="845820" cy="310896"/>
+            <a:ext cx="845820" cy="347472"/>
           </a:xfrm>
           <a:prstGeom prst="rect">
             <a:avLst/>
@@ -12139,7 +12139,7 @@
         <p:spPr>
           <a:xfrm>
             <a:off x="1595628" y="2459736"/>
-            <a:ext cx="1508760" cy="310896"/>
+            <a:ext cx="1508760" cy="347472"/>
           </a:xfrm>
           <a:prstGeom prst="rect">
             <a:avLst/>
@@ -12184,7 +12184,7 @@
         <p:spPr>
           <a:xfrm>
             <a:off x="1687068" y="2459736"/>
-            <a:ext cx="1325880" cy="310896"/>
+            <a:ext cx="1325880" cy="347472"/>
           </a:xfrm>
           <a:prstGeom prst="rect">
             <a:avLst/>
@@ -12227,7 +12227,7 @@
         <p:spPr>
           <a:xfrm>
             <a:off x="3214116" y="2459736"/>
-            <a:ext cx="1165860" cy="310896"/>
+            <a:ext cx="1165860" cy="347472"/>
           </a:xfrm>
           <a:prstGeom prst="rect">
             <a:avLst/>
@@ -12272,7 +12272,7 @@
         <p:spPr>
           <a:xfrm>
             <a:off x="3305556" y="2459736"/>
-            <a:ext cx="982980" cy="310896"/>
+            <a:ext cx="982980" cy="347472"/>
           </a:xfrm>
           <a:prstGeom prst="rect">
             <a:avLst/>
@@ -12315,7 +12315,7 @@
         <p:spPr>
           <a:xfrm>
             <a:off x="4489704" y="2459736"/>
-            <a:ext cx="1303020" cy="310896"/>
+            <a:ext cx="1303020" cy="347472"/>
           </a:xfrm>
           <a:prstGeom prst="rect">
             <a:avLst/>
@@ -12360,7 +12360,7 @@
         <p:spPr>
           <a:xfrm>
             <a:off x="4581144" y="2459736"/>
-            <a:ext cx="1120140" cy="310896"/>
+            <a:ext cx="1120140" cy="347472"/>
           </a:xfrm>
           <a:prstGeom prst="rect">
             <a:avLst/>
@@ -12403,7 +12403,7 @@
         <p:spPr>
           <a:xfrm>
             <a:off x="5902452" y="2459736"/>
-            <a:ext cx="1097280" cy="310896"/>
+            <a:ext cx="1097280" cy="347472"/>
           </a:xfrm>
           <a:prstGeom prst="rect">
             <a:avLst/>
@@ -12448,7 +12448,7 @@
         <p:spPr>
           <a:xfrm>
             <a:off x="5993892" y="2459736"/>
-            <a:ext cx="914400" cy="310896"/>
+            <a:ext cx="914400" cy="347472"/>
           </a:xfrm>
           <a:prstGeom prst="rect">
             <a:avLst/>
@@ -12491,7 +12491,7 @@
         <p:spPr>
           <a:xfrm>
             <a:off x="7109460" y="2459736"/>
-            <a:ext cx="1371600" cy="310896"/>
+            <a:ext cx="1371600" cy="347472"/>
           </a:xfrm>
           <a:prstGeom prst="rect">
             <a:avLst/>
@@ -12536,7 +12536,7 @@
         <p:spPr>
           <a:xfrm>
             <a:off x="7200900" y="2459736"/>
-            <a:ext cx="1188720" cy="310896"/>
+            <a:ext cx="1188720" cy="347472"/>
           </a:xfrm>
           <a:prstGeom prst="rect">
             <a:avLst/>
@@ -12579,7 +12579,7 @@
         <p:spPr>
           <a:xfrm>
             <a:off x="457200" y="2962656"/>
-            <a:ext cx="7863840" cy="804672"/>
+            <a:ext cx="7863840" cy="914400"/>
           </a:xfrm>
           <a:prstGeom prst="rect">
             <a:avLst/>
@@ -12622,7 +12622,7 @@
         <p:spPr>
           <a:xfrm>
             <a:off x="457200" y="2962656"/>
-            <a:ext cx="54864" cy="804672"/>
+            <a:ext cx="54864" cy="914400"/>
           </a:xfrm>
           <a:prstGeom prst="rect">
             <a:avLst/>
@@ -12708,7 +12708,7 @@
         <p:spPr>
           <a:xfrm>
             <a:off x="685800" y="3364992"/>
-            <a:ext cx="7543800" cy="329184"/>
+            <a:ext cx="7543800" cy="438912"/>
           </a:xfrm>
           <a:prstGeom prst="rect">
             <a:avLst/>

--- a/toki/tokistorage-partnership-deck.pptx
+++ b/toki/tokistorage-partnership-deck.pptx
@@ -12051,7 +12051,7 @@
         <p:spPr>
           <a:xfrm>
             <a:off x="457200" y="2459736"/>
-            <a:ext cx="1028700" cy="347472"/>
+            <a:ext cx="1028700" cy="402336"/>
           </a:xfrm>
           <a:prstGeom prst="rect">
             <a:avLst/>
@@ -12096,7 +12096,7 @@
         <p:spPr>
           <a:xfrm>
             <a:off x="548640" y="2459736"/>
-            <a:ext cx="845820" cy="347472"/>
+            <a:ext cx="845820" cy="402336"/>
           </a:xfrm>
           <a:prstGeom prst="rect">
             <a:avLst/>
@@ -12139,7 +12139,7 @@
         <p:spPr>
           <a:xfrm>
             <a:off x="1595628" y="2459736"/>
-            <a:ext cx="1508760" cy="347472"/>
+            <a:ext cx="1508760" cy="402336"/>
           </a:xfrm>
           <a:prstGeom prst="rect">
             <a:avLst/>
@@ -12184,7 +12184,7 @@
         <p:spPr>
           <a:xfrm>
             <a:off x="1687068" y="2459736"/>
-            <a:ext cx="1325880" cy="347472"/>
+            <a:ext cx="1325880" cy="402336"/>
           </a:xfrm>
           <a:prstGeom prst="rect">
             <a:avLst/>
@@ -12227,7 +12227,7 @@
         <p:spPr>
           <a:xfrm>
             <a:off x="3214116" y="2459736"/>
-            <a:ext cx="1165860" cy="347472"/>
+            <a:ext cx="1165860" cy="402336"/>
           </a:xfrm>
           <a:prstGeom prst="rect">
             <a:avLst/>
@@ -12272,7 +12272,7 @@
         <p:spPr>
           <a:xfrm>
             <a:off x="3305556" y="2459736"/>
-            <a:ext cx="982980" cy="347472"/>
+            <a:ext cx="982980" cy="402336"/>
           </a:xfrm>
           <a:prstGeom prst="rect">
             <a:avLst/>
@@ -12315,7 +12315,7 @@
         <p:spPr>
           <a:xfrm>
             <a:off x="4489704" y="2459736"/>
-            <a:ext cx="1303020" cy="347472"/>
+            <a:ext cx="1303020" cy="402336"/>
           </a:xfrm>
           <a:prstGeom prst="rect">
             <a:avLst/>
@@ -12360,7 +12360,7 @@
         <p:spPr>
           <a:xfrm>
             <a:off x="4581144" y="2459736"/>
-            <a:ext cx="1120140" cy="347472"/>
+            <a:ext cx="1120140" cy="402336"/>
           </a:xfrm>
           <a:prstGeom prst="rect">
             <a:avLst/>
@@ -12403,7 +12403,7 @@
         <p:spPr>
           <a:xfrm>
             <a:off x="5902452" y="2459736"/>
-            <a:ext cx="1097280" cy="347472"/>
+            <a:ext cx="1097280" cy="402336"/>
           </a:xfrm>
           <a:prstGeom prst="rect">
             <a:avLst/>
@@ -12448,7 +12448,7 @@
         <p:spPr>
           <a:xfrm>
             <a:off x="5993892" y="2459736"/>
-            <a:ext cx="914400" cy="347472"/>
+            <a:ext cx="914400" cy="402336"/>
           </a:xfrm>
           <a:prstGeom prst="rect">
             <a:avLst/>
@@ -12491,7 +12491,7 @@
         <p:spPr>
           <a:xfrm>
             <a:off x="7109460" y="2459736"/>
-            <a:ext cx="1371600" cy="347472"/>
+            <a:ext cx="1371600" cy="402336"/>
           </a:xfrm>
           <a:prstGeom prst="rect">
             <a:avLst/>
@@ -12536,7 +12536,7 @@
         <p:spPr>
           <a:xfrm>
             <a:off x="7200900" y="2459736"/>
-            <a:ext cx="1188720" cy="347472"/>
+            <a:ext cx="1188720" cy="402336"/>
           </a:xfrm>
           <a:prstGeom prst="rect">
             <a:avLst/>
@@ -12579,7 +12579,7 @@
         <p:spPr>
           <a:xfrm>
             <a:off x="457200" y="2962656"/>
-            <a:ext cx="7863840" cy="914400"/>
+            <a:ext cx="7863840" cy="1051560"/>
           </a:xfrm>
           <a:prstGeom prst="rect">
             <a:avLst/>
@@ -12622,7 +12622,7 @@
         <p:spPr>
           <a:xfrm>
             <a:off x="457200" y="2962656"/>
-            <a:ext cx="54864" cy="914400"/>
+            <a:ext cx="54864" cy="1051560"/>
           </a:xfrm>
           <a:prstGeom prst="rect">
             <a:avLst/>
@@ -12708,7 +12708,7 @@
         <p:spPr>
           <a:xfrm>
             <a:off x="685800" y="3364992"/>
-            <a:ext cx="7543800" cy="438912"/>
+            <a:ext cx="7543800" cy="576072"/>
           </a:xfrm>
           <a:prstGeom prst="rect">
             <a:avLst/>

--- a/toki/tokistorage-partnership-deck.pptx
+++ b/toki/tokistorage-partnership-deck.pptx
@@ -3352,7 +3352,7 @@
                 </a:solidFill>
                 <a:latin typeface="IPAPGothic"/>
               </a:rPr>
-              <a:t>Universal Need株式会社</a:t>
+              <a:t>TokiStorage</a:t>
             </a:r>
           </a:p>
         </p:txBody>
@@ -3628,10 +3628,10 @@
                 </a:solidFill>
                 <a:latin typeface="IPAPGothic"/>
               </a:rPr>
-              <a:t>本資料は、Universal Need株式会社（以下「当社」）がパートナーシップのご検討のために作成した機密資料です。
-本資料に含まれる情報は、当社の現時点における見解および計画に基づくものであり、その正確性、完全性、または将来の結果を保証するものではありません。
+              <a:t>本資料は、TokiStorage（佐藤卓也）がパートナーシップのご検討のために作成した機密資料です。
+本資料に含まれる情報は、現時点における見解および計画に基づくものであり、その正確性、完全性、または将来の結果を保証するものではありません。
 本資料は情報提供を目的としており、法的助言、投資助言、その他いかなる専門的助言を構成するものでもありません。
-本資料の全部または一部を、当社の事前の書面による同意なく、第三者に開示、複製、または配布することを禁じます。</a:t>
+本資料の全部または一部を、事前の書面による同意なく、第三者に開示、複製、または配布することを禁じます。</a:t>
             </a:r>
           </a:p>
         </p:txBody>
@@ -3674,7 +3674,7 @@
                 </a:solidFill>
                 <a:latin typeface="IPAPGothic"/>
               </a:rPr>
-              <a:t>© 2026 Universal Need株式会社. All rights reserved.</a:t>
+              <a:t>© 2026 TokiStorage / 佐藤卓也. All rights reserved.</a:t>
             </a:r>
           </a:p>
         </p:txBody>
@@ -3760,7 +3760,7 @@
                 </a:solidFill>
                 <a:latin typeface="IPAPGothic"/>
               </a:rPr>
-              <a:t>Universal Need株式会社 — TokiStorage</a:t>
+              <a:t>TokiStorage</a:t>
             </a:r>
           </a:p>
         </p:txBody>
@@ -11994,7 +11994,7 @@
                 </a:solidFill>
                 <a:latin typeface="IPAPGothic"/>
               </a:rPr>
-              <a:t>佐藤卓也 — Universal Need株式会社 代表</a:t>
+              <a:t>佐藤卓也 — TokiStorage 代表</a:t>
             </a:r>
           </a:p>
         </p:txBody>
@@ -13787,7 +13787,7 @@
                 </a:solidFill>
                 <a:latin typeface="IPAPGothic"/>
               </a:rPr>
-              <a:t>Universal Need株式会社　代表取締役　佐藤卓也</a:t>
+              <a:t>TokiStorage　佐藤卓也</a:t>
             </a:r>
           </a:p>
         </p:txBody>
@@ -13873,7 +13873,7 @@
                 </a:solidFill>
                 <a:latin typeface="IPAPGothic"/>
               </a:rPr>
-              <a:t>Universal Need株式会社 — TokiStorage</a:t>
+              <a:t>TokiStorage</a:t>
             </a:r>
           </a:p>
         </p:txBody>
